--- a/Documents/Team G - Intellectual Property in Software.pptx
+++ b/Documents/Team G - Intellectual Property in Software.pptx
@@ -2381,7 +2381,7 @@
         <p:spPr>
           <a:xfrm>
             <a:off x="720" y="720"/>
-            <a:ext cx="10076760" cy="7556760"/>
+            <a:ext cx="10076400" cy="7556400"/>
           </a:xfrm>
           <a:prstGeom prst="rect">
             <a:avLst/>
@@ -2604,7 +2604,7 @@
         <p:spPr>
           <a:xfrm>
             <a:off x="720" y="720"/>
-            <a:ext cx="10076760" cy="7556760"/>
+            <a:ext cx="10076400" cy="7556400"/>
           </a:xfrm>
           <a:prstGeom prst="rect">
             <a:avLst/>
@@ -2814,7 +2814,7 @@
         <p:spPr>
           <a:xfrm>
             <a:off x="504000" y="301320"/>
-            <a:ext cx="9068760" cy="1259280"/>
+            <a:ext cx="9068400" cy="1258920"/>
           </a:xfrm>
           <a:prstGeom prst="rect">
             <a:avLst/>
@@ -2855,7 +2855,7 @@
         <p:spPr>
           <a:xfrm>
             <a:off x="504000" y="1769040"/>
-            <a:ext cx="9068760" cy="4381560"/>
+            <a:ext cx="9068400" cy="4381200"/>
           </a:xfrm>
           <a:prstGeom prst="rect">
             <a:avLst/>
@@ -2958,7 +2958,7 @@
         <p:spPr>
           <a:xfrm>
             <a:off x="1296000" y="1800000"/>
-            <a:ext cx="7319160" cy="3943440"/>
+            <a:ext cx="7318800" cy="3943080"/>
           </a:xfrm>
           <a:prstGeom prst="rect">
             <a:avLst/>
@@ -3019,14 +3019,14 @@
       </p:grpSpPr>
       <p:sp>
         <p:nvSpPr>
-          <p:cNvPr id="93" name="CustomShape 1"/>
+          <p:cNvPr id="95" name="CustomShape 1"/>
           <p:cNvSpPr/>
           <p:nvPr/>
         </p:nvSpPr>
         <p:spPr>
           <a:xfrm>
             <a:off x="504000" y="301320"/>
-            <a:ext cx="9071280" cy="1261440"/>
+            <a:ext cx="9070920" cy="1261080"/>
           </a:xfrm>
           <a:prstGeom prst="rect">
             <a:avLst/>
@@ -3056,14 +3056,14 @@
       </p:sp>
       <p:sp>
         <p:nvSpPr>
-          <p:cNvPr id="94" name="CustomShape 2"/>
+          <p:cNvPr id="96" name="CustomShape 2"/>
           <p:cNvSpPr/>
           <p:nvPr/>
         </p:nvSpPr>
         <p:spPr>
           <a:xfrm>
             <a:off x="504000" y="1768680"/>
-            <a:ext cx="9071280" cy="4383360"/>
+            <a:ext cx="9070920" cy="4383000"/>
           </a:xfrm>
           <a:prstGeom prst="rect">
             <a:avLst/>
@@ -3208,14 +3208,14 @@
       </p:grpSpPr>
       <p:sp>
         <p:nvSpPr>
-          <p:cNvPr id="95" name="CustomShape 1"/>
+          <p:cNvPr id="97" name="CustomShape 1"/>
           <p:cNvSpPr/>
           <p:nvPr/>
         </p:nvSpPr>
         <p:spPr>
           <a:xfrm>
             <a:off x="504000" y="301320"/>
-            <a:ext cx="9071280" cy="1261440"/>
+            <a:ext cx="9070920" cy="1261080"/>
           </a:xfrm>
           <a:prstGeom prst="rect">
             <a:avLst/>
@@ -3245,14 +3245,14 @@
       </p:sp>
       <p:sp>
         <p:nvSpPr>
-          <p:cNvPr id="96" name="CustomShape 2"/>
+          <p:cNvPr id="98" name="CustomShape 2"/>
           <p:cNvSpPr/>
           <p:nvPr/>
         </p:nvSpPr>
         <p:spPr>
           <a:xfrm>
             <a:off x="504000" y="1768680"/>
-            <a:ext cx="9071280" cy="4383360"/>
+            <a:ext cx="9070920" cy="4383000"/>
           </a:xfrm>
           <a:prstGeom prst="rect">
             <a:avLst/>
@@ -3389,14 +3389,14 @@
       </p:grpSpPr>
       <p:sp>
         <p:nvSpPr>
-          <p:cNvPr id="97" name="CustomShape 1"/>
+          <p:cNvPr id="99" name="CustomShape 1"/>
           <p:cNvSpPr/>
           <p:nvPr/>
         </p:nvSpPr>
         <p:spPr>
           <a:xfrm>
             <a:off x="504000" y="301320"/>
-            <a:ext cx="9071280" cy="1261440"/>
+            <a:ext cx="9070920" cy="1261080"/>
           </a:xfrm>
           <a:prstGeom prst="rect">
             <a:avLst/>
@@ -3409,14 +3409,14 @@
       </p:sp>
       <p:sp>
         <p:nvSpPr>
-          <p:cNvPr id="98" name="CustomShape 2"/>
+          <p:cNvPr id="100" name="CustomShape 2"/>
           <p:cNvSpPr/>
           <p:nvPr/>
         </p:nvSpPr>
         <p:spPr>
           <a:xfrm>
             <a:off x="504000" y="1768680"/>
-            <a:ext cx="9071280" cy="4383360"/>
+            <a:ext cx="9070920" cy="4383000"/>
           </a:xfrm>
           <a:prstGeom prst="rect">
             <a:avLst/>
@@ -3519,14 +3519,14 @@
       </p:grpSpPr>
       <p:sp>
         <p:nvSpPr>
-          <p:cNvPr id="99" name="CustomShape 1"/>
+          <p:cNvPr id="101" name="CustomShape 1"/>
           <p:cNvSpPr/>
           <p:nvPr/>
         </p:nvSpPr>
         <p:spPr>
           <a:xfrm>
             <a:off x="504000" y="301320"/>
-            <a:ext cx="9071280" cy="1261440"/>
+            <a:ext cx="9070920" cy="1261080"/>
           </a:xfrm>
           <a:prstGeom prst="rect">
             <a:avLst/>
@@ -3551,14 +3551,14 @@
       </p:sp>
       <p:sp>
         <p:nvSpPr>
-          <p:cNvPr id="100" name="CustomShape 2"/>
+          <p:cNvPr id="102" name="CustomShape 2"/>
           <p:cNvSpPr/>
           <p:nvPr/>
         </p:nvSpPr>
         <p:spPr>
           <a:xfrm>
             <a:off x="504000" y="1768680"/>
-            <a:ext cx="9071280" cy="4383360"/>
+            <a:ext cx="9070920" cy="4383000"/>
           </a:xfrm>
           <a:prstGeom prst="rect">
             <a:avLst/>
@@ -3737,14 +3737,14 @@
       </p:grpSpPr>
       <p:sp>
         <p:nvSpPr>
-          <p:cNvPr id="101" name="CustomShape 1"/>
+          <p:cNvPr id="103" name="CustomShape 1"/>
           <p:cNvSpPr/>
           <p:nvPr/>
         </p:nvSpPr>
         <p:spPr>
           <a:xfrm>
             <a:off x="504000" y="301320"/>
-            <a:ext cx="9071280" cy="1261440"/>
+            <a:ext cx="9070920" cy="1261080"/>
           </a:xfrm>
           <a:prstGeom prst="rect">
             <a:avLst/>
@@ -3769,14 +3769,14 @@
       </p:sp>
       <p:sp>
         <p:nvSpPr>
-          <p:cNvPr id="102" name="CustomShape 2"/>
+          <p:cNvPr id="104" name="CustomShape 2"/>
           <p:cNvSpPr/>
           <p:nvPr/>
         </p:nvSpPr>
         <p:spPr>
           <a:xfrm>
             <a:off x="504000" y="1768680"/>
-            <a:ext cx="9071280" cy="4383360"/>
+            <a:ext cx="9070920" cy="4383000"/>
           </a:xfrm>
           <a:prstGeom prst="rect">
             <a:avLst/>
@@ -4133,7 +4133,7 @@
         <p:spPr>
           <a:xfrm>
             <a:off x="504000" y="301320"/>
-            <a:ext cx="9071280" cy="1261080"/>
+            <a:ext cx="9070920" cy="1260720"/>
           </a:xfrm>
           <a:prstGeom prst="rect">
             <a:avLst/>
@@ -4174,7 +4174,7 @@
         <p:spPr>
           <a:xfrm>
             <a:off x="504000" y="1768680"/>
-            <a:ext cx="9071280" cy="4383360"/>
+            <a:ext cx="9070920" cy="4383000"/>
           </a:xfrm>
           <a:prstGeom prst="rect">
             <a:avLst/>
@@ -4282,7 +4282,7 @@
         <p:spPr>
           <a:xfrm>
             <a:off x="504000" y="301320"/>
-            <a:ext cx="9071280" cy="1261440"/>
+            <a:ext cx="9070920" cy="1261080"/>
           </a:xfrm>
           <a:prstGeom prst="rect">
             <a:avLst/>
@@ -4319,7 +4319,7 @@
         <p:spPr>
           <a:xfrm>
             <a:off x="504000" y="1768680"/>
-            <a:ext cx="9071280" cy="4383360"/>
+            <a:ext cx="9070920" cy="4383000"/>
           </a:xfrm>
           <a:prstGeom prst="rect">
             <a:avLst/>
@@ -4479,7 +4479,7 @@
         <p:spPr>
           <a:xfrm>
             <a:off x="504000" y="301320"/>
-            <a:ext cx="9071280" cy="1261440"/>
+            <a:ext cx="9070920" cy="1261080"/>
           </a:xfrm>
           <a:prstGeom prst="rect">
             <a:avLst/>
@@ -4516,7 +4516,7 @@
         <p:spPr>
           <a:xfrm>
             <a:off x="504000" y="1768680"/>
-            <a:ext cx="9071280" cy="4383360"/>
+            <a:ext cx="9070920" cy="4383000"/>
           </a:xfrm>
           <a:prstGeom prst="rect">
             <a:avLst/>
@@ -4660,7 +4660,7 @@
         <p:spPr>
           <a:xfrm>
             <a:off x="504000" y="301320"/>
-            <a:ext cx="9071280" cy="1261440"/>
+            <a:ext cx="9070920" cy="1261080"/>
           </a:xfrm>
           <a:prstGeom prst="rect">
             <a:avLst/>
@@ -4697,7 +4697,7 @@
         <p:spPr>
           <a:xfrm>
             <a:off x="504000" y="1768680"/>
-            <a:ext cx="9071280" cy="4383360"/>
+            <a:ext cx="9070920" cy="4383000"/>
           </a:xfrm>
           <a:prstGeom prst="rect">
             <a:avLst/>
@@ -4866,7 +4866,7 @@
         <p:spPr>
           <a:xfrm>
             <a:off x="504000" y="301320"/>
-            <a:ext cx="9071280" cy="1261440"/>
+            <a:ext cx="9070920" cy="1261080"/>
           </a:xfrm>
           <a:prstGeom prst="rect">
             <a:avLst/>
@@ -4903,7 +4903,7 @@
         <p:spPr>
           <a:xfrm>
             <a:off x="504000" y="1768680"/>
-            <a:ext cx="9071280" cy="4383360"/>
+            <a:ext cx="9070920" cy="4383000"/>
           </a:xfrm>
           <a:prstGeom prst="rect">
             <a:avLst/>
@@ -5047,7 +5047,7 @@
         <p:spPr>
           <a:xfrm>
             <a:off x="504000" y="301320"/>
-            <a:ext cx="9071280" cy="1261440"/>
+            <a:ext cx="9070920" cy="1261080"/>
           </a:xfrm>
           <a:prstGeom prst="rect">
             <a:avLst/>
@@ -5084,7 +5084,7 @@
         <p:spPr>
           <a:xfrm>
             <a:off x="504000" y="1768680"/>
-            <a:ext cx="9071280" cy="4383360"/>
+            <a:ext cx="9070920" cy="4383000"/>
           </a:xfrm>
           <a:prstGeom prst="rect">
             <a:avLst/>
@@ -5170,6 +5170,56 @@
           </a:p>
         </p:txBody>
       </p:sp>
+      <p:pic>
+        <p:nvPicPr>
+          <p:cNvPr id="89" name="" descr=""/>
+          <p:cNvPicPr/>
+          <p:nvPr/>
+        </p:nvPicPr>
+        <p:blipFill>
+          <a:blip r:embed="rId1"/>
+          <a:stretch>
+            <a:fillRect/>
+          </a:stretch>
+        </p:blipFill>
+        <p:spPr>
+          <a:xfrm>
+            <a:off x="432000" y="4477320"/>
+            <a:ext cx="4837680" cy="2506680"/>
+          </a:xfrm>
+          <a:prstGeom prst="rect">
+            <a:avLst/>
+          </a:prstGeom>
+          <a:ln>
+            <a:noFill/>
+          </a:ln>
+        </p:spPr>
+      </p:pic>
+      <p:pic>
+        <p:nvPicPr>
+          <p:cNvPr id="90" name="" descr=""/>
+          <p:cNvPicPr/>
+          <p:nvPr/>
+        </p:nvPicPr>
+        <p:blipFill>
+          <a:blip r:embed="rId2"/>
+          <a:stretch>
+            <a:fillRect/>
+          </a:stretch>
+        </p:blipFill>
+        <p:spPr>
+          <a:xfrm>
+            <a:off x="5849280" y="4680000"/>
+            <a:ext cx="2286720" cy="2304000"/>
+          </a:xfrm>
+          <a:prstGeom prst="rect">
+            <a:avLst/>
+          </a:prstGeom>
+          <a:ln>
+            <a:noFill/>
+          </a:ln>
+        </p:spPr>
+      </p:pic>
     </p:spTree>
   </p:cSld>
   <p:timing>
@@ -5221,14 +5271,14 @@
       </p:grpSpPr>
       <p:sp>
         <p:nvSpPr>
-          <p:cNvPr id="89" name="CustomShape 1"/>
+          <p:cNvPr id="91" name="CustomShape 1"/>
           <p:cNvSpPr/>
           <p:nvPr/>
         </p:nvSpPr>
         <p:spPr>
           <a:xfrm>
             <a:off x="504000" y="301320"/>
-            <a:ext cx="9071280" cy="1261440"/>
+            <a:ext cx="9070920" cy="1261080"/>
           </a:xfrm>
           <a:prstGeom prst="rect">
             <a:avLst/>
@@ -5258,14 +5308,14 @@
       </p:sp>
       <p:sp>
         <p:nvSpPr>
-          <p:cNvPr id="90" name="CustomShape 2"/>
+          <p:cNvPr id="92" name="CustomShape 2"/>
           <p:cNvSpPr/>
           <p:nvPr/>
         </p:nvSpPr>
         <p:spPr>
           <a:xfrm>
             <a:off x="504000" y="1768680"/>
-            <a:ext cx="9071280" cy="4383360"/>
+            <a:ext cx="9070920" cy="4383000"/>
           </a:xfrm>
           <a:prstGeom prst="rect">
             <a:avLst/>
@@ -5402,14 +5452,14 @@
       </p:grpSpPr>
       <p:sp>
         <p:nvSpPr>
-          <p:cNvPr id="91" name="CustomShape 1"/>
+          <p:cNvPr id="93" name="CustomShape 1"/>
           <p:cNvSpPr/>
           <p:nvPr/>
         </p:nvSpPr>
         <p:spPr>
           <a:xfrm>
             <a:off x="504000" y="301320"/>
-            <a:ext cx="9071280" cy="1261440"/>
+            <a:ext cx="9070920" cy="1261080"/>
           </a:xfrm>
           <a:prstGeom prst="rect">
             <a:avLst/>
@@ -5439,14 +5489,14 @@
       </p:sp>
       <p:sp>
         <p:nvSpPr>
-          <p:cNvPr id="92" name="CustomShape 2"/>
+          <p:cNvPr id="94" name="CustomShape 2"/>
           <p:cNvSpPr/>
           <p:nvPr/>
         </p:nvSpPr>
         <p:spPr>
           <a:xfrm>
             <a:off x="504000" y="1768680"/>
-            <a:ext cx="9071280" cy="4383360"/>
+            <a:ext cx="9070920" cy="4383000"/>
           </a:xfrm>
           <a:prstGeom prst="rect">
             <a:avLst/>

--- a/Documents/Team G - Intellectual Property in Software.pptx
+++ b/Documents/Team G - Intellectual Property in Software.pptx
@@ -20,6 +20,7 @@
     <p:sldId id="267" r:id="rId15"/>
     <p:sldId id="268" r:id="rId16"/>
     <p:sldId id="269" r:id="rId17"/>
+    <p:sldId id="270" r:id="rId18"/>
   </p:sldIdLst>
   <p:sldSz cx="10080625" cy="7559675"/>
   <p:notesSz cx="7559675" cy="10691812"/>
@@ -2381,7 +2382,7 @@
         <p:spPr>
           <a:xfrm>
             <a:off x="720" y="720"/>
-            <a:ext cx="10076400" cy="7556400"/>
+            <a:ext cx="10076040" cy="7556040"/>
           </a:xfrm>
           <a:prstGeom prst="rect">
             <a:avLst/>
@@ -2604,7 +2605,7 @@
         <p:spPr>
           <a:xfrm>
             <a:off x="720" y="720"/>
-            <a:ext cx="10076400" cy="7556400"/>
+            <a:ext cx="10076040" cy="7556040"/>
           </a:xfrm>
           <a:prstGeom prst="rect">
             <a:avLst/>
@@ -2814,7 +2815,7 @@
         <p:spPr>
           <a:xfrm>
             <a:off x="504000" y="301320"/>
-            <a:ext cx="9068400" cy="1258920"/>
+            <a:ext cx="9068040" cy="1258560"/>
           </a:xfrm>
           <a:prstGeom prst="rect">
             <a:avLst/>
@@ -2855,7 +2856,7 @@
         <p:spPr>
           <a:xfrm>
             <a:off x="504000" y="1769040"/>
-            <a:ext cx="9068400" cy="4381200"/>
+            <a:ext cx="9068040" cy="4380840"/>
           </a:xfrm>
           <a:prstGeom prst="rect">
             <a:avLst/>
@@ -2958,7 +2959,7 @@
         <p:spPr>
           <a:xfrm>
             <a:off x="1296000" y="1800000"/>
-            <a:ext cx="7318800" cy="3943080"/>
+            <a:ext cx="7318440" cy="3942720"/>
           </a:xfrm>
           <a:prstGeom prst="rect">
             <a:avLst/>
@@ -3003,6 +3004,13 @@
 <file path=ppt/slides/slide10.xml><?xml version="1.0" encoding="utf-8"?>
 <p:sld xmlns:a="http://schemas.openxmlformats.org/drawingml/2006/main" xmlns:p="http://schemas.openxmlformats.org/presentationml/2006/main" xmlns:r="http://schemas.openxmlformats.org/officeDocument/2006/relationships">
   <p:cSld>
+    <p:bg>
+      <p:bgPr>
+        <a:solidFill>
+          <a:srgbClr val="ffffff"/>
+        </a:solidFill>
+      </p:bgPr>
+    </p:bg>
     <p:spTree>
       <p:nvGrpSpPr>
         <p:cNvPr id="1" name=""/>
@@ -3019,173 +3027,141 @@
       </p:grpSpPr>
       <p:sp>
         <p:nvSpPr>
-          <p:cNvPr id="95" name="CustomShape 1"/>
-          <p:cNvSpPr/>
+          <p:cNvPr id="98" name="TextShape 1"/>
+          <p:cNvSpPr txBox="1"/>
           <p:nvPr/>
         </p:nvSpPr>
         <p:spPr>
           <a:xfrm>
-            <a:off x="504000" y="301320"/>
-            <a:ext cx="9070920" cy="1261080"/>
-          </a:xfrm>
-          <a:prstGeom prst="rect">
-            <a:avLst/>
-          </a:prstGeom>
-          <a:noFill/>
-          <a:ln>
-            <a:noFill/>
-          </a:ln>
+            <a:off x="504360" y="301320"/>
+            <a:ext cx="9071640" cy="1262160"/>
+          </a:xfrm>
+          <a:prstGeom prst="rect">
+            <a:avLst/>
+          </a:prstGeom>
         </p:spPr>
         <p:txBody>
           <a:bodyPr lIns="0" rIns="0" tIns="0" bIns="0" anchor="ctr"/>
           <a:p>
             <a:pPr algn="ctr">
-              <a:lnSpc>
-                <a:spcPct val="100000"/>
-              </a:lnSpc>
-            </a:pPr>
-            <a:r>
-              <a:rPr lang="en-IE" sz="4400">
-                <a:latin typeface="Arial"/>
-              </a:rPr>
-              <a:t>Trade Secret</a:t>
-            </a:r>
-            <a:endParaRPr/>
-          </a:p>
-        </p:txBody>
-      </p:sp>
-      <p:sp>
-        <p:nvSpPr>
-          <p:cNvPr id="96" name="CustomShape 2"/>
-          <p:cNvSpPr/>
+              <a:buSzPct val="45000"/>
+              <a:buFont typeface="StarSymbol"/>
+              <a:buChar char=""/>
+            </a:pPr>
+            <a:r>
+              <a:rPr lang="en-US" sz="4400">
+                <a:latin typeface="Arial"/>
+                <a:ea typeface="宋体"/>
+              </a:rPr>
+              <a:t>Copyright</a:t>
+            </a:r>
+            <a:endParaRPr/>
+          </a:p>
+        </p:txBody>
+      </p:sp>
+      <p:sp>
+        <p:nvSpPr>
+          <p:cNvPr id="99" name="TextShape 2"/>
+          <p:cNvSpPr txBox="1"/>
           <p:nvPr/>
         </p:nvSpPr>
         <p:spPr>
           <a:xfrm>
-            <a:off x="504000" y="1768680"/>
-            <a:ext cx="9070920" cy="4383000"/>
-          </a:xfrm>
-          <a:prstGeom prst="rect">
-            <a:avLst/>
-          </a:prstGeom>
-          <a:noFill/>
-          <a:ln>
-            <a:noFill/>
-          </a:ln>
+            <a:off x="720360" y="1978920"/>
+            <a:ext cx="8713080" cy="4174560"/>
+          </a:xfrm>
+          <a:prstGeom prst="rect">
+            <a:avLst/>
+          </a:prstGeom>
         </p:spPr>
         <p:txBody>
           <a:bodyPr lIns="0" rIns="0" tIns="0" bIns="0"/>
           <a:p>
+            <a:pPr/>
+            <a:r>
+              <a:rPr lang="en-US" sz="3200">
+                <a:latin typeface="Arial"/>
+                <a:ea typeface="宋体"/>
+              </a:rPr>
+              <a:t>F</a:t>
+            </a:r>
+            <a:r>
+              <a:rPr lang="en-US" sz="3200">
+                <a:latin typeface="Arial"/>
+              </a:rPr>
+              <a:t>eatures of copyright :</a:t>
+            </a:r>
+            <a:endParaRPr/>
+          </a:p>
+          <a:p>
+            <a:pPr/>
+            <a:endParaRPr/>
+          </a:p>
+          <a:p>
             <a:pPr>
-              <a:lnSpc>
-                <a:spcPct val="100000"/>
-              </a:lnSpc>
-            </a:pPr>
-            <a:endParaRPr/>
-          </a:p>
-          <a:p>
-            <a:pPr>
-              <a:lnSpc>
-                <a:spcPct val="100000"/>
-              </a:lnSpc>
+              <a:buSzPct val="25000"/>
               <a:buFont typeface="Wingdings" charset="2"/>
               <a:buChar char=""/>
             </a:pPr>
             <a:r>
-              <a:rPr lang="en-IE" sz="3200">
-                <a:latin typeface="Arial"/>
-              </a:rPr>
-              <a:t>Any formula, pattern, process, tool or mechanism</a:t>
+              <a:rPr lang="en-US" sz="3200">
+                <a:latin typeface="Arial"/>
+              </a:rPr>
+              <a:t>Made upon creation</a:t>
             </a:r>
             <a:endParaRPr/>
           </a:p>
           <a:p>
             <a:pPr>
-              <a:lnSpc>
-                <a:spcPct val="100000"/>
-              </a:lnSpc>
-            </a:pPr>
-            <a:endParaRPr/>
-          </a:p>
-          <a:p>
-            <a:pPr>
-              <a:lnSpc>
-                <a:spcPct val="100000"/>
-              </a:lnSpc>
+              <a:buSzPct val="25000"/>
               <a:buFont typeface="Wingdings" charset="2"/>
               <a:buChar char=""/>
             </a:pPr>
-            <a:r>
-              <a:rPr lang="en-IE" sz="3200">
-                <a:latin typeface="Arial"/>
-              </a:rPr>
-              <a:t>Theoretically lasts forever</a:t>
+            <a:endParaRPr/>
+          </a:p>
+          <a:p>
+            <a:pPr/>
+            <a:r>
+              <a:rPr lang="en-US" sz="3200">
+                <a:latin typeface="Arial"/>
+                <a:ea typeface="宋体"/>
+              </a:rPr>
+              <a:t>    </a:t>
+            </a:r>
+            <a:r>
+              <a:rPr lang="en-US" sz="3200">
+                <a:latin typeface="Arial"/>
+              </a:rPr>
+              <a:t>Applying is unnecessary</a:t>
             </a:r>
             <a:endParaRPr/>
           </a:p>
           <a:p>
             <a:pPr>
-              <a:lnSpc>
-                <a:spcPct val="100000"/>
-              </a:lnSpc>
-            </a:pPr>
-            <a:endParaRPr/>
-          </a:p>
-          <a:p>
-            <a:pPr>
-              <a:lnSpc>
-                <a:spcPct val="100000"/>
-              </a:lnSpc>
+              <a:buSzPct val="25000"/>
               <a:buFont typeface="Wingdings" charset="2"/>
               <a:buChar char=""/>
             </a:pPr>
-            <a:r>
-              <a:rPr lang="en-IE" sz="3200">
-                <a:latin typeface="Arial"/>
-              </a:rPr>
-              <a:t>Subject to theft and not “infringement”</a:t>
-            </a:r>
             <a:endParaRPr/>
           </a:p>
           <a:p>
             <a:pPr>
-              <a:lnSpc>
-                <a:spcPct val="100000"/>
-              </a:lnSpc>
-            </a:pPr>
+              <a:buSzPct val="25000"/>
+              <a:buFont typeface="Wingdings" charset="2"/>
+              <a:buChar char=""/>
+            </a:pPr>
+            <a:r>
+              <a:rPr lang="en-US" sz="3200">
+                <a:latin typeface="Arial"/>
+              </a:rPr>
+              <a:t>Copyright protection is lifelong</a:t>
+            </a:r>
             <a:endParaRPr/>
           </a:p>
         </p:txBody>
       </p:sp>
     </p:spTree>
   </p:cSld>
-  <p:timing>
-    <p:tnLst>
-      <p:par>
-        <p:cTn id="19" dur="indefinite" restart="never" nodeType="tmRoot">
-          <p:childTnLst>
-            <p:seq>
-              <p:cTn id="20" nodeType="mainSeq"/>
-              <p:prevCondLst>
-                <p:cond delay="0" evt="onPrev">
-                  <p:tgtEl>
-                    <p:sldTgt/>
-                  </p:tgtEl>
-                </p:cond>
-              </p:prevCondLst>
-              <p:nextCondLst>
-                <p:cond delay="0" evt="onNext">
-                  <p:tgtEl>
-                    <p:sldTgt/>
-                  </p:tgtEl>
-                </p:cond>
-              </p:nextCondLst>
-            </p:seq>
-          </p:childTnLst>
-        </p:cTn>
-      </p:par>
-    </p:tnLst>
-  </p:timing>
 </p:sld>
 </file>
 
@@ -3208,14 +3184,14 @@
       </p:grpSpPr>
       <p:sp>
         <p:nvSpPr>
-          <p:cNvPr id="97" name="CustomShape 1"/>
+          <p:cNvPr id="100" name="CustomShape 1"/>
           <p:cNvSpPr/>
           <p:nvPr/>
         </p:nvSpPr>
         <p:spPr>
           <a:xfrm>
             <a:off x="504000" y="301320"/>
-            <a:ext cx="9070920" cy="1261080"/>
+            <a:ext cx="9070560" cy="1260720"/>
           </a:xfrm>
           <a:prstGeom prst="rect">
             <a:avLst/>
@@ -3237,22 +3213,22 @@
               <a:rPr lang="en-IE" sz="4400">
                 <a:latin typeface="Arial"/>
               </a:rPr>
-              <a:t>Conclusion</a:t>
-            </a:r>
-            <a:endParaRPr/>
-          </a:p>
-        </p:txBody>
-      </p:sp>
-      <p:sp>
-        <p:nvSpPr>
-          <p:cNvPr id="98" name="CustomShape 2"/>
+              <a:t>Trade Secret</a:t>
+            </a:r>
+            <a:endParaRPr/>
+          </a:p>
+        </p:txBody>
+      </p:sp>
+      <p:sp>
+        <p:nvSpPr>
+          <p:cNvPr id="101" name="CustomShape 2"/>
           <p:cNvSpPr/>
           <p:nvPr/>
         </p:nvSpPr>
         <p:spPr>
           <a:xfrm>
             <a:off x="504000" y="1768680"/>
-            <a:ext cx="9070920" cy="4383000"/>
+            <a:ext cx="9070560" cy="4382640"/>
           </a:xfrm>
           <a:prstGeom prst="rect">
             <a:avLst/>
@@ -3284,7 +3260,7 @@
               <a:rPr lang="en-IE" sz="3200">
                 <a:latin typeface="Arial"/>
               </a:rPr>
-              <a:t>Intellectual properties are important!</a:t>
+              <a:t>Any formula, pattern, process, tool or mechanism</a:t>
             </a:r>
             <a:endParaRPr/>
           </a:p>
@@ -3308,7 +3284,7 @@
               <a:rPr lang="en-IE" sz="3200">
                 <a:latin typeface="Arial"/>
               </a:rPr>
-              <a:t>Take caution with your projects!</a:t>
+              <a:t>Theoretically lasts forever</a:t>
             </a:r>
             <a:endParaRPr/>
           </a:p>
@@ -3332,8 +3308,16 @@
               <a:rPr lang="en-IE" sz="3200">
                 <a:latin typeface="Arial"/>
               </a:rPr>
-              <a:t>Protect your hard work!</a:t>
-            </a:r>
+              <a:t>Subject to theft and not “infringement”</a:t>
+            </a:r>
+            <a:endParaRPr/>
+          </a:p>
+          <a:p>
+            <a:pPr>
+              <a:lnSpc>
+                <a:spcPct val="100000"/>
+              </a:lnSpc>
+            </a:pPr>
             <a:endParaRPr/>
           </a:p>
         </p:txBody>
@@ -3343,10 +3327,10 @@
   <p:timing>
     <p:tnLst>
       <p:par>
-        <p:cTn id="21" dur="indefinite" restart="never" nodeType="tmRoot">
+        <p:cTn id="15" dur="indefinite" restart="never" nodeType="tmRoot">
           <p:childTnLst>
             <p:seq>
-              <p:cTn id="22" nodeType="mainSeq"/>
+              <p:cTn id="16" nodeType="mainSeq"/>
               <p:prevCondLst>
                 <p:cond delay="0" evt="onPrev">
                   <p:tgtEl>
@@ -3389,14 +3373,14 @@
       </p:grpSpPr>
       <p:sp>
         <p:nvSpPr>
-          <p:cNvPr id="99" name="CustomShape 1"/>
+          <p:cNvPr id="102" name="CustomShape 1"/>
           <p:cNvSpPr/>
           <p:nvPr/>
         </p:nvSpPr>
         <p:spPr>
           <a:xfrm>
             <a:off x="504000" y="301320"/>
-            <a:ext cx="9070920" cy="1261080"/>
+            <a:ext cx="9070560" cy="1260720"/>
           </a:xfrm>
           <a:prstGeom prst="rect">
             <a:avLst/>
@@ -3406,17 +3390,34 @@
             <a:noFill/>
           </a:ln>
         </p:spPr>
-      </p:sp>
-      <p:sp>
-        <p:nvSpPr>
-          <p:cNvPr id="100" name="CustomShape 2"/>
+        <p:txBody>
+          <a:bodyPr lIns="0" rIns="0" tIns="0" bIns="0" anchor="ctr"/>
+          <a:p>
+            <a:pPr algn="ctr">
+              <a:lnSpc>
+                <a:spcPct val="100000"/>
+              </a:lnSpc>
+            </a:pPr>
+            <a:r>
+              <a:rPr lang="en-IE" sz="4400">
+                <a:latin typeface="Arial"/>
+              </a:rPr>
+              <a:t>Conclusion</a:t>
+            </a:r>
+            <a:endParaRPr/>
+          </a:p>
+        </p:txBody>
+      </p:sp>
+      <p:sp>
+        <p:nvSpPr>
+          <p:cNvPr id="103" name="CustomShape 2"/>
           <p:cNvSpPr/>
           <p:nvPr/>
         </p:nvSpPr>
         <p:spPr>
           <a:xfrm>
             <a:off x="504000" y="1768680"/>
-            <a:ext cx="9070920" cy="4383000"/>
+            <a:ext cx="9070560" cy="4382640"/>
           </a:xfrm>
           <a:prstGeom prst="rect">
             <a:avLst/>
@@ -3429,7 +3430,7 @@
         <p:txBody>
           <a:bodyPr lIns="0" rIns="0" tIns="0" bIns="0"/>
           <a:p>
-            <a:pPr algn="ctr">
+            <a:pPr>
               <a:lnSpc>
                 <a:spcPct val="100000"/>
               </a:lnSpc>
@@ -3437,15 +3438,23 @@
             <a:endParaRPr/>
           </a:p>
           <a:p>
-            <a:pPr algn="ctr">
+            <a:pPr>
               <a:lnSpc>
                 <a:spcPct val="100000"/>
               </a:lnSpc>
-            </a:pPr>
-            <a:endParaRPr/>
-          </a:p>
-          <a:p>
-            <a:pPr algn="ctr">
+              <a:buFont typeface="Wingdings" charset="2"/>
+              <a:buChar char=""/>
+            </a:pPr>
+            <a:r>
+              <a:rPr lang="en-IE" sz="3200">
+                <a:latin typeface="Arial"/>
+              </a:rPr>
+              <a:t>Intellectual properties are important!</a:t>
+            </a:r>
+            <a:endParaRPr/>
+          </a:p>
+          <a:p>
+            <a:pPr>
               <a:lnSpc>
                 <a:spcPct val="100000"/>
               </a:lnSpc>
@@ -3453,16 +3462,42 @@
             <a:endParaRPr/>
           </a:p>
           <a:p>
-            <a:pPr algn="ctr">
+            <a:pPr>
               <a:lnSpc>
                 <a:spcPct val="100000"/>
               </a:lnSpc>
-            </a:pPr>
-            <a:r>
-              <a:rPr lang="en-IE" sz="4400">
-                <a:latin typeface="Arial"/>
-              </a:rPr>
-              <a:t>Questions?</a:t>
+              <a:buFont typeface="Wingdings" charset="2"/>
+              <a:buChar char=""/>
+            </a:pPr>
+            <a:r>
+              <a:rPr lang="en-IE" sz="3200">
+                <a:latin typeface="Arial"/>
+              </a:rPr>
+              <a:t>Take caution with your projects!</a:t>
+            </a:r>
+            <a:endParaRPr/>
+          </a:p>
+          <a:p>
+            <a:pPr>
+              <a:lnSpc>
+                <a:spcPct val="100000"/>
+              </a:lnSpc>
+            </a:pPr>
+            <a:endParaRPr/>
+          </a:p>
+          <a:p>
+            <a:pPr>
+              <a:lnSpc>
+                <a:spcPct val="100000"/>
+              </a:lnSpc>
+              <a:buFont typeface="Wingdings" charset="2"/>
+              <a:buChar char=""/>
+            </a:pPr>
+            <a:r>
+              <a:rPr lang="en-IE" sz="3200">
+                <a:latin typeface="Arial"/>
+              </a:rPr>
+              <a:t>Protect your hard work!</a:t>
             </a:r>
             <a:endParaRPr/>
           </a:p>
@@ -3473,10 +3508,10 @@
   <p:timing>
     <p:tnLst>
       <p:par>
-        <p:cTn id="23" dur="indefinite" restart="never" nodeType="tmRoot">
+        <p:cTn id="17" dur="indefinite" restart="never" nodeType="tmRoot">
           <p:childTnLst>
             <p:seq>
-              <p:cTn id="24" nodeType="mainSeq"/>
+              <p:cTn id="18" nodeType="mainSeq"/>
               <p:prevCondLst>
                 <p:cond delay="0" evt="onPrev">
                   <p:tgtEl>
@@ -3519,14 +3554,14 @@
       </p:grpSpPr>
       <p:sp>
         <p:nvSpPr>
-          <p:cNvPr id="101" name="CustomShape 1"/>
+          <p:cNvPr id="104" name="CustomShape 1"/>
           <p:cNvSpPr/>
           <p:nvPr/>
         </p:nvSpPr>
         <p:spPr>
           <a:xfrm>
             <a:off x="504000" y="301320"/>
-            <a:ext cx="9070920" cy="1261080"/>
+            <a:ext cx="9070560" cy="1260720"/>
           </a:xfrm>
           <a:prstGeom prst="rect">
             <a:avLst/>
@@ -3536,29 +3571,17 @@
             <a:noFill/>
           </a:ln>
         </p:spPr>
-        <p:txBody>
-          <a:bodyPr lIns="0" rIns="0" tIns="0" bIns="0" anchor="ctr"/>
-          <a:p>
-            <a:r>
-              <a:rPr lang="en-IE">
-                <a:latin typeface="Arial"/>
-              </a:rPr>
-              <a:t>Temp</a:t>
-            </a:r>
-            <a:endParaRPr/>
-          </a:p>
-        </p:txBody>
-      </p:sp>
-      <p:sp>
-        <p:nvSpPr>
-          <p:cNvPr id="102" name="CustomShape 2"/>
+      </p:sp>
+      <p:sp>
+        <p:nvSpPr>
+          <p:cNvPr id="105" name="CustomShape 2"/>
           <p:cNvSpPr/>
           <p:nvPr/>
         </p:nvSpPr>
         <p:spPr>
           <a:xfrm>
             <a:off x="504000" y="1768680"/>
-            <a:ext cx="9070920" cy="4383000"/>
+            <a:ext cx="9070560" cy="4382640"/>
           </a:xfrm>
           <a:prstGeom prst="rect">
             <a:avLst/>
@@ -3571,116 +3594,40 @@
         <p:txBody>
           <a:bodyPr lIns="0" rIns="0" tIns="0" bIns="0"/>
           <a:p>
-            <a:r>
-              <a:rPr lang="en-IE">
-                <a:latin typeface="Arial"/>
-              </a:rPr>
-              <a:t>Possible Split of Presentation:</a:t>
-            </a:r>
-            <a:endParaRPr/>
-          </a:p>
-          <a:p>
-            <a:r>
-              <a:rPr lang="en-IE">
-                <a:latin typeface="Arial"/>
-              </a:rPr>
-              <a:t>Slides 1 – 4: Intro to presentation and short speech about trademarks =</a:t>
-            </a:r>
-            <a:endParaRPr/>
-          </a:p>
-          <a:p>
-            <a:r>
-              <a:rPr lang="en-IE">
-                <a:latin typeface="Arial"/>
-              </a:rPr>
-              <a:t>Slides 5 – 6: Speech about patents =</a:t>
-            </a:r>
-            <a:endParaRPr/>
-          </a:p>
-          <a:p>
-            <a:r>
-              <a:rPr lang="en-IE">
-                <a:latin typeface="Arial"/>
-              </a:rPr>
-              <a:t>Slides 7 – 8: Speech about copyrights = </a:t>
-            </a:r>
-            <a:endParaRPr/>
-          </a:p>
-          <a:p>
-            <a:r>
-              <a:rPr lang="en-IE">
-                <a:latin typeface="Arial"/>
-              </a:rPr>
-              <a:t>Slides 9 – 11: Short speech about trade secrets and conclusion + questions = </a:t>
-            </a:r>
-            <a:endParaRPr/>
-          </a:p>
-          <a:p>
-            <a:endParaRPr/>
-          </a:p>
-          <a:p>
-            <a:r>
-              <a:rPr lang="en-IE">
-                <a:latin typeface="Arial"/>
-              </a:rPr>
-              <a:t>Resource: </a:t>
-            </a:r>
-            <a:r>
-              <a:rPr lang="en-IE" u="sng">
-                <a:solidFill>
-                  <a:srgbClr val="0000ff"/>
-                </a:solidFill>
-                <a:latin typeface="Arial"/>
-              </a:rPr>
-              <a:t>http://www.freibrun.com/articles/articl2.htm</a:t>
-            </a:r>
-            <a:r>
-              <a:rPr lang="en-IE">
-                <a:solidFill>
-                  <a:srgbClr val="0000ff"/>
-                </a:solidFill>
-                <a:latin typeface="Arial"/>
-              </a:rPr>
-              <a:t>  and others</a:t>
-            </a:r>
-            <a:endParaRPr/>
-          </a:p>
-          <a:p>
-            <a:r>
-              <a:rPr lang="en-IE">
-                <a:solidFill>
-                  <a:srgbClr val="0000ff"/>
-                </a:solidFill>
-                <a:latin typeface="Arial"/>
-              </a:rPr>
-              <a:t>Patent - Patent protection offers broader rights than copyright protection because a patent creates a monopoly over the ideas it covers, whereas copyright only protects the expression itself.</a:t>
-            </a:r>
-            <a:endParaRPr/>
-          </a:p>
-          <a:p>
-            <a:endParaRPr/>
-          </a:p>
-          <a:p>
-            <a:r>
-              <a:rPr lang="en-IE">
-                <a:solidFill>
-                  <a:srgbClr val="0000ff"/>
-                </a:solidFill>
-                <a:latin typeface="Arial"/>
-              </a:rPr>
-              <a:t>Copyright - It is much easier and less expensive to obtain copyright protection than patent protection. Plus, the more restricted copyright protection lasts longer than the greater protection granted by patents. </a:t>
-            </a:r>
-            <a:endParaRPr/>
-          </a:p>
-          <a:p>
-            <a:r>
-              <a:rPr lang="en-IE">
-                <a:solidFill>
-                  <a:srgbClr val="0000ff"/>
-                </a:solidFill>
-                <a:latin typeface="Arial"/>
-              </a:rPr>
-              <a:t>It is advisable to display the copyright notice on each software and to file for patent protection to cover an innovative computer-related invention.</a:t>
+            <a:pPr algn="ctr">
+              <a:lnSpc>
+                <a:spcPct val="100000"/>
+              </a:lnSpc>
+            </a:pPr>
+            <a:endParaRPr/>
+          </a:p>
+          <a:p>
+            <a:pPr algn="ctr">
+              <a:lnSpc>
+                <a:spcPct val="100000"/>
+              </a:lnSpc>
+            </a:pPr>
+            <a:endParaRPr/>
+          </a:p>
+          <a:p>
+            <a:pPr algn="ctr">
+              <a:lnSpc>
+                <a:spcPct val="100000"/>
+              </a:lnSpc>
+            </a:pPr>
+            <a:endParaRPr/>
+          </a:p>
+          <a:p>
+            <a:pPr algn="ctr">
+              <a:lnSpc>
+                <a:spcPct val="100000"/>
+              </a:lnSpc>
+            </a:pPr>
+            <a:r>
+              <a:rPr lang="en-IE" sz="4400">
+                <a:latin typeface="Arial"/>
+              </a:rPr>
+              <a:t>Questions?</a:t>
             </a:r>
             <a:endParaRPr/>
           </a:p>
@@ -3691,10 +3638,10 @@
   <p:timing>
     <p:tnLst>
       <p:par>
-        <p:cTn id="25" dur="indefinite" restart="never" nodeType="tmRoot">
+        <p:cTn id="19" dur="indefinite" restart="never" nodeType="tmRoot">
           <p:childTnLst>
             <p:seq>
-              <p:cTn id="26" nodeType="mainSeq"/>
+              <p:cTn id="20" nodeType="mainSeq"/>
               <p:prevCondLst>
                 <p:cond delay="0" evt="onPrev">
                   <p:tgtEl>
@@ -3737,14 +3684,14 @@
       </p:grpSpPr>
       <p:sp>
         <p:nvSpPr>
-          <p:cNvPr id="103" name="CustomShape 1"/>
+          <p:cNvPr id="106" name="CustomShape 1"/>
           <p:cNvSpPr/>
           <p:nvPr/>
         </p:nvSpPr>
         <p:spPr>
           <a:xfrm>
             <a:off x="504000" y="301320"/>
-            <a:ext cx="9070920" cy="1261080"/>
+            <a:ext cx="9070560" cy="1260720"/>
           </a:xfrm>
           <a:prstGeom prst="rect">
             <a:avLst/>
@@ -3769,14 +3716,14 @@
       </p:sp>
       <p:sp>
         <p:nvSpPr>
-          <p:cNvPr id="104" name="CustomShape 2"/>
+          <p:cNvPr id="107" name="CustomShape 2"/>
           <p:cNvSpPr/>
           <p:nvPr/>
         </p:nvSpPr>
         <p:spPr>
           <a:xfrm>
             <a:off x="504000" y="1768680"/>
-            <a:ext cx="9070920" cy="4383000"/>
+            <a:ext cx="9070560" cy="4382640"/>
           </a:xfrm>
           <a:prstGeom prst="rect">
             <a:avLst/>
@@ -3791,12 +3738,57 @@
           <a:p>
             <a:r>
               <a:rPr lang="en-IE">
-                <a:solidFill>
-                  <a:srgbClr val="000000"/>
-                </a:solidFill>
-                <a:latin typeface="Arial"/>
-              </a:rPr>
-              <a:t>Trade Secret- A </a:t>
+                <a:latin typeface="Arial"/>
+              </a:rPr>
+              <a:t>Possible Split of Presentation:</a:t>
+            </a:r>
+            <a:endParaRPr/>
+          </a:p>
+          <a:p>
+            <a:r>
+              <a:rPr lang="en-IE">
+                <a:latin typeface="Arial"/>
+              </a:rPr>
+              <a:t>Slides 1 – 4: Intro to presentation and short speech about trademarks =</a:t>
+            </a:r>
+            <a:endParaRPr/>
+          </a:p>
+          <a:p>
+            <a:r>
+              <a:rPr lang="en-IE">
+                <a:latin typeface="Arial"/>
+              </a:rPr>
+              <a:t>Slides 5 – 6: Speech about patents =</a:t>
+            </a:r>
+            <a:endParaRPr/>
+          </a:p>
+          <a:p>
+            <a:r>
+              <a:rPr lang="en-IE">
+                <a:latin typeface="Arial"/>
+              </a:rPr>
+              <a:t>Slides 7 – 8: Speech about copyrights = </a:t>
+            </a:r>
+            <a:endParaRPr/>
+          </a:p>
+          <a:p>
+            <a:r>
+              <a:rPr lang="en-IE">
+                <a:latin typeface="Arial"/>
+              </a:rPr>
+              <a:t>Slides 9 – 11: Short speech about trade secrets and conclusion + questions = </a:t>
+            </a:r>
+            <a:endParaRPr/>
+          </a:p>
+          <a:p>
+            <a:endParaRPr/>
+          </a:p>
+          <a:p>
+            <a:r>
+              <a:rPr lang="en-IE">
+                <a:latin typeface="Arial"/>
+              </a:rPr>
+              <a:t>Resource: </a:t>
             </a:r>
             <a:r>
               <a:rPr lang="en-IE" u="sng">
@@ -3805,190 +3797,7 @@
                 </a:solidFill>
                 <a:latin typeface="Arial"/>
               </a:rPr>
-              <a:t>trade secret</a:t>
-            </a:r>
-            <a:r>
-              <a:rPr lang="en-IE">
-                <a:solidFill>
-                  <a:srgbClr val="000000"/>
-                </a:solidFill>
-                <a:latin typeface="Arial"/>
-              </a:rPr>
-              <a:t> is a </a:t>
-            </a:r>
-            <a:r>
-              <a:rPr lang="en-IE" u="sng">
-                <a:solidFill>
-                  <a:srgbClr val="0000ff"/>
-                </a:solidFill>
-                <a:latin typeface="Arial"/>
-              </a:rPr>
-              <a:t>formula</a:t>
-            </a:r>
-            <a:r>
-              <a:rPr lang="en-IE">
-                <a:solidFill>
-                  <a:srgbClr val="000000"/>
-                </a:solidFill>
-                <a:latin typeface="Arial"/>
-              </a:rPr>
-              <a:t>, </a:t>
-            </a:r>
-            <a:r>
-              <a:rPr lang="en-IE" u="sng">
-                <a:solidFill>
-                  <a:srgbClr val="0000ff"/>
-                </a:solidFill>
-                <a:latin typeface="Arial"/>
-              </a:rPr>
-              <a:t>practice</a:t>
-            </a:r>
-            <a:r>
-              <a:rPr lang="en-IE">
-                <a:solidFill>
-                  <a:srgbClr val="000000"/>
-                </a:solidFill>
-                <a:latin typeface="Arial"/>
-              </a:rPr>
-              <a:t>, </a:t>
-            </a:r>
-            <a:r>
-              <a:rPr lang="en-IE" u="sng">
-                <a:solidFill>
-                  <a:srgbClr val="0000ff"/>
-                </a:solidFill>
-                <a:latin typeface="Arial"/>
-              </a:rPr>
-              <a:t>process</a:t>
-            </a:r>
-            <a:r>
-              <a:rPr lang="en-IE">
-                <a:solidFill>
-                  <a:srgbClr val="000000"/>
-                </a:solidFill>
-                <a:latin typeface="Arial"/>
-              </a:rPr>
-              <a:t>, </a:t>
-            </a:r>
-            <a:r>
-              <a:rPr lang="en-IE" u="sng">
-                <a:solidFill>
-                  <a:srgbClr val="0000ff"/>
-                </a:solidFill>
-                <a:latin typeface="Arial"/>
-              </a:rPr>
-              <a:t>design</a:t>
-            </a:r>
-            <a:r>
-              <a:rPr lang="en-IE">
-                <a:solidFill>
-                  <a:srgbClr val="000000"/>
-                </a:solidFill>
-                <a:latin typeface="Arial"/>
-              </a:rPr>
-              <a:t>, </a:t>
-            </a:r>
-            <a:r>
-              <a:rPr lang="en-IE" u="sng">
-                <a:solidFill>
-                  <a:srgbClr val="0000ff"/>
-                </a:solidFill>
-                <a:latin typeface="Arial"/>
-              </a:rPr>
-              <a:t>instrument</a:t>
-            </a:r>
-            <a:r>
-              <a:rPr lang="en-IE">
-                <a:solidFill>
-                  <a:srgbClr val="000000"/>
-                </a:solidFill>
-                <a:latin typeface="Arial"/>
-              </a:rPr>
-              <a:t>, </a:t>
-            </a:r>
-            <a:r>
-              <a:rPr lang="en-IE" u="sng">
-                <a:solidFill>
-                  <a:srgbClr val="0000ff"/>
-                </a:solidFill>
-                <a:latin typeface="Arial"/>
-              </a:rPr>
-              <a:t>pattern</a:t>
-            </a:r>
-            <a:r>
-              <a:rPr lang="en-IE">
-                <a:solidFill>
-                  <a:srgbClr val="000000"/>
-                </a:solidFill>
-                <a:latin typeface="Arial"/>
-              </a:rPr>
-              <a:t>, or compilation of </a:t>
-            </a:r>
-            <a:r>
-              <a:rPr lang="en-IE" u="sng">
-                <a:solidFill>
-                  <a:srgbClr val="0000ff"/>
-                </a:solidFill>
-                <a:latin typeface="Arial"/>
-              </a:rPr>
-              <a:t>information</a:t>
-            </a:r>
-            <a:r>
-              <a:rPr lang="en-IE">
-                <a:solidFill>
-                  <a:srgbClr val="000000"/>
-                </a:solidFill>
-                <a:latin typeface="Arial"/>
-              </a:rPr>
-              <a:t> which is not generally known or reasonably ascertainable, by which a </a:t>
-            </a:r>
-            <a:r>
-              <a:rPr lang="en-IE" u="sng">
-                <a:solidFill>
-                  <a:srgbClr val="0000ff"/>
-                </a:solidFill>
-                <a:latin typeface="Arial"/>
-              </a:rPr>
-              <a:t>business</a:t>
-            </a:r>
-            <a:r>
-              <a:rPr lang="en-IE">
-                <a:solidFill>
-                  <a:srgbClr val="000000"/>
-                </a:solidFill>
-                <a:latin typeface="Arial"/>
-              </a:rPr>
-              <a:t> can obtain an economic advantage over competitors or customers.</a:t>
-            </a:r>
-            <a:endParaRPr/>
-          </a:p>
-          <a:p>
-            <a:endParaRPr/>
-          </a:p>
-          <a:p>
-            <a:endParaRPr/>
-          </a:p>
-          <a:p>
-            <a:endParaRPr/>
-          </a:p>
-          <a:p>
-            <a:r>
-              <a:rPr lang="en-IE">
-                <a:solidFill>
-                  <a:srgbClr val="000000"/>
-                </a:solidFill>
-                <a:latin typeface="Arial"/>
-              </a:rPr>
-              <a:t>Trade Mark - A recognizable </a:t>
-            </a:r>
-            <a:r>
-              <a:rPr lang="en-IE" u="sng">
-                <a:solidFill>
-                  <a:srgbClr val="0000ff"/>
-                </a:solidFill>
-                <a:latin typeface="Arial"/>
-              </a:rPr>
-              <a:t>sign</a:t>
+              <a:t>http://www.freibrun.com/articles/articl2.htm</a:t>
             </a:r>
             <a:r>
               <a:rPr lang="en-IE">
@@ -3997,17 +3806,11 @@
                 </a:solidFill>
                 <a:latin typeface="Arial"/>
               </a:rPr>
-              <a:t>, </a:t>
-            </a:r>
-            <a:r>
-              <a:rPr lang="en-IE" u="sng">
-                <a:solidFill>
-                  <a:srgbClr val="0000ff"/>
-                </a:solidFill>
-                <a:latin typeface="Arial"/>
-              </a:rPr>
-              <a:t>design</a:t>
-            </a:r>
+              <a:t>  and others</a:t>
+            </a:r>
+            <a:endParaRPr/>
+          </a:p>
+          <a:p>
             <a:r>
               <a:rPr lang="en-IE">
                 <a:solidFill>
@@ -4015,17 +3818,14 @@
                 </a:solidFill>
                 <a:latin typeface="Arial"/>
               </a:rPr>
-              <a:t> or </a:t>
-            </a:r>
-            <a:r>
-              <a:rPr lang="en-IE" u="sng">
-                <a:solidFill>
-                  <a:srgbClr val="0000ff"/>
-                </a:solidFill>
-                <a:latin typeface="Arial"/>
-              </a:rPr>
-              <a:t>expression</a:t>
-            </a:r>
+              <a:t>Patent - Patent protection offers broader rights than copyright protection because a patent creates a monopoly over the ideas it covers, whereas copyright only protects the expression itself.</a:t>
+            </a:r>
+            <a:endParaRPr/>
+          </a:p>
+          <a:p>
+            <a:endParaRPr/>
+          </a:p>
+          <a:p>
             <a:r>
               <a:rPr lang="en-IE">
                 <a:solidFill>
@@ -4033,17 +3833,11 @@
                 </a:solidFill>
                 <a:latin typeface="Arial"/>
               </a:rPr>
-              <a:t> which distinguishes </a:t>
-            </a:r>
-            <a:r>
-              <a:rPr lang="en-IE" u="sng">
-                <a:solidFill>
-                  <a:srgbClr val="0000ff"/>
-                </a:solidFill>
-                <a:latin typeface="Arial"/>
-              </a:rPr>
-              <a:t>products</a:t>
-            </a:r>
+              <a:t>Copyright - It is much easier and less expensive to obtain copyright protection than patent protection. Plus, the more restricted copyright protection lasts longer than the greater protection granted by patents. </a:t>
+            </a:r>
+            <a:endParaRPr/>
+          </a:p>
+          <a:p>
             <a:r>
               <a:rPr lang="en-IE">
                 <a:solidFill>
@@ -4051,25 +3845,7 @@
                 </a:solidFill>
                 <a:latin typeface="Arial"/>
               </a:rPr>
-              <a:t> or </a:t>
-            </a:r>
-            <a:r>
-              <a:rPr lang="en-IE" u="sng">
-                <a:solidFill>
-                  <a:srgbClr val="0000ff"/>
-                </a:solidFill>
-                <a:latin typeface="Arial"/>
-              </a:rPr>
-              <a:t>service</a:t>
-            </a:r>
-            <a:r>
-              <a:rPr lang="en-IE">
-                <a:solidFill>
-                  <a:srgbClr val="0000ff"/>
-                </a:solidFill>
-                <a:latin typeface="Arial"/>
-              </a:rPr>
-              <a:t>.</a:t>
+              <a:t>It is advisable to display the copyright notice on each software and to file for patent protection to cover an innovative computer-related invention.</a:t>
             </a:r>
             <a:endParaRPr/>
           </a:p>
@@ -4080,10 +3856,399 @@
   <p:timing>
     <p:tnLst>
       <p:par>
-        <p:cTn id="27" dur="indefinite" restart="never" nodeType="tmRoot">
+        <p:cTn id="21" dur="indefinite" restart="never" nodeType="tmRoot">
           <p:childTnLst>
             <p:seq>
-              <p:cTn id="28" nodeType="mainSeq"/>
+              <p:cTn id="22" nodeType="mainSeq"/>
+              <p:prevCondLst>
+                <p:cond delay="0" evt="onPrev">
+                  <p:tgtEl>
+                    <p:sldTgt/>
+                  </p:tgtEl>
+                </p:cond>
+              </p:prevCondLst>
+              <p:nextCondLst>
+                <p:cond delay="0" evt="onNext">
+                  <p:tgtEl>
+                    <p:sldTgt/>
+                  </p:tgtEl>
+                </p:cond>
+              </p:nextCondLst>
+            </p:seq>
+          </p:childTnLst>
+        </p:cTn>
+      </p:par>
+    </p:tnLst>
+  </p:timing>
+</p:sld>
+</file>
+
+<file path=ppt/slides/slide15.xml><?xml version="1.0" encoding="utf-8"?>
+<p:sld xmlns:a="http://schemas.openxmlformats.org/drawingml/2006/main" xmlns:p="http://schemas.openxmlformats.org/presentationml/2006/main" xmlns:r="http://schemas.openxmlformats.org/officeDocument/2006/relationships">
+  <p:cSld>
+    <p:spTree>
+      <p:nvGrpSpPr>
+        <p:cNvPr id="1" name=""/>
+        <p:cNvGrpSpPr/>
+        <p:nvPr/>
+      </p:nvGrpSpPr>
+      <p:grpSpPr>
+        <a:xfrm>
+          <a:off x="0" y="0"/>
+          <a:ext cx="0" cy="0"/>
+          <a:chOff x="0" y="0"/>
+          <a:chExt cx="0" cy="0"/>
+        </a:xfrm>
+      </p:grpSpPr>
+      <p:sp>
+        <p:nvSpPr>
+          <p:cNvPr id="108" name="CustomShape 1"/>
+          <p:cNvSpPr/>
+          <p:nvPr/>
+        </p:nvSpPr>
+        <p:spPr>
+          <a:xfrm>
+            <a:off x="504000" y="301320"/>
+            <a:ext cx="9070560" cy="1260720"/>
+          </a:xfrm>
+          <a:prstGeom prst="rect">
+            <a:avLst/>
+          </a:prstGeom>
+          <a:noFill/>
+          <a:ln>
+            <a:noFill/>
+          </a:ln>
+        </p:spPr>
+        <p:txBody>
+          <a:bodyPr lIns="0" rIns="0" tIns="0" bIns="0" anchor="ctr"/>
+          <a:p>
+            <a:r>
+              <a:rPr lang="en-IE">
+                <a:latin typeface="Arial"/>
+              </a:rPr>
+              <a:t>Temp</a:t>
+            </a:r>
+            <a:endParaRPr/>
+          </a:p>
+        </p:txBody>
+      </p:sp>
+      <p:sp>
+        <p:nvSpPr>
+          <p:cNvPr id="109" name="CustomShape 2"/>
+          <p:cNvSpPr/>
+          <p:nvPr/>
+        </p:nvSpPr>
+        <p:spPr>
+          <a:xfrm>
+            <a:off x="504000" y="1768680"/>
+            <a:ext cx="9070560" cy="4382640"/>
+          </a:xfrm>
+          <a:prstGeom prst="rect">
+            <a:avLst/>
+          </a:prstGeom>
+          <a:noFill/>
+          <a:ln>
+            <a:noFill/>
+          </a:ln>
+        </p:spPr>
+        <p:txBody>
+          <a:bodyPr lIns="0" rIns="0" tIns="0" bIns="0"/>
+          <a:p>
+            <a:r>
+              <a:rPr lang="en-IE">
+                <a:solidFill>
+                  <a:srgbClr val="000000"/>
+                </a:solidFill>
+                <a:latin typeface="Arial"/>
+              </a:rPr>
+              <a:t>Trade Secret- A </a:t>
+            </a:r>
+            <a:r>
+              <a:rPr lang="en-IE" u="sng">
+                <a:solidFill>
+                  <a:srgbClr val="0000ff"/>
+                </a:solidFill>
+                <a:latin typeface="Arial"/>
+              </a:rPr>
+              <a:t>trade secret</a:t>
+            </a:r>
+            <a:r>
+              <a:rPr lang="en-IE">
+                <a:solidFill>
+                  <a:srgbClr val="000000"/>
+                </a:solidFill>
+                <a:latin typeface="Arial"/>
+              </a:rPr>
+              <a:t> is a </a:t>
+            </a:r>
+            <a:r>
+              <a:rPr lang="en-IE" u="sng">
+                <a:solidFill>
+                  <a:srgbClr val="0000ff"/>
+                </a:solidFill>
+                <a:latin typeface="Arial"/>
+              </a:rPr>
+              <a:t>formula</a:t>
+            </a:r>
+            <a:r>
+              <a:rPr lang="en-IE">
+                <a:solidFill>
+                  <a:srgbClr val="000000"/>
+                </a:solidFill>
+                <a:latin typeface="Arial"/>
+              </a:rPr>
+              <a:t>, </a:t>
+            </a:r>
+            <a:r>
+              <a:rPr lang="en-IE" u="sng">
+                <a:solidFill>
+                  <a:srgbClr val="0000ff"/>
+                </a:solidFill>
+                <a:latin typeface="Arial"/>
+              </a:rPr>
+              <a:t>practice</a:t>
+            </a:r>
+            <a:r>
+              <a:rPr lang="en-IE">
+                <a:solidFill>
+                  <a:srgbClr val="000000"/>
+                </a:solidFill>
+                <a:latin typeface="Arial"/>
+              </a:rPr>
+              <a:t>, </a:t>
+            </a:r>
+            <a:r>
+              <a:rPr lang="en-IE" u="sng">
+                <a:solidFill>
+                  <a:srgbClr val="0000ff"/>
+                </a:solidFill>
+                <a:latin typeface="Arial"/>
+              </a:rPr>
+              <a:t>process</a:t>
+            </a:r>
+            <a:r>
+              <a:rPr lang="en-IE">
+                <a:solidFill>
+                  <a:srgbClr val="000000"/>
+                </a:solidFill>
+                <a:latin typeface="Arial"/>
+              </a:rPr>
+              <a:t>, </a:t>
+            </a:r>
+            <a:r>
+              <a:rPr lang="en-IE" u="sng">
+                <a:solidFill>
+                  <a:srgbClr val="0000ff"/>
+                </a:solidFill>
+                <a:latin typeface="Arial"/>
+              </a:rPr>
+              <a:t>design</a:t>
+            </a:r>
+            <a:r>
+              <a:rPr lang="en-IE">
+                <a:solidFill>
+                  <a:srgbClr val="000000"/>
+                </a:solidFill>
+                <a:latin typeface="Arial"/>
+              </a:rPr>
+              <a:t>, </a:t>
+            </a:r>
+            <a:r>
+              <a:rPr lang="en-IE" u="sng">
+                <a:solidFill>
+                  <a:srgbClr val="0000ff"/>
+                </a:solidFill>
+                <a:latin typeface="Arial"/>
+              </a:rPr>
+              <a:t>instrument</a:t>
+            </a:r>
+            <a:r>
+              <a:rPr lang="en-IE">
+                <a:solidFill>
+                  <a:srgbClr val="000000"/>
+                </a:solidFill>
+                <a:latin typeface="Arial"/>
+              </a:rPr>
+              <a:t>, </a:t>
+            </a:r>
+            <a:r>
+              <a:rPr lang="en-IE" u="sng">
+                <a:solidFill>
+                  <a:srgbClr val="0000ff"/>
+                </a:solidFill>
+                <a:latin typeface="Arial"/>
+              </a:rPr>
+              <a:t>pattern</a:t>
+            </a:r>
+            <a:r>
+              <a:rPr lang="en-IE">
+                <a:solidFill>
+                  <a:srgbClr val="000000"/>
+                </a:solidFill>
+                <a:latin typeface="Arial"/>
+              </a:rPr>
+              <a:t>, or compilation of </a:t>
+            </a:r>
+            <a:r>
+              <a:rPr lang="en-IE" u="sng">
+                <a:solidFill>
+                  <a:srgbClr val="0000ff"/>
+                </a:solidFill>
+                <a:latin typeface="Arial"/>
+              </a:rPr>
+              <a:t>information</a:t>
+            </a:r>
+            <a:r>
+              <a:rPr lang="en-IE">
+                <a:solidFill>
+                  <a:srgbClr val="000000"/>
+                </a:solidFill>
+                <a:latin typeface="Arial"/>
+              </a:rPr>
+              <a:t> which is not generally known or reasonably ascertainable, by which a </a:t>
+            </a:r>
+            <a:r>
+              <a:rPr lang="en-IE" u="sng">
+                <a:solidFill>
+                  <a:srgbClr val="0000ff"/>
+                </a:solidFill>
+                <a:latin typeface="Arial"/>
+              </a:rPr>
+              <a:t>business</a:t>
+            </a:r>
+            <a:r>
+              <a:rPr lang="en-IE">
+                <a:solidFill>
+                  <a:srgbClr val="000000"/>
+                </a:solidFill>
+                <a:latin typeface="Arial"/>
+              </a:rPr>
+              <a:t> can obtain an economic advantage over competitors or customers.</a:t>
+            </a:r>
+            <a:endParaRPr/>
+          </a:p>
+          <a:p>
+            <a:endParaRPr/>
+          </a:p>
+          <a:p>
+            <a:endParaRPr/>
+          </a:p>
+          <a:p>
+            <a:endParaRPr/>
+          </a:p>
+          <a:p>
+            <a:r>
+              <a:rPr lang="en-IE">
+                <a:solidFill>
+                  <a:srgbClr val="000000"/>
+                </a:solidFill>
+                <a:latin typeface="Arial"/>
+              </a:rPr>
+              <a:t>Trade Mark - A recognizable </a:t>
+            </a:r>
+            <a:r>
+              <a:rPr lang="en-IE" u="sng">
+                <a:solidFill>
+                  <a:srgbClr val="0000ff"/>
+                </a:solidFill>
+                <a:latin typeface="Arial"/>
+              </a:rPr>
+              <a:t>sign</a:t>
+            </a:r>
+            <a:r>
+              <a:rPr lang="en-IE">
+                <a:solidFill>
+                  <a:srgbClr val="0000ff"/>
+                </a:solidFill>
+                <a:latin typeface="Arial"/>
+              </a:rPr>
+              <a:t>, </a:t>
+            </a:r>
+            <a:r>
+              <a:rPr lang="en-IE" u="sng">
+                <a:solidFill>
+                  <a:srgbClr val="0000ff"/>
+                </a:solidFill>
+                <a:latin typeface="Arial"/>
+              </a:rPr>
+              <a:t>design</a:t>
+            </a:r>
+            <a:r>
+              <a:rPr lang="en-IE">
+                <a:solidFill>
+                  <a:srgbClr val="0000ff"/>
+                </a:solidFill>
+                <a:latin typeface="Arial"/>
+              </a:rPr>
+              <a:t> or </a:t>
+            </a:r>
+            <a:r>
+              <a:rPr lang="en-IE" u="sng">
+                <a:solidFill>
+                  <a:srgbClr val="0000ff"/>
+                </a:solidFill>
+                <a:latin typeface="Arial"/>
+              </a:rPr>
+              <a:t>expression</a:t>
+            </a:r>
+            <a:r>
+              <a:rPr lang="en-IE">
+                <a:solidFill>
+                  <a:srgbClr val="0000ff"/>
+                </a:solidFill>
+                <a:latin typeface="Arial"/>
+              </a:rPr>
+              <a:t> which distinguishes </a:t>
+            </a:r>
+            <a:r>
+              <a:rPr lang="en-IE" u="sng">
+                <a:solidFill>
+                  <a:srgbClr val="0000ff"/>
+                </a:solidFill>
+                <a:latin typeface="Arial"/>
+              </a:rPr>
+              <a:t>products</a:t>
+            </a:r>
+            <a:r>
+              <a:rPr lang="en-IE">
+                <a:solidFill>
+                  <a:srgbClr val="0000ff"/>
+                </a:solidFill>
+                <a:latin typeface="Arial"/>
+              </a:rPr>
+              <a:t> or </a:t>
+            </a:r>
+            <a:r>
+              <a:rPr lang="en-IE" u="sng">
+                <a:solidFill>
+                  <a:srgbClr val="0000ff"/>
+                </a:solidFill>
+                <a:latin typeface="Arial"/>
+              </a:rPr>
+              <a:t>service</a:t>
+            </a:r>
+            <a:r>
+              <a:rPr lang="en-IE">
+                <a:solidFill>
+                  <a:srgbClr val="0000ff"/>
+                </a:solidFill>
+                <a:latin typeface="Arial"/>
+              </a:rPr>
+              <a:t>.</a:t>
+            </a:r>
+            <a:endParaRPr/>
+          </a:p>
+        </p:txBody>
+      </p:sp>
+    </p:spTree>
+  </p:cSld>
+  <p:timing>
+    <p:tnLst>
+      <p:par>
+        <p:cTn id="23" dur="indefinite" restart="never" nodeType="tmRoot">
+          <p:childTnLst>
+            <p:seq>
+              <p:cTn id="24" nodeType="mainSeq"/>
               <p:prevCondLst>
                 <p:cond delay="0" evt="onPrev">
                   <p:tgtEl>
@@ -4133,7 +4298,7 @@
         <p:spPr>
           <a:xfrm>
             <a:off x="504000" y="301320"/>
-            <a:ext cx="9070920" cy="1260720"/>
+            <a:ext cx="9070560" cy="1260360"/>
           </a:xfrm>
           <a:prstGeom prst="rect">
             <a:avLst/>
@@ -4174,7 +4339,7 @@
         <p:spPr>
           <a:xfrm>
             <a:off x="504000" y="1768680"/>
-            <a:ext cx="9070920" cy="4383000"/>
+            <a:ext cx="9070560" cy="4382640"/>
           </a:xfrm>
           <a:prstGeom prst="rect">
             <a:avLst/>
@@ -4282,7 +4447,7 @@
         <p:spPr>
           <a:xfrm>
             <a:off x="504000" y="301320"/>
-            <a:ext cx="9070920" cy="1261080"/>
+            <a:ext cx="9070560" cy="1260720"/>
           </a:xfrm>
           <a:prstGeom prst="rect">
             <a:avLst/>
@@ -4319,7 +4484,7 @@
         <p:spPr>
           <a:xfrm>
             <a:off x="504000" y="1768680"/>
-            <a:ext cx="9070920" cy="4383000"/>
+            <a:ext cx="9070560" cy="4382640"/>
           </a:xfrm>
           <a:prstGeom prst="rect">
             <a:avLst/>
@@ -4479,7 +4644,7 @@
         <p:spPr>
           <a:xfrm>
             <a:off x="504000" y="301320"/>
-            <a:ext cx="9070920" cy="1261080"/>
+            <a:ext cx="9070560" cy="1260720"/>
           </a:xfrm>
           <a:prstGeom prst="rect">
             <a:avLst/>
@@ -4516,7 +4681,7 @@
         <p:spPr>
           <a:xfrm>
             <a:off x="504000" y="1768680"/>
-            <a:ext cx="9070920" cy="4383000"/>
+            <a:ext cx="9070560" cy="4382640"/>
           </a:xfrm>
           <a:prstGeom prst="rect">
             <a:avLst/>
@@ -4660,7 +4825,7 @@
         <p:spPr>
           <a:xfrm>
             <a:off x="504000" y="301320"/>
-            <a:ext cx="9070920" cy="1261080"/>
+            <a:ext cx="9070560" cy="1260720"/>
           </a:xfrm>
           <a:prstGeom prst="rect">
             <a:avLst/>
@@ -4697,7 +4862,7 @@
         <p:spPr>
           <a:xfrm>
             <a:off x="504000" y="1768680"/>
-            <a:ext cx="9070920" cy="4383000"/>
+            <a:ext cx="9070560" cy="4382640"/>
           </a:xfrm>
           <a:prstGeom prst="rect">
             <a:avLst/>
@@ -4866,7 +5031,7 @@
         <p:spPr>
           <a:xfrm>
             <a:off x="504000" y="301320"/>
-            <a:ext cx="9070920" cy="1261080"/>
+            <a:ext cx="9070560" cy="1260720"/>
           </a:xfrm>
           <a:prstGeom prst="rect">
             <a:avLst/>
@@ -4903,7 +5068,7 @@
         <p:spPr>
           <a:xfrm>
             <a:off x="504000" y="1768680"/>
-            <a:ext cx="9070920" cy="4383000"/>
+            <a:ext cx="9070560" cy="4382640"/>
           </a:xfrm>
           <a:prstGeom prst="rect">
             <a:avLst/>
@@ -5047,7 +5212,7 @@
         <p:spPr>
           <a:xfrm>
             <a:off x="504000" y="301320"/>
-            <a:ext cx="9070920" cy="1261080"/>
+            <a:ext cx="9070560" cy="1260720"/>
           </a:xfrm>
           <a:prstGeom prst="rect">
             <a:avLst/>
@@ -5084,7 +5249,7 @@
         <p:spPr>
           <a:xfrm>
             <a:off x="504000" y="1768680"/>
-            <a:ext cx="9070920" cy="4383000"/>
+            <a:ext cx="9070560" cy="4382640"/>
           </a:xfrm>
           <a:prstGeom prst="rect">
             <a:avLst/>
@@ -5185,7 +5350,7 @@
         <p:spPr>
           <a:xfrm>
             <a:off x="432000" y="4477320"/>
-            <a:ext cx="4837680" cy="2506680"/>
+            <a:ext cx="4837320" cy="2506320"/>
           </a:xfrm>
           <a:prstGeom prst="rect">
             <a:avLst/>
@@ -5210,7 +5375,7 @@
         <p:spPr>
           <a:xfrm>
             <a:off x="5849280" y="4680000"/>
-            <a:ext cx="2286720" cy="2304000"/>
+            <a:ext cx="2286360" cy="2303640"/>
           </a:xfrm>
           <a:prstGeom prst="rect">
             <a:avLst/>
@@ -5255,6 +5420,13 @@
 <file path=ppt/slides/slide8.xml><?xml version="1.0" encoding="utf-8"?>
 <p:sld xmlns:a="http://schemas.openxmlformats.org/drawingml/2006/main" xmlns:p="http://schemas.openxmlformats.org/presentationml/2006/main" xmlns:r="http://schemas.openxmlformats.org/officeDocument/2006/relationships">
   <p:cSld>
+    <p:bg>
+      <p:bgPr>
+        <a:solidFill>
+          <a:srgbClr val="ffffff"/>
+        </a:solidFill>
+      </p:bgPr>
+    </p:bg>
     <p:spTree>
       <p:nvGrpSpPr>
         <p:cNvPr id="1" name=""/>
@@ -5271,171 +5443,297 @@
       </p:grpSpPr>
       <p:sp>
         <p:nvSpPr>
-          <p:cNvPr id="91" name="CustomShape 1"/>
-          <p:cNvSpPr/>
+          <p:cNvPr id="91" name="TextShape 1"/>
+          <p:cNvSpPr txBox="1"/>
           <p:nvPr/>
         </p:nvSpPr>
         <p:spPr>
           <a:xfrm>
-            <a:off x="504000" y="301320"/>
-            <a:ext cx="9070920" cy="1261080"/>
-          </a:xfrm>
-          <a:prstGeom prst="rect">
-            <a:avLst/>
-          </a:prstGeom>
-          <a:noFill/>
+            <a:off x="504360" y="301320"/>
+            <a:ext cx="9071640" cy="1262160"/>
+          </a:xfrm>
+          <a:prstGeom prst="rect">
+            <a:avLst/>
+          </a:prstGeom>
+        </p:spPr>
+        <p:txBody>
+          <a:bodyPr lIns="0" rIns="0" tIns="0" bIns="0" anchor="ctr"/>
+          <a:p>
+            <a:pPr algn="ctr">
+              <a:buSzPct val="45000"/>
+              <a:buFont typeface="StarSymbol"/>
+              <a:buChar char=""/>
+            </a:pPr>
+            <a:r>
+              <a:rPr lang="en-US" sz="4400">
+                <a:latin typeface="Arial"/>
+                <a:ea typeface="宋体"/>
+              </a:rPr>
+              <a:t>Copyright</a:t>
+            </a:r>
+            <a:endParaRPr/>
+          </a:p>
+        </p:txBody>
+      </p:sp>
+      <p:sp>
+        <p:nvSpPr>
+          <p:cNvPr id="92" name="TextShape 2"/>
+          <p:cNvSpPr txBox="1"/>
+          <p:nvPr/>
+        </p:nvSpPr>
+        <p:spPr>
+          <a:xfrm>
+            <a:off x="504720" y="1767960"/>
+            <a:ext cx="9073440" cy="4964040"/>
+          </a:xfrm>
+          <a:prstGeom prst="rect">
+            <a:avLst/>
+          </a:prstGeom>
+        </p:spPr>
+        <p:txBody>
+          <a:bodyPr lIns="0" rIns="0" tIns="0" bIns="0"/>
+          <a:p>
+            <a:pPr>
+              <a:lnSpc>
+                <a:spcPct val="80000"/>
+              </a:lnSpc>
+              <a:buSzPct val="25000"/>
+              <a:buFont typeface="Wingdings" charset="2"/>
+              <a:buChar char=""/>
+            </a:pPr>
+            <a:endParaRPr/>
+          </a:p>
+          <a:p>
+            <a:pPr>
+              <a:lnSpc>
+                <a:spcPct val="80000"/>
+              </a:lnSpc>
+              <a:buSzPct val="25000"/>
+              <a:buFont typeface="Wingdings" charset="2"/>
+              <a:buChar char=""/>
+            </a:pPr>
+            <a:r>
+              <a:rPr lang="en-US" sz="2800">
+                <a:latin typeface="Arial"/>
+                <a:ea typeface="宋体"/>
+              </a:rPr>
+              <a:t>What is copyright?</a:t>
+            </a:r>
+            <a:endParaRPr/>
+          </a:p>
+          <a:p>
+            <a:pPr>
+              <a:lnSpc>
+                <a:spcPct val="80000"/>
+              </a:lnSpc>
+              <a:buSzPct val="25000"/>
+              <a:buFont typeface="Wingdings" charset="2"/>
+              <a:buChar char=""/>
+            </a:pPr>
+            <a:endParaRPr/>
+          </a:p>
+          <a:p>
+            <a:pPr>
+              <a:lnSpc>
+                <a:spcPct val="80000"/>
+              </a:lnSpc>
+              <a:buSzPct val="25000"/>
+              <a:buFont typeface="Wingdings" charset="2"/>
+              <a:buChar char=""/>
+            </a:pPr>
+            <a:endParaRPr/>
+          </a:p>
+          <a:p>
+            <a:pPr>
+              <a:lnSpc>
+                <a:spcPct val="80000"/>
+              </a:lnSpc>
+              <a:buSzPct val="25000"/>
+              <a:buFont typeface="Wingdings" charset="2"/>
+              <a:buChar char=""/>
+            </a:pPr>
+            <a:endParaRPr/>
+          </a:p>
+          <a:p>
+            <a:pPr>
+              <a:lnSpc>
+                <a:spcPct val="80000"/>
+              </a:lnSpc>
+              <a:buSzPct val="25000"/>
+              <a:buFont typeface="Wingdings" charset="2"/>
+              <a:buChar char=""/>
+            </a:pPr>
+            <a:endParaRPr/>
+          </a:p>
+          <a:p>
+            <a:pPr>
+              <a:lnSpc>
+                <a:spcPct val="80000"/>
+              </a:lnSpc>
+              <a:buSzPct val="25000"/>
+              <a:buFont typeface="Wingdings" charset="2"/>
+              <a:buChar char=""/>
+            </a:pPr>
+            <a:r>
+              <a:rPr lang="en-US" sz="2800">
+                <a:latin typeface="Arial"/>
+                <a:ea typeface="宋体"/>
+              </a:rPr>
+              <a:t>What is software copyright?</a:t>
+            </a:r>
+            <a:endParaRPr/>
+          </a:p>
+          <a:p>
+            <a:pPr>
+              <a:lnSpc>
+                <a:spcPct val="80000"/>
+              </a:lnSpc>
+            </a:pPr>
+            <a:endParaRPr/>
+          </a:p>
+          <a:p>
+            <a:pPr>
+              <a:lnSpc>
+                <a:spcPct val="80000"/>
+              </a:lnSpc>
+            </a:pPr>
+            <a:r>
+              <a:rPr lang="en-US" sz="2800">
+                <a:latin typeface="Arial"/>
+                <a:ea typeface="宋体"/>
+              </a:rPr>
+              <a:t>    </a:t>
+            </a:r>
+            <a:r>
+              <a:rPr lang="en-US" sz="2800">
+                <a:latin typeface="Arial"/>
+              </a:rPr>
+              <a:t>1</a:t>
+            </a:r>
+            <a:r>
+              <a:rPr lang="en-US" sz="2800">
+                <a:latin typeface="Arial"/>
+                <a:ea typeface="宋体"/>
+              </a:rPr>
+              <a:t>.</a:t>
+            </a:r>
+            <a:r>
+              <a:rPr lang="en-US" sz="2800">
+                <a:latin typeface="Arial"/>
+              </a:rPr>
+              <a:t> all the program code itself</a:t>
+            </a:r>
+            <a:endParaRPr/>
+          </a:p>
+          <a:p>
+            <a:pPr>
+              <a:lnSpc>
+                <a:spcPct val="80000"/>
+              </a:lnSpc>
+            </a:pPr>
+            <a:endParaRPr/>
+          </a:p>
+          <a:p>
+            <a:pPr>
+              <a:lnSpc>
+                <a:spcPct val="80000"/>
+              </a:lnSpc>
+            </a:pPr>
+            <a:r>
+              <a:rPr lang="en-US" sz="2800">
+                <a:latin typeface="Arial"/>
+                <a:ea typeface="宋体"/>
+              </a:rPr>
+              <a:t>    </a:t>
+            </a:r>
+            <a:r>
+              <a:rPr lang="en-US" sz="2800">
+                <a:latin typeface="Arial"/>
+                <a:ea typeface="宋体"/>
+              </a:rPr>
+              <a:t>2. documents that used to describe the contents, </a:t>
+            </a:r>
+            <a:endParaRPr/>
+          </a:p>
+          <a:p>
+            <a:pPr>
+              <a:lnSpc>
+                <a:spcPct val="80000"/>
+              </a:lnSpc>
+            </a:pPr>
+            <a:r>
+              <a:rPr lang="en-US" sz="2800">
+                <a:latin typeface="Arial"/>
+                <a:ea typeface="宋体"/>
+              </a:rPr>
+              <a:t>        </a:t>
+            </a:r>
+            <a:r>
+              <a:rPr lang="en-US" sz="2800">
+                <a:latin typeface="Arial"/>
+                <a:ea typeface="宋体"/>
+              </a:rPr>
+              <a:t>design, testing results, etc. of a program.</a:t>
+            </a:r>
+            <a:endParaRPr/>
+          </a:p>
+          <a:p>
+            <a:pPr>
+              <a:lnSpc>
+                <a:spcPct val="80000"/>
+              </a:lnSpc>
+            </a:pPr>
+            <a:r>
+              <a:rPr lang="en-US" sz="2800">
+                <a:latin typeface="Arial"/>
+                <a:ea typeface="宋体"/>
+              </a:rPr>
+              <a:t>    </a:t>
+            </a:r>
+            <a:endParaRPr/>
+          </a:p>
+        </p:txBody>
+      </p:sp>
+      <p:pic>
+        <p:nvPicPr>
+          <p:cNvPr id="93" name="" descr=""/>
+          <p:cNvPicPr/>
+          <p:nvPr/>
+        </p:nvPicPr>
+        <p:blipFill>
+          <a:blip r:embed="rId1"/>
+          <a:stretch>
+            <a:fillRect/>
+          </a:stretch>
+        </p:blipFill>
+        <p:spPr>
+          <a:xfrm>
+            <a:off x="5905800" y="2123640"/>
+            <a:ext cx="3245400" cy="2303640"/>
+          </a:xfrm>
+          <a:prstGeom prst="rect">
+            <a:avLst/>
+          </a:prstGeom>
           <a:ln>
             <a:noFill/>
           </a:ln>
         </p:spPr>
-        <p:txBody>
-          <a:bodyPr lIns="0" rIns="0" tIns="0" bIns="0" anchor="ctr"/>
-          <a:p>
-            <a:pPr algn="ctr">
-              <a:lnSpc>
-                <a:spcPct val="100000"/>
-              </a:lnSpc>
-            </a:pPr>
-            <a:r>
-              <a:rPr lang="en-IE" sz="4400">
-                <a:latin typeface="Arial"/>
-              </a:rPr>
-              <a:t>Copyrights</a:t>
-            </a:r>
-            <a:endParaRPr/>
-          </a:p>
-        </p:txBody>
-      </p:sp>
-      <p:sp>
-        <p:nvSpPr>
-          <p:cNvPr id="92" name="CustomShape 2"/>
-          <p:cNvSpPr/>
-          <p:nvPr/>
-        </p:nvSpPr>
-        <p:spPr>
-          <a:xfrm>
-            <a:off x="504000" y="1768680"/>
-            <a:ext cx="9070920" cy="4383000"/>
-          </a:xfrm>
-          <a:prstGeom prst="rect">
-            <a:avLst/>
-          </a:prstGeom>
-          <a:noFill/>
-          <a:ln>
-            <a:noFill/>
-          </a:ln>
-        </p:spPr>
-        <p:txBody>
-          <a:bodyPr lIns="0" rIns="0" tIns="0" bIns="0"/>
-          <a:p>
-            <a:pPr>
-              <a:lnSpc>
-                <a:spcPct val="100000"/>
-              </a:lnSpc>
-            </a:pPr>
-            <a:endParaRPr/>
-          </a:p>
-          <a:p>
-            <a:pPr>
-              <a:lnSpc>
-                <a:spcPct val="100000"/>
-              </a:lnSpc>
-              <a:buFont typeface="Wingdings" charset="2"/>
-              <a:buChar char=""/>
-            </a:pPr>
-            <a:r>
-              <a:rPr lang="en-IE" sz="3200">
-                <a:latin typeface="Arial"/>
-              </a:rPr>
-              <a:t>Protection against distribution, reproducing, using or displaying</a:t>
-            </a:r>
-            <a:endParaRPr/>
-          </a:p>
-          <a:p>
-            <a:pPr>
-              <a:lnSpc>
-                <a:spcPct val="100000"/>
-              </a:lnSpc>
-            </a:pPr>
-            <a:endParaRPr/>
-          </a:p>
-          <a:p>
-            <a:pPr>
-              <a:lnSpc>
-                <a:spcPct val="100000"/>
-              </a:lnSpc>
-              <a:buFont typeface="Wingdings" charset="2"/>
-              <a:buChar char=""/>
-            </a:pPr>
-            <a:r>
-              <a:rPr lang="en-IE" sz="3200">
-                <a:latin typeface="Arial"/>
-              </a:rPr>
-              <a:t>Lifetime protection</a:t>
-            </a:r>
-            <a:endParaRPr/>
-          </a:p>
-          <a:p>
-            <a:pPr>
-              <a:lnSpc>
-                <a:spcPct val="100000"/>
-              </a:lnSpc>
-            </a:pPr>
-            <a:endParaRPr/>
-          </a:p>
-          <a:p>
-            <a:pPr>
-              <a:lnSpc>
-                <a:spcPct val="100000"/>
-              </a:lnSpc>
-              <a:buFont typeface="Wingdings" charset="2"/>
-              <a:buChar char=""/>
-            </a:pPr>
-            <a:r>
-              <a:rPr lang="en-IE" sz="3200">
-                <a:latin typeface="Arial"/>
-              </a:rPr>
-              <a:t>More specific than Patents</a:t>
-            </a:r>
-            <a:endParaRPr/>
-          </a:p>
-        </p:txBody>
-      </p:sp>
+      </p:pic>
     </p:spTree>
   </p:cSld>
-  <p:timing>
-    <p:tnLst>
-      <p:par>
-        <p:cTn id="15" dur="indefinite" restart="never" nodeType="tmRoot">
-          <p:childTnLst>
-            <p:seq>
-              <p:cTn id="16" nodeType="mainSeq"/>
-              <p:prevCondLst>
-                <p:cond delay="0" evt="onPrev">
-                  <p:tgtEl>
-                    <p:sldTgt/>
-                  </p:tgtEl>
-                </p:cond>
-              </p:prevCondLst>
-              <p:nextCondLst>
-                <p:cond delay="0" evt="onNext">
-                  <p:tgtEl>
-                    <p:sldTgt/>
-                  </p:tgtEl>
-                </p:cond>
-              </p:nextCondLst>
-            </p:seq>
-          </p:childTnLst>
-        </p:cTn>
-      </p:par>
-    </p:tnLst>
-  </p:timing>
 </p:sld>
 </file>
 
 <file path=ppt/slides/slide9.xml><?xml version="1.0" encoding="utf-8"?>
 <p:sld xmlns:a="http://schemas.openxmlformats.org/drawingml/2006/main" xmlns:p="http://schemas.openxmlformats.org/presentationml/2006/main" xmlns:r="http://schemas.openxmlformats.org/officeDocument/2006/relationships">
   <p:cSld>
+    <p:bg>
+      <p:bgPr>
+        <a:solidFill>
+          <a:srgbClr val="ffffff"/>
+        </a:solidFill>
+      </p:bgPr>
+    </p:bg>
     <p:spTree>
       <p:nvGrpSpPr>
         <p:cNvPr id="1" name=""/>
@@ -5452,14 +5750,276 @@
       </p:grpSpPr>
       <p:sp>
         <p:nvSpPr>
-          <p:cNvPr id="93" name="CustomShape 1"/>
+          <p:cNvPr id="94" name="TextShape 1"/>
+          <p:cNvSpPr txBox="1"/>
+          <p:nvPr/>
+        </p:nvSpPr>
+        <p:spPr>
+          <a:xfrm>
+            <a:off x="504360" y="301320"/>
+            <a:ext cx="9071640" cy="1262160"/>
+          </a:xfrm>
+          <a:prstGeom prst="rect">
+            <a:avLst/>
+          </a:prstGeom>
+        </p:spPr>
+        <p:txBody>
+          <a:bodyPr lIns="0" rIns="0" tIns="0" bIns="0" anchor="ctr"/>
+          <a:p>
+            <a:pPr algn="ctr">
+              <a:buSzPct val="45000"/>
+              <a:buFont typeface="StarSymbol"/>
+              <a:buChar char=""/>
+            </a:pPr>
+            <a:r>
+              <a:rPr lang="en-US" sz="4400">
+                <a:latin typeface="Arial"/>
+              </a:rPr>
+              <a:t>C</a:t>
+            </a:r>
+            <a:r>
+              <a:rPr lang="en-US" sz="4400">
+                <a:latin typeface="Arial"/>
+                <a:ea typeface="宋体"/>
+              </a:rPr>
+              <a:t>opyright</a:t>
+            </a:r>
+            <a:endParaRPr/>
+          </a:p>
+        </p:txBody>
+      </p:sp>
+      <p:sp>
+        <p:nvSpPr>
+          <p:cNvPr id="95" name="TextShape 2"/>
+          <p:cNvSpPr txBox="1"/>
+          <p:nvPr/>
+        </p:nvSpPr>
+        <p:spPr>
+          <a:xfrm>
+            <a:off x="791640" y="1907640"/>
+            <a:ext cx="8497080" cy="3097440"/>
+          </a:xfrm>
+          <a:prstGeom prst="rect">
+            <a:avLst/>
+          </a:prstGeom>
+        </p:spPr>
+        <p:txBody>
+          <a:bodyPr lIns="0" rIns="0" tIns="0" bIns="0"/>
+          <a:p>
+            <a:pPr/>
+            <a:r>
+              <a:rPr lang="en-US" sz="3200">
+                <a:latin typeface="Arial"/>
+                <a:ea typeface="宋体"/>
+              </a:rPr>
+              <a:t>T</a:t>
+            </a:r>
+            <a:r>
+              <a:rPr lang="en-US" sz="3200">
+                <a:latin typeface="Arial"/>
+              </a:rPr>
+              <a:t>he difference between software copyright and patent</a:t>
+            </a:r>
+            <a:r>
+              <a:rPr lang="en-US" sz="3200">
+                <a:latin typeface="Arial"/>
+                <a:ea typeface="宋体"/>
+              </a:rPr>
+              <a:t>:</a:t>
+            </a:r>
+            <a:endParaRPr/>
+          </a:p>
+          <a:p>
+            <a:pPr/>
+            <a:endParaRPr/>
+          </a:p>
+          <a:p>
+            <a:pPr/>
+            <a:endParaRPr/>
+          </a:p>
+        </p:txBody>
+      </p:sp>
+      <p:graphicFrame>
+        <p:nvGraphicFramePr>
+          <p:cNvPr id="96" name="Table 3"/>
+          <p:cNvGraphicFramePr/>
+          <p:nvPr/>
+        </p:nvGraphicFramePr>
+        <p:xfrm>
+          <a:off x="1316160" y="3419280"/>
+          <a:ext cx="7253640" cy="1512720"/>
+        </p:xfrm>
+        <a:graphic>
+          <a:graphicData uri="http://schemas.openxmlformats.org/drawingml/2006/table">
+            <a:tbl>
+              <a:tblPr/>
+              <a:tblGrid>
+                <a:gridCol w="2184480"/>
+                <a:gridCol w="2913120"/>
+                <a:gridCol w="2156040"/>
+              </a:tblGrid>
+              <a:tr h="687240">
+                <a:tc>
+                  <a:txBody>
+                    <a:bodyPr lIns="90000" rIns="90000" tIns="46800" bIns="46800" anchor="ctr"/>
+                    <a:p>
+                      <a:pPr>
+                        <a:lnSpc>
+                          <a:spcPct val="100000"/>
+                        </a:lnSpc>
+                      </a:pPr>
+                      <a:r>
+                        <a:rPr b="1" lang="en-US" sz="2400">
+                          <a:solidFill>
+                            <a:srgbClr val="ffffff"/>
+                          </a:solidFill>
+                          <a:latin typeface="Calibri"/>
+                          <a:ea typeface="宋体"/>
+                        </a:rPr>
+                        <a:t>COPYRIGHT</a:t>
+                      </a:r>
+                      <a:endParaRPr/>
+                    </a:p>
+                  </a:txBody>
+                  <a:tcPr/>
+                </a:tc>
+                <a:tc>
+                  <a:txBody>
+                    <a:bodyPr lIns="90000" rIns="90000" tIns="46800" bIns="46800" anchor="ctr"/>
+                    <a:p>
+                      <a:pPr>
+                        <a:lnSpc>
+                          <a:spcPct val="100000"/>
+                        </a:lnSpc>
+                      </a:pPr>
+                      <a:r>
+                        <a:rPr b="1" lang="en-US" sz="2400">
+                          <a:solidFill>
+                            <a:srgbClr val="ffffff"/>
+                          </a:solidFill>
+                          <a:latin typeface="Calibri"/>
+                          <a:ea typeface="宋体"/>
+                        </a:rPr>
+                        <a:t>program itself</a:t>
+                      </a:r>
+                      <a:endParaRPr/>
+                    </a:p>
+                  </a:txBody>
+                  <a:tcPr/>
+                </a:tc>
+                <a:tc>
+                  <a:txBody>
+                    <a:bodyPr lIns="90000" rIns="90000" tIns="46800" bIns="46800" anchor="ctr"/>
+                    <a:p>
+                      <a:pPr>
+                        <a:lnSpc>
+                          <a:spcPct val="100000"/>
+                        </a:lnSpc>
+                      </a:pPr>
+                      <a:r>
+                        <a:rPr b="1" lang="en-US" sz="2400">
+                          <a:solidFill>
+                            <a:srgbClr val="ffffff"/>
+                          </a:solidFill>
+                          <a:latin typeface="Calibri"/>
+                          <a:ea typeface="宋体"/>
+                        </a:rPr>
+                        <a:t>concrete</a:t>
+                      </a:r>
+                      <a:endParaRPr/>
+                    </a:p>
+                  </a:txBody>
+                  <a:tcPr/>
+                </a:tc>
+              </a:tr>
+              <a:tr h="825480">
+                <a:tc>
+                  <a:txBody>
+                    <a:bodyPr lIns="90000" rIns="90000" tIns="46800" bIns="46800" anchor="ctr"/>
+                    <a:p>
+                      <a:pPr>
+                        <a:lnSpc>
+                          <a:spcPct val="100000"/>
+                        </a:lnSpc>
+                      </a:pPr>
+                      <a:r>
+                        <a:rPr b="1" lang="en-US" sz="2400">
+                          <a:solidFill>
+                            <a:srgbClr val="000000"/>
+                          </a:solidFill>
+                          <a:latin typeface="Calibri"/>
+                          <a:ea typeface="宋体"/>
+                        </a:rPr>
+                        <a:t>PATENT</a:t>
+                      </a:r>
+                      <a:endParaRPr/>
+                    </a:p>
+                  </a:txBody>
+                  <a:tcPr/>
+                </a:tc>
+                <a:tc>
+                  <a:txBody>
+                    <a:bodyPr lIns="90000" rIns="90000" tIns="46800" bIns="46800" anchor="ctr"/>
+                    <a:p>
+                      <a:pPr>
+                        <a:lnSpc>
+                          <a:spcPct val="100000"/>
+                        </a:lnSpc>
+                      </a:pPr>
+                      <a:r>
+                        <a:rPr b="1" lang="en-US" sz="2400">
+                          <a:solidFill>
+                            <a:srgbClr val="000000"/>
+                          </a:solidFill>
+                          <a:latin typeface="Calibri"/>
+                          <a:ea typeface="宋体"/>
+                        </a:rPr>
+                        <a:t>development idea</a:t>
+                      </a:r>
+                      <a:endParaRPr/>
+                    </a:p>
+                  </a:txBody>
+                  <a:tcPr/>
+                </a:tc>
+                <a:tc>
+                  <a:txBody>
+                    <a:bodyPr lIns="90000" rIns="90000" tIns="46800" bIns="46800" anchor="ctr"/>
+                    <a:p>
+                      <a:pPr>
+                        <a:lnSpc>
+                          <a:spcPct val="100000"/>
+                        </a:lnSpc>
+                      </a:pPr>
+                      <a:r>
+                        <a:rPr b="1" lang="en-US" sz="2400">
+                          <a:solidFill>
+                            <a:srgbClr val="000000"/>
+                          </a:solidFill>
+                          <a:latin typeface="Calibri"/>
+                          <a:ea typeface="宋体"/>
+                        </a:rPr>
+                        <a:t>abstract</a:t>
+                      </a:r>
+                      <a:endParaRPr/>
+                    </a:p>
+                  </a:txBody>
+                  <a:tcPr/>
+                </a:tc>
+              </a:tr>
+            </a:tbl>
+          </a:graphicData>
+        </a:graphic>
+      </p:graphicFrame>
+      <p:sp>
+        <p:nvSpPr>
+          <p:cNvPr id="97" name="CustomShape 4"/>
           <p:cNvSpPr/>
           <p:nvPr/>
         </p:nvSpPr>
         <p:spPr>
           <a:xfrm>
-            <a:off x="504000" y="301320"/>
-            <a:ext cx="9070920" cy="1261080"/>
+            <a:off x="789120" y="5283000"/>
+            <a:ext cx="8285760" cy="856080"/>
           </a:xfrm>
           <a:prstGeom prst="rect">
             <a:avLst/>
@@ -5470,113 +6030,18 @@
           </a:ln>
         </p:spPr>
         <p:txBody>
-          <a:bodyPr lIns="0" rIns="0" tIns="0" bIns="0" anchor="ctr"/>
+          <a:bodyPr lIns="90000" rIns="90000" tIns="46800" bIns="46800"/>
           <a:p>
             <a:pPr algn="ctr">
               <a:lnSpc>
-                <a:spcPct val="100000"/>
-              </a:lnSpc>
-            </a:pPr>
-            <a:r>
-              <a:rPr lang="en-IE" sz="4400">
-                <a:latin typeface="Arial"/>
-              </a:rPr>
-              <a:t>Obtaining Copyrights</a:t>
-            </a:r>
-            <a:endParaRPr/>
-          </a:p>
-        </p:txBody>
-      </p:sp>
-      <p:sp>
-        <p:nvSpPr>
-          <p:cNvPr id="94" name="CustomShape 2"/>
-          <p:cNvSpPr/>
-          <p:nvPr/>
-        </p:nvSpPr>
-        <p:spPr>
-          <a:xfrm>
-            <a:off x="504000" y="1768680"/>
-            <a:ext cx="9070920" cy="4383000"/>
-          </a:xfrm>
-          <a:prstGeom prst="rect">
-            <a:avLst/>
-          </a:prstGeom>
-          <a:noFill/>
-          <a:ln>
-            <a:noFill/>
-          </a:ln>
-        </p:spPr>
-        <p:txBody>
-          <a:bodyPr lIns="0" rIns="0" tIns="0" bIns="0"/>
-          <a:p>
-            <a:pPr>
-              <a:lnSpc>
-                <a:spcPct val="100000"/>
-              </a:lnSpc>
-            </a:pPr>
-            <a:endParaRPr/>
-          </a:p>
-          <a:p>
-            <a:pPr>
-              <a:lnSpc>
-                <a:spcPct val="100000"/>
-              </a:lnSpc>
-              <a:buFont typeface="Wingdings" charset="2"/>
-              <a:buChar char=""/>
-            </a:pPr>
-            <a:r>
-              <a:rPr lang="en-IE" sz="3200">
-                <a:latin typeface="Arial"/>
-              </a:rPr>
-              <a:t>Made upon creation</a:t>
-            </a:r>
-            <a:endParaRPr/>
-          </a:p>
-          <a:p>
-            <a:pPr>
-              <a:lnSpc>
-                <a:spcPct val="100000"/>
-              </a:lnSpc>
-            </a:pPr>
-            <a:endParaRPr/>
-          </a:p>
-          <a:p>
-            <a:pPr>
-              <a:lnSpc>
-                <a:spcPct val="100000"/>
-              </a:lnSpc>
-              <a:buFont typeface="Wingdings" charset="2"/>
-              <a:buChar char=""/>
-            </a:pPr>
-            <a:r>
-              <a:rPr lang="en-IE" sz="3200">
-                <a:latin typeface="Arial"/>
-              </a:rPr>
-              <a:t>Applying is unnecessary</a:t>
-            </a:r>
-            <a:endParaRPr/>
-          </a:p>
-          <a:p>
-            <a:pPr>
-              <a:lnSpc>
-                <a:spcPct val="100000"/>
-              </a:lnSpc>
-            </a:pPr>
-            <a:endParaRPr/>
-          </a:p>
-          <a:p>
-            <a:pPr>
-              <a:lnSpc>
-                <a:spcPct val="100000"/>
-              </a:lnSpc>
-              <a:buFont typeface="Wingdings" charset="2"/>
-              <a:buChar char=""/>
-            </a:pPr>
-            <a:r>
-              <a:rPr lang="en-IE" sz="3200">
-                <a:latin typeface="Arial"/>
-              </a:rPr>
-              <a:t>Date of creation and authors name is advised to have</a:t>
+                <a:spcPct val="150000"/>
+              </a:lnSpc>
+            </a:pPr>
+            <a:r>
+              <a:rPr b="1" lang="en-US" sz="2000">
+                <a:latin typeface="Arial"/>
+              </a:rPr>
+              <a:t>Software copyright has nothing to do with protecting the most valuable thing in a software —— design ideas</a:t>
             </a:r>
             <a:endParaRPr/>
           </a:p>
@@ -5584,33 +6049,6 @@
       </p:sp>
     </p:spTree>
   </p:cSld>
-  <p:timing>
-    <p:tnLst>
-      <p:par>
-        <p:cTn id="17" dur="indefinite" restart="never" nodeType="tmRoot">
-          <p:childTnLst>
-            <p:seq>
-              <p:cTn id="18" nodeType="mainSeq"/>
-              <p:prevCondLst>
-                <p:cond delay="0" evt="onPrev">
-                  <p:tgtEl>
-                    <p:sldTgt/>
-                  </p:tgtEl>
-                </p:cond>
-              </p:prevCondLst>
-              <p:nextCondLst>
-                <p:cond delay="0" evt="onNext">
-                  <p:tgtEl>
-                    <p:sldTgt/>
-                  </p:tgtEl>
-                </p:cond>
-              </p:nextCondLst>
-            </p:seq>
-          </p:childTnLst>
-        </p:cTn>
-      </p:par>
-    </p:tnLst>
-  </p:timing>
 </p:sld>
 </file>
 

--- a/Documents/Team G - Intellectual Property in Software.pptx
+++ b/Documents/Team G - Intellectual Property in Software.pptx
@@ -4,23 +4,22 @@
   <p:sldMasterIdLst>
     <p:sldMasterId id="2147483648" r:id="rId2"/>
     <p:sldMasterId id="2147483661" r:id="rId3"/>
+    <p:sldMasterId id="2147483674" r:id="rId4"/>
   </p:sldMasterIdLst>
   <p:sldIdLst>
-    <p:sldId id="256" r:id="rId4"/>
-    <p:sldId id="257" r:id="rId5"/>
-    <p:sldId id="258" r:id="rId6"/>
-    <p:sldId id="259" r:id="rId7"/>
-    <p:sldId id="260" r:id="rId8"/>
-    <p:sldId id="261" r:id="rId9"/>
-    <p:sldId id="262" r:id="rId10"/>
-    <p:sldId id="263" r:id="rId11"/>
-    <p:sldId id="264" r:id="rId12"/>
-    <p:sldId id="265" r:id="rId13"/>
-    <p:sldId id="266" r:id="rId14"/>
-    <p:sldId id="267" r:id="rId15"/>
-    <p:sldId id="268" r:id="rId16"/>
-    <p:sldId id="269" r:id="rId17"/>
-    <p:sldId id="270" r:id="rId18"/>
+    <p:sldId id="256" r:id="rId5"/>
+    <p:sldId id="257" r:id="rId6"/>
+    <p:sldId id="258" r:id="rId7"/>
+    <p:sldId id="259" r:id="rId8"/>
+    <p:sldId id="260" r:id="rId9"/>
+    <p:sldId id="261" r:id="rId10"/>
+    <p:sldId id="262" r:id="rId11"/>
+    <p:sldId id="263" r:id="rId12"/>
+    <p:sldId id="264" r:id="rId13"/>
+    <p:sldId id="265" r:id="rId14"/>
+    <p:sldId id="266" r:id="rId15"/>
+    <p:sldId id="267" r:id="rId16"/>
+    <p:sldId id="268" r:id="rId17"/>
   </p:sldIdLst>
   <p:sldSz cx="10080625" cy="7559675"/>
   <p:notesSz cx="7559675" cy="10691812"/>
@@ -1688,6 +1687,329 @@
 </p:sldLayout>
 </file>
 
+<file path=ppt/slideLayouts/slideLayout25.xml><?xml version="1.0" encoding="utf-8"?>
+<p:sldLayout xmlns:a="http://schemas.openxmlformats.org/drawingml/2006/main" xmlns:p="http://schemas.openxmlformats.org/presentationml/2006/main" xmlns:r="http://schemas.openxmlformats.org/officeDocument/2006/relationships" type="blank" preserve="1">
+  <p:cSld name="Blank Slide">
+    <p:spTree>
+      <p:nvGrpSpPr>
+        <p:cNvPr id="1" name=""/>
+        <p:cNvGrpSpPr/>
+        <p:nvPr/>
+      </p:nvGrpSpPr>
+      <p:grpSpPr>
+        <a:xfrm>
+          <a:off x="0" y="0"/>
+          <a:ext cx="0" cy="0"/>
+          <a:chOff x="0" y="0"/>
+          <a:chExt cx="0" cy="0"/>
+        </a:xfrm>
+      </p:grpSpPr>
+    </p:spTree>
+  </p:cSld>
+</p:sldLayout>
+</file>
+
+<file path=ppt/slideLayouts/slideLayout26.xml><?xml version="1.0" encoding="utf-8"?>
+<p:sldLayout xmlns:a="http://schemas.openxmlformats.org/drawingml/2006/main" xmlns:p="http://schemas.openxmlformats.org/presentationml/2006/main" xmlns:r="http://schemas.openxmlformats.org/officeDocument/2006/relationships" type="tx" preserve="1">
+  <p:cSld name="Title Slide">
+    <p:spTree>
+      <p:nvGrpSpPr>
+        <p:cNvPr id="1" name=""/>
+        <p:cNvGrpSpPr/>
+        <p:nvPr/>
+      </p:nvGrpSpPr>
+      <p:grpSpPr>
+        <a:xfrm>
+          <a:off x="0" y="0"/>
+          <a:ext cx="0" cy="0"/>
+          <a:chOff x="0" y="0"/>
+          <a:chExt cx="0" cy="0"/>
+        </a:xfrm>
+      </p:grpSpPr>
+      <p:sp>
+        <p:nvSpPr>
+          <p:cNvPr id="77" name="PlaceHolder 1"/>
+          <p:cNvSpPr>
+            <a:spLocks noGrp="1"/>
+          </p:cNvSpPr>
+          <p:nvPr>
+            <p:ph type="title"/>
+          </p:nvPr>
+        </p:nvSpPr>
+        <p:spPr>
+          <a:xfrm>
+            <a:off x="504000" y="301320"/>
+            <a:ext cx="9072000" cy="1262160"/>
+          </a:xfrm>
+          <a:prstGeom prst="rect">
+            <a:avLst/>
+          </a:prstGeom>
+        </p:spPr>
+        <p:txBody>
+          <a:bodyPr lIns="0" rIns="0" tIns="0" bIns="0" anchor="ctr"/>
+          <a:p>
+            <a:pPr algn="ctr"/>
+            <a:endParaRPr/>
+          </a:p>
+        </p:txBody>
+      </p:sp>
+      <p:sp>
+        <p:nvSpPr>
+          <p:cNvPr id="78" name="PlaceHolder 2"/>
+          <p:cNvSpPr>
+            <a:spLocks noGrp="1"/>
+          </p:cNvSpPr>
+          <p:nvPr>
+            <p:ph type="subTitle"/>
+          </p:nvPr>
+        </p:nvSpPr>
+        <p:spPr>
+          <a:xfrm>
+            <a:off x="504000" y="1768680"/>
+            <a:ext cx="9072000" cy="4384440"/>
+          </a:xfrm>
+          <a:prstGeom prst="rect">
+            <a:avLst/>
+          </a:prstGeom>
+        </p:spPr>
+        <p:txBody>
+          <a:bodyPr lIns="0" rIns="0" tIns="0" bIns="0" anchor="ctr"/>
+          <a:p>
+            <a:pPr algn="ctr"/>
+            <a:endParaRPr/>
+          </a:p>
+        </p:txBody>
+      </p:sp>
+    </p:spTree>
+  </p:cSld>
+</p:sldLayout>
+</file>
+
+<file path=ppt/slideLayouts/slideLayout27.xml><?xml version="1.0" encoding="utf-8"?>
+<p:sldLayout xmlns:a="http://schemas.openxmlformats.org/drawingml/2006/main" xmlns:p="http://schemas.openxmlformats.org/presentationml/2006/main" xmlns:r="http://schemas.openxmlformats.org/officeDocument/2006/relationships" type="obj" preserve="1">
+  <p:cSld name="Title, Content">
+    <p:spTree>
+      <p:nvGrpSpPr>
+        <p:cNvPr id="1" name=""/>
+        <p:cNvGrpSpPr/>
+        <p:nvPr/>
+      </p:nvGrpSpPr>
+      <p:grpSpPr>
+        <a:xfrm>
+          <a:off x="0" y="0"/>
+          <a:ext cx="0" cy="0"/>
+          <a:chOff x="0" y="0"/>
+          <a:chExt cx="0" cy="0"/>
+        </a:xfrm>
+      </p:grpSpPr>
+      <p:sp>
+        <p:nvSpPr>
+          <p:cNvPr id="79" name="PlaceHolder 1"/>
+          <p:cNvSpPr>
+            <a:spLocks noGrp="1"/>
+          </p:cNvSpPr>
+          <p:nvPr>
+            <p:ph type="title"/>
+          </p:nvPr>
+        </p:nvSpPr>
+        <p:spPr>
+          <a:xfrm>
+            <a:off x="504000" y="301320"/>
+            <a:ext cx="9072000" cy="1262160"/>
+          </a:xfrm>
+          <a:prstGeom prst="rect">
+            <a:avLst/>
+          </a:prstGeom>
+        </p:spPr>
+        <p:txBody>
+          <a:bodyPr lIns="0" rIns="0" tIns="0" bIns="0" anchor="ctr"/>
+          <a:p>
+            <a:pPr algn="ctr"/>
+            <a:endParaRPr/>
+          </a:p>
+        </p:txBody>
+      </p:sp>
+      <p:sp>
+        <p:nvSpPr>
+          <p:cNvPr id="80" name="PlaceHolder 2"/>
+          <p:cNvSpPr>
+            <a:spLocks noGrp="1"/>
+          </p:cNvSpPr>
+          <p:nvPr>
+            <p:ph type="body"/>
+          </p:nvPr>
+        </p:nvSpPr>
+        <p:spPr>
+          <a:xfrm>
+            <a:off x="504000" y="1768680"/>
+            <a:ext cx="9072000" cy="4384080"/>
+          </a:xfrm>
+          <a:prstGeom prst="rect">
+            <a:avLst/>
+          </a:prstGeom>
+        </p:spPr>
+        <p:txBody>
+          <a:bodyPr lIns="0" rIns="0" tIns="0" bIns="0"/>
+          <a:p>
+            <a:endParaRPr/>
+          </a:p>
+        </p:txBody>
+      </p:sp>
+    </p:spTree>
+  </p:cSld>
+</p:sldLayout>
+</file>
+
+<file path=ppt/slideLayouts/slideLayout28.xml><?xml version="1.0" encoding="utf-8"?>
+<p:sldLayout xmlns:a="http://schemas.openxmlformats.org/drawingml/2006/main" xmlns:p="http://schemas.openxmlformats.org/presentationml/2006/main" xmlns:r="http://schemas.openxmlformats.org/officeDocument/2006/relationships" type="twoObj" preserve="1">
+  <p:cSld name="Title, 2 Content">
+    <p:spTree>
+      <p:nvGrpSpPr>
+        <p:cNvPr id="1" name=""/>
+        <p:cNvGrpSpPr/>
+        <p:nvPr/>
+      </p:nvGrpSpPr>
+      <p:grpSpPr>
+        <a:xfrm>
+          <a:off x="0" y="0"/>
+          <a:ext cx="0" cy="0"/>
+          <a:chOff x="0" y="0"/>
+          <a:chExt cx="0" cy="0"/>
+        </a:xfrm>
+      </p:grpSpPr>
+      <p:sp>
+        <p:nvSpPr>
+          <p:cNvPr id="81" name="PlaceHolder 1"/>
+          <p:cNvSpPr>
+            <a:spLocks noGrp="1"/>
+          </p:cNvSpPr>
+          <p:nvPr>
+            <p:ph type="title"/>
+          </p:nvPr>
+        </p:nvSpPr>
+        <p:spPr>
+          <a:xfrm>
+            <a:off x="504000" y="301320"/>
+            <a:ext cx="9072000" cy="1262160"/>
+          </a:xfrm>
+          <a:prstGeom prst="rect">
+            <a:avLst/>
+          </a:prstGeom>
+        </p:spPr>
+        <p:txBody>
+          <a:bodyPr lIns="0" rIns="0" tIns="0" bIns="0" anchor="ctr"/>
+          <a:p>
+            <a:pPr algn="ctr"/>
+            <a:endParaRPr/>
+          </a:p>
+        </p:txBody>
+      </p:sp>
+      <p:sp>
+        <p:nvSpPr>
+          <p:cNvPr id="82" name="PlaceHolder 2"/>
+          <p:cNvSpPr>
+            <a:spLocks noGrp="1"/>
+          </p:cNvSpPr>
+          <p:nvPr>
+            <p:ph type="body"/>
+          </p:nvPr>
+        </p:nvSpPr>
+        <p:spPr>
+          <a:xfrm>
+            <a:off x="504000" y="1768680"/>
+            <a:ext cx="4426920" cy="4384080"/>
+          </a:xfrm>
+          <a:prstGeom prst="rect">
+            <a:avLst/>
+          </a:prstGeom>
+        </p:spPr>
+        <p:txBody>
+          <a:bodyPr lIns="0" rIns="0" tIns="0" bIns="0"/>
+          <a:p>
+            <a:endParaRPr/>
+          </a:p>
+        </p:txBody>
+      </p:sp>
+      <p:sp>
+        <p:nvSpPr>
+          <p:cNvPr id="83" name="PlaceHolder 3"/>
+          <p:cNvSpPr>
+            <a:spLocks noGrp="1"/>
+          </p:cNvSpPr>
+          <p:nvPr>
+            <p:ph type="body"/>
+          </p:nvPr>
+        </p:nvSpPr>
+        <p:spPr>
+          <a:xfrm>
+            <a:off x="5152680" y="1768680"/>
+            <a:ext cx="4426920" cy="4384080"/>
+          </a:xfrm>
+          <a:prstGeom prst="rect">
+            <a:avLst/>
+          </a:prstGeom>
+        </p:spPr>
+        <p:txBody>
+          <a:bodyPr lIns="0" rIns="0" tIns="0" bIns="0"/>
+          <a:p>
+            <a:endParaRPr/>
+          </a:p>
+        </p:txBody>
+      </p:sp>
+    </p:spTree>
+  </p:cSld>
+</p:sldLayout>
+</file>
+
+<file path=ppt/slideLayouts/slideLayout29.xml><?xml version="1.0" encoding="utf-8"?>
+<p:sldLayout xmlns:a="http://schemas.openxmlformats.org/drawingml/2006/main" xmlns:p="http://schemas.openxmlformats.org/presentationml/2006/main" xmlns:r="http://schemas.openxmlformats.org/officeDocument/2006/relationships" type="titleOnly" preserve="1">
+  <p:cSld name="Title Only">
+    <p:spTree>
+      <p:nvGrpSpPr>
+        <p:cNvPr id="1" name=""/>
+        <p:cNvGrpSpPr/>
+        <p:nvPr/>
+      </p:nvGrpSpPr>
+      <p:grpSpPr>
+        <a:xfrm>
+          <a:off x="0" y="0"/>
+          <a:ext cx="0" cy="0"/>
+          <a:chOff x="0" y="0"/>
+          <a:chExt cx="0" cy="0"/>
+        </a:xfrm>
+      </p:grpSpPr>
+      <p:sp>
+        <p:nvSpPr>
+          <p:cNvPr id="84" name="PlaceHolder 1"/>
+          <p:cNvSpPr>
+            <a:spLocks noGrp="1"/>
+          </p:cNvSpPr>
+          <p:nvPr>
+            <p:ph type="title"/>
+          </p:nvPr>
+        </p:nvSpPr>
+        <p:spPr>
+          <a:xfrm>
+            <a:off x="504000" y="301320"/>
+            <a:ext cx="9072000" cy="1262160"/>
+          </a:xfrm>
+          <a:prstGeom prst="rect">
+            <a:avLst/>
+          </a:prstGeom>
+        </p:spPr>
+        <p:txBody>
+          <a:bodyPr lIns="0" rIns="0" tIns="0" bIns="0" anchor="ctr"/>
+          <a:p>
+            <a:pPr algn="ctr"/>
+            <a:endParaRPr/>
+          </a:p>
+        </p:txBody>
+      </p:sp>
+    </p:spTree>
+  </p:cSld>
+</p:sldLayout>
+</file>
+
 <file path=ppt/slideLayouts/slideLayout3.xml><?xml version="1.0" encoding="utf-8"?>
 <p:sldLayout xmlns:a="http://schemas.openxmlformats.org/drawingml/2006/main" xmlns:p="http://schemas.openxmlformats.org/presentationml/2006/main" xmlns:r="http://schemas.openxmlformats.org/officeDocument/2006/relationships" type="obj" preserve="1">
   <p:cSld name="Title, Content">
@@ -1758,6 +2080,841 @@
           </a:p>
         </p:txBody>
       </p:sp>
+    </p:spTree>
+  </p:cSld>
+</p:sldLayout>
+</file>
+
+<file path=ppt/slideLayouts/slideLayout30.xml><?xml version="1.0" encoding="utf-8"?>
+<p:sldLayout xmlns:a="http://schemas.openxmlformats.org/drawingml/2006/main" xmlns:p="http://schemas.openxmlformats.org/presentationml/2006/main" xmlns:r="http://schemas.openxmlformats.org/officeDocument/2006/relationships" type="objOnly" preserve="1">
+  <p:cSld name="Centered Text">
+    <p:spTree>
+      <p:nvGrpSpPr>
+        <p:cNvPr id="1" name=""/>
+        <p:cNvGrpSpPr/>
+        <p:nvPr/>
+      </p:nvGrpSpPr>
+      <p:grpSpPr>
+        <a:xfrm>
+          <a:off x="0" y="0"/>
+          <a:ext cx="0" cy="0"/>
+          <a:chOff x="0" y="0"/>
+          <a:chExt cx="0" cy="0"/>
+        </a:xfrm>
+      </p:grpSpPr>
+      <p:sp>
+        <p:nvSpPr>
+          <p:cNvPr id="85" name="PlaceHolder 1"/>
+          <p:cNvSpPr>
+            <a:spLocks noGrp="1"/>
+          </p:cNvSpPr>
+          <p:nvPr>
+            <p:ph type="subTitle"/>
+          </p:nvPr>
+        </p:nvSpPr>
+        <p:spPr>
+          <a:xfrm>
+            <a:off x="504000" y="301320"/>
+            <a:ext cx="9072000" cy="5850720"/>
+          </a:xfrm>
+          <a:prstGeom prst="rect">
+            <a:avLst/>
+          </a:prstGeom>
+        </p:spPr>
+        <p:txBody>
+          <a:bodyPr lIns="0" rIns="0" tIns="0" bIns="0" anchor="ctr"/>
+          <a:p>
+            <a:pPr algn="ctr"/>
+            <a:endParaRPr/>
+          </a:p>
+        </p:txBody>
+      </p:sp>
+    </p:spTree>
+  </p:cSld>
+</p:sldLayout>
+</file>
+
+<file path=ppt/slideLayouts/slideLayout31.xml><?xml version="1.0" encoding="utf-8"?>
+<p:sldLayout xmlns:a="http://schemas.openxmlformats.org/drawingml/2006/main" xmlns:p="http://schemas.openxmlformats.org/presentationml/2006/main" xmlns:r="http://schemas.openxmlformats.org/officeDocument/2006/relationships" type="twoObjAndObj" preserve="1">
+  <p:cSld name="Title, 2 Content and Content">
+    <p:spTree>
+      <p:nvGrpSpPr>
+        <p:cNvPr id="1" name=""/>
+        <p:cNvGrpSpPr/>
+        <p:nvPr/>
+      </p:nvGrpSpPr>
+      <p:grpSpPr>
+        <a:xfrm>
+          <a:off x="0" y="0"/>
+          <a:ext cx="0" cy="0"/>
+          <a:chOff x="0" y="0"/>
+          <a:chExt cx="0" cy="0"/>
+        </a:xfrm>
+      </p:grpSpPr>
+      <p:sp>
+        <p:nvSpPr>
+          <p:cNvPr id="86" name="PlaceHolder 1"/>
+          <p:cNvSpPr>
+            <a:spLocks noGrp="1"/>
+          </p:cNvSpPr>
+          <p:nvPr>
+            <p:ph type="title"/>
+          </p:nvPr>
+        </p:nvSpPr>
+        <p:spPr>
+          <a:xfrm>
+            <a:off x="504000" y="301320"/>
+            <a:ext cx="9072000" cy="1262160"/>
+          </a:xfrm>
+          <a:prstGeom prst="rect">
+            <a:avLst/>
+          </a:prstGeom>
+        </p:spPr>
+        <p:txBody>
+          <a:bodyPr lIns="0" rIns="0" tIns="0" bIns="0" anchor="ctr"/>
+          <a:p>
+            <a:pPr algn="ctr"/>
+            <a:endParaRPr/>
+          </a:p>
+        </p:txBody>
+      </p:sp>
+      <p:sp>
+        <p:nvSpPr>
+          <p:cNvPr id="87" name="PlaceHolder 2"/>
+          <p:cNvSpPr>
+            <a:spLocks noGrp="1"/>
+          </p:cNvSpPr>
+          <p:nvPr>
+            <p:ph type="body"/>
+          </p:nvPr>
+        </p:nvSpPr>
+        <p:spPr>
+          <a:xfrm>
+            <a:off x="504000" y="1768680"/>
+            <a:ext cx="4426920" cy="2090880"/>
+          </a:xfrm>
+          <a:prstGeom prst="rect">
+            <a:avLst/>
+          </a:prstGeom>
+        </p:spPr>
+        <p:txBody>
+          <a:bodyPr lIns="0" rIns="0" tIns="0" bIns="0"/>
+          <a:p>
+            <a:endParaRPr/>
+          </a:p>
+        </p:txBody>
+      </p:sp>
+      <p:sp>
+        <p:nvSpPr>
+          <p:cNvPr id="88" name="PlaceHolder 3"/>
+          <p:cNvSpPr>
+            <a:spLocks noGrp="1"/>
+          </p:cNvSpPr>
+          <p:nvPr>
+            <p:ph type="body"/>
+          </p:nvPr>
+        </p:nvSpPr>
+        <p:spPr>
+          <a:xfrm>
+            <a:off x="504000" y="4058640"/>
+            <a:ext cx="4426920" cy="2090880"/>
+          </a:xfrm>
+          <a:prstGeom prst="rect">
+            <a:avLst/>
+          </a:prstGeom>
+        </p:spPr>
+        <p:txBody>
+          <a:bodyPr lIns="0" rIns="0" tIns="0" bIns="0"/>
+          <a:p>
+            <a:endParaRPr/>
+          </a:p>
+        </p:txBody>
+      </p:sp>
+      <p:sp>
+        <p:nvSpPr>
+          <p:cNvPr id="89" name="PlaceHolder 4"/>
+          <p:cNvSpPr>
+            <a:spLocks noGrp="1"/>
+          </p:cNvSpPr>
+          <p:nvPr>
+            <p:ph type="body"/>
+          </p:nvPr>
+        </p:nvSpPr>
+        <p:spPr>
+          <a:xfrm>
+            <a:off x="5152680" y="1768680"/>
+            <a:ext cx="4426920" cy="4384080"/>
+          </a:xfrm>
+          <a:prstGeom prst="rect">
+            <a:avLst/>
+          </a:prstGeom>
+        </p:spPr>
+        <p:txBody>
+          <a:bodyPr lIns="0" rIns="0" tIns="0" bIns="0"/>
+          <a:p>
+            <a:endParaRPr/>
+          </a:p>
+        </p:txBody>
+      </p:sp>
+    </p:spTree>
+  </p:cSld>
+</p:sldLayout>
+</file>
+
+<file path=ppt/slideLayouts/slideLayout32.xml><?xml version="1.0" encoding="utf-8"?>
+<p:sldLayout xmlns:a="http://schemas.openxmlformats.org/drawingml/2006/main" xmlns:p="http://schemas.openxmlformats.org/presentationml/2006/main" xmlns:r="http://schemas.openxmlformats.org/officeDocument/2006/relationships" type="objAndTwoObj" preserve="1">
+  <p:cSld name="Title Content and 2 Content">
+    <p:spTree>
+      <p:nvGrpSpPr>
+        <p:cNvPr id="1" name=""/>
+        <p:cNvGrpSpPr/>
+        <p:nvPr/>
+      </p:nvGrpSpPr>
+      <p:grpSpPr>
+        <a:xfrm>
+          <a:off x="0" y="0"/>
+          <a:ext cx="0" cy="0"/>
+          <a:chOff x="0" y="0"/>
+          <a:chExt cx="0" cy="0"/>
+        </a:xfrm>
+      </p:grpSpPr>
+      <p:sp>
+        <p:nvSpPr>
+          <p:cNvPr id="90" name="PlaceHolder 1"/>
+          <p:cNvSpPr>
+            <a:spLocks noGrp="1"/>
+          </p:cNvSpPr>
+          <p:nvPr>
+            <p:ph type="title"/>
+          </p:nvPr>
+        </p:nvSpPr>
+        <p:spPr>
+          <a:xfrm>
+            <a:off x="504000" y="301320"/>
+            <a:ext cx="9072000" cy="1262160"/>
+          </a:xfrm>
+          <a:prstGeom prst="rect">
+            <a:avLst/>
+          </a:prstGeom>
+        </p:spPr>
+        <p:txBody>
+          <a:bodyPr lIns="0" rIns="0" tIns="0" bIns="0" anchor="ctr"/>
+          <a:p>
+            <a:pPr algn="ctr"/>
+            <a:endParaRPr/>
+          </a:p>
+        </p:txBody>
+      </p:sp>
+      <p:sp>
+        <p:nvSpPr>
+          <p:cNvPr id="91" name="PlaceHolder 2"/>
+          <p:cNvSpPr>
+            <a:spLocks noGrp="1"/>
+          </p:cNvSpPr>
+          <p:nvPr>
+            <p:ph type="body"/>
+          </p:nvPr>
+        </p:nvSpPr>
+        <p:spPr>
+          <a:xfrm>
+            <a:off x="504000" y="1768680"/>
+            <a:ext cx="4426920" cy="4384080"/>
+          </a:xfrm>
+          <a:prstGeom prst="rect">
+            <a:avLst/>
+          </a:prstGeom>
+        </p:spPr>
+        <p:txBody>
+          <a:bodyPr lIns="0" rIns="0" tIns="0" bIns="0"/>
+          <a:p>
+            <a:endParaRPr/>
+          </a:p>
+        </p:txBody>
+      </p:sp>
+      <p:sp>
+        <p:nvSpPr>
+          <p:cNvPr id="92" name="PlaceHolder 3"/>
+          <p:cNvSpPr>
+            <a:spLocks noGrp="1"/>
+          </p:cNvSpPr>
+          <p:nvPr>
+            <p:ph type="body"/>
+          </p:nvPr>
+        </p:nvSpPr>
+        <p:spPr>
+          <a:xfrm>
+            <a:off x="5152680" y="1768680"/>
+            <a:ext cx="4426920" cy="2090880"/>
+          </a:xfrm>
+          <a:prstGeom prst="rect">
+            <a:avLst/>
+          </a:prstGeom>
+        </p:spPr>
+        <p:txBody>
+          <a:bodyPr lIns="0" rIns="0" tIns="0" bIns="0"/>
+          <a:p>
+            <a:endParaRPr/>
+          </a:p>
+        </p:txBody>
+      </p:sp>
+      <p:sp>
+        <p:nvSpPr>
+          <p:cNvPr id="93" name="PlaceHolder 4"/>
+          <p:cNvSpPr>
+            <a:spLocks noGrp="1"/>
+          </p:cNvSpPr>
+          <p:nvPr>
+            <p:ph type="body"/>
+          </p:nvPr>
+        </p:nvSpPr>
+        <p:spPr>
+          <a:xfrm>
+            <a:off x="5152680" y="4058640"/>
+            <a:ext cx="4426920" cy="2090880"/>
+          </a:xfrm>
+          <a:prstGeom prst="rect">
+            <a:avLst/>
+          </a:prstGeom>
+        </p:spPr>
+        <p:txBody>
+          <a:bodyPr lIns="0" rIns="0" tIns="0" bIns="0"/>
+          <a:p>
+            <a:endParaRPr/>
+          </a:p>
+        </p:txBody>
+      </p:sp>
+    </p:spTree>
+  </p:cSld>
+</p:sldLayout>
+</file>
+
+<file path=ppt/slideLayouts/slideLayout33.xml><?xml version="1.0" encoding="utf-8"?>
+<p:sldLayout xmlns:a="http://schemas.openxmlformats.org/drawingml/2006/main" xmlns:p="http://schemas.openxmlformats.org/presentationml/2006/main" xmlns:r="http://schemas.openxmlformats.org/officeDocument/2006/relationships" type="twoObjOverTx" preserve="1">
+  <p:cSld name="Title, 2 Content over Content">
+    <p:spTree>
+      <p:nvGrpSpPr>
+        <p:cNvPr id="1" name=""/>
+        <p:cNvGrpSpPr/>
+        <p:nvPr/>
+      </p:nvGrpSpPr>
+      <p:grpSpPr>
+        <a:xfrm>
+          <a:off x="0" y="0"/>
+          <a:ext cx="0" cy="0"/>
+          <a:chOff x="0" y="0"/>
+          <a:chExt cx="0" cy="0"/>
+        </a:xfrm>
+      </p:grpSpPr>
+      <p:sp>
+        <p:nvSpPr>
+          <p:cNvPr id="94" name="PlaceHolder 1"/>
+          <p:cNvSpPr>
+            <a:spLocks noGrp="1"/>
+          </p:cNvSpPr>
+          <p:nvPr>
+            <p:ph type="title"/>
+          </p:nvPr>
+        </p:nvSpPr>
+        <p:spPr>
+          <a:xfrm>
+            <a:off x="504000" y="301320"/>
+            <a:ext cx="9072000" cy="1262160"/>
+          </a:xfrm>
+          <a:prstGeom prst="rect">
+            <a:avLst/>
+          </a:prstGeom>
+        </p:spPr>
+        <p:txBody>
+          <a:bodyPr lIns="0" rIns="0" tIns="0" bIns="0" anchor="ctr"/>
+          <a:p>
+            <a:pPr algn="ctr"/>
+            <a:endParaRPr/>
+          </a:p>
+        </p:txBody>
+      </p:sp>
+      <p:sp>
+        <p:nvSpPr>
+          <p:cNvPr id="95" name="PlaceHolder 2"/>
+          <p:cNvSpPr>
+            <a:spLocks noGrp="1"/>
+          </p:cNvSpPr>
+          <p:nvPr>
+            <p:ph type="body"/>
+          </p:nvPr>
+        </p:nvSpPr>
+        <p:spPr>
+          <a:xfrm>
+            <a:off x="504000" y="1768680"/>
+            <a:ext cx="4426920" cy="2090880"/>
+          </a:xfrm>
+          <a:prstGeom prst="rect">
+            <a:avLst/>
+          </a:prstGeom>
+        </p:spPr>
+        <p:txBody>
+          <a:bodyPr lIns="0" rIns="0" tIns="0" bIns="0"/>
+          <a:p>
+            <a:endParaRPr/>
+          </a:p>
+        </p:txBody>
+      </p:sp>
+      <p:sp>
+        <p:nvSpPr>
+          <p:cNvPr id="96" name="PlaceHolder 3"/>
+          <p:cNvSpPr>
+            <a:spLocks noGrp="1"/>
+          </p:cNvSpPr>
+          <p:nvPr>
+            <p:ph type="body"/>
+          </p:nvPr>
+        </p:nvSpPr>
+        <p:spPr>
+          <a:xfrm>
+            <a:off x="5152680" y="1768680"/>
+            <a:ext cx="4426920" cy="2090880"/>
+          </a:xfrm>
+          <a:prstGeom prst="rect">
+            <a:avLst/>
+          </a:prstGeom>
+        </p:spPr>
+        <p:txBody>
+          <a:bodyPr lIns="0" rIns="0" tIns="0" bIns="0"/>
+          <a:p>
+            <a:endParaRPr/>
+          </a:p>
+        </p:txBody>
+      </p:sp>
+      <p:sp>
+        <p:nvSpPr>
+          <p:cNvPr id="97" name="PlaceHolder 4"/>
+          <p:cNvSpPr>
+            <a:spLocks noGrp="1"/>
+          </p:cNvSpPr>
+          <p:nvPr>
+            <p:ph type="body"/>
+          </p:nvPr>
+        </p:nvSpPr>
+        <p:spPr>
+          <a:xfrm>
+            <a:off x="504000" y="4058640"/>
+            <a:ext cx="9072000" cy="2090880"/>
+          </a:xfrm>
+          <a:prstGeom prst="rect">
+            <a:avLst/>
+          </a:prstGeom>
+        </p:spPr>
+        <p:txBody>
+          <a:bodyPr lIns="0" rIns="0" tIns="0" bIns="0"/>
+          <a:p>
+            <a:endParaRPr/>
+          </a:p>
+        </p:txBody>
+      </p:sp>
+    </p:spTree>
+  </p:cSld>
+</p:sldLayout>
+</file>
+
+<file path=ppt/slideLayouts/slideLayout34.xml><?xml version="1.0" encoding="utf-8"?>
+<p:sldLayout xmlns:a="http://schemas.openxmlformats.org/drawingml/2006/main" xmlns:p="http://schemas.openxmlformats.org/presentationml/2006/main" xmlns:r="http://schemas.openxmlformats.org/officeDocument/2006/relationships" type="objOverTx" preserve="1">
+  <p:cSld name="Title, Content over Content">
+    <p:spTree>
+      <p:nvGrpSpPr>
+        <p:cNvPr id="1" name=""/>
+        <p:cNvGrpSpPr/>
+        <p:nvPr/>
+      </p:nvGrpSpPr>
+      <p:grpSpPr>
+        <a:xfrm>
+          <a:off x="0" y="0"/>
+          <a:ext cx="0" cy="0"/>
+          <a:chOff x="0" y="0"/>
+          <a:chExt cx="0" cy="0"/>
+        </a:xfrm>
+      </p:grpSpPr>
+      <p:sp>
+        <p:nvSpPr>
+          <p:cNvPr id="98" name="PlaceHolder 1"/>
+          <p:cNvSpPr>
+            <a:spLocks noGrp="1"/>
+          </p:cNvSpPr>
+          <p:nvPr>
+            <p:ph type="title"/>
+          </p:nvPr>
+        </p:nvSpPr>
+        <p:spPr>
+          <a:xfrm>
+            <a:off x="504000" y="301320"/>
+            <a:ext cx="9072000" cy="1262160"/>
+          </a:xfrm>
+          <a:prstGeom prst="rect">
+            <a:avLst/>
+          </a:prstGeom>
+        </p:spPr>
+        <p:txBody>
+          <a:bodyPr lIns="0" rIns="0" tIns="0" bIns="0" anchor="ctr"/>
+          <a:p>
+            <a:pPr algn="ctr"/>
+            <a:endParaRPr/>
+          </a:p>
+        </p:txBody>
+      </p:sp>
+      <p:sp>
+        <p:nvSpPr>
+          <p:cNvPr id="99" name="PlaceHolder 2"/>
+          <p:cNvSpPr>
+            <a:spLocks noGrp="1"/>
+          </p:cNvSpPr>
+          <p:nvPr>
+            <p:ph type="body"/>
+          </p:nvPr>
+        </p:nvSpPr>
+        <p:spPr>
+          <a:xfrm>
+            <a:off x="504000" y="1768680"/>
+            <a:ext cx="9072000" cy="2090880"/>
+          </a:xfrm>
+          <a:prstGeom prst="rect">
+            <a:avLst/>
+          </a:prstGeom>
+        </p:spPr>
+        <p:txBody>
+          <a:bodyPr lIns="0" rIns="0" tIns="0" bIns="0"/>
+          <a:p>
+            <a:endParaRPr/>
+          </a:p>
+        </p:txBody>
+      </p:sp>
+      <p:sp>
+        <p:nvSpPr>
+          <p:cNvPr id="100" name="PlaceHolder 3"/>
+          <p:cNvSpPr>
+            <a:spLocks noGrp="1"/>
+          </p:cNvSpPr>
+          <p:nvPr>
+            <p:ph type="body"/>
+          </p:nvPr>
+        </p:nvSpPr>
+        <p:spPr>
+          <a:xfrm>
+            <a:off x="504000" y="4058640"/>
+            <a:ext cx="9072000" cy="2090880"/>
+          </a:xfrm>
+          <a:prstGeom prst="rect">
+            <a:avLst/>
+          </a:prstGeom>
+        </p:spPr>
+        <p:txBody>
+          <a:bodyPr lIns="0" rIns="0" tIns="0" bIns="0"/>
+          <a:p>
+            <a:endParaRPr/>
+          </a:p>
+        </p:txBody>
+      </p:sp>
+    </p:spTree>
+  </p:cSld>
+</p:sldLayout>
+</file>
+
+<file path=ppt/slideLayouts/slideLayout35.xml><?xml version="1.0" encoding="utf-8"?>
+<p:sldLayout xmlns:a="http://schemas.openxmlformats.org/drawingml/2006/main" xmlns:p="http://schemas.openxmlformats.org/presentationml/2006/main" xmlns:r="http://schemas.openxmlformats.org/officeDocument/2006/relationships" type="fourObj" preserve="1">
+  <p:cSld name="Title, 4 Content">
+    <p:spTree>
+      <p:nvGrpSpPr>
+        <p:cNvPr id="1" name=""/>
+        <p:cNvGrpSpPr/>
+        <p:nvPr/>
+      </p:nvGrpSpPr>
+      <p:grpSpPr>
+        <a:xfrm>
+          <a:off x="0" y="0"/>
+          <a:ext cx="0" cy="0"/>
+          <a:chOff x="0" y="0"/>
+          <a:chExt cx="0" cy="0"/>
+        </a:xfrm>
+      </p:grpSpPr>
+      <p:sp>
+        <p:nvSpPr>
+          <p:cNvPr id="101" name="PlaceHolder 1"/>
+          <p:cNvSpPr>
+            <a:spLocks noGrp="1"/>
+          </p:cNvSpPr>
+          <p:nvPr>
+            <p:ph type="title"/>
+          </p:nvPr>
+        </p:nvSpPr>
+        <p:spPr>
+          <a:xfrm>
+            <a:off x="504000" y="301320"/>
+            <a:ext cx="9072000" cy="1262160"/>
+          </a:xfrm>
+          <a:prstGeom prst="rect">
+            <a:avLst/>
+          </a:prstGeom>
+        </p:spPr>
+        <p:txBody>
+          <a:bodyPr lIns="0" rIns="0" tIns="0" bIns="0" anchor="ctr"/>
+          <a:p>
+            <a:pPr algn="ctr"/>
+            <a:endParaRPr/>
+          </a:p>
+        </p:txBody>
+      </p:sp>
+      <p:sp>
+        <p:nvSpPr>
+          <p:cNvPr id="102" name="PlaceHolder 2"/>
+          <p:cNvSpPr>
+            <a:spLocks noGrp="1"/>
+          </p:cNvSpPr>
+          <p:nvPr>
+            <p:ph type="body"/>
+          </p:nvPr>
+        </p:nvSpPr>
+        <p:spPr>
+          <a:xfrm>
+            <a:off x="504000" y="1768680"/>
+            <a:ext cx="4426920" cy="2090880"/>
+          </a:xfrm>
+          <a:prstGeom prst="rect">
+            <a:avLst/>
+          </a:prstGeom>
+        </p:spPr>
+        <p:txBody>
+          <a:bodyPr lIns="0" rIns="0" tIns="0" bIns="0"/>
+          <a:p>
+            <a:endParaRPr/>
+          </a:p>
+        </p:txBody>
+      </p:sp>
+      <p:sp>
+        <p:nvSpPr>
+          <p:cNvPr id="103" name="PlaceHolder 3"/>
+          <p:cNvSpPr>
+            <a:spLocks noGrp="1"/>
+          </p:cNvSpPr>
+          <p:nvPr>
+            <p:ph type="body"/>
+          </p:nvPr>
+        </p:nvSpPr>
+        <p:spPr>
+          <a:xfrm>
+            <a:off x="5152680" y="1768680"/>
+            <a:ext cx="4426920" cy="2090880"/>
+          </a:xfrm>
+          <a:prstGeom prst="rect">
+            <a:avLst/>
+          </a:prstGeom>
+        </p:spPr>
+        <p:txBody>
+          <a:bodyPr lIns="0" rIns="0" tIns="0" bIns="0"/>
+          <a:p>
+            <a:endParaRPr/>
+          </a:p>
+        </p:txBody>
+      </p:sp>
+      <p:sp>
+        <p:nvSpPr>
+          <p:cNvPr id="104" name="PlaceHolder 4"/>
+          <p:cNvSpPr>
+            <a:spLocks noGrp="1"/>
+          </p:cNvSpPr>
+          <p:nvPr>
+            <p:ph type="body"/>
+          </p:nvPr>
+        </p:nvSpPr>
+        <p:spPr>
+          <a:xfrm>
+            <a:off x="5152680" y="4058640"/>
+            <a:ext cx="4426920" cy="2090880"/>
+          </a:xfrm>
+          <a:prstGeom prst="rect">
+            <a:avLst/>
+          </a:prstGeom>
+        </p:spPr>
+        <p:txBody>
+          <a:bodyPr lIns="0" rIns="0" tIns="0" bIns="0"/>
+          <a:p>
+            <a:endParaRPr/>
+          </a:p>
+        </p:txBody>
+      </p:sp>
+      <p:sp>
+        <p:nvSpPr>
+          <p:cNvPr id="105" name="PlaceHolder 5"/>
+          <p:cNvSpPr>
+            <a:spLocks noGrp="1"/>
+          </p:cNvSpPr>
+          <p:nvPr>
+            <p:ph type="body"/>
+          </p:nvPr>
+        </p:nvSpPr>
+        <p:spPr>
+          <a:xfrm>
+            <a:off x="504000" y="4058640"/>
+            <a:ext cx="4426920" cy="2090880"/>
+          </a:xfrm>
+          <a:prstGeom prst="rect">
+            <a:avLst/>
+          </a:prstGeom>
+        </p:spPr>
+        <p:txBody>
+          <a:bodyPr lIns="0" rIns="0" tIns="0" bIns="0"/>
+          <a:p>
+            <a:endParaRPr/>
+          </a:p>
+        </p:txBody>
+      </p:sp>
+    </p:spTree>
+  </p:cSld>
+</p:sldLayout>
+</file>
+
+<file path=ppt/slideLayouts/slideLayout36.xml><?xml version="1.0" encoding="utf-8"?>
+<p:sldLayout xmlns:a="http://schemas.openxmlformats.org/drawingml/2006/main" xmlns:p="http://schemas.openxmlformats.org/presentationml/2006/main" xmlns:r="http://schemas.openxmlformats.org/officeDocument/2006/relationships" type="blank" preserve="1">
+  <p:cSld name="Title, 6 Content">
+    <p:spTree>
+      <p:nvGrpSpPr>
+        <p:cNvPr id="1" name=""/>
+        <p:cNvGrpSpPr/>
+        <p:nvPr/>
+      </p:nvGrpSpPr>
+      <p:grpSpPr>
+        <a:xfrm>
+          <a:off x="0" y="0"/>
+          <a:ext cx="0" cy="0"/>
+          <a:chOff x="0" y="0"/>
+          <a:chExt cx="0" cy="0"/>
+        </a:xfrm>
+      </p:grpSpPr>
+      <p:sp>
+        <p:nvSpPr>
+          <p:cNvPr id="106" name="PlaceHolder 1"/>
+          <p:cNvSpPr>
+            <a:spLocks noGrp="1"/>
+          </p:cNvSpPr>
+          <p:nvPr>
+            <p:ph type="title"/>
+          </p:nvPr>
+        </p:nvSpPr>
+        <p:spPr>
+          <a:xfrm>
+            <a:off x="504000" y="301320"/>
+            <a:ext cx="9072000" cy="1262160"/>
+          </a:xfrm>
+          <a:prstGeom prst="rect">
+            <a:avLst/>
+          </a:prstGeom>
+        </p:spPr>
+        <p:txBody>
+          <a:bodyPr lIns="0" rIns="0" tIns="0" bIns="0" anchor="ctr"/>
+          <a:p>
+            <a:pPr algn="ctr"/>
+            <a:endParaRPr/>
+          </a:p>
+        </p:txBody>
+      </p:sp>
+      <p:sp>
+        <p:nvSpPr>
+          <p:cNvPr id="107" name="PlaceHolder 2"/>
+          <p:cNvSpPr>
+            <a:spLocks noGrp="1"/>
+          </p:cNvSpPr>
+          <p:nvPr>
+            <p:ph type="body"/>
+          </p:nvPr>
+        </p:nvSpPr>
+        <p:spPr>
+          <a:xfrm>
+            <a:off x="504000" y="1768680"/>
+            <a:ext cx="9072000" cy="4384080"/>
+          </a:xfrm>
+          <a:prstGeom prst="rect">
+            <a:avLst/>
+          </a:prstGeom>
+        </p:spPr>
+        <p:txBody>
+          <a:bodyPr lIns="0" rIns="0" tIns="0" bIns="0"/>
+          <a:p>
+            <a:endParaRPr/>
+          </a:p>
+        </p:txBody>
+      </p:sp>
+      <p:sp>
+        <p:nvSpPr>
+          <p:cNvPr id="108" name="PlaceHolder 3"/>
+          <p:cNvSpPr>
+            <a:spLocks noGrp="1"/>
+          </p:cNvSpPr>
+          <p:nvPr>
+            <p:ph type="body"/>
+          </p:nvPr>
+        </p:nvSpPr>
+        <p:spPr>
+          <a:xfrm>
+            <a:off x="504000" y="1768680"/>
+            <a:ext cx="9072000" cy="4384080"/>
+          </a:xfrm>
+          <a:prstGeom prst="rect">
+            <a:avLst/>
+          </a:prstGeom>
+        </p:spPr>
+        <p:txBody>
+          <a:bodyPr lIns="0" rIns="0" tIns="0" bIns="0"/>
+          <a:p>
+            <a:endParaRPr/>
+          </a:p>
+        </p:txBody>
+      </p:sp>
+      <p:pic>
+        <p:nvPicPr>
+          <p:cNvPr id="109" name="" descr=""/>
+          <p:cNvPicPr/>
+          <p:nvPr/>
+        </p:nvPicPr>
+        <p:blipFill>
+          <a:blip r:embed="rId2"/>
+          <a:stretch>
+            <a:fillRect/>
+          </a:stretch>
+        </p:blipFill>
+        <p:spPr>
+          <a:xfrm>
+            <a:off x="2292480" y="1768680"/>
+            <a:ext cx="5494680" cy="4384080"/>
+          </a:xfrm>
+          <a:prstGeom prst="rect">
+            <a:avLst/>
+          </a:prstGeom>
+          <a:ln>
+            <a:noFill/>
+          </a:ln>
+        </p:spPr>
+      </p:pic>
+      <p:pic>
+        <p:nvPicPr>
+          <p:cNvPr id="110" name="" descr=""/>
+          <p:cNvPicPr/>
+          <p:nvPr/>
+        </p:nvPicPr>
+        <p:blipFill>
+          <a:blip r:embed="rId3"/>
+          <a:stretch>
+            <a:fillRect/>
+          </a:stretch>
+        </p:blipFill>
+        <p:spPr>
+          <a:xfrm>
+            <a:off x="2292480" y="1768680"/>
+            <a:ext cx="5494680" cy="4384080"/>
+          </a:xfrm>
+          <a:prstGeom prst="rect">
+            <a:avLst/>
+          </a:prstGeom>
+          <a:ln>
+            <a:noFill/>
+          </a:ln>
+        </p:spPr>
+      </p:pic>
     </p:spTree>
   </p:cSld>
 </p:sldLayout>
@@ -2382,7 +3539,7 @@
         <p:spPr>
           <a:xfrm>
             <a:off x="720" y="720"/>
-            <a:ext cx="10076040" cy="7556040"/>
+            <a:ext cx="10075680" cy="7555680"/>
           </a:xfrm>
           <a:prstGeom prst="rect">
             <a:avLst/>
@@ -2605,7 +3762,7 @@
         <p:spPr>
           <a:xfrm>
             <a:off x="720" y="720"/>
-            <a:ext cx="10076040" cy="7556040"/>
+            <a:ext cx="10075680" cy="7555680"/>
           </a:xfrm>
           <a:prstGeom prst="rect">
             <a:avLst/>
@@ -2785,6 +3942,228 @@
     <p:sldLayoutId id="2147483671" r:id="rId12"/>
     <p:sldLayoutId id="2147483672" r:id="rId13"/>
     <p:sldLayoutId id="2147483673" r:id="rId14"/>
+  </p:sldLayoutIdLst>
+</p:sldMaster>
+</file>
+
+<file path=ppt/slideMasters/slideMaster3.xml><?xml version="1.0" encoding="utf-8"?>
+<p:sldMaster xmlns:a="http://schemas.openxmlformats.org/drawingml/2006/main" xmlns:p="http://schemas.openxmlformats.org/presentationml/2006/main" xmlns:r="http://schemas.openxmlformats.org/officeDocument/2006/relationships">
+  <p:cSld>
+    <p:bg>
+      <p:bgPr>
+        <a:solidFill>
+          <a:srgbClr val="ffffff"/>
+        </a:solidFill>
+      </p:bgPr>
+    </p:bg>
+    <p:spTree>
+      <p:nvGrpSpPr>
+        <p:cNvPr id="1" name=""/>
+        <p:cNvGrpSpPr/>
+        <p:nvPr/>
+      </p:nvGrpSpPr>
+      <p:grpSpPr>
+        <a:xfrm>
+          <a:off x="0" y="0"/>
+          <a:ext cx="0" cy="0"/>
+          <a:chOff x="0" y="0"/>
+          <a:chExt cx="0" cy="0"/>
+        </a:xfrm>
+      </p:grpSpPr>
+      <p:pic>
+        <p:nvPicPr>
+          <p:cNvPr id="74" name="Picture 2" descr=""/>
+          <p:cNvPicPr/>
+          <p:nvPr/>
+        </p:nvPicPr>
+        <p:blipFill>
+          <a:blip r:embed="rId2"/>
+          <a:stretch>
+            <a:fillRect/>
+          </a:stretch>
+        </p:blipFill>
+        <p:spPr>
+          <a:xfrm>
+            <a:off x="720" y="720"/>
+            <a:ext cx="10075680" cy="7555680"/>
+          </a:xfrm>
+          <a:prstGeom prst="rect">
+            <a:avLst/>
+          </a:prstGeom>
+          <a:ln>
+            <a:noFill/>
+          </a:ln>
+        </p:spPr>
+      </p:pic>
+      <p:sp>
+        <p:nvSpPr>
+          <p:cNvPr id="75" name="PlaceHolder 1"/>
+          <p:cNvSpPr>
+            <a:spLocks noGrp="1"/>
+          </p:cNvSpPr>
+          <p:nvPr>
+            <p:ph type="title"/>
+          </p:nvPr>
+        </p:nvSpPr>
+        <p:spPr>
+          <a:xfrm>
+            <a:off x="504000" y="301320"/>
+            <a:ext cx="9071640" cy="1261800"/>
+          </a:xfrm>
+          <a:prstGeom prst="rect">
+            <a:avLst/>
+          </a:prstGeom>
+        </p:spPr>
+        <p:txBody>
+          <a:bodyPr lIns="0" rIns="0" tIns="0" bIns="0" anchor="ctr"/>
+          <a:p>
+            <a:r>
+              <a:rPr lang="en-IE">
+                <a:latin typeface="Arial"/>
+              </a:rPr>
+              <a:t>Click to edit the title text format</a:t>
+            </a:r>
+            <a:endParaRPr/>
+          </a:p>
+        </p:txBody>
+      </p:sp>
+      <p:sp>
+        <p:nvSpPr>
+          <p:cNvPr id="76" name="PlaceHolder 2"/>
+          <p:cNvSpPr>
+            <a:spLocks noGrp="1"/>
+          </p:cNvSpPr>
+          <p:nvPr>
+            <p:ph type="body"/>
+          </p:nvPr>
+        </p:nvSpPr>
+        <p:spPr>
+          <a:xfrm>
+            <a:off x="504000" y="1768680"/>
+            <a:ext cx="9072000" cy="4384080"/>
+          </a:xfrm>
+          <a:prstGeom prst="rect">
+            <a:avLst/>
+          </a:prstGeom>
+        </p:spPr>
+        <p:txBody>
+          <a:bodyPr lIns="0" rIns="0" tIns="0" bIns="0"/>
+          <a:p>
+            <a:pPr>
+              <a:buSzPct val="45000"/>
+              <a:buFont typeface="StarSymbol"/>
+              <a:buChar char=""/>
+            </a:pPr>
+            <a:r>
+              <a:rPr lang="en-IE" sz="3200">
+                <a:latin typeface="Arial"/>
+              </a:rPr>
+              <a:t>Click to edit the outline text format</a:t>
+            </a:r>
+            <a:endParaRPr/>
+          </a:p>
+          <a:p>
+            <a:pPr lvl="1">
+              <a:buSzPct val="75000"/>
+              <a:buFont typeface="StarSymbol"/>
+              <a:buChar char=""/>
+            </a:pPr>
+            <a:r>
+              <a:rPr lang="en-IE" sz="2800">
+                <a:latin typeface="Arial"/>
+              </a:rPr>
+              <a:t>Second Outline Level</a:t>
+            </a:r>
+            <a:endParaRPr/>
+          </a:p>
+          <a:p>
+            <a:pPr lvl="2">
+              <a:buSzPct val="45000"/>
+              <a:buFont typeface="StarSymbol"/>
+              <a:buChar char=""/>
+            </a:pPr>
+            <a:r>
+              <a:rPr lang="en-IE" sz="2400">
+                <a:latin typeface="Arial"/>
+              </a:rPr>
+              <a:t>Third Outline Level</a:t>
+            </a:r>
+            <a:endParaRPr/>
+          </a:p>
+          <a:p>
+            <a:pPr lvl="3">
+              <a:buSzPct val="75000"/>
+              <a:buFont typeface="StarSymbol"/>
+              <a:buChar char=""/>
+            </a:pPr>
+            <a:r>
+              <a:rPr lang="en-IE" sz="2000">
+                <a:latin typeface="Arial"/>
+              </a:rPr>
+              <a:t>Fourth Outline Level</a:t>
+            </a:r>
+            <a:endParaRPr/>
+          </a:p>
+          <a:p>
+            <a:pPr lvl="4">
+              <a:buSzPct val="45000"/>
+              <a:buFont typeface="StarSymbol"/>
+              <a:buChar char=""/>
+            </a:pPr>
+            <a:r>
+              <a:rPr lang="en-IE" sz="2000">
+                <a:latin typeface="Arial"/>
+              </a:rPr>
+              <a:t>Fifth Outline Level</a:t>
+            </a:r>
+            <a:endParaRPr/>
+          </a:p>
+          <a:p>
+            <a:pPr lvl="5">
+              <a:buSzPct val="45000"/>
+              <a:buFont typeface="StarSymbol"/>
+              <a:buChar char=""/>
+            </a:pPr>
+            <a:r>
+              <a:rPr lang="en-IE" sz="2000">
+                <a:latin typeface="Arial"/>
+              </a:rPr>
+              <a:t>Sixth Outline Level</a:t>
+            </a:r>
+            <a:endParaRPr/>
+          </a:p>
+          <a:p>
+            <a:pPr lvl="6">
+              <a:buSzPct val="45000"/>
+              <a:buFont typeface="StarSymbol"/>
+              <a:buChar char=""/>
+            </a:pPr>
+            <a:r>
+              <a:rPr lang="en-IE" sz="2000">
+                <a:latin typeface="Arial"/>
+              </a:rPr>
+              <a:t>Seventh Outline Level</a:t>
+            </a:r>
+            <a:endParaRPr/>
+          </a:p>
+        </p:txBody>
+      </p:sp>
+    </p:spTree>
+  </p:cSld>
+  <p:clrMap bg1="lt1" bg2="lt2" tx1="dk1" tx2="dk2" accent1="accent1" accent2="accent2" accent3="accent3" accent4="accent4" accent5="accent5" accent6="accent6" hlink="hlink" folHlink="folHlink"/>
+  <p:sldLayoutIdLst>
+    <p:sldLayoutId id="2147483675" r:id="rId3"/>
+    <p:sldLayoutId id="2147483676" r:id="rId4"/>
+    <p:sldLayoutId id="2147483677" r:id="rId5"/>
+    <p:sldLayoutId id="2147483678" r:id="rId6"/>
+    <p:sldLayoutId id="2147483679" r:id="rId7"/>
+    <p:sldLayoutId id="2147483680" r:id="rId8"/>
+    <p:sldLayoutId id="2147483681" r:id="rId9"/>
+    <p:sldLayoutId id="2147483682" r:id="rId10"/>
+    <p:sldLayoutId id="2147483683" r:id="rId11"/>
+    <p:sldLayoutId id="2147483684" r:id="rId12"/>
+    <p:sldLayoutId id="2147483685" r:id="rId13"/>
+    <p:sldLayoutId id="2147483686" r:id="rId14"/>
   </p:sldLayoutIdLst>
 </p:sldMaster>
 </file>
@@ -2808,14 +4187,14 @@
       </p:grpSpPr>
       <p:sp>
         <p:nvSpPr>
-          <p:cNvPr id="74" name="CustomShape 1"/>
+          <p:cNvPr id="111" name="CustomShape 1"/>
           <p:cNvSpPr/>
           <p:nvPr/>
         </p:nvSpPr>
         <p:spPr>
           <a:xfrm>
             <a:off x="504000" y="301320"/>
-            <a:ext cx="9068040" cy="1258560"/>
+            <a:ext cx="9067680" cy="1258200"/>
           </a:xfrm>
           <a:prstGeom prst="rect">
             <a:avLst/>
@@ -2849,14 +4228,14 @@
       </p:sp>
       <p:sp>
         <p:nvSpPr>
-          <p:cNvPr id="75" name="CustomShape 2"/>
+          <p:cNvPr id="112" name="CustomShape 2"/>
           <p:cNvSpPr/>
           <p:nvPr/>
         </p:nvSpPr>
         <p:spPr>
           <a:xfrm>
             <a:off x="504000" y="1769040"/>
-            <a:ext cx="9068040" cy="4380840"/>
+            <a:ext cx="9067680" cy="4380480"/>
           </a:xfrm>
           <a:prstGeom prst="rect">
             <a:avLst/>
@@ -2946,7 +4325,7 @@
       </p:sp>
       <p:pic>
         <p:nvPicPr>
-          <p:cNvPr id="76" name="Picture 75" descr=""/>
+          <p:cNvPr id="113" name="Picture 75" descr=""/>
           <p:cNvPicPr/>
           <p:nvPr/>
         </p:nvPicPr>
@@ -2959,7 +4338,7 @@
         <p:spPr>
           <a:xfrm>
             <a:off x="1296000" y="1800000"/>
-            <a:ext cx="7318440" cy="3942720"/>
+            <a:ext cx="7318080" cy="3942360"/>
           </a:xfrm>
           <a:prstGeom prst="rect">
             <a:avLst/>
@@ -3027,29 +4406,36 @@
       </p:grpSpPr>
       <p:sp>
         <p:nvSpPr>
-          <p:cNvPr id="98" name="TextShape 1"/>
-          <p:cNvSpPr txBox="1"/>
+          <p:cNvPr id="135" name="CustomShape 1"/>
+          <p:cNvSpPr/>
           <p:nvPr/>
         </p:nvSpPr>
         <p:spPr>
           <a:xfrm>
             <a:off x="504360" y="301320"/>
-            <a:ext cx="9071640" cy="1262160"/>
-          </a:xfrm>
-          <a:prstGeom prst="rect">
-            <a:avLst/>
-          </a:prstGeom>
+            <a:ext cx="9071280" cy="1261800"/>
+          </a:xfrm>
+          <a:prstGeom prst="rect">
+            <a:avLst/>
+          </a:prstGeom>
+          <a:noFill/>
+          <a:ln>
+            <a:noFill/>
+          </a:ln>
         </p:spPr>
         <p:txBody>
           <a:bodyPr lIns="0" rIns="0" tIns="0" bIns="0" anchor="ctr"/>
           <a:p>
             <a:pPr algn="ctr">
+              <a:lnSpc>
+                <a:spcPct val="100000"/>
+              </a:lnSpc>
               <a:buSzPct val="45000"/>
               <a:buFont typeface="StarSymbol"/>
-              <a:buChar char=""/>
-            </a:pPr>
-            <a:r>
-              <a:rPr lang="en-US" sz="4400">
+              <a:buChar char="l"/>
+            </a:pPr>
+            <a:r>
+              <a:rPr lang="en-IE" sz="4400">
                 <a:latin typeface="Arial"/>
                 <a:ea typeface="宋体"/>
               </a:rPr>
@@ -3061,51 +4447,61 @@
       </p:sp>
       <p:sp>
         <p:nvSpPr>
-          <p:cNvPr id="99" name="TextShape 2"/>
-          <p:cNvSpPr txBox="1"/>
+          <p:cNvPr id="136" name="CustomShape 2"/>
+          <p:cNvSpPr/>
           <p:nvPr/>
         </p:nvSpPr>
         <p:spPr>
           <a:xfrm>
             <a:off x="720360" y="1978920"/>
-            <a:ext cx="8713080" cy="4174560"/>
-          </a:xfrm>
-          <a:prstGeom prst="rect">
-            <a:avLst/>
-          </a:prstGeom>
+            <a:ext cx="8712720" cy="4174200"/>
+          </a:xfrm>
+          <a:prstGeom prst="rect">
+            <a:avLst/>
+          </a:prstGeom>
+          <a:noFill/>
+          <a:ln>
+            <a:noFill/>
+          </a:ln>
         </p:spPr>
         <p:txBody>
           <a:bodyPr lIns="0" rIns="0" tIns="0" bIns="0"/>
           <a:p>
-            <a:pPr/>
-            <a:r>
-              <a:rPr lang="en-US" sz="3200">
+            <a:pPr>
+              <a:lnSpc>
+                <a:spcPct val="100000"/>
+              </a:lnSpc>
+            </a:pPr>
+            <a:r>
+              <a:rPr lang="en-IE" sz="3200">
                 <a:latin typeface="Arial"/>
                 <a:ea typeface="宋体"/>
               </a:rPr>
-              <a:t>F</a:t>
-            </a:r>
-            <a:r>
-              <a:rPr lang="en-US" sz="3200">
-                <a:latin typeface="Arial"/>
-              </a:rPr>
-              <a:t>eatures of copyright :</a:t>
-            </a:r>
-            <a:endParaRPr/>
-          </a:p>
-          <a:p>
-            <a:pPr/>
+              <a:t>Features of copyright :</a:t>
+            </a:r>
             <a:endParaRPr/>
           </a:p>
           <a:p>
             <a:pPr>
+              <a:lnSpc>
+                <a:spcPct val="100000"/>
+              </a:lnSpc>
+            </a:pPr>
+            <a:endParaRPr/>
+          </a:p>
+          <a:p>
+            <a:pPr>
+              <a:lnSpc>
+                <a:spcPct val="100000"/>
+              </a:lnSpc>
               <a:buSzPct val="25000"/>
               <a:buFont typeface="Wingdings" charset="2"/>
               <a:buChar char=""/>
             </a:pPr>
             <a:r>
-              <a:rPr lang="en-US" sz="3200">
-                <a:latin typeface="Arial"/>
+              <a:rPr lang="en-IE" sz="3200">
+                <a:latin typeface="Arial"/>
+                <a:ea typeface="宋体"/>
               </a:rPr>
               <a:t>Made upon creation</a:t>
             </a:r>
@@ -3113,46 +4509,55 @@
           </a:p>
           <a:p>
             <a:pPr>
+              <a:lnSpc>
+                <a:spcPct val="100000"/>
+              </a:lnSpc>
+            </a:pPr>
+            <a:endParaRPr/>
+          </a:p>
+          <a:p>
+            <a:pPr>
+              <a:lnSpc>
+                <a:spcPct val="100000"/>
+              </a:lnSpc>
+            </a:pPr>
+            <a:r>
+              <a:rPr lang="en-IE" sz="3200">
+                <a:latin typeface="Arial"/>
+                <a:ea typeface="宋体"/>
+              </a:rPr>
+              <a:t>    </a:t>
+            </a:r>
+            <a:r>
+              <a:rPr lang="en-IE" sz="3200">
+                <a:latin typeface="Arial"/>
+                <a:ea typeface="宋体"/>
+              </a:rPr>
+              <a:t>Applying is unnecessary</a:t>
+            </a:r>
+            <a:endParaRPr/>
+          </a:p>
+          <a:p>
+            <a:pPr>
+              <a:lnSpc>
+                <a:spcPct val="100000"/>
+              </a:lnSpc>
+            </a:pPr>
+            <a:endParaRPr/>
+          </a:p>
+          <a:p>
+            <a:pPr>
+              <a:lnSpc>
+                <a:spcPct val="100000"/>
+              </a:lnSpc>
               <a:buSzPct val="25000"/>
               <a:buFont typeface="Wingdings" charset="2"/>
               <a:buChar char=""/>
             </a:pPr>
-            <a:endParaRPr/>
-          </a:p>
-          <a:p>
-            <a:pPr/>
-            <a:r>
-              <a:rPr lang="en-US" sz="3200">
+            <a:r>
+              <a:rPr lang="en-IE" sz="3200">
                 <a:latin typeface="Arial"/>
                 <a:ea typeface="宋体"/>
-              </a:rPr>
-              <a:t>    </a:t>
-            </a:r>
-            <a:r>
-              <a:rPr lang="en-US" sz="3200">
-                <a:latin typeface="Arial"/>
-              </a:rPr>
-              <a:t>Applying is unnecessary</a:t>
-            </a:r>
-            <a:endParaRPr/>
-          </a:p>
-          <a:p>
-            <a:pPr>
-              <a:buSzPct val="25000"/>
-              <a:buFont typeface="Wingdings" charset="2"/>
-              <a:buChar char=""/>
-            </a:pPr>
-            <a:endParaRPr/>
-          </a:p>
-          <a:p>
-            <a:pPr>
-              <a:buSzPct val="25000"/>
-              <a:buFont typeface="Wingdings" charset="2"/>
-              <a:buChar char=""/>
-            </a:pPr>
-            <a:r>
-              <a:rPr lang="en-US" sz="3200">
-                <a:latin typeface="Arial"/>
               </a:rPr>
               <a:t>Copyright protection is lifelong</a:t>
             </a:r>
@@ -3162,6 +4567,33 @@
       </p:sp>
     </p:spTree>
   </p:cSld>
+  <p:timing>
+    <p:tnLst>
+      <p:par>
+        <p:cTn id="19" dur="indefinite" restart="never" nodeType="tmRoot">
+          <p:childTnLst>
+            <p:seq>
+              <p:cTn id="20" nodeType="mainSeq"/>
+              <p:prevCondLst>
+                <p:cond delay="0" evt="onPrev">
+                  <p:tgtEl>
+                    <p:sldTgt/>
+                  </p:tgtEl>
+                </p:cond>
+              </p:prevCondLst>
+              <p:nextCondLst>
+                <p:cond delay="0" evt="onNext">
+                  <p:tgtEl>
+                    <p:sldTgt/>
+                  </p:tgtEl>
+                </p:cond>
+              </p:nextCondLst>
+            </p:seq>
+          </p:childTnLst>
+        </p:cTn>
+      </p:par>
+    </p:tnLst>
+  </p:timing>
 </p:sld>
 </file>
 
@@ -3184,14 +4616,14 @@
       </p:grpSpPr>
       <p:sp>
         <p:nvSpPr>
-          <p:cNvPr id="100" name="CustomShape 1"/>
+          <p:cNvPr id="137" name="CustomShape 1"/>
           <p:cNvSpPr/>
           <p:nvPr/>
         </p:nvSpPr>
         <p:spPr>
           <a:xfrm>
             <a:off x="504000" y="301320"/>
-            <a:ext cx="9070560" cy="1260720"/>
+            <a:ext cx="9070200" cy="1260360"/>
           </a:xfrm>
           <a:prstGeom prst="rect">
             <a:avLst/>
@@ -3221,14 +4653,14 @@
       </p:sp>
       <p:sp>
         <p:nvSpPr>
-          <p:cNvPr id="101" name="CustomShape 2"/>
+          <p:cNvPr id="138" name="CustomShape 2"/>
           <p:cNvSpPr/>
           <p:nvPr/>
         </p:nvSpPr>
         <p:spPr>
           <a:xfrm>
             <a:off x="504000" y="1768680"/>
-            <a:ext cx="9070560" cy="4382640"/>
+            <a:ext cx="9070200" cy="4382280"/>
           </a:xfrm>
           <a:prstGeom prst="rect">
             <a:avLst/>
@@ -3327,10 +4759,10 @@
   <p:timing>
     <p:tnLst>
       <p:par>
-        <p:cTn id="15" dur="indefinite" restart="never" nodeType="tmRoot">
+        <p:cTn id="21" dur="indefinite" restart="never" nodeType="tmRoot">
           <p:childTnLst>
             <p:seq>
-              <p:cTn id="16" nodeType="mainSeq"/>
+              <p:cTn id="22" nodeType="mainSeq"/>
               <p:prevCondLst>
                 <p:cond delay="0" evt="onPrev">
                   <p:tgtEl>
@@ -3373,14 +4805,14 @@
       </p:grpSpPr>
       <p:sp>
         <p:nvSpPr>
-          <p:cNvPr id="102" name="CustomShape 1"/>
+          <p:cNvPr id="139" name="CustomShape 1"/>
           <p:cNvSpPr/>
           <p:nvPr/>
         </p:nvSpPr>
         <p:spPr>
           <a:xfrm>
             <a:off x="504000" y="301320"/>
-            <a:ext cx="9070560" cy="1260720"/>
+            <a:ext cx="9070200" cy="1260360"/>
           </a:xfrm>
           <a:prstGeom prst="rect">
             <a:avLst/>
@@ -3410,14 +4842,14 @@
       </p:sp>
       <p:sp>
         <p:nvSpPr>
-          <p:cNvPr id="103" name="CustomShape 2"/>
+          <p:cNvPr id="140" name="CustomShape 2"/>
           <p:cNvSpPr/>
           <p:nvPr/>
         </p:nvSpPr>
         <p:spPr>
           <a:xfrm>
             <a:off x="504000" y="1768680"/>
-            <a:ext cx="9070560" cy="4382640"/>
+            <a:ext cx="9070200" cy="4382280"/>
           </a:xfrm>
           <a:prstGeom prst="rect">
             <a:avLst/>
@@ -3508,10 +4940,10 @@
   <p:timing>
     <p:tnLst>
       <p:par>
-        <p:cTn id="17" dur="indefinite" restart="never" nodeType="tmRoot">
+        <p:cTn id="23" dur="indefinite" restart="never" nodeType="tmRoot">
           <p:childTnLst>
             <p:seq>
-              <p:cTn id="18" nodeType="mainSeq"/>
+              <p:cTn id="24" nodeType="mainSeq"/>
               <p:prevCondLst>
                 <p:cond delay="0" evt="onPrev">
                   <p:tgtEl>
@@ -3554,14 +4986,14 @@
       </p:grpSpPr>
       <p:sp>
         <p:nvSpPr>
-          <p:cNvPr id="104" name="CustomShape 1"/>
+          <p:cNvPr id="141" name="CustomShape 1"/>
           <p:cNvSpPr/>
           <p:nvPr/>
         </p:nvSpPr>
         <p:spPr>
           <a:xfrm>
             <a:off x="504000" y="301320"/>
-            <a:ext cx="9070560" cy="1260720"/>
+            <a:ext cx="9070200" cy="1260360"/>
           </a:xfrm>
           <a:prstGeom prst="rect">
             <a:avLst/>
@@ -3574,14 +5006,14 @@
       </p:sp>
       <p:sp>
         <p:nvSpPr>
-          <p:cNvPr id="105" name="CustomShape 2"/>
+          <p:cNvPr id="142" name="CustomShape 2"/>
           <p:cNvSpPr/>
           <p:nvPr/>
         </p:nvSpPr>
         <p:spPr>
           <a:xfrm>
             <a:off x="504000" y="1768680"/>
-            <a:ext cx="9070560" cy="4382640"/>
+            <a:ext cx="9070200" cy="4382280"/>
           </a:xfrm>
           <a:prstGeom prst="rect">
             <a:avLst/>
@@ -3638,617 +5070,10 @@
   <p:timing>
     <p:tnLst>
       <p:par>
-        <p:cTn id="19" dur="indefinite" restart="never" nodeType="tmRoot">
+        <p:cTn id="25" dur="indefinite" restart="never" nodeType="tmRoot">
           <p:childTnLst>
             <p:seq>
-              <p:cTn id="20" nodeType="mainSeq"/>
-              <p:prevCondLst>
-                <p:cond delay="0" evt="onPrev">
-                  <p:tgtEl>
-                    <p:sldTgt/>
-                  </p:tgtEl>
-                </p:cond>
-              </p:prevCondLst>
-              <p:nextCondLst>
-                <p:cond delay="0" evt="onNext">
-                  <p:tgtEl>
-                    <p:sldTgt/>
-                  </p:tgtEl>
-                </p:cond>
-              </p:nextCondLst>
-            </p:seq>
-          </p:childTnLst>
-        </p:cTn>
-      </p:par>
-    </p:tnLst>
-  </p:timing>
-</p:sld>
-</file>
-
-<file path=ppt/slides/slide14.xml><?xml version="1.0" encoding="utf-8"?>
-<p:sld xmlns:a="http://schemas.openxmlformats.org/drawingml/2006/main" xmlns:p="http://schemas.openxmlformats.org/presentationml/2006/main" xmlns:r="http://schemas.openxmlformats.org/officeDocument/2006/relationships">
-  <p:cSld>
-    <p:spTree>
-      <p:nvGrpSpPr>
-        <p:cNvPr id="1" name=""/>
-        <p:cNvGrpSpPr/>
-        <p:nvPr/>
-      </p:nvGrpSpPr>
-      <p:grpSpPr>
-        <a:xfrm>
-          <a:off x="0" y="0"/>
-          <a:ext cx="0" cy="0"/>
-          <a:chOff x="0" y="0"/>
-          <a:chExt cx="0" cy="0"/>
-        </a:xfrm>
-      </p:grpSpPr>
-      <p:sp>
-        <p:nvSpPr>
-          <p:cNvPr id="106" name="CustomShape 1"/>
-          <p:cNvSpPr/>
-          <p:nvPr/>
-        </p:nvSpPr>
-        <p:spPr>
-          <a:xfrm>
-            <a:off x="504000" y="301320"/>
-            <a:ext cx="9070560" cy="1260720"/>
-          </a:xfrm>
-          <a:prstGeom prst="rect">
-            <a:avLst/>
-          </a:prstGeom>
-          <a:noFill/>
-          <a:ln>
-            <a:noFill/>
-          </a:ln>
-        </p:spPr>
-        <p:txBody>
-          <a:bodyPr lIns="0" rIns="0" tIns="0" bIns="0" anchor="ctr"/>
-          <a:p>
-            <a:r>
-              <a:rPr lang="en-IE">
-                <a:latin typeface="Arial"/>
-              </a:rPr>
-              <a:t>Temp</a:t>
-            </a:r>
-            <a:endParaRPr/>
-          </a:p>
-        </p:txBody>
-      </p:sp>
-      <p:sp>
-        <p:nvSpPr>
-          <p:cNvPr id="107" name="CustomShape 2"/>
-          <p:cNvSpPr/>
-          <p:nvPr/>
-        </p:nvSpPr>
-        <p:spPr>
-          <a:xfrm>
-            <a:off x="504000" y="1768680"/>
-            <a:ext cx="9070560" cy="4382640"/>
-          </a:xfrm>
-          <a:prstGeom prst="rect">
-            <a:avLst/>
-          </a:prstGeom>
-          <a:noFill/>
-          <a:ln>
-            <a:noFill/>
-          </a:ln>
-        </p:spPr>
-        <p:txBody>
-          <a:bodyPr lIns="0" rIns="0" tIns="0" bIns="0"/>
-          <a:p>
-            <a:r>
-              <a:rPr lang="en-IE">
-                <a:latin typeface="Arial"/>
-              </a:rPr>
-              <a:t>Possible Split of Presentation:</a:t>
-            </a:r>
-            <a:endParaRPr/>
-          </a:p>
-          <a:p>
-            <a:r>
-              <a:rPr lang="en-IE">
-                <a:latin typeface="Arial"/>
-              </a:rPr>
-              <a:t>Slides 1 – 4: Intro to presentation and short speech about trademarks =</a:t>
-            </a:r>
-            <a:endParaRPr/>
-          </a:p>
-          <a:p>
-            <a:r>
-              <a:rPr lang="en-IE">
-                <a:latin typeface="Arial"/>
-              </a:rPr>
-              <a:t>Slides 5 – 6: Speech about patents =</a:t>
-            </a:r>
-            <a:endParaRPr/>
-          </a:p>
-          <a:p>
-            <a:r>
-              <a:rPr lang="en-IE">
-                <a:latin typeface="Arial"/>
-              </a:rPr>
-              <a:t>Slides 7 – 8: Speech about copyrights = </a:t>
-            </a:r>
-            <a:endParaRPr/>
-          </a:p>
-          <a:p>
-            <a:r>
-              <a:rPr lang="en-IE">
-                <a:latin typeface="Arial"/>
-              </a:rPr>
-              <a:t>Slides 9 – 11: Short speech about trade secrets and conclusion + questions = </a:t>
-            </a:r>
-            <a:endParaRPr/>
-          </a:p>
-          <a:p>
-            <a:endParaRPr/>
-          </a:p>
-          <a:p>
-            <a:r>
-              <a:rPr lang="en-IE">
-                <a:latin typeface="Arial"/>
-              </a:rPr>
-              <a:t>Resource: </a:t>
-            </a:r>
-            <a:r>
-              <a:rPr lang="en-IE" u="sng">
-                <a:solidFill>
-                  <a:srgbClr val="0000ff"/>
-                </a:solidFill>
-                <a:latin typeface="Arial"/>
-              </a:rPr>
-              <a:t>http://www.freibrun.com/articles/articl2.htm</a:t>
-            </a:r>
-            <a:r>
-              <a:rPr lang="en-IE">
-                <a:solidFill>
-                  <a:srgbClr val="0000ff"/>
-                </a:solidFill>
-                <a:latin typeface="Arial"/>
-              </a:rPr>
-              <a:t>  and others</a:t>
-            </a:r>
-            <a:endParaRPr/>
-          </a:p>
-          <a:p>
-            <a:r>
-              <a:rPr lang="en-IE">
-                <a:solidFill>
-                  <a:srgbClr val="0000ff"/>
-                </a:solidFill>
-                <a:latin typeface="Arial"/>
-              </a:rPr>
-              <a:t>Patent - Patent protection offers broader rights than copyright protection because a patent creates a monopoly over the ideas it covers, whereas copyright only protects the expression itself.</a:t>
-            </a:r>
-            <a:endParaRPr/>
-          </a:p>
-          <a:p>
-            <a:endParaRPr/>
-          </a:p>
-          <a:p>
-            <a:r>
-              <a:rPr lang="en-IE">
-                <a:solidFill>
-                  <a:srgbClr val="0000ff"/>
-                </a:solidFill>
-                <a:latin typeface="Arial"/>
-              </a:rPr>
-              <a:t>Copyright - It is much easier and less expensive to obtain copyright protection than patent protection. Plus, the more restricted copyright protection lasts longer than the greater protection granted by patents. </a:t>
-            </a:r>
-            <a:endParaRPr/>
-          </a:p>
-          <a:p>
-            <a:r>
-              <a:rPr lang="en-IE">
-                <a:solidFill>
-                  <a:srgbClr val="0000ff"/>
-                </a:solidFill>
-                <a:latin typeface="Arial"/>
-              </a:rPr>
-              <a:t>It is advisable to display the copyright notice on each software and to file for patent protection to cover an innovative computer-related invention.</a:t>
-            </a:r>
-            <a:endParaRPr/>
-          </a:p>
-        </p:txBody>
-      </p:sp>
-    </p:spTree>
-  </p:cSld>
-  <p:timing>
-    <p:tnLst>
-      <p:par>
-        <p:cTn id="21" dur="indefinite" restart="never" nodeType="tmRoot">
-          <p:childTnLst>
-            <p:seq>
-              <p:cTn id="22" nodeType="mainSeq"/>
-              <p:prevCondLst>
-                <p:cond delay="0" evt="onPrev">
-                  <p:tgtEl>
-                    <p:sldTgt/>
-                  </p:tgtEl>
-                </p:cond>
-              </p:prevCondLst>
-              <p:nextCondLst>
-                <p:cond delay="0" evt="onNext">
-                  <p:tgtEl>
-                    <p:sldTgt/>
-                  </p:tgtEl>
-                </p:cond>
-              </p:nextCondLst>
-            </p:seq>
-          </p:childTnLst>
-        </p:cTn>
-      </p:par>
-    </p:tnLst>
-  </p:timing>
-</p:sld>
-</file>
-
-<file path=ppt/slides/slide15.xml><?xml version="1.0" encoding="utf-8"?>
-<p:sld xmlns:a="http://schemas.openxmlformats.org/drawingml/2006/main" xmlns:p="http://schemas.openxmlformats.org/presentationml/2006/main" xmlns:r="http://schemas.openxmlformats.org/officeDocument/2006/relationships">
-  <p:cSld>
-    <p:spTree>
-      <p:nvGrpSpPr>
-        <p:cNvPr id="1" name=""/>
-        <p:cNvGrpSpPr/>
-        <p:nvPr/>
-      </p:nvGrpSpPr>
-      <p:grpSpPr>
-        <a:xfrm>
-          <a:off x="0" y="0"/>
-          <a:ext cx="0" cy="0"/>
-          <a:chOff x="0" y="0"/>
-          <a:chExt cx="0" cy="0"/>
-        </a:xfrm>
-      </p:grpSpPr>
-      <p:sp>
-        <p:nvSpPr>
-          <p:cNvPr id="108" name="CustomShape 1"/>
-          <p:cNvSpPr/>
-          <p:nvPr/>
-        </p:nvSpPr>
-        <p:spPr>
-          <a:xfrm>
-            <a:off x="504000" y="301320"/>
-            <a:ext cx="9070560" cy="1260720"/>
-          </a:xfrm>
-          <a:prstGeom prst="rect">
-            <a:avLst/>
-          </a:prstGeom>
-          <a:noFill/>
-          <a:ln>
-            <a:noFill/>
-          </a:ln>
-        </p:spPr>
-        <p:txBody>
-          <a:bodyPr lIns="0" rIns="0" tIns="0" bIns="0" anchor="ctr"/>
-          <a:p>
-            <a:r>
-              <a:rPr lang="en-IE">
-                <a:latin typeface="Arial"/>
-              </a:rPr>
-              <a:t>Temp</a:t>
-            </a:r>
-            <a:endParaRPr/>
-          </a:p>
-        </p:txBody>
-      </p:sp>
-      <p:sp>
-        <p:nvSpPr>
-          <p:cNvPr id="109" name="CustomShape 2"/>
-          <p:cNvSpPr/>
-          <p:nvPr/>
-        </p:nvSpPr>
-        <p:spPr>
-          <a:xfrm>
-            <a:off x="504000" y="1768680"/>
-            <a:ext cx="9070560" cy="4382640"/>
-          </a:xfrm>
-          <a:prstGeom prst="rect">
-            <a:avLst/>
-          </a:prstGeom>
-          <a:noFill/>
-          <a:ln>
-            <a:noFill/>
-          </a:ln>
-        </p:spPr>
-        <p:txBody>
-          <a:bodyPr lIns="0" rIns="0" tIns="0" bIns="0"/>
-          <a:p>
-            <a:r>
-              <a:rPr lang="en-IE">
-                <a:solidFill>
-                  <a:srgbClr val="000000"/>
-                </a:solidFill>
-                <a:latin typeface="Arial"/>
-              </a:rPr>
-              <a:t>Trade Secret- A </a:t>
-            </a:r>
-            <a:r>
-              <a:rPr lang="en-IE" u="sng">
-                <a:solidFill>
-                  <a:srgbClr val="0000ff"/>
-                </a:solidFill>
-                <a:latin typeface="Arial"/>
-              </a:rPr>
-              <a:t>trade secret</a:t>
-            </a:r>
-            <a:r>
-              <a:rPr lang="en-IE">
-                <a:solidFill>
-                  <a:srgbClr val="000000"/>
-                </a:solidFill>
-                <a:latin typeface="Arial"/>
-              </a:rPr>
-              <a:t> is a </a:t>
-            </a:r>
-            <a:r>
-              <a:rPr lang="en-IE" u="sng">
-                <a:solidFill>
-                  <a:srgbClr val="0000ff"/>
-                </a:solidFill>
-                <a:latin typeface="Arial"/>
-              </a:rPr>
-              <a:t>formula</a:t>
-            </a:r>
-            <a:r>
-              <a:rPr lang="en-IE">
-                <a:solidFill>
-                  <a:srgbClr val="000000"/>
-                </a:solidFill>
-                <a:latin typeface="Arial"/>
-              </a:rPr>
-              <a:t>, </a:t>
-            </a:r>
-            <a:r>
-              <a:rPr lang="en-IE" u="sng">
-                <a:solidFill>
-                  <a:srgbClr val="0000ff"/>
-                </a:solidFill>
-                <a:latin typeface="Arial"/>
-              </a:rPr>
-              <a:t>practice</a:t>
-            </a:r>
-            <a:r>
-              <a:rPr lang="en-IE">
-                <a:solidFill>
-                  <a:srgbClr val="000000"/>
-                </a:solidFill>
-                <a:latin typeface="Arial"/>
-              </a:rPr>
-              <a:t>, </a:t>
-            </a:r>
-            <a:r>
-              <a:rPr lang="en-IE" u="sng">
-                <a:solidFill>
-                  <a:srgbClr val="0000ff"/>
-                </a:solidFill>
-                <a:latin typeface="Arial"/>
-              </a:rPr>
-              <a:t>process</a:t>
-            </a:r>
-            <a:r>
-              <a:rPr lang="en-IE">
-                <a:solidFill>
-                  <a:srgbClr val="000000"/>
-                </a:solidFill>
-                <a:latin typeface="Arial"/>
-              </a:rPr>
-              <a:t>, </a:t>
-            </a:r>
-            <a:r>
-              <a:rPr lang="en-IE" u="sng">
-                <a:solidFill>
-                  <a:srgbClr val="0000ff"/>
-                </a:solidFill>
-                <a:latin typeface="Arial"/>
-              </a:rPr>
-              <a:t>design</a:t>
-            </a:r>
-            <a:r>
-              <a:rPr lang="en-IE">
-                <a:solidFill>
-                  <a:srgbClr val="000000"/>
-                </a:solidFill>
-                <a:latin typeface="Arial"/>
-              </a:rPr>
-              <a:t>, </a:t>
-            </a:r>
-            <a:r>
-              <a:rPr lang="en-IE" u="sng">
-                <a:solidFill>
-                  <a:srgbClr val="0000ff"/>
-                </a:solidFill>
-                <a:latin typeface="Arial"/>
-              </a:rPr>
-              <a:t>instrument</a:t>
-            </a:r>
-            <a:r>
-              <a:rPr lang="en-IE">
-                <a:solidFill>
-                  <a:srgbClr val="000000"/>
-                </a:solidFill>
-                <a:latin typeface="Arial"/>
-              </a:rPr>
-              <a:t>, </a:t>
-            </a:r>
-            <a:r>
-              <a:rPr lang="en-IE" u="sng">
-                <a:solidFill>
-                  <a:srgbClr val="0000ff"/>
-                </a:solidFill>
-                <a:latin typeface="Arial"/>
-              </a:rPr>
-              <a:t>pattern</a:t>
-            </a:r>
-            <a:r>
-              <a:rPr lang="en-IE">
-                <a:solidFill>
-                  <a:srgbClr val="000000"/>
-                </a:solidFill>
-                <a:latin typeface="Arial"/>
-              </a:rPr>
-              <a:t>, or compilation of </a:t>
-            </a:r>
-            <a:r>
-              <a:rPr lang="en-IE" u="sng">
-                <a:solidFill>
-                  <a:srgbClr val="0000ff"/>
-                </a:solidFill>
-                <a:latin typeface="Arial"/>
-              </a:rPr>
-              <a:t>information</a:t>
-            </a:r>
-            <a:r>
-              <a:rPr lang="en-IE">
-                <a:solidFill>
-                  <a:srgbClr val="000000"/>
-                </a:solidFill>
-                <a:latin typeface="Arial"/>
-              </a:rPr>
-              <a:t> which is not generally known or reasonably ascertainable, by which a </a:t>
-            </a:r>
-            <a:r>
-              <a:rPr lang="en-IE" u="sng">
-                <a:solidFill>
-                  <a:srgbClr val="0000ff"/>
-                </a:solidFill>
-                <a:latin typeface="Arial"/>
-              </a:rPr>
-              <a:t>business</a:t>
-            </a:r>
-            <a:r>
-              <a:rPr lang="en-IE">
-                <a:solidFill>
-                  <a:srgbClr val="000000"/>
-                </a:solidFill>
-                <a:latin typeface="Arial"/>
-              </a:rPr>
-              <a:t> can obtain an economic advantage over competitors or customers.</a:t>
-            </a:r>
-            <a:endParaRPr/>
-          </a:p>
-          <a:p>
-            <a:endParaRPr/>
-          </a:p>
-          <a:p>
-            <a:endParaRPr/>
-          </a:p>
-          <a:p>
-            <a:endParaRPr/>
-          </a:p>
-          <a:p>
-            <a:r>
-              <a:rPr lang="en-IE">
-                <a:solidFill>
-                  <a:srgbClr val="000000"/>
-                </a:solidFill>
-                <a:latin typeface="Arial"/>
-              </a:rPr>
-              <a:t>Trade Mark - A recognizable </a:t>
-            </a:r>
-            <a:r>
-              <a:rPr lang="en-IE" u="sng">
-                <a:solidFill>
-                  <a:srgbClr val="0000ff"/>
-                </a:solidFill>
-                <a:latin typeface="Arial"/>
-              </a:rPr>
-              <a:t>sign</a:t>
-            </a:r>
-            <a:r>
-              <a:rPr lang="en-IE">
-                <a:solidFill>
-                  <a:srgbClr val="0000ff"/>
-                </a:solidFill>
-                <a:latin typeface="Arial"/>
-              </a:rPr>
-              <a:t>, </a:t>
-            </a:r>
-            <a:r>
-              <a:rPr lang="en-IE" u="sng">
-                <a:solidFill>
-                  <a:srgbClr val="0000ff"/>
-                </a:solidFill>
-                <a:latin typeface="Arial"/>
-              </a:rPr>
-              <a:t>design</a:t>
-            </a:r>
-            <a:r>
-              <a:rPr lang="en-IE">
-                <a:solidFill>
-                  <a:srgbClr val="0000ff"/>
-                </a:solidFill>
-                <a:latin typeface="Arial"/>
-              </a:rPr>
-              <a:t> or </a:t>
-            </a:r>
-            <a:r>
-              <a:rPr lang="en-IE" u="sng">
-                <a:solidFill>
-                  <a:srgbClr val="0000ff"/>
-                </a:solidFill>
-                <a:latin typeface="Arial"/>
-              </a:rPr>
-              <a:t>expression</a:t>
-            </a:r>
-            <a:r>
-              <a:rPr lang="en-IE">
-                <a:solidFill>
-                  <a:srgbClr val="0000ff"/>
-                </a:solidFill>
-                <a:latin typeface="Arial"/>
-              </a:rPr>
-              <a:t> which distinguishes </a:t>
-            </a:r>
-            <a:r>
-              <a:rPr lang="en-IE" u="sng">
-                <a:solidFill>
-                  <a:srgbClr val="0000ff"/>
-                </a:solidFill>
-                <a:latin typeface="Arial"/>
-              </a:rPr>
-              <a:t>products</a:t>
-            </a:r>
-            <a:r>
-              <a:rPr lang="en-IE">
-                <a:solidFill>
-                  <a:srgbClr val="0000ff"/>
-                </a:solidFill>
-                <a:latin typeface="Arial"/>
-              </a:rPr>
-              <a:t> or </a:t>
-            </a:r>
-            <a:r>
-              <a:rPr lang="en-IE" u="sng">
-                <a:solidFill>
-                  <a:srgbClr val="0000ff"/>
-                </a:solidFill>
-                <a:latin typeface="Arial"/>
-              </a:rPr>
-              <a:t>service</a:t>
-            </a:r>
-            <a:r>
-              <a:rPr lang="en-IE">
-                <a:solidFill>
-                  <a:srgbClr val="0000ff"/>
-                </a:solidFill>
-                <a:latin typeface="Arial"/>
-              </a:rPr>
-              <a:t>.</a:t>
-            </a:r>
-            <a:endParaRPr/>
-          </a:p>
-        </p:txBody>
-      </p:sp>
-    </p:spTree>
-  </p:cSld>
-  <p:timing>
-    <p:tnLst>
-      <p:par>
-        <p:cTn id="23" dur="indefinite" restart="never" nodeType="tmRoot">
-          <p:childTnLst>
-            <p:seq>
-              <p:cTn id="24" nodeType="mainSeq"/>
+              <p:cTn id="26" nodeType="mainSeq"/>
               <p:prevCondLst>
                 <p:cond delay="0" evt="onPrev">
                   <p:tgtEl>
@@ -4291,14 +5116,14 @@
       </p:grpSpPr>
       <p:sp>
         <p:nvSpPr>
-          <p:cNvPr id="77" name="CustomShape 1"/>
+          <p:cNvPr id="114" name="CustomShape 1"/>
           <p:cNvSpPr/>
           <p:nvPr/>
         </p:nvSpPr>
         <p:spPr>
           <a:xfrm>
             <a:off x="504000" y="301320"/>
-            <a:ext cx="9070560" cy="1260360"/>
+            <a:ext cx="9070200" cy="1260000"/>
           </a:xfrm>
           <a:prstGeom prst="rect">
             <a:avLst/>
@@ -4332,14 +5157,14 @@
       </p:sp>
       <p:sp>
         <p:nvSpPr>
-          <p:cNvPr id="78" name="CustomShape 2"/>
+          <p:cNvPr id="115" name="CustomShape 2"/>
           <p:cNvSpPr/>
           <p:nvPr/>
         </p:nvSpPr>
         <p:spPr>
           <a:xfrm>
             <a:off x="504000" y="1768680"/>
-            <a:ext cx="9070560" cy="4382640"/>
+            <a:ext cx="9070200" cy="4382280"/>
           </a:xfrm>
           <a:prstGeom prst="rect">
             <a:avLst/>
@@ -4440,14 +5265,14 @@
       </p:grpSpPr>
       <p:sp>
         <p:nvSpPr>
-          <p:cNvPr id="79" name="CustomShape 1"/>
+          <p:cNvPr id="116" name="CustomShape 1"/>
           <p:cNvSpPr/>
           <p:nvPr/>
         </p:nvSpPr>
         <p:spPr>
           <a:xfrm>
             <a:off x="504000" y="301320"/>
-            <a:ext cx="9070560" cy="1260720"/>
+            <a:ext cx="9070200" cy="1260360"/>
           </a:xfrm>
           <a:prstGeom prst="rect">
             <a:avLst/>
@@ -4477,14 +5302,14 @@
       </p:sp>
       <p:sp>
         <p:nvSpPr>
-          <p:cNvPr id="80" name="CustomShape 2"/>
+          <p:cNvPr id="117" name="CustomShape 2"/>
           <p:cNvSpPr/>
           <p:nvPr/>
         </p:nvSpPr>
         <p:spPr>
           <a:xfrm>
             <a:off x="504000" y="1768680"/>
-            <a:ext cx="9070560" cy="4382640"/>
+            <a:ext cx="9070200" cy="4382280"/>
           </a:xfrm>
           <a:prstGeom prst="rect">
             <a:avLst/>
@@ -4637,14 +5462,14 @@
       </p:grpSpPr>
       <p:sp>
         <p:nvSpPr>
-          <p:cNvPr id="81" name="CustomShape 1"/>
+          <p:cNvPr id="118" name="CustomShape 1"/>
           <p:cNvSpPr/>
           <p:nvPr/>
         </p:nvSpPr>
         <p:spPr>
           <a:xfrm>
             <a:off x="504000" y="301320"/>
-            <a:ext cx="9070560" cy="1260720"/>
+            <a:ext cx="9070200" cy="1260360"/>
           </a:xfrm>
           <a:prstGeom prst="rect">
             <a:avLst/>
@@ -4674,14 +5499,14 @@
       </p:sp>
       <p:sp>
         <p:nvSpPr>
-          <p:cNvPr id="82" name="CustomShape 2"/>
+          <p:cNvPr id="119" name="CustomShape 2"/>
           <p:cNvSpPr/>
           <p:nvPr/>
         </p:nvSpPr>
         <p:spPr>
           <a:xfrm>
             <a:off x="504000" y="1768680"/>
-            <a:ext cx="9070560" cy="4382640"/>
+            <a:ext cx="9070200" cy="4382280"/>
           </a:xfrm>
           <a:prstGeom prst="rect">
             <a:avLst/>
@@ -4818,14 +5643,14 @@
       </p:grpSpPr>
       <p:sp>
         <p:nvSpPr>
-          <p:cNvPr id="83" name="CustomShape 1"/>
+          <p:cNvPr id="120" name="CustomShape 1"/>
           <p:cNvSpPr/>
           <p:nvPr/>
         </p:nvSpPr>
         <p:spPr>
           <a:xfrm>
             <a:off x="504000" y="301320"/>
-            <a:ext cx="9070560" cy="1260720"/>
+            <a:ext cx="9070200" cy="1260360"/>
           </a:xfrm>
           <a:prstGeom prst="rect">
             <a:avLst/>
@@ -4855,14 +5680,14 @@
       </p:sp>
       <p:sp>
         <p:nvSpPr>
-          <p:cNvPr id="84" name="CustomShape 2"/>
+          <p:cNvPr id="121" name="CustomShape 2"/>
           <p:cNvSpPr/>
           <p:nvPr/>
         </p:nvSpPr>
         <p:spPr>
           <a:xfrm>
             <a:off x="504000" y="1768680"/>
-            <a:ext cx="9070560" cy="4382640"/>
+            <a:ext cx="9070200" cy="4382280"/>
           </a:xfrm>
           <a:prstGeom prst="rect">
             <a:avLst/>
@@ -5024,14 +5849,14 @@
       </p:grpSpPr>
       <p:sp>
         <p:nvSpPr>
-          <p:cNvPr id="85" name="CustomShape 1"/>
+          <p:cNvPr id="122" name="CustomShape 1"/>
           <p:cNvSpPr/>
           <p:nvPr/>
         </p:nvSpPr>
         <p:spPr>
           <a:xfrm>
             <a:off x="504000" y="301320"/>
-            <a:ext cx="9070560" cy="1260720"/>
+            <a:ext cx="9070200" cy="1260360"/>
           </a:xfrm>
           <a:prstGeom prst="rect">
             <a:avLst/>
@@ -5061,14 +5886,14 @@
       </p:sp>
       <p:sp>
         <p:nvSpPr>
-          <p:cNvPr id="86" name="CustomShape 2"/>
+          <p:cNvPr id="123" name="CustomShape 2"/>
           <p:cNvSpPr/>
           <p:nvPr/>
         </p:nvSpPr>
         <p:spPr>
           <a:xfrm>
             <a:off x="504000" y="1768680"/>
-            <a:ext cx="9070560" cy="4382640"/>
+            <a:ext cx="9070200" cy="4382280"/>
           </a:xfrm>
           <a:prstGeom prst="rect">
             <a:avLst/>
@@ -5205,14 +6030,14 @@
       </p:grpSpPr>
       <p:sp>
         <p:nvSpPr>
-          <p:cNvPr id="87" name="CustomShape 1"/>
+          <p:cNvPr id="124" name="CustomShape 1"/>
           <p:cNvSpPr/>
           <p:nvPr/>
         </p:nvSpPr>
         <p:spPr>
           <a:xfrm>
             <a:off x="504000" y="301320"/>
-            <a:ext cx="9070560" cy="1260720"/>
+            <a:ext cx="9070200" cy="1260360"/>
           </a:xfrm>
           <a:prstGeom prst="rect">
             <a:avLst/>
@@ -5242,14 +6067,14 @@
       </p:sp>
       <p:sp>
         <p:nvSpPr>
-          <p:cNvPr id="88" name="CustomShape 2"/>
+          <p:cNvPr id="125" name="CustomShape 2"/>
           <p:cNvSpPr/>
           <p:nvPr/>
         </p:nvSpPr>
         <p:spPr>
           <a:xfrm>
             <a:off x="504000" y="1768680"/>
-            <a:ext cx="9070560" cy="4382640"/>
+            <a:ext cx="9070200" cy="4382280"/>
           </a:xfrm>
           <a:prstGeom prst="rect">
             <a:avLst/>
@@ -5337,7 +6162,7 @@
       </p:sp>
       <p:pic>
         <p:nvPicPr>
-          <p:cNvPr id="89" name="" descr=""/>
+          <p:cNvPr id="126" name="" descr=""/>
           <p:cNvPicPr/>
           <p:nvPr/>
         </p:nvPicPr>
@@ -5350,7 +6175,7 @@
         <p:spPr>
           <a:xfrm>
             <a:off x="432000" y="4477320"/>
-            <a:ext cx="4837320" cy="2506320"/>
+            <a:ext cx="4836960" cy="2505960"/>
           </a:xfrm>
           <a:prstGeom prst="rect">
             <a:avLst/>
@@ -5362,7 +6187,7 @@
       </p:pic>
       <p:pic>
         <p:nvPicPr>
-          <p:cNvPr id="90" name="" descr=""/>
+          <p:cNvPr id="127" name="" descr=""/>
           <p:cNvPicPr/>
           <p:nvPr/>
         </p:nvPicPr>
@@ -5375,7 +6200,7 @@
         <p:spPr>
           <a:xfrm>
             <a:off x="5849280" y="4680000"/>
-            <a:ext cx="2286360" cy="2303640"/>
+            <a:ext cx="2286000" cy="2303280"/>
           </a:xfrm>
           <a:prstGeom prst="rect">
             <a:avLst/>
@@ -5443,29 +6268,36 @@
       </p:grpSpPr>
       <p:sp>
         <p:nvSpPr>
-          <p:cNvPr id="91" name="TextShape 1"/>
-          <p:cNvSpPr txBox="1"/>
+          <p:cNvPr id="128" name="CustomShape 1"/>
+          <p:cNvSpPr/>
           <p:nvPr/>
         </p:nvSpPr>
         <p:spPr>
           <a:xfrm>
             <a:off x="504360" y="301320"/>
-            <a:ext cx="9071640" cy="1262160"/>
-          </a:xfrm>
-          <a:prstGeom prst="rect">
-            <a:avLst/>
-          </a:prstGeom>
+            <a:ext cx="9071280" cy="1261800"/>
+          </a:xfrm>
+          <a:prstGeom prst="rect">
+            <a:avLst/>
+          </a:prstGeom>
+          <a:noFill/>
+          <a:ln>
+            <a:noFill/>
+          </a:ln>
         </p:spPr>
         <p:txBody>
           <a:bodyPr lIns="0" rIns="0" tIns="0" bIns="0" anchor="ctr"/>
           <a:p>
             <a:pPr algn="ctr">
+              <a:lnSpc>
+                <a:spcPct val="100000"/>
+              </a:lnSpc>
               <a:buSzPct val="45000"/>
               <a:buFont typeface="StarSymbol"/>
-              <a:buChar char=""/>
-            </a:pPr>
-            <a:r>
-              <a:rPr lang="en-US" sz="4400">
+              <a:buChar char="l"/>
+            </a:pPr>
+            <a:r>
+              <a:rPr lang="en-IE" sz="4400">
                 <a:latin typeface="Arial"/>
                 <a:ea typeface="宋体"/>
               </a:rPr>
@@ -5477,21 +6309,33 @@
       </p:sp>
       <p:sp>
         <p:nvSpPr>
-          <p:cNvPr id="92" name="TextShape 2"/>
-          <p:cNvSpPr txBox="1"/>
+          <p:cNvPr id="129" name="CustomShape 2"/>
+          <p:cNvSpPr/>
           <p:nvPr/>
         </p:nvSpPr>
         <p:spPr>
           <a:xfrm>
             <a:off x="504720" y="1767960"/>
-            <a:ext cx="9073440" cy="4964040"/>
-          </a:xfrm>
-          <a:prstGeom prst="rect">
-            <a:avLst/>
-          </a:prstGeom>
+            <a:ext cx="9073080" cy="4963680"/>
+          </a:xfrm>
+          <a:prstGeom prst="rect">
+            <a:avLst/>
+          </a:prstGeom>
+          <a:noFill/>
+          <a:ln>
+            <a:noFill/>
+          </a:ln>
         </p:spPr>
         <p:txBody>
           <a:bodyPr lIns="0" rIns="0" tIns="0" bIns="0"/>
+          <a:p>
+            <a:pPr>
+              <a:lnSpc>
+                <a:spcPct val="80000"/>
+              </a:lnSpc>
+            </a:pPr>
+            <a:endParaRPr/>
+          </a:p>
           <a:p>
             <a:pPr>
               <a:lnSpc>
@@ -5501,6 +6345,45 @@
               <a:buFont typeface="Wingdings" charset="2"/>
               <a:buChar char=""/>
             </a:pPr>
+            <a:r>
+              <a:rPr lang="en-IE" sz="2800">
+                <a:latin typeface="Arial"/>
+                <a:ea typeface="宋体"/>
+              </a:rPr>
+              <a:t>What is copyright?</a:t>
+            </a:r>
+            <a:endParaRPr/>
+          </a:p>
+          <a:p>
+            <a:pPr>
+              <a:lnSpc>
+                <a:spcPct val="80000"/>
+              </a:lnSpc>
+            </a:pPr>
+            <a:endParaRPr/>
+          </a:p>
+          <a:p>
+            <a:pPr>
+              <a:lnSpc>
+                <a:spcPct val="80000"/>
+              </a:lnSpc>
+            </a:pPr>
+            <a:endParaRPr/>
+          </a:p>
+          <a:p>
+            <a:pPr>
+              <a:lnSpc>
+                <a:spcPct val="80000"/>
+              </a:lnSpc>
+            </a:pPr>
+            <a:endParaRPr/>
+          </a:p>
+          <a:p>
+            <a:pPr>
+              <a:lnSpc>
+                <a:spcPct val="80000"/>
+              </a:lnSpc>
+            </a:pPr>
             <a:endParaRPr/>
           </a:p>
           <a:p>
@@ -5513,11 +6396,11 @@
               <a:buChar char=""/>
             </a:pPr>
             <a:r>
-              <a:rPr lang="en-US" sz="2800">
+              <a:rPr lang="en-IE" sz="2800">
                 <a:latin typeface="Arial"/>
                 <a:ea typeface="宋体"/>
               </a:rPr>
-              <a:t>What is copyright?</a:t>
+              <a:t>What is software copyright?</a:t>
             </a:r>
             <a:endParaRPr/>
           </a:p>
@@ -5526,9 +6409,6 @@
               <a:lnSpc>
                 <a:spcPct val="80000"/>
               </a:lnSpc>
-              <a:buSzPct val="25000"/>
-              <a:buFont typeface="Wingdings" charset="2"/>
-              <a:buChar char=""/>
             </a:pPr>
             <a:endParaRPr/>
           </a:p>
@@ -5537,10 +6417,21 @@
               <a:lnSpc>
                 <a:spcPct val="80000"/>
               </a:lnSpc>
-              <a:buSzPct val="25000"/>
-              <a:buFont typeface="Wingdings" charset="2"/>
-              <a:buChar char=""/>
-            </a:pPr>
+            </a:pPr>
+            <a:r>
+              <a:rPr lang="en-IE" sz="2800">
+                <a:latin typeface="Arial"/>
+                <a:ea typeface="宋体"/>
+              </a:rPr>
+              <a:t>    </a:t>
+            </a:r>
+            <a:r>
+              <a:rPr lang="en-IE" sz="2800">
+                <a:latin typeface="Arial"/>
+                <a:ea typeface="宋体"/>
+              </a:rPr>
+              <a:t>1. all the program code itself</a:t>
+            </a:r>
             <a:endParaRPr/>
           </a:p>
           <a:p>
@@ -5548,9 +6439,6 @@
               <a:lnSpc>
                 <a:spcPct val="80000"/>
               </a:lnSpc>
-              <a:buSzPct val="25000"/>
-              <a:buFont typeface="Wingdings" charset="2"/>
-              <a:buChar char=""/>
             </a:pPr>
             <a:endParaRPr/>
           </a:p>
@@ -5559,10 +6447,21 @@
               <a:lnSpc>
                 <a:spcPct val="80000"/>
               </a:lnSpc>
-              <a:buSzPct val="25000"/>
-              <a:buFont typeface="Wingdings" charset="2"/>
-              <a:buChar char=""/>
-            </a:pPr>
+            </a:pPr>
+            <a:r>
+              <a:rPr lang="en-IE" sz="2800">
+                <a:latin typeface="Arial"/>
+                <a:ea typeface="宋体"/>
+              </a:rPr>
+              <a:t>    </a:t>
+            </a:r>
+            <a:r>
+              <a:rPr lang="en-IE" sz="2800">
+                <a:latin typeface="Arial"/>
+                <a:ea typeface="宋体"/>
+              </a:rPr>
+              <a:t>2. documents that used to describe the contents, </a:t>
+            </a:r>
             <a:endParaRPr/>
           </a:p>
           <a:p>
@@ -5570,16 +6469,20 @@
               <a:lnSpc>
                 <a:spcPct val="80000"/>
               </a:lnSpc>
-              <a:buSzPct val="25000"/>
-              <a:buFont typeface="Wingdings" charset="2"/>
-              <a:buChar char=""/>
-            </a:pPr>
-            <a:r>
-              <a:rPr lang="en-US" sz="2800">
+            </a:pPr>
+            <a:r>
+              <a:rPr lang="en-IE" sz="2800">
                 <a:latin typeface="Arial"/>
                 <a:ea typeface="宋体"/>
               </a:rPr>
-              <a:t>What is software copyright?</a:t>
+              <a:t>        </a:t>
+            </a:r>
+            <a:r>
+              <a:rPr lang="en-IE" sz="2800">
+                <a:latin typeface="Arial"/>
+                <a:ea typeface="宋体"/>
+              </a:rPr>
+              <a:t>design, testing results, etc. of a program.</a:t>
             </a:r>
             <a:endParaRPr/>
           </a:p>
@@ -5589,102 +6492,8 @@
                 <a:spcPct val="80000"/>
               </a:lnSpc>
             </a:pPr>
-            <a:endParaRPr/>
-          </a:p>
-          <a:p>
-            <a:pPr>
-              <a:lnSpc>
-                <a:spcPct val="80000"/>
-              </a:lnSpc>
-            </a:pPr>
-            <a:r>
-              <a:rPr lang="en-US" sz="2800">
-                <a:latin typeface="Arial"/>
-                <a:ea typeface="宋体"/>
-              </a:rPr>
-              <a:t>    </a:t>
-            </a:r>
-            <a:r>
-              <a:rPr lang="en-US" sz="2800">
-                <a:latin typeface="Arial"/>
-              </a:rPr>
-              <a:t>1</a:t>
-            </a:r>
-            <a:r>
-              <a:rPr lang="en-US" sz="2800">
-                <a:latin typeface="Arial"/>
-                <a:ea typeface="宋体"/>
-              </a:rPr>
-              <a:t>.</a:t>
-            </a:r>
-            <a:r>
-              <a:rPr lang="en-US" sz="2800">
-                <a:latin typeface="Arial"/>
-              </a:rPr>
-              <a:t> all the program code itself</a:t>
-            </a:r>
-            <a:endParaRPr/>
-          </a:p>
-          <a:p>
-            <a:pPr>
-              <a:lnSpc>
-                <a:spcPct val="80000"/>
-              </a:lnSpc>
-            </a:pPr>
-            <a:endParaRPr/>
-          </a:p>
-          <a:p>
-            <a:pPr>
-              <a:lnSpc>
-                <a:spcPct val="80000"/>
-              </a:lnSpc>
-            </a:pPr>
-            <a:r>
-              <a:rPr lang="en-US" sz="2800">
-                <a:latin typeface="Arial"/>
-                <a:ea typeface="宋体"/>
-              </a:rPr>
-              <a:t>    </a:t>
-            </a:r>
-            <a:r>
-              <a:rPr lang="en-US" sz="2800">
-                <a:latin typeface="Arial"/>
-                <a:ea typeface="宋体"/>
-              </a:rPr>
-              <a:t>2. documents that used to describe the contents, </a:t>
-            </a:r>
-            <a:endParaRPr/>
-          </a:p>
-          <a:p>
-            <a:pPr>
-              <a:lnSpc>
-                <a:spcPct val="80000"/>
-              </a:lnSpc>
-            </a:pPr>
-            <a:r>
-              <a:rPr lang="en-US" sz="2800">
-                <a:latin typeface="Arial"/>
-                <a:ea typeface="宋体"/>
-              </a:rPr>
-              <a:t>        </a:t>
-            </a:r>
-            <a:r>
-              <a:rPr lang="en-US" sz="2800">
-                <a:latin typeface="Arial"/>
-                <a:ea typeface="宋体"/>
-              </a:rPr>
-              <a:t>design, testing results, etc. of a program.</a:t>
-            </a:r>
-            <a:endParaRPr/>
-          </a:p>
-          <a:p>
-            <a:pPr>
-              <a:lnSpc>
-                <a:spcPct val="80000"/>
-              </a:lnSpc>
-            </a:pPr>
-            <a:r>
-              <a:rPr lang="en-US" sz="2800">
+            <a:r>
+              <a:rPr lang="en-IE" sz="2800">
                 <a:latin typeface="Arial"/>
                 <a:ea typeface="宋体"/>
               </a:rPr>
@@ -5696,7 +6505,7 @@
       </p:sp>
       <p:pic>
         <p:nvPicPr>
-          <p:cNvPr id="93" name="" descr=""/>
+          <p:cNvPr id="130" name="" descr=""/>
           <p:cNvPicPr/>
           <p:nvPr/>
         </p:nvPicPr>
@@ -5709,7 +6518,7 @@
         <p:spPr>
           <a:xfrm>
             <a:off x="5905800" y="2123640"/>
-            <a:ext cx="3245400" cy="2303640"/>
+            <a:ext cx="3245040" cy="2303280"/>
           </a:xfrm>
           <a:prstGeom prst="rect">
             <a:avLst/>
@@ -5721,6 +6530,33 @@
       </p:pic>
     </p:spTree>
   </p:cSld>
+  <p:timing>
+    <p:tnLst>
+      <p:par>
+        <p:cTn id="15" dur="indefinite" restart="never" nodeType="tmRoot">
+          <p:childTnLst>
+            <p:seq>
+              <p:cTn id="16" nodeType="mainSeq"/>
+              <p:prevCondLst>
+                <p:cond delay="0" evt="onPrev">
+                  <p:tgtEl>
+                    <p:sldTgt/>
+                  </p:tgtEl>
+                </p:cond>
+              </p:prevCondLst>
+              <p:nextCondLst>
+                <p:cond delay="0" evt="onNext">
+                  <p:tgtEl>
+                    <p:sldTgt/>
+                  </p:tgtEl>
+                </p:cond>
+              </p:nextCondLst>
+            </p:seq>
+          </p:childTnLst>
+        </p:cTn>
+      </p:par>
+    </p:tnLst>
+  </p:timing>
 </p:sld>
 </file>
 
@@ -5750,35 +6586,42 @@
       </p:grpSpPr>
       <p:sp>
         <p:nvSpPr>
-          <p:cNvPr id="94" name="TextShape 1"/>
-          <p:cNvSpPr txBox="1"/>
+          <p:cNvPr id="131" name="CustomShape 1"/>
+          <p:cNvSpPr/>
           <p:nvPr/>
         </p:nvSpPr>
         <p:spPr>
           <a:xfrm>
             <a:off x="504360" y="301320"/>
-            <a:ext cx="9071640" cy="1262160"/>
-          </a:xfrm>
-          <a:prstGeom prst="rect">
-            <a:avLst/>
-          </a:prstGeom>
+            <a:ext cx="9071280" cy="1261800"/>
+          </a:xfrm>
+          <a:prstGeom prst="rect">
+            <a:avLst/>
+          </a:prstGeom>
+          <a:noFill/>
+          <a:ln>
+            <a:noFill/>
+          </a:ln>
         </p:spPr>
         <p:txBody>
           <a:bodyPr lIns="0" rIns="0" tIns="0" bIns="0" anchor="ctr"/>
           <a:p>
             <a:pPr algn="ctr">
+              <a:lnSpc>
+                <a:spcPct val="100000"/>
+              </a:lnSpc>
               <a:buSzPct val="45000"/>
               <a:buFont typeface="StarSymbol"/>
-              <a:buChar char=""/>
-            </a:pPr>
-            <a:r>
-              <a:rPr lang="en-US" sz="4400">
+              <a:buChar char="l"/>
+            </a:pPr>
+            <a:r>
+              <a:rPr lang="en-IE" sz="4400">
                 <a:latin typeface="Arial"/>
               </a:rPr>
               <a:t>C</a:t>
             </a:r>
             <a:r>
-              <a:rPr lang="en-US" sz="4400">
+              <a:rPr lang="en-IE" sz="4400">
                 <a:latin typeface="Arial"/>
                 <a:ea typeface="宋体"/>
               </a:rPr>
@@ -5790,64 +6633,67 @@
       </p:sp>
       <p:sp>
         <p:nvSpPr>
-          <p:cNvPr id="95" name="TextShape 2"/>
-          <p:cNvSpPr txBox="1"/>
+          <p:cNvPr id="132" name="CustomShape 2"/>
+          <p:cNvSpPr/>
           <p:nvPr/>
         </p:nvSpPr>
         <p:spPr>
           <a:xfrm>
             <a:off x="791640" y="1907640"/>
-            <a:ext cx="8497080" cy="3097440"/>
-          </a:xfrm>
-          <a:prstGeom prst="rect">
-            <a:avLst/>
-          </a:prstGeom>
+            <a:ext cx="8496720" cy="3097080"/>
+          </a:xfrm>
+          <a:prstGeom prst="rect">
+            <a:avLst/>
+          </a:prstGeom>
+          <a:noFill/>
+          <a:ln>
+            <a:noFill/>
+          </a:ln>
         </p:spPr>
         <p:txBody>
           <a:bodyPr lIns="0" rIns="0" tIns="0" bIns="0"/>
           <a:p>
-            <a:pPr/>
-            <a:r>
-              <a:rPr lang="en-US" sz="3200">
+            <a:pPr>
+              <a:lnSpc>
+                <a:spcPct val="100000"/>
+              </a:lnSpc>
+            </a:pPr>
+            <a:r>
+              <a:rPr lang="en-IE" sz="3200">
                 <a:latin typeface="Arial"/>
                 <a:ea typeface="宋体"/>
               </a:rPr>
-              <a:t>T</a:t>
-            </a:r>
-            <a:r>
-              <a:rPr lang="en-US" sz="3200">
-                <a:latin typeface="Arial"/>
-              </a:rPr>
-              <a:t>he difference between software copyright and patent</a:t>
-            </a:r>
-            <a:r>
-              <a:rPr lang="en-US" sz="3200">
-                <a:latin typeface="Arial"/>
-                <a:ea typeface="宋体"/>
-              </a:rPr>
-              <a:t>:</a:t>
-            </a:r>
-            <a:endParaRPr/>
-          </a:p>
-          <a:p>
-            <a:pPr/>
-            <a:endParaRPr/>
-          </a:p>
-          <a:p>
-            <a:pPr/>
+              <a:t>The difference between software copyright and patent:</a:t>
+            </a:r>
+            <a:endParaRPr/>
+          </a:p>
+          <a:p>
+            <a:pPr>
+              <a:lnSpc>
+                <a:spcPct val="100000"/>
+              </a:lnSpc>
+            </a:pPr>
+            <a:endParaRPr/>
+          </a:p>
+          <a:p>
+            <a:pPr>
+              <a:lnSpc>
+                <a:spcPct val="100000"/>
+              </a:lnSpc>
+            </a:pPr>
             <a:endParaRPr/>
           </a:p>
         </p:txBody>
       </p:sp>
       <p:graphicFrame>
         <p:nvGraphicFramePr>
-          <p:cNvPr id="96" name="Table 3"/>
+          <p:cNvPr id="133" name="Table 3"/>
           <p:cNvGraphicFramePr/>
           <p:nvPr/>
         </p:nvGraphicFramePr>
         <p:xfrm>
           <a:off x="1316160" y="3419280"/>
-          <a:ext cx="7253640" cy="1512720"/>
+          <a:ext cx="7253280" cy="1512360"/>
         </p:xfrm>
         <a:graphic>
           <a:graphicData uri="http://schemas.openxmlformats.org/drawingml/2006/table">
@@ -5861,7 +6707,7 @@
               <a:tr h="687240">
                 <a:tc>
                   <a:txBody>
-                    <a:bodyPr lIns="90000" rIns="90000" tIns="46800" bIns="46800" anchor="ctr"/>
+                    <a:bodyPr/>
                     <a:p>
                       <a:pPr>
                         <a:lnSpc>
@@ -5869,7 +6715,7 @@
                         </a:lnSpc>
                       </a:pPr>
                       <a:r>
-                        <a:rPr b="1" lang="en-US" sz="2400">
+                        <a:rPr b="1" lang="en-IE" sz="2400">
                           <a:solidFill>
                             <a:srgbClr val="ffffff"/>
                           </a:solidFill>
@@ -5885,7 +6731,7 @@
                 </a:tc>
                 <a:tc>
                   <a:txBody>
-                    <a:bodyPr lIns="90000" rIns="90000" tIns="46800" bIns="46800" anchor="ctr"/>
+                    <a:bodyPr/>
                     <a:p>
                       <a:pPr>
                         <a:lnSpc>
@@ -5893,7 +6739,7 @@
                         </a:lnSpc>
                       </a:pPr>
                       <a:r>
-                        <a:rPr b="1" lang="en-US" sz="2400">
+                        <a:rPr b="1" lang="en-IE" sz="2400">
                           <a:solidFill>
                             <a:srgbClr val="ffffff"/>
                           </a:solidFill>
@@ -5909,7 +6755,7 @@
                 </a:tc>
                 <a:tc>
                   <a:txBody>
-                    <a:bodyPr lIns="90000" rIns="90000" tIns="46800" bIns="46800" anchor="ctr"/>
+                    <a:bodyPr/>
                     <a:p>
                       <a:pPr>
                         <a:lnSpc>
@@ -5917,7 +6763,7 @@
                         </a:lnSpc>
                       </a:pPr>
                       <a:r>
-                        <a:rPr b="1" lang="en-US" sz="2400">
+                        <a:rPr b="1" lang="en-IE" sz="2400">
                           <a:solidFill>
                             <a:srgbClr val="ffffff"/>
                           </a:solidFill>
@@ -5935,7 +6781,7 @@
               <a:tr h="825480">
                 <a:tc>
                   <a:txBody>
-                    <a:bodyPr lIns="90000" rIns="90000" tIns="46800" bIns="46800" anchor="ctr"/>
+                    <a:bodyPr/>
                     <a:p>
                       <a:pPr>
                         <a:lnSpc>
@@ -5943,7 +6789,7 @@
                         </a:lnSpc>
                       </a:pPr>
                       <a:r>
-                        <a:rPr b="1" lang="en-US" sz="2400">
+                        <a:rPr b="1" lang="en-IE" sz="2400">
                           <a:solidFill>
                             <a:srgbClr val="000000"/>
                           </a:solidFill>
@@ -5959,7 +6805,7 @@
                 </a:tc>
                 <a:tc>
                   <a:txBody>
-                    <a:bodyPr lIns="90000" rIns="90000" tIns="46800" bIns="46800" anchor="ctr"/>
+                    <a:bodyPr/>
                     <a:p>
                       <a:pPr>
                         <a:lnSpc>
@@ -5967,7 +6813,7 @@
                         </a:lnSpc>
                       </a:pPr>
                       <a:r>
-                        <a:rPr b="1" lang="en-US" sz="2400">
+                        <a:rPr b="1" lang="en-IE" sz="2400">
                           <a:solidFill>
                             <a:srgbClr val="000000"/>
                           </a:solidFill>
@@ -5983,7 +6829,7 @@
                 </a:tc>
                 <a:tc>
                   <a:txBody>
-                    <a:bodyPr lIns="90000" rIns="90000" tIns="46800" bIns="46800" anchor="ctr"/>
+                    <a:bodyPr/>
                     <a:p>
                       <a:pPr>
                         <a:lnSpc>
@@ -5991,7 +6837,7 @@
                         </a:lnSpc>
                       </a:pPr>
                       <a:r>
-                        <a:rPr b="1" lang="en-US" sz="2400">
+                        <a:rPr b="1" lang="en-IE" sz="2400">
                           <a:solidFill>
                             <a:srgbClr val="000000"/>
                           </a:solidFill>
@@ -6012,14 +6858,14 @@
       </p:graphicFrame>
       <p:sp>
         <p:nvSpPr>
-          <p:cNvPr id="97" name="CustomShape 4"/>
+          <p:cNvPr id="134" name="CustomShape 4"/>
           <p:cNvSpPr/>
           <p:nvPr/>
         </p:nvSpPr>
         <p:spPr>
           <a:xfrm>
             <a:off x="789120" y="5283000"/>
-            <a:ext cx="8285760" cy="856080"/>
+            <a:ext cx="8285400" cy="855720"/>
           </a:xfrm>
           <a:prstGeom prst="rect">
             <a:avLst/>
@@ -6038,7 +6884,7 @@
               </a:lnSpc>
             </a:pPr>
             <a:r>
-              <a:rPr b="1" lang="en-US" sz="2000">
+              <a:rPr b="1" lang="en-IE" sz="2000">
                 <a:latin typeface="Arial"/>
               </a:rPr>
               <a:t>Software copyright has nothing to do with protecting the most valuable thing in a software —— design ideas</a:t>
@@ -6049,6 +6895,33 @@
       </p:sp>
     </p:spTree>
   </p:cSld>
+  <p:timing>
+    <p:tnLst>
+      <p:par>
+        <p:cTn id="17" dur="indefinite" restart="never" nodeType="tmRoot">
+          <p:childTnLst>
+            <p:seq>
+              <p:cTn id="18" nodeType="mainSeq"/>
+              <p:prevCondLst>
+                <p:cond delay="0" evt="onPrev">
+                  <p:tgtEl>
+                    <p:sldTgt/>
+                  </p:tgtEl>
+                </p:cond>
+              </p:prevCondLst>
+              <p:nextCondLst>
+                <p:cond delay="0" evt="onNext">
+                  <p:tgtEl>
+                    <p:sldTgt/>
+                  </p:tgtEl>
+                </p:cond>
+              </p:nextCondLst>
+            </p:seq>
+          </p:childTnLst>
+        </p:cTn>
+      </p:par>
+    </p:tnLst>
+  </p:timing>
 </p:sld>
 </file>
 
@@ -6496,4 +7369,227 @@
     </a:fmtScheme>
   </a:themeElements>
 </a:theme>
+</file>
+
+<file path=ppt/theme/theme3.xml><?xml version="1.0" encoding="utf-8"?>
+<a:theme xmlns:a="http://schemas.openxmlformats.org/drawingml/2006/main" name="Office Theme">
+  <a:themeElements>
+    <a:clrScheme name="Office">
+      <a:dk1>
+        <a:sysClr val="windowText" lastClr="000000"/>
+      </a:dk1>
+      <a:lt1>
+        <a:sysClr val="window" lastClr="FFFFFF"/>
+      </a:lt1>
+      <a:dk2>
+        <a:srgbClr val="1F497D"/>
+      </a:dk2>
+      <a:lt2>
+        <a:srgbClr val="EEECE1"/>
+      </a:lt2>
+      <a:accent1>
+        <a:srgbClr val="4F81BD"/>
+      </a:accent1>
+      <a:accent2>
+        <a:srgbClr val="C0504D"/>
+      </a:accent2>
+      <a:accent3>
+        <a:srgbClr val="9BBB59"/>
+      </a:accent3>
+      <a:accent4>
+        <a:srgbClr val="8064A2"/>
+      </a:accent4>
+      <a:accent5>
+        <a:srgbClr val="4BACC6"/>
+      </a:accent5>
+      <a:accent6>
+        <a:srgbClr val="F79646"/>
+      </a:accent6>
+      <a:hlink>
+        <a:srgbClr val="0000FF"/>
+      </a:hlink>
+      <a:folHlink>
+        <a:srgbClr val="800080"/>
+      </a:folHlink>
+    </a:clrScheme>
+    <a:fontScheme name="Office">
+      <a:majorFont>
+        <a:latin typeface="Arial"/>
+        <a:ea typeface="DejaVu Sans"/>
+        <a:cs typeface="DejaVu Sans"/>
+      </a:majorFont>
+      <a:minorFont>
+        <a:latin typeface="Arial"/>
+        <a:ea typeface="DejaVu Sans"/>
+        <a:cs typeface="DejaVu Sans"/>
+      </a:minorFont>
+    </a:fontScheme>
+    <a:fmtScheme name="Office">
+      <a:fillStyleLst>
+        <a:solidFill>
+          <a:schemeClr val="phClr"/>
+        </a:solidFill>
+        <a:gradFill rotWithShape="1">
+          <a:gsLst>
+            <a:gs pos="0">
+              <a:schemeClr val="phClr">
+                <a:tint val="50000"/>
+                <a:satMod val="300000"/>
+              </a:schemeClr>
+            </a:gs>
+            <a:gs pos="35000">
+              <a:schemeClr val="phClr">
+                <a:tint val="37000"/>
+                <a:satMod val="300000"/>
+              </a:schemeClr>
+            </a:gs>
+            <a:gs pos="100000">
+              <a:schemeClr val="phClr">
+                <a:tint val="15000"/>
+                <a:satMod val="350000"/>
+              </a:schemeClr>
+            </a:gs>
+          </a:gsLst>
+          <a:lin ang="16200000" scaled="1"/>
+        </a:gradFill>
+        <a:gradFill rotWithShape="1">
+          <a:gsLst>
+            <a:gs pos="0">
+              <a:schemeClr val="phClr">
+                <a:shade val="51000"/>
+                <a:satMod val="130000"/>
+              </a:schemeClr>
+            </a:gs>
+            <a:gs pos="80000">
+              <a:schemeClr val="phClr">
+                <a:shade val="93000"/>
+                <a:satMod val="130000"/>
+              </a:schemeClr>
+            </a:gs>
+            <a:gs pos="100000">
+              <a:schemeClr val="phClr">
+                <a:shade val="94000"/>
+                <a:satMod val="135000"/>
+              </a:schemeClr>
+            </a:gs>
+          </a:gsLst>
+          <a:lin ang="16200000" scaled="0"/>
+        </a:gradFill>
+      </a:fillStyleLst>
+      <a:lnStyleLst>
+        <a:ln w="9525" cap="flat" cmpd="sng" algn="ctr">
+          <a:solidFill>
+            <a:schemeClr val="phClr">
+              <a:shade val="95000"/>
+              <a:satMod val="105000"/>
+            </a:schemeClr>
+          </a:solidFill>
+          <a:prstDash val="solid"/>
+        </a:ln>
+        <a:ln w="25400" cap="flat" cmpd="sng" algn="ctr">
+          <a:solidFill>
+            <a:schemeClr val="phClr"/>
+          </a:solidFill>
+          <a:prstDash val="solid"/>
+        </a:ln>
+        <a:ln w="38100" cap="flat" cmpd="sng" algn="ctr">
+          <a:solidFill>
+            <a:schemeClr val="phClr"/>
+          </a:solidFill>
+          <a:prstDash val="solid"/>
+        </a:ln>
+      </a:lnStyleLst>
+      <a:effectStyleLst>
+        <a:effectStyle>
+          <a:effectLst>
+            <a:outerShdw blurRad="40000" dist="20000" dir="5400000" rotWithShape="0">
+              <a:srgbClr val="000000">
+                <a:alpha val="38000"/>
+              </a:srgbClr>
+            </a:outerShdw>
+          </a:effectLst>
+        </a:effectStyle>
+        <a:effectStyle>
+          <a:effectLst>
+            <a:outerShdw blurRad="40000" dist="23000" dir="5400000" rotWithShape="0">
+              <a:srgbClr val="000000">
+                <a:alpha val="35000"/>
+              </a:srgbClr>
+            </a:outerShdw>
+          </a:effectLst>
+        </a:effectStyle>
+        <a:effectStyle>
+          <a:effectLst>
+            <a:outerShdw blurRad="40000" dist="23000" dir="5400000" rotWithShape="0">
+              <a:srgbClr val="000000">
+                <a:alpha val="35000"/>
+              </a:srgbClr>
+            </a:outerShdw>
+          </a:effectLst>
+          <a:scene3d>
+            <a:camera prst="orthographicFront">
+              <a:rot lat="0" lon="0" rev="0"/>
+            </a:camera>
+            <a:lightRig rig="threePt" dir="t">
+              <a:rot lat="0" lon="0" rev="1200000"/>
+            </a:lightRig>
+          </a:scene3d>
+          <a:sp3d>
+            <a:bevelT w="63500" h="25400"/>
+          </a:sp3d>
+        </a:effectStyle>
+      </a:effectStyleLst>
+      <a:bgFillStyleLst>
+        <a:solidFill>
+          <a:schemeClr val="phClr"/>
+        </a:solidFill>
+        <a:gradFill rotWithShape="1">
+          <a:gsLst>
+            <a:gs pos="0">
+              <a:schemeClr val="phClr">
+                <a:tint val="40000"/>
+                <a:satMod val="350000"/>
+              </a:schemeClr>
+            </a:gs>
+            <a:gs pos="40000">
+              <a:schemeClr val="phClr">
+                <a:tint val="45000"/>
+                <a:shade val="99000"/>
+                <a:satMod val="350000"/>
+              </a:schemeClr>
+            </a:gs>
+            <a:gs pos="100000">
+              <a:schemeClr val="phClr">
+                <a:shade val="20000"/>
+                <a:satMod val="255000"/>
+              </a:schemeClr>
+            </a:gs>
+          </a:gsLst>
+          <a:path path="circle">
+            <a:fillToRect l="50000" t="-80000" r="50000" b="180000"/>
+          </a:path>
+        </a:gradFill>
+        <a:gradFill rotWithShape="1">
+          <a:gsLst>
+            <a:gs pos="0">
+              <a:schemeClr val="phClr">
+                <a:tint val="80000"/>
+                <a:satMod val="300000"/>
+              </a:schemeClr>
+            </a:gs>
+            <a:gs pos="100000">
+              <a:schemeClr val="phClr">
+                <a:shade val="30000"/>
+                <a:satMod val="200000"/>
+              </a:schemeClr>
+            </a:gs>
+          </a:gsLst>
+          <a:path path="circle">
+            <a:fillToRect l="50000" t="50000" r="50000" b="50000"/>
+          </a:path>
+        </a:gradFill>
+      </a:bgFillStyleLst>
+    </a:fmtScheme>
+  </a:themeElements>
+</a:theme>
 </file>
--- a/Documents/Team G - Intellectual Property in Software.pptx
+++ b/Documents/Team G - Intellectual Property in Software.pptx
@@ -20,6 +20,7 @@
     <p:sldId id="266" r:id="rId15"/>
     <p:sldId id="267" r:id="rId16"/>
     <p:sldId id="268" r:id="rId17"/>
+    <p:sldId id="269" r:id="rId18"/>
   </p:sldIdLst>
   <p:sldSz cx="10080625" cy="7559675"/>
   <p:notesSz cx="7559675" cy="10691812"/>
@@ -3539,7 +3540,7 @@
         <p:spPr>
           <a:xfrm>
             <a:off x="720" y="720"/>
-            <a:ext cx="10075680" cy="7555680"/>
+            <a:ext cx="10075320" cy="7555320"/>
           </a:xfrm>
           <a:prstGeom prst="rect">
             <a:avLst/>
@@ -3762,7 +3763,7 @@
         <p:spPr>
           <a:xfrm>
             <a:off x="720" y="720"/>
-            <a:ext cx="10075680" cy="7555680"/>
+            <a:ext cx="10075320" cy="7555320"/>
           </a:xfrm>
           <a:prstGeom prst="rect">
             <a:avLst/>
@@ -3985,7 +3986,7 @@
         <p:spPr>
           <a:xfrm>
             <a:off x="720" y="720"/>
-            <a:ext cx="10075680" cy="7555680"/>
+            <a:ext cx="10075320" cy="7555320"/>
           </a:xfrm>
           <a:prstGeom prst="rect">
             <a:avLst/>
@@ -4040,7 +4041,7 @@
         <p:spPr>
           <a:xfrm>
             <a:off x="504000" y="1768680"/>
-            <a:ext cx="9072000" cy="4384080"/>
+            <a:ext cx="9071640" cy="4383720"/>
           </a:xfrm>
           <a:prstGeom prst="rect">
             <a:avLst/>
@@ -4055,7 +4056,7 @@
               <a:buChar char=""/>
             </a:pPr>
             <a:r>
-              <a:rPr lang="en-IE" sz="3200">
+              <a:rPr lang="en-IE">
                 <a:latin typeface="Arial"/>
               </a:rPr>
               <a:t>Click to edit the outline text format</a:t>
@@ -4069,7 +4070,7 @@
               <a:buChar char=""/>
             </a:pPr>
             <a:r>
-              <a:rPr lang="en-IE" sz="2800">
+              <a:rPr lang="en-IE">
                 <a:latin typeface="Arial"/>
               </a:rPr>
               <a:t>Second Outline Level</a:t>
@@ -4083,7 +4084,7 @@
               <a:buChar char=""/>
             </a:pPr>
             <a:r>
-              <a:rPr lang="en-IE" sz="2400">
+              <a:rPr lang="en-IE">
                 <a:latin typeface="Arial"/>
               </a:rPr>
               <a:t>Third Outline Level</a:t>
@@ -4097,7 +4098,7 @@
               <a:buChar char=""/>
             </a:pPr>
             <a:r>
-              <a:rPr lang="en-IE" sz="2000">
+              <a:rPr lang="en-IE">
                 <a:latin typeface="Arial"/>
               </a:rPr>
               <a:t>Fourth Outline Level</a:t>
@@ -4111,7 +4112,7 @@
               <a:buChar char=""/>
             </a:pPr>
             <a:r>
-              <a:rPr lang="en-IE" sz="2000">
+              <a:rPr lang="en-IE">
                 <a:latin typeface="Arial"/>
               </a:rPr>
               <a:t>Fifth Outline Level</a:t>
@@ -4125,7 +4126,7 @@
               <a:buChar char=""/>
             </a:pPr>
             <a:r>
-              <a:rPr lang="en-IE" sz="2000">
+              <a:rPr lang="en-IE">
                 <a:latin typeface="Arial"/>
               </a:rPr>
               <a:t>Sixth Outline Level</a:t>
@@ -4139,7 +4140,7 @@
               <a:buChar char=""/>
             </a:pPr>
             <a:r>
-              <a:rPr lang="en-IE" sz="2000">
+              <a:rPr lang="en-IE">
                 <a:latin typeface="Arial"/>
               </a:rPr>
               <a:t>Seventh Outline Level</a:t>
@@ -4194,7 +4195,7 @@
         <p:spPr>
           <a:xfrm>
             <a:off x="504000" y="301320"/>
-            <a:ext cx="9067680" cy="1258200"/>
+            <a:ext cx="9067320" cy="1257840"/>
           </a:xfrm>
           <a:prstGeom prst="rect">
             <a:avLst/>
@@ -4235,7 +4236,7 @@
         <p:spPr>
           <a:xfrm>
             <a:off x="504000" y="1769040"/>
-            <a:ext cx="9067680" cy="4380480"/>
+            <a:ext cx="9067320" cy="4380120"/>
           </a:xfrm>
           <a:prstGeom prst="rect">
             <a:avLst/>
@@ -4338,7 +4339,7 @@
         <p:spPr>
           <a:xfrm>
             <a:off x="1296000" y="1800000"/>
-            <a:ext cx="7318080" cy="3942360"/>
+            <a:ext cx="7317720" cy="3942000"/>
           </a:xfrm>
           <a:prstGeom prst="rect">
             <a:avLst/>
@@ -4413,7 +4414,7 @@
         <p:spPr>
           <a:xfrm>
             <a:off x="504360" y="301320"/>
-            <a:ext cx="9071280" cy="1261800"/>
+            <a:ext cx="9070920" cy="1261440"/>
           </a:xfrm>
           <a:prstGeom prst="rect">
             <a:avLst/>
@@ -4437,9 +4438,15 @@
             <a:r>
               <a:rPr lang="en-IE" sz="4400">
                 <a:latin typeface="Arial"/>
+              </a:rPr>
+              <a:t>C</a:t>
+            </a:r>
+            <a:r>
+              <a:rPr lang="en-IE" sz="4400">
+                <a:latin typeface="Arial"/>
                 <a:ea typeface="宋体"/>
               </a:rPr>
-              <a:t>Copyright</a:t>
+              <a:t>opyright</a:t>
             </a:r>
             <a:endParaRPr/>
           </a:p>
@@ -4453,8 +4460,8 @@
         </p:nvSpPr>
         <p:spPr>
           <a:xfrm>
-            <a:off x="720360" y="1978920"/>
-            <a:ext cx="8712720" cy="4174200"/>
+            <a:off x="791640" y="1907640"/>
+            <a:ext cx="8496360" cy="3096720"/>
           </a:xfrm>
           <a:prstGeom prst="rect">
             <a:avLst/>
@@ -4477,2192 +4484,6 @@
                 <a:latin typeface="Arial"/>
                 <a:ea typeface="宋体"/>
               </a:rPr>
-              <a:t>Features of copyright :</a:t>
-            </a:r>
-            <a:endParaRPr/>
-          </a:p>
-          <a:p>
-            <a:pPr>
-              <a:lnSpc>
-                <a:spcPct val="100000"/>
-              </a:lnSpc>
-            </a:pPr>
-            <a:endParaRPr/>
-          </a:p>
-          <a:p>
-            <a:pPr>
-              <a:lnSpc>
-                <a:spcPct val="100000"/>
-              </a:lnSpc>
-              <a:buSzPct val="25000"/>
-              <a:buFont typeface="Wingdings" charset="2"/>
-              <a:buChar char=""/>
-            </a:pPr>
-            <a:r>
-              <a:rPr lang="en-IE" sz="3200">
-                <a:latin typeface="Arial"/>
-                <a:ea typeface="宋体"/>
-              </a:rPr>
-              <a:t>Made upon creation</a:t>
-            </a:r>
-            <a:endParaRPr/>
-          </a:p>
-          <a:p>
-            <a:pPr>
-              <a:lnSpc>
-                <a:spcPct val="100000"/>
-              </a:lnSpc>
-            </a:pPr>
-            <a:endParaRPr/>
-          </a:p>
-          <a:p>
-            <a:pPr>
-              <a:lnSpc>
-                <a:spcPct val="100000"/>
-              </a:lnSpc>
-            </a:pPr>
-            <a:r>
-              <a:rPr lang="en-IE" sz="3200">
-                <a:latin typeface="Arial"/>
-                <a:ea typeface="宋体"/>
-              </a:rPr>
-              <a:t>    </a:t>
-            </a:r>
-            <a:r>
-              <a:rPr lang="en-IE" sz="3200">
-                <a:latin typeface="Arial"/>
-                <a:ea typeface="宋体"/>
-              </a:rPr>
-              <a:t>Applying is unnecessary</a:t>
-            </a:r>
-            <a:endParaRPr/>
-          </a:p>
-          <a:p>
-            <a:pPr>
-              <a:lnSpc>
-                <a:spcPct val="100000"/>
-              </a:lnSpc>
-            </a:pPr>
-            <a:endParaRPr/>
-          </a:p>
-          <a:p>
-            <a:pPr>
-              <a:lnSpc>
-                <a:spcPct val="100000"/>
-              </a:lnSpc>
-              <a:buSzPct val="25000"/>
-              <a:buFont typeface="Wingdings" charset="2"/>
-              <a:buChar char=""/>
-            </a:pPr>
-            <a:r>
-              <a:rPr lang="en-IE" sz="3200">
-                <a:latin typeface="Arial"/>
-                <a:ea typeface="宋体"/>
-              </a:rPr>
-              <a:t>Copyright protection is lifelong</a:t>
-            </a:r>
-            <a:endParaRPr/>
-          </a:p>
-        </p:txBody>
-      </p:sp>
-    </p:spTree>
-  </p:cSld>
-  <p:timing>
-    <p:tnLst>
-      <p:par>
-        <p:cTn id="19" dur="indefinite" restart="never" nodeType="tmRoot">
-          <p:childTnLst>
-            <p:seq>
-              <p:cTn id="20" nodeType="mainSeq"/>
-              <p:prevCondLst>
-                <p:cond delay="0" evt="onPrev">
-                  <p:tgtEl>
-                    <p:sldTgt/>
-                  </p:tgtEl>
-                </p:cond>
-              </p:prevCondLst>
-              <p:nextCondLst>
-                <p:cond delay="0" evt="onNext">
-                  <p:tgtEl>
-                    <p:sldTgt/>
-                  </p:tgtEl>
-                </p:cond>
-              </p:nextCondLst>
-            </p:seq>
-          </p:childTnLst>
-        </p:cTn>
-      </p:par>
-    </p:tnLst>
-  </p:timing>
-</p:sld>
-</file>
-
-<file path=ppt/slides/slide11.xml><?xml version="1.0" encoding="utf-8"?>
-<p:sld xmlns:a="http://schemas.openxmlformats.org/drawingml/2006/main" xmlns:p="http://schemas.openxmlformats.org/presentationml/2006/main" xmlns:r="http://schemas.openxmlformats.org/officeDocument/2006/relationships">
-  <p:cSld>
-    <p:spTree>
-      <p:nvGrpSpPr>
-        <p:cNvPr id="1" name=""/>
-        <p:cNvGrpSpPr/>
-        <p:nvPr/>
-      </p:nvGrpSpPr>
-      <p:grpSpPr>
-        <a:xfrm>
-          <a:off x="0" y="0"/>
-          <a:ext cx="0" cy="0"/>
-          <a:chOff x="0" y="0"/>
-          <a:chExt cx="0" cy="0"/>
-        </a:xfrm>
-      </p:grpSpPr>
-      <p:sp>
-        <p:nvSpPr>
-          <p:cNvPr id="137" name="CustomShape 1"/>
-          <p:cNvSpPr/>
-          <p:nvPr/>
-        </p:nvSpPr>
-        <p:spPr>
-          <a:xfrm>
-            <a:off x="504000" y="301320"/>
-            <a:ext cx="9070200" cy="1260360"/>
-          </a:xfrm>
-          <a:prstGeom prst="rect">
-            <a:avLst/>
-          </a:prstGeom>
-          <a:noFill/>
-          <a:ln>
-            <a:noFill/>
-          </a:ln>
-        </p:spPr>
-        <p:txBody>
-          <a:bodyPr lIns="0" rIns="0" tIns="0" bIns="0" anchor="ctr"/>
-          <a:p>
-            <a:pPr algn="ctr">
-              <a:lnSpc>
-                <a:spcPct val="100000"/>
-              </a:lnSpc>
-            </a:pPr>
-            <a:r>
-              <a:rPr lang="en-IE" sz="4400">
-                <a:latin typeface="Arial"/>
-              </a:rPr>
-              <a:t>Trade Secret</a:t>
-            </a:r>
-            <a:endParaRPr/>
-          </a:p>
-        </p:txBody>
-      </p:sp>
-      <p:sp>
-        <p:nvSpPr>
-          <p:cNvPr id="138" name="CustomShape 2"/>
-          <p:cNvSpPr/>
-          <p:nvPr/>
-        </p:nvSpPr>
-        <p:spPr>
-          <a:xfrm>
-            <a:off x="504000" y="1768680"/>
-            <a:ext cx="9070200" cy="4382280"/>
-          </a:xfrm>
-          <a:prstGeom prst="rect">
-            <a:avLst/>
-          </a:prstGeom>
-          <a:noFill/>
-          <a:ln>
-            <a:noFill/>
-          </a:ln>
-        </p:spPr>
-        <p:txBody>
-          <a:bodyPr lIns="0" rIns="0" tIns="0" bIns="0"/>
-          <a:p>
-            <a:pPr>
-              <a:lnSpc>
-                <a:spcPct val="100000"/>
-              </a:lnSpc>
-            </a:pPr>
-            <a:endParaRPr/>
-          </a:p>
-          <a:p>
-            <a:pPr>
-              <a:lnSpc>
-                <a:spcPct val="100000"/>
-              </a:lnSpc>
-              <a:buFont typeface="Wingdings" charset="2"/>
-              <a:buChar char=""/>
-            </a:pPr>
-            <a:r>
-              <a:rPr lang="en-IE" sz="3200">
-                <a:latin typeface="Arial"/>
-              </a:rPr>
-              <a:t>Any formula, pattern, process, tool or mechanism</a:t>
-            </a:r>
-            <a:endParaRPr/>
-          </a:p>
-          <a:p>
-            <a:pPr>
-              <a:lnSpc>
-                <a:spcPct val="100000"/>
-              </a:lnSpc>
-            </a:pPr>
-            <a:endParaRPr/>
-          </a:p>
-          <a:p>
-            <a:pPr>
-              <a:lnSpc>
-                <a:spcPct val="100000"/>
-              </a:lnSpc>
-              <a:buFont typeface="Wingdings" charset="2"/>
-              <a:buChar char=""/>
-            </a:pPr>
-            <a:r>
-              <a:rPr lang="en-IE" sz="3200">
-                <a:latin typeface="Arial"/>
-              </a:rPr>
-              <a:t>Theoretically lasts forever</a:t>
-            </a:r>
-            <a:endParaRPr/>
-          </a:p>
-          <a:p>
-            <a:pPr>
-              <a:lnSpc>
-                <a:spcPct val="100000"/>
-              </a:lnSpc>
-            </a:pPr>
-            <a:endParaRPr/>
-          </a:p>
-          <a:p>
-            <a:pPr>
-              <a:lnSpc>
-                <a:spcPct val="100000"/>
-              </a:lnSpc>
-              <a:buFont typeface="Wingdings" charset="2"/>
-              <a:buChar char=""/>
-            </a:pPr>
-            <a:r>
-              <a:rPr lang="en-IE" sz="3200">
-                <a:latin typeface="Arial"/>
-              </a:rPr>
-              <a:t>Subject to theft and not “infringement”</a:t>
-            </a:r>
-            <a:endParaRPr/>
-          </a:p>
-          <a:p>
-            <a:pPr>
-              <a:lnSpc>
-                <a:spcPct val="100000"/>
-              </a:lnSpc>
-            </a:pPr>
-            <a:endParaRPr/>
-          </a:p>
-        </p:txBody>
-      </p:sp>
-    </p:spTree>
-  </p:cSld>
-  <p:timing>
-    <p:tnLst>
-      <p:par>
-        <p:cTn id="21" dur="indefinite" restart="never" nodeType="tmRoot">
-          <p:childTnLst>
-            <p:seq>
-              <p:cTn id="22" nodeType="mainSeq"/>
-              <p:prevCondLst>
-                <p:cond delay="0" evt="onPrev">
-                  <p:tgtEl>
-                    <p:sldTgt/>
-                  </p:tgtEl>
-                </p:cond>
-              </p:prevCondLst>
-              <p:nextCondLst>
-                <p:cond delay="0" evt="onNext">
-                  <p:tgtEl>
-                    <p:sldTgt/>
-                  </p:tgtEl>
-                </p:cond>
-              </p:nextCondLst>
-            </p:seq>
-          </p:childTnLst>
-        </p:cTn>
-      </p:par>
-    </p:tnLst>
-  </p:timing>
-</p:sld>
-</file>
-
-<file path=ppt/slides/slide12.xml><?xml version="1.0" encoding="utf-8"?>
-<p:sld xmlns:a="http://schemas.openxmlformats.org/drawingml/2006/main" xmlns:p="http://schemas.openxmlformats.org/presentationml/2006/main" xmlns:r="http://schemas.openxmlformats.org/officeDocument/2006/relationships">
-  <p:cSld>
-    <p:spTree>
-      <p:nvGrpSpPr>
-        <p:cNvPr id="1" name=""/>
-        <p:cNvGrpSpPr/>
-        <p:nvPr/>
-      </p:nvGrpSpPr>
-      <p:grpSpPr>
-        <a:xfrm>
-          <a:off x="0" y="0"/>
-          <a:ext cx="0" cy="0"/>
-          <a:chOff x="0" y="0"/>
-          <a:chExt cx="0" cy="0"/>
-        </a:xfrm>
-      </p:grpSpPr>
-      <p:sp>
-        <p:nvSpPr>
-          <p:cNvPr id="139" name="CustomShape 1"/>
-          <p:cNvSpPr/>
-          <p:nvPr/>
-        </p:nvSpPr>
-        <p:spPr>
-          <a:xfrm>
-            <a:off x="504000" y="301320"/>
-            <a:ext cx="9070200" cy="1260360"/>
-          </a:xfrm>
-          <a:prstGeom prst="rect">
-            <a:avLst/>
-          </a:prstGeom>
-          <a:noFill/>
-          <a:ln>
-            <a:noFill/>
-          </a:ln>
-        </p:spPr>
-        <p:txBody>
-          <a:bodyPr lIns="0" rIns="0" tIns="0" bIns="0" anchor="ctr"/>
-          <a:p>
-            <a:pPr algn="ctr">
-              <a:lnSpc>
-                <a:spcPct val="100000"/>
-              </a:lnSpc>
-            </a:pPr>
-            <a:r>
-              <a:rPr lang="en-IE" sz="4400">
-                <a:latin typeface="Arial"/>
-              </a:rPr>
-              <a:t>Conclusion</a:t>
-            </a:r>
-            <a:endParaRPr/>
-          </a:p>
-        </p:txBody>
-      </p:sp>
-      <p:sp>
-        <p:nvSpPr>
-          <p:cNvPr id="140" name="CustomShape 2"/>
-          <p:cNvSpPr/>
-          <p:nvPr/>
-        </p:nvSpPr>
-        <p:spPr>
-          <a:xfrm>
-            <a:off x="504000" y="1768680"/>
-            <a:ext cx="9070200" cy="4382280"/>
-          </a:xfrm>
-          <a:prstGeom prst="rect">
-            <a:avLst/>
-          </a:prstGeom>
-          <a:noFill/>
-          <a:ln>
-            <a:noFill/>
-          </a:ln>
-        </p:spPr>
-        <p:txBody>
-          <a:bodyPr lIns="0" rIns="0" tIns="0" bIns="0"/>
-          <a:p>
-            <a:pPr>
-              <a:lnSpc>
-                <a:spcPct val="100000"/>
-              </a:lnSpc>
-            </a:pPr>
-            <a:endParaRPr/>
-          </a:p>
-          <a:p>
-            <a:pPr>
-              <a:lnSpc>
-                <a:spcPct val="100000"/>
-              </a:lnSpc>
-              <a:buFont typeface="Wingdings" charset="2"/>
-              <a:buChar char=""/>
-            </a:pPr>
-            <a:r>
-              <a:rPr lang="en-IE" sz="3200">
-                <a:latin typeface="Arial"/>
-              </a:rPr>
-              <a:t>Intellectual properties are important!</a:t>
-            </a:r>
-            <a:endParaRPr/>
-          </a:p>
-          <a:p>
-            <a:pPr>
-              <a:lnSpc>
-                <a:spcPct val="100000"/>
-              </a:lnSpc>
-            </a:pPr>
-            <a:endParaRPr/>
-          </a:p>
-          <a:p>
-            <a:pPr>
-              <a:lnSpc>
-                <a:spcPct val="100000"/>
-              </a:lnSpc>
-              <a:buFont typeface="Wingdings" charset="2"/>
-              <a:buChar char=""/>
-            </a:pPr>
-            <a:r>
-              <a:rPr lang="en-IE" sz="3200">
-                <a:latin typeface="Arial"/>
-              </a:rPr>
-              <a:t>Take caution with your projects!</a:t>
-            </a:r>
-            <a:endParaRPr/>
-          </a:p>
-          <a:p>
-            <a:pPr>
-              <a:lnSpc>
-                <a:spcPct val="100000"/>
-              </a:lnSpc>
-            </a:pPr>
-            <a:endParaRPr/>
-          </a:p>
-          <a:p>
-            <a:pPr>
-              <a:lnSpc>
-                <a:spcPct val="100000"/>
-              </a:lnSpc>
-              <a:buFont typeface="Wingdings" charset="2"/>
-              <a:buChar char=""/>
-            </a:pPr>
-            <a:r>
-              <a:rPr lang="en-IE" sz="3200">
-                <a:latin typeface="Arial"/>
-              </a:rPr>
-              <a:t>Protect your hard work!</a:t>
-            </a:r>
-            <a:endParaRPr/>
-          </a:p>
-        </p:txBody>
-      </p:sp>
-    </p:spTree>
-  </p:cSld>
-  <p:timing>
-    <p:tnLst>
-      <p:par>
-        <p:cTn id="23" dur="indefinite" restart="never" nodeType="tmRoot">
-          <p:childTnLst>
-            <p:seq>
-              <p:cTn id="24" nodeType="mainSeq"/>
-              <p:prevCondLst>
-                <p:cond delay="0" evt="onPrev">
-                  <p:tgtEl>
-                    <p:sldTgt/>
-                  </p:tgtEl>
-                </p:cond>
-              </p:prevCondLst>
-              <p:nextCondLst>
-                <p:cond delay="0" evt="onNext">
-                  <p:tgtEl>
-                    <p:sldTgt/>
-                  </p:tgtEl>
-                </p:cond>
-              </p:nextCondLst>
-            </p:seq>
-          </p:childTnLst>
-        </p:cTn>
-      </p:par>
-    </p:tnLst>
-  </p:timing>
-</p:sld>
-</file>
-
-<file path=ppt/slides/slide13.xml><?xml version="1.0" encoding="utf-8"?>
-<p:sld xmlns:a="http://schemas.openxmlformats.org/drawingml/2006/main" xmlns:p="http://schemas.openxmlformats.org/presentationml/2006/main" xmlns:r="http://schemas.openxmlformats.org/officeDocument/2006/relationships">
-  <p:cSld>
-    <p:spTree>
-      <p:nvGrpSpPr>
-        <p:cNvPr id="1" name=""/>
-        <p:cNvGrpSpPr/>
-        <p:nvPr/>
-      </p:nvGrpSpPr>
-      <p:grpSpPr>
-        <a:xfrm>
-          <a:off x="0" y="0"/>
-          <a:ext cx="0" cy="0"/>
-          <a:chOff x="0" y="0"/>
-          <a:chExt cx="0" cy="0"/>
-        </a:xfrm>
-      </p:grpSpPr>
-      <p:sp>
-        <p:nvSpPr>
-          <p:cNvPr id="141" name="CustomShape 1"/>
-          <p:cNvSpPr/>
-          <p:nvPr/>
-        </p:nvSpPr>
-        <p:spPr>
-          <a:xfrm>
-            <a:off x="504000" y="301320"/>
-            <a:ext cx="9070200" cy="1260360"/>
-          </a:xfrm>
-          <a:prstGeom prst="rect">
-            <a:avLst/>
-          </a:prstGeom>
-          <a:noFill/>
-          <a:ln>
-            <a:noFill/>
-          </a:ln>
-        </p:spPr>
-      </p:sp>
-      <p:sp>
-        <p:nvSpPr>
-          <p:cNvPr id="142" name="CustomShape 2"/>
-          <p:cNvSpPr/>
-          <p:nvPr/>
-        </p:nvSpPr>
-        <p:spPr>
-          <a:xfrm>
-            <a:off x="504000" y="1768680"/>
-            <a:ext cx="9070200" cy="4382280"/>
-          </a:xfrm>
-          <a:prstGeom prst="rect">
-            <a:avLst/>
-          </a:prstGeom>
-          <a:noFill/>
-          <a:ln>
-            <a:noFill/>
-          </a:ln>
-        </p:spPr>
-        <p:txBody>
-          <a:bodyPr lIns="0" rIns="0" tIns="0" bIns="0"/>
-          <a:p>
-            <a:pPr algn="ctr">
-              <a:lnSpc>
-                <a:spcPct val="100000"/>
-              </a:lnSpc>
-            </a:pPr>
-            <a:endParaRPr/>
-          </a:p>
-          <a:p>
-            <a:pPr algn="ctr">
-              <a:lnSpc>
-                <a:spcPct val="100000"/>
-              </a:lnSpc>
-            </a:pPr>
-            <a:endParaRPr/>
-          </a:p>
-          <a:p>
-            <a:pPr algn="ctr">
-              <a:lnSpc>
-                <a:spcPct val="100000"/>
-              </a:lnSpc>
-            </a:pPr>
-            <a:endParaRPr/>
-          </a:p>
-          <a:p>
-            <a:pPr algn="ctr">
-              <a:lnSpc>
-                <a:spcPct val="100000"/>
-              </a:lnSpc>
-            </a:pPr>
-            <a:r>
-              <a:rPr lang="en-IE" sz="4400">
-                <a:latin typeface="Arial"/>
-              </a:rPr>
-              <a:t>Questions?</a:t>
-            </a:r>
-            <a:endParaRPr/>
-          </a:p>
-        </p:txBody>
-      </p:sp>
-    </p:spTree>
-  </p:cSld>
-  <p:timing>
-    <p:tnLst>
-      <p:par>
-        <p:cTn id="25" dur="indefinite" restart="never" nodeType="tmRoot">
-          <p:childTnLst>
-            <p:seq>
-              <p:cTn id="26" nodeType="mainSeq"/>
-              <p:prevCondLst>
-                <p:cond delay="0" evt="onPrev">
-                  <p:tgtEl>
-                    <p:sldTgt/>
-                  </p:tgtEl>
-                </p:cond>
-              </p:prevCondLst>
-              <p:nextCondLst>
-                <p:cond delay="0" evt="onNext">
-                  <p:tgtEl>
-                    <p:sldTgt/>
-                  </p:tgtEl>
-                </p:cond>
-              </p:nextCondLst>
-            </p:seq>
-          </p:childTnLst>
-        </p:cTn>
-      </p:par>
-    </p:tnLst>
-  </p:timing>
-</p:sld>
-</file>
-
-<file path=ppt/slides/slide2.xml><?xml version="1.0" encoding="utf-8"?>
-<p:sld xmlns:a="http://schemas.openxmlformats.org/drawingml/2006/main" xmlns:p="http://schemas.openxmlformats.org/presentationml/2006/main" xmlns:r="http://schemas.openxmlformats.org/officeDocument/2006/relationships">
-  <p:cSld>
-    <p:spTree>
-      <p:nvGrpSpPr>
-        <p:cNvPr id="1" name=""/>
-        <p:cNvGrpSpPr/>
-        <p:nvPr/>
-      </p:nvGrpSpPr>
-      <p:grpSpPr>
-        <a:xfrm>
-          <a:off x="0" y="0"/>
-          <a:ext cx="0" cy="0"/>
-          <a:chOff x="0" y="0"/>
-          <a:chExt cx="0" cy="0"/>
-        </a:xfrm>
-      </p:grpSpPr>
-      <p:sp>
-        <p:nvSpPr>
-          <p:cNvPr id="114" name="CustomShape 1"/>
-          <p:cNvSpPr/>
-          <p:nvPr/>
-        </p:nvSpPr>
-        <p:spPr>
-          <a:xfrm>
-            <a:off x="504000" y="301320"/>
-            <a:ext cx="9070200" cy="1260000"/>
-          </a:xfrm>
-          <a:prstGeom prst="rect">
-            <a:avLst/>
-          </a:prstGeom>
-          <a:noFill/>
-          <a:ln>
-            <a:noFill/>
-          </a:ln>
-        </p:spPr>
-        <p:txBody>
-          <a:bodyPr lIns="0" rIns="0" tIns="0" bIns="0" anchor="ctr"/>
-          <a:p>
-            <a:pPr algn="ctr">
-              <a:lnSpc>
-                <a:spcPct val="100000"/>
-              </a:lnSpc>
-            </a:pPr>
-            <a:r>
-              <a:rPr lang="en-IE" sz="4400">
-                <a:solidFill>
-                  <a:srgbClr val="000000"/>
-                </a:solidFill>
-                <a:latin typeface="Arial"/>
-                <a:ea typeface="DejaVu Sans"/>
-              </a:rPr>
-              <a:t> </a:t>
-            </a:r>
-            <a:endParaRPr/>
-          </a:p>
-        </p:txBody>
-      </p:sp>
-      <p:sp>
-        <p:nvSpPr>
-          <p:cNvPr id="115" name="CustomShape 2"/>
-          <p:cNvSpPr/>
-          <p:nvPr/>
-        </p:nvSpPr>
-        <p:spPr>
-          <a:xfrm>
-            <a:off x="504000" y="1768680"/>
-            <a:ext cx="9070200" cy="4382280"/>
-          </a:xfrm>
-          <a:prstGeom prst="rect">
-            <a:avLst/>
-          </a:prstGeom>
-          <a:noFill/>
-          <a:ln>
-            <a:noFill/>
-          </a:ln>
-        </p:spPr>
-        <p:txBody>
-          <a:bodyPr lIns="0" rIns="0" tIns="0" bIns="0"/>
-          <a:p>
-            <a:pPr algn="ctr">
-              <a:lnSpc>
-                <a:spcPct val="100000"/>
-              </a:lnSpc>
-            </a:pPr>
-            <a:r>
-              <a:rPr lang="en-IE" sz="5400">
-                <a:solidFill>
-                  <a:srgbClr val="000000"/>
-                </a:solidFill>
-                <a:latin typeface="Arial"/>
-                <a:ea typeface="DejaVu Sans"/>
-              </a:rPr>
-              <a:t>Intellectual Properties </a:t>
-            </a:r>
-            <a:endParaRPr/>
-          </a:p>
-          <a:p>
-            <a:pPr algn="ctr">
-              <a:lnSpc>
-                <a:spcPct val="100000"/>
-              </a:lnSpc>
-            </a:pPr>
-            <a:r>
-              <a:rPr lang="en-IE" sz="5400">
-                <a:solidFill>
-                  <a:srgbClr val="000000"/>
-                </a:solidFill>
-                <a:latin typeface="Arial"/>
-                <a:ea typeface="DejaVu Sans"/>
-              </a:rPr>
-              <a:t>Found in a Software Application</a:t>
-            </a:r>
-            <a:endParaRPr/>
-          </a:p>
-        </p:txBody>
-      </p:sp>
-    </p:spTree>
-  </p:cSld>
-  <p:timing>
-    <p:tnLst>
-      <p:par>
-        <p:cTn id="3" dur="indefinite" restart="never" nodeType="tmRoot">
-          <p:childTnLst>
-            <p:seq>
-              <p:cTn id="4" nodeType="mainSeq"/>
-              <p:prevCondLst>
-                <p:cond delay="0" evt="onPrev">
-                  <p:tgtEl>
-                    <p:sldTgt/>
-                  </p:tgtEl>
-                </p:cond>
-              </p:prevCondLst>
-              <p:nextCondLst>
-                <p:cond delay="0" evt="onNext">
-                  <p:tgtEl>
-                    <p:sldTgt/>
-                  </p:tgtEl>
-                </p:cond>
-              </p:nextCondLst>
-            </p:seq>
-          </p:childTnLst>
-        </p:cTn>
-      </p:par>
-    </p:tnLst>
-  </p:timing>
-</p:sld>
-</file>
-
-<file path=ppt/slides/slide3.xml><?xml version="1.0" encoding="utf-8"?>
-<p:sld xmlns:a="http://schemas.openxmlformats.org/drawingml/2006/main" xmlns:p="http://schemas.openxmlformats.org/presentationml/2006/main" xmlns:r="http://schemas.openxmlformats.org/officeDocument/2006/relationships">
-  <p:cSld>
-    <p:spTree>
-      <p:nvGrpSpPr>
-        <p:cNvPr id="1" name=""/>
-        <p:cNvGrpSpPr/>
-        <p:nvPr/>
-      </p:nvGrpSpPr>
-      <p:grpSpPr>
-        <a:xfrm>
-          <a:off x="0" y="0"/>
-          <a:ext cx="0" cy="0"/>
-          <a:chOff x="0" y="0"/>
-          <a:chExt cx="0" cy="0"/>
-        </a:xfrm>
-      </p:grpSpPr>
-      <p:sp>
-        <p:nvSpPr>
-          <p:cNvPr id="116" name="CustomShape 1"/>
-          <p:cNvSpPr/>
-          <p:nvPr/>
-        </p:nvSpPr>
-        <p:spPr>
-          <a:xfrm>
-            <a:off x="504000" y="301320"/>
-            <a:ext cx="9070200" cy="1260360"/>
-          </a:xfrm>
-          <a:prstGeom prst="rect">
-            <a:avLst/>
-          </a:prstGeom>
-          <a:noFill/>
-          <a:ln>
-            <a:noFill/>
-          </a:ln>
-        </p:spPr>
-        <p:txBody>
-          <a:bodyPr lIns="0" rIns="0" tIns="0" bIns="0" anchor="ctr"/>
-          <a:p>
-            <a:pPr algn="ctr">
-              <a:lnSpc>
-                <a:spcPct val="100000"/>
-              </a:lnSpc>
-            </a:pPr>
-            <a:r>
-              <a:rPr lang="en-IE" sz="4400">
-                <a:latin typeface="Arial"/>
-              </a:rPr>
-              <a:t>Types</a:t>
-            </a:r>
-            <a:endParaRPr/>
-          </a:p>
-        </p:txBody>
-      </p:sp>
-      <p:sp>
-        <p:nvSpPr>
-          <p:cNvPr id="117" name="CustomShape 2"/>
-          <p:cNvSpPr/>
-          <p:nvPr/>
-        </p:nvSpPr>
-        <p:spPr>
-          <a:xfrm>
-            <a:off x="504000" y="1768680"/>
-            <a:ext cx="9070200" cy="4382280"/>
-          </a:xfrm>
-          <a:prstGeom prst="rect">
-            <a:avLst/>
-          </a:prstGeom>
-          <a:noFill/>
-          <a:ln>
-            <a:noFill/>
-          </a:ln>
-        </p:spPr>
-        <p:txBody>
-          <a:bodyPr lIns="0" rIns="0" tIns="0" bIns="0"/>
-          <a:p>
-            <a:endParaRPr/>
-          </a:p>
-          <a:p>
-            <a:r>
-              <a:rPr lang="en-IE" sz="3200">
-                <a:latin typeface="Arial"/>
-              </a:rPr>
-              <a:t>Foundation of software industry</a:t>
-            </a:r>
-            <a:endParaRPr/>
-          </a:p>
-          <a:p>
-            <a:endParaRPr/>
-          </a:p>
-          <a:p>
-            <a:r>
-              <a:rPr lang="en-IE" sz="3200">
-                <a:latin typeface="Arial"/>
-              </a:rPr>
-              <a:t>Intellectual properties found in software:</a:t>
-            </a:r>
-            <a:endParaRPr/>
-          </a:p>
-          <a:p>
-            <a:pPr>
-              <a:lnSpc>
-                <a:spcPct val="100000"/>
-              </a:lnSpc>
-              <a:buFont typeface="Wingdings" charset="2"/>
-              <a:buChar char=""/>
-            </a:pPr>
-            <a:r>
-              <a:rPr lang="en-IE" sz="3200">
-                <a:latin typeface="Arial"/>
-              </a:rPr>
-              <a:t>Patents</a:t>
-            </a:r>
-            <a:endParaRPr/>
-          </a:p>
-          <a:p>
-            <a:pPr>
-              <a:lnSpc>
-                <a:spcPct val="100000"/>
-              </a:lnSpc>
-              <a:buFont typeface="Wingdings" charset="2"/>
-              <a:buChar char=""/>
-            </a:pPr>
-            <a:r>
-              <a:rPr lang="en-IE" sz="3200">
-                <a:latin typeface="Arial"/>
-              </a:rPr>
-              <a:t>Copyrights</a:t>
-            </a:r>
-            <a:endParaRPr/>
-          </a:p>
-          <a:p>
-            <a:pPr>
-              <a:lnSpc>
-                <a:spcPct val="100000"/>
-              </a:lnSpc>
-              <a:buFont typeface="Wingdings" charset="2"/>
-              <a:buChar char=""/>
-            </a:pPr>
-            <a:r>
-              <a:rPr lang="en-IE" sz="3200">
-                <a:latin typeface="Arial"/>
-              </a:rPr>
-              <a:t>Trade Secrets</a:t>
-            </a:r>
-            <a:endParaRPr/>
-          </a:p>
-          <a:p>
-            <a:pPr>
-              <a:lnSpc>
-                <a:spcPct val="100000"/>
-              </a:lnSpc>
-              <a:buFont typeface="Wingdings" charset="2"/>
-              <a:buChar char=""/>
-            </a:pPr>
-            <a:r>
-              <a:rPr lang="en-IE" sz="3200">
-                <a:latin typeface="Arial"/>
-              </a:rPr>
-              <a:t>Trademark</a:t>
-            </a:r>
-            <a:endParaRPr/>
-          </a:p>
-        </p:txBody>
-      </p:sp>
-    </p:spTree>
-  </p:cSld>
-  <p:timing>
-    <p:tnLst>
-      <p:par>
-        <p:cTn id="5" dur="indefinite" restart="never" nodeType="tmRoot">
-          <p:childTnLst>
-            <p:seq>
-              <p:cTn id="6" nodeType="mainSeq"/>
-              <p:prevCondLst>
-                <p:cond delay="0" evt="onPrev">
-                  <p:tgtEl>
-                    <p:sldTgt/>
-                  </p:tgtEl>
-                </p:cond>
-              </p:prevCondLst>
-              <p:nextCondLst>
-                <p:cond delay="0" evt="onNext">
-                  <p:tgtEl>
-                    <p:sldTgt/>
-                  </p:tgtEl>
-                </p:cond>
-              </p:nextCondLst>
-            </p:seq>
-          </p:childTnLst>
-        </p:cTn>
-      </p:par>
-    </p:tnLst>
-  </p:timing>
-</p:sld>
-</file>
-
-<file path=ppt/slides/slide4.xml><?xml version="1.0" encoding="utf-8"?>
-<p:sld xmlns:a="http://schemas.openxmlformats.org/drawingml/2006/main" xmlns:p="http://schemas.openxmlformats.org/presentationml/2006/main" xmlns:r="http://schemas.openxmlformats.org/officeDocument/2006/relationships">
-  <p:cSld>
-    <p:spTree>
-      <p:nvGrpSpPr>
-        <p:cNvPr id="1" name=""/>
-        <p:cNvGrpSpPr/>
-        <p:nvPr/>
-      </p:nvGrpSpPr>
-      <p:grpSpPr>
-        <a:xfrm>
-          <a:off x="0" y="0"/>
-          <a:ext cx="0" cy="0"/>
-          <a:chOff x="0" y="0"/>
-          <a:chExt cx="0" cy="0"/>
-        </a:xfrm>
-      </p:grpSpPr>
-      <p:sp>
-        <p:nvSpPr>
-          <p:cNvPr id="118" name="CustomShape 1"/>
-          <p:cNvSpPr/>
-          <p:nvPr/>
-        </p:nvSpPr>
-        <p:spPr>
-          <a:xfrm>
-            <a:off x="504000" y="301320"/>
-            <a:ext cx="9070200" cy="1260360"/>
-          </a:xfrm>
-          <a:prstGeom prst="rect">
-            <a:avLst/>
-          </a:prstGeom>
-          <a:noFill/>
-          <a:ln>
-            <a:noFill/>
-          </a:ln>
-        </p:spPr>
-        <p:txBody>
-          <a:bodyPr lIns="0" rIns="0" tIns="0" bIns="0" anchor="ctr"/>
-          <a:p>
-            <a:pPr algn="ctr">
-              <a:lnSpc>
-                <a:spcPct val="100000"/>
-              </a:lnSpc>
-            </a:pPr>
-            <a:r>
-              <a:rPr lang="en-IE" sz="4400">
-                <a:latin typeface="Arial"/>
-              </a:rPr>
-              <a:t>Trademark</a:t>
-            </a:r>
-            <a:endParaRPr/>
-          </a:p>
-        </p:txBody>
-      </p:sp>
-      <p:sp>
-        <p:nvSpPr>
-          <p:cNvPr id="119" name="CustomShape 2"/>
-          <p:cNvSpPr/>
-          <p:nvPr/>
-        </p:nvSpPr>
-        <p:spPr>
-          <a:xfrm>
-            <a:off x="504000" y="1768680"/>
-            <a:ext cx="9070200" cy="4382280"/>
-          </a:xfrm>
-          <a:prstGeom prst="rect">
-            <a:avLst/>
-          </a:prstGeom>
-          <a:noFill/>
-          <a:ln>
-            <a:noFill/>
-          </a:ln>
-        </p:spPr>
-        <p:txBody>
-          <a:bodyPr lIns="0" rIns="0" tIns="0" bIns="0"/>
-          <a:p>
-            <a:pPr>
-              <a:lnSpc>
-                <a:spcPct val="100000"/>
-              </a:lnSpc>
-            </a:pPr>
-            <a:endParaRPr/>
-          </a:p>
-          <a:p>
-            <a:pPr>
-              <a:lnSpc>
-                <a:spcPct val="100000"/>
-              </a:lnSpc>
-              <a:buFont typeface="Wingdings" charset="2"/>
-              <a:buChar char=""/>
-            </a:pPr>
-            <a:r>
-              <a:rPr lang="en-IE" sz="3200">
-                <a:latin typeface="Arial"/>
-              </a:rPr>
-              <a:t>Recognizable sign, design or expression</a:t>
-            </a:r>
-            <a:endParaRPr/>
-          </a:p>
-          <a:p>
-            <a:pPr>
-              <a:lnSpc>
-                <a:spcPct val="100000"/>
-              </a:lnSpc>
-            </a:pPr>
-            <a:endParaRPr/>
-          </a:p>
-          <a:p>
-            <a:pPr>
-              <a:lnSpc>
-                <a:spcPct val="100000"/>
-              </a:lnSpc>
-              <a:buFont typeface="Wingdings" charset="2"/>
-              <a:buChar char=""/>
-            </a:pPr>
-            <a:r>
-              <a:rPr lang="en-IE" sz="3200">
-                <a:latin typeface="Arial"/>
-              </a:rPr>
-              <a:t>Patents, copyrights and trade secrets can be used to protect technology itself</a:t>
-            </a:r>
-            <a:endParaRPr/>
-          </a:p>
-          <a:p>
-            <a:pPr>
-              <a:lnSpc>
-                <a:spcPct val="100000"/>
-              </a:lnSpc>
-            </a:pPr>
-            <a:endParaRPr/>
-          </a:p>
-          <a:p>
-            <a:pPr>
-              <a:lnSpc>
-                <a:spcPct val="100000"/>
-              </a:lnSpc>
-              <a:buFont typeface="Wingdings" charset="2"/>
-              <a:buChar char=""/>
-            </a:pPr>
-            <a:r>
-              <a:rPr lang="en-IE" sz="3200">
-                <a:latin typeface="Arial"/>
-              </a:rPr>
-              <a:t>Trademarks do not protect technology</a:t>
-            </a:r>
-            <a:endParaRPr/>
-          </a:p>
-        </p:txBody>
-      </p:sp>
-    </p:spTree>
-  </p:cSld>
-  <p:timing>
-    <p:tnLst>
-      <p:par>
-        <p:cTn id="7" dur="indefinite" restart="never" nodeType="tmRoot">
-          <p:childTnLst>
-            <p:seq>
-              <p:cTn id="8" nodeType="mainSeq"/>
-              <p:prevCondLst>
-                <p:cond delay="0" evt="onPrev">
-                  <p:tgtEl>
-                    <p:sldTgt/>
-                  </p:tgtEl>
-                </p:cond>
-              </p:prevCondLst>
-              <p:nextCondLst>
-                <p:cond delay="0" evt="onNext">
-                  <p:tgtEl>
-                    <p:sldTgt/>
-                  </p:tgtEl>
-                </p:cond>
-              </p:nextCondLst>
-            </p:seq>
-          </p:childTnLst>
-        </p:cTn>
-      </p:par>
-    </p:tnLst>
-  </p:timing>
-</p:sld>
-</file>
-
-<file path=ppt/slides/slide5.xml><?xml version="1.0" encoding="utf-8"?>
-<p:sld xmlns:a="http://schemas.openxmlformats.org/drawingml/2006/main" xmlns:p="http://schemas.openxmlformats.org/presentationml/2006/main" xmlns:r="http://schemas.openxmlformats.org/officeDocument/2006/relationships">
-  <p:cSld>
-    <p:spTree>
-      <p:nvGrpSpPr>
-        <p:cNvPr id="1" name=""/>
-        <p:cNvGrpSpPr/>
-        <p:nvPr/>
-      </p:nvGrpSpPr>
-      <p:grpSpPr>
-        <a:xfrm>
-          <a:off x="0" y="0"/>
-          <a:ext cx="0" cy="0"/>
-          <a:chOff x="0" y="0"/>
-          <a:chExt cx="0" cy="0"/>
-        </a:xfrm>
-      </p:grpSpPr>
-      <p:sp>
-        <p:nvSpPr>
-          <p:cNvPr id="120" name="CustomShape 1"/>
-          <p:cNvSpPr/>
-          <p:nvPr/>
-        </p:nvSpPr>
-        <p:spPr>
-          <a:xfrm>
-            <a:off x="504000" y="301320"/>
-            <a:ext cx="9070200" cy="1260360"/>
-          </a:xfrm>
-          <a:prstGeom prst="rect">
-            <a:avLst/>
-          </a:prstGeom>
-          <a:noFill/>
-          <a:ln>
-            <a:noFill/>
-          </a:ln>
-        </p:spPr>
-        <p:txBody>
-          <a:bodyPr lIns="0" rIns="0" tIns="0" bIns="0" anchor="ctr"/>
-          <a:p>
-            <a:pPr algn="ctr">
-              <a:lnSpc>
-                <a:spcPct val="100000"/>
-              </a:lnSpc>
-            </a:pPr>
-            <a:r>
-              <a:rPr lang="en-IE" sz="4400">
-                <a:latin typeface="Arial"/>
-              </a:rPr>
-              <a:t>Patents</a:t>
-            </a:r>
-            <a:endParaRPr/>
-          </a:p>
-        </p:txBody>
-      </p:sp>
-      <p:sp>
-        <p:nvSpPr>
-          <p:cNvPr id="121" name="CustomShape 2"/>
-          <p:cNvSpPr/>
-          <p:nvPr/>
-        </p:nvSpPr>
-        <p:spPr>
-          <a:xfrm>
-            <a:off x="504000" y="1768680"/>
-            <a:ext cx="9070200" cy="4382280"/>
-          </a:xfrm>
-          <a:prstGeom prst="rect">
-            <a:avLst/>
-          </a:prstGeom>
-          <a:noFill/>
-          <a:ln>
-            <a:noFill/>
-          </a:ln>
-        </p:spPr>
-        <p:txBody>
-          <a:bodyPr lIns="0" rIns="0" tIns="0" bIns="0"/>
-          <a:p>
-            <a:r>
-              <a:rPr lang="en-IE" sz="3200">
-                <a:latin typeface="Arial"/>
-              </a:rPr>
-              <a:t> </a:t>
-            </a:r>
-            <a:endParaRPr/>
-          </a:p>
-          <a:p>
-            <a:pPr>
-              <a:lnSpc>
-                <a:spcPct val="100000"/>
-              </a:lnSpc>
-              <a:buFont typeface="Wingdings" charset="2"/>
-              <a:buChar char=""/>
-            </a:pPr>
-            <a:r>
-              <a:rPr lang="en-IE" sz="3200">
-                <a:latin typeface="Arial"/>
-              </a:rPr>
-              <a:t>Protection of “ideas”</a:t>
-            </a:r>
-            <a:endParaRPr/>
-          </a:p>
-          <a:p>
-            <a:pPr>
-              <a:lnSpc>
-                <a:spcPct val="100000"/>
-              </a:lnSpc>
-            </a:pPr>
-            <a:endParaRPr/>
-          </a:p>
-          <a:p>
-            <a:pPr>
-              <a:lnSpc>
-                <a:spcPct val="100000"/>
-              </a:lnSpc>
-              <a:buFont typeface="Wingdings" charset="2"/>
-              <a:buChar char=""/>
-            </a:pPr>
-            <a:r>
-              <a:rPr lang="en-IE" sz="3200">
-                <a:latin typeface="Arial"/>
-              </a:rPr>
-              <a:t>20 year exclusive monopoly</a:t>
-            </a:r>
-            <a:endParaRPr/>
-          </a:p>
-          <a:p>
-            <a:pPr>
-              <a:lnSpc>
-                <a:spcPct val="100000"/>
-              </a:lnSpc>
-            </a:pPr>
-            <a:endParaRPr/>
-          </a:p>
-          <a:p>
-            <a:pPr>
-              <a:lnSpc>
-                <a:spcPct val="100000"/>
-              </a:lnSpc>
-              <a:buFont typeface="Wingdings" charset="2"/>
-              <a:buChar char=""/>
-            </a:pPr>
-            <a:r>
-              <a:rPr lang="en-IE" sz="3200">
-                <a:latin typeface="Arial"/>
-              </a:rPr>
-              <a:t>Described in detail</a:t>
-            </a:r>
-            <a:endParaRPr/>
-          </a:p>
-          <a:p>
-            <a:pPr>
-              <a:lnSpc>
-                <a:spcPct val="100000"/>
-              </a:lnSpc>
-            </a:pPr>
-            <a:endParaRPr/>
-          </a:p>
-          <a:p>
-            <a:pPr>
-              <a:lnSpc>
-                <a:spcPct val="100000"/>
-              </a:lnSpc>
-              <a:buFont typeface="Wingdings" charset="2"/>
-              <a:buChar char=""/>
-            </a:pPr>
-            <a:r>
-              <a:rPr lang="en-IE" sz="3200">
-                <a:latin typeface="Arial"/>
-              </a:rPr>
-              <a:t>Available to public</a:t>
-            </a:r>
-            <a:endParaRPr/>
-          </a:p>
-        </p:txBody>
-      </p:sp>
-    </p:spTree>
-  </p:cSld>
-  <p:timing>
-    <p:tnLst>
-      <p:par>
-        <p:cTn id="9" dur="indefinite" restart="never" nodeType="tmRoot">
-          <p:childTnLst>
-            <p:seq>
-              <p:cTn id="10" nodeType="mainSeq"/>
-              <p:prevCondLst>
-                <p:cond delay="0" evt="onPrev">
-                  <p:tgtEl>
-                    <p:sldTgt/>
-                  </p:tgtEl>
-                </p:cond>
-              </p:prevCondLst>
-              <p:nextCondLst>
-                <p:cond delay="0" evt="onNext">
-                  <p:tgtEl>
-                    <p:sldTgt/>
-                  </p:tgtEl>
-                </p:cond>
-              </p:nextCondLst>
-            </p:seq>
-          </p:childTnLst>
-        </p:cTn>
-      </p:par>
-    </p:tnLst>
-  </p:timing>
-</p:sld>
-</file>
-
-<file path=ppt/slides/slide6.xml><?xml version="1.0" encoding="utf-8"?>
-<p:sld xmlns:a="http://schemas.openxmlformats.org/drawingml/2006/main" xmlns:p="http://schemas.openxmlformats.org/presentationml/2006/main" xmlns:r="http://schemas.openxmlformats.org/officeDocument/2006/relationships">
-  <p:cSld>
-    <p:spTree>
-      <p:nvGrpSpPr>
-        <p:cNvPr id="1" name=""/>
-        <p:cNvGrpSpPr/>
-        <p:nvPr/>
-      </p:nvGrpSpPr>
-      <p:grpSpPr>
-        <a:xfrm>
-          <a:off x="0" y="0"/>
-          <a:ext cx="0" cy="0"/>
-          <a:chOff x="0" y="0"/>
-          <a:chExt cx="0" cy="0"/>
-        </a:xfrm>
-      </p:grpSpPr>
-      <p:sp>
-        <p:nvSpPr>
-          <p:cNvPr id="122" name="CustomShape 1"/>
-          <p:cNvSpPr/>
-          <p:nvPr/>
-        </p:nvSpPr>
-        <p:spPr>
-          <a:xfrm>
-            <a:off x="504000" y="301320"/>
-            <a:ext cx="9070200" cy="1260360"/>
-          </a:xfrm>
-          <a:prstGeom prst="rect">
-            <a:avLst/>
-          </a:prstGeom>
-          <a:noFill/>
-          <a:ln>
-            <a:noFill/>
-          </a:ln>
-        </p:spPr>
-        <p:txBody>
-          <a:bodyPr lIns="0" rIns="0" tIns="0" bIns="0" anchor="ctr"/>
-          <a:p>
-            <a:pPr algn="ctr">
-              <a:lnSpc>
-                <a:spcPct val="100000"/>
-              </a:lnSpc>
-            </a:pPr>
-            <a:r>
-              <a:rPr lang="en-IE" sz="4400">
-                <a:latin typeface="Arial"/>
-              </a:rPr>
-              <a:t>Obtaining Patents</a:t>
-            </a:r>
-            <a:endParaRPr/>
-          </a:p>
-        </p:txBody>
-      </p:sp>
-      <p:sp>
-        <p:nvSpPr>
-          <p:cNvPr id="123" name="CustomShape 2"/>
-          <p:cNvSpPr/>
-          <p:nvPr/>
-        </p:nvSpPr>
-        <p:spPr>
-          <a:xfrm>
-            <a:off x="504000" y="1768680"/>
-            <a:ext cx="9070200" cy="4382280"/>
-          </a:xfrm>
-          <a:prstGeom prst="rect">
-            <a:avLst/>
-          </a:prstGeom>
-          <a:noFill/>
-          <a:ln>
-            <a:noFill/>
-          </a:ln>
-        </p:spPr>
-        <p:txBody>
-          <a:bodyPr lIns="0" rIns="0" tIns="0" bIns="0"/>
-          <a:p>
-            <a:pPr>
-              <a:lnSpc>
-                <a:spcPct val="100000"/>
-              </a:lnSpc>
-            </a:pPr>
-            <a:endParaRPr/>
-          </a:p>
-          <a:p>
-            <a:pPr>
-              <a:lnSpc>
-                <a:spcPct val="100000"/>
-              </a:lnSpc>
-              <a:buFont typeface="Wingdings" charset="2"/>
-              <a:buChar char=""/>
-            </a:pPr>
-            <a:r>
-              <a:rPr lang="en-IE" sz="3200">
-                <a:latin typeface="Arial"/>
-              </a:rPr>
-              <a:t>Must apply to patent office</a:t>
-            </a:r>
-            <a:endParaRPr/>
-          </a:p>
-          <a:p>
-            <a:pPr>
-              <a:lnSpc>
-                <a:spcPct val="100000"/>
-              </a:lnSpc>
-            </a:pPr>
-            <a:endParaRPr/>
-          </a:p>
-          <a:p>
-            <a:pPr>
-              <a:lnSpc>
-                <a:spcPct val="100000"/>
-              </a:lnSpc>
-              <a:buFont typeface="Wingdings" charset="2"/>
-              <a:buChar char=""/>
-            </a:pPr>
-            <a:r>
-              <a:rPr lang="en-IE" sz="3200">
-                <a:latin typeface="Arial"/>
-              </a:rPr>
-              <a:t>Must be demonstrated as new, useful and “nonobvious”</a:t>
-            </a:r>
-            <a:endParaRPr/>
-          </a:p>
-          <a:p>
-            <a:pPr>
-              <a:lnSpc>
-                <a:spcPct val="100000"/>
-              </a:lnSpc>
-            </a:pPr>
-            <a:endParaRPr/>
-          </a:p>
-          <a:p>
-            <a:pPr>
-              <a:lnSpc>
-                <a:spcPct val="100000"/>
-              </a:lnSpc>
-              <a:buFont typeface="Wingdings" charset="2"/>
-              <a:buChar char=""/>
-            </a:pPr>
-            <a:r>
-              <a:rPr lang="en-IE" sz="3200">
-                <a:latin typeface="Arial"/>
-              </a:rPr>
-              <a:t>More than trivial, obvious next step in the advance of technology</a:t>
-            </a:r>
-            <a:endParaRPr/>
-          </a:p>
-        </p:txBody>
-      </p:sp>
-    </p:spTree>
-  </p:cSld>
-  <p:timing>
-    <p:tnLst>
-      <p:par>
-        <p:cTn id="11" dur="indefinite" restart="never" nodeType="tmRoot">
-          <p:childTnLst>
-            <p:seq>
-              <p:cTn id="12" nodeType="mainSeq"/>
-              <p:prevCondLst>
-                <p:cond delay="0" evt="onPrev">
-                  <p:tgtEl>
-                    <p:sldTgt/>
-                  </p:tgtEl>
-                </p:cond>
-              </p:prevCondLst>
-              <p:nextCondLst>
-                <p:cond delay="0" evt="onNext">
-                  <p:tgtEl>
-                    <p:sldTgt/>
-                  </p:tgtEl>
-                </p:cond>
-              </p:nextCondLst>
-            </p:seq>
-          </p:childTnLst>
-        </p:cTn>
-      </p:par>
-    </p:tnLst>
-  </p:timing>
-</p:sld>
-</file>
-
-<file path=ppt/slides/slide7.xml><?xml version="1.0" encoding="utf-8"?>
-<p:sld xmlns:a="http://schemas.openxmlformats.org/drawingml/2006/main" xmlns:p="http://schemas.openxmlformats.org/presentationml/2006/main" xmlns:r="http://schemas.openxmlformats.org/officeDocument/2006/relationships">
-  <p:cSld>
-    <p:spTree>
-      <p:nvGrpSpPr>
-        <p:cNvPr id="1" name=""/>
-        <p:cNvGrpSpPr/>
-        <p:nvPr/>
-      </p:nvGrpSpPr>
-      <p:grpSpPr>
-        <a:xfrm>
-          <a:off x="0" y="0"/>
-          <a:ext cx="0" cy="0"/>
-          <a:chOff x="0" y="0"/>
-          <a:chExt cx="0" cy="0"/>
-        </a:xfrm>
-      </p:grpSpPr>
-      <p:sp>
-        <p:nvSpPr>
-          <p:cNvPr id="124" name="CustomShape 1"/>
-          <p:cNvSpPr/>
-          <p:nvPr/>
-        </p:nvSpPr>
-        <p:spPr>
-          <a:xfrm>
-            <a:off x="504000" y="301320"/>
-            <a:ext cx="9070200" cy="1260360"/>
-          </a:xfrm>
-          <a:prstGeom prst="rect">
-            <a:avLst/>
-          </a:prstGeom>
-          <a:noFill/>
-          <a:ln>
-            <a:noFill/>
-          </a:ln>
-        </p:spPr>
-        <p:txBody>
-          <a:bodyPr lIns="0" rIns="0" tIns="0" bIns="0" anchor="ctr"/>
-          <a:p>
-            <a:pPr algn="ctr">
-              <a:lnSpc>
-                <a:spcPct val="100000"/>
-              </a:lnSpc>
-            </a:pPr>
-            <a:r>
-              <a:rPr lang="en-IE" sz="4400">
-                <a:latin typeface="Arial"/>
-              </a:rPr>
-              <a:t>Patent examples</a:t>
-            </a:r>
-            <a:endParaRPr/>
-          </a:p>
-        </p:txBody>
-      </p:sp>
-      <p:sp>
-        <p:nvSpPr>
-          <p:cNvPr id="125" name="CustomShape 2"/>
-          <p:cNvSpPr/>
-          <p:nvPr/>
-        </p:nvSpPr>
-        <p:spPr>
-          <a:xfrm>
-            <a:off x="504000" y="1768680"/>
-            <a:ext cx="9070200" cy="4382280"/>
-          </a:xfrm>
-          <a:prstGeom prst="rect">
-            <a:avLst/>
-          </a:prstGeom>
-          <a:noFill/>
-          <a:ln>
-            <a:noFill/>
-          </a:ln>
-        </p:spPr>
-        <p:txBody>
-          <a:bodyPr lIns="0" rIns="0" tIns="0" bIns="0"/>
-          <a:p>
-            <a:pPr>
-              <a:lnSpc>
-                <a:spcPct val="100000"/>
-              </a:lnSpc>
-            </a:pPr>
-            <a:endParaRPr/>
-          </a:p>
-          <a:p>
-            <a:pPr>
-              <a:lnSpc>
-                <a:spcPct val="100000"/>
-              </a:lnSpc>
-              <a:buFont typeface="Wingdings" charset="2"/>
-              <a:buChar char=""/>
-            </a:pPr>
-            <a:r>
-              <a:rPr lang="en-IE" sz="3200">
-                <a:latin typeface="Arial"/>
-              </a:rPr>
-              <a:t>Algorithms, methods, systems</a:t>
-            </a:r>
-            <a:endParaRPr/>
-          </a:p>
-          <a:p>
-            <a:pPr>
-              <a:lnSpc>
-                <a:spcPct val="100000"/>
-              </a:lnSpc>
-            </a:pPr>
-            <a:endParaRPr/>
-          </a:p>
-          <a:p>
-            <a:pPr>
-              <a:lnSpc>
-                <a:spcPct val="100000"/>
-              </a:lnSpc>
-              <a:buFont typeface="Wingdings" charset="2"/>
-              <a:buChar char=""/>
-            </a:pPr>
-            <a:r>
-              <a:rPr lang="en-IE" sz="3200">
-                <a:latin typeface="Arial"/>
-              </a:rPr>
-              <a:t>User-Interface Feature, Menu features</a:t>
-            </a:r>
-            <a:endParaRPr/>
-          </a:p>
-          <a:p>
-            <a:pPr>
-              <a:lnSpc>
-                <a:spcPct val="100000"/>
-              </a:lnSpc>
-            </a:pPr>
-            <a:endParaRPr/>
-          </a:p>
-          <a:p>
-            <a:pPr>
-              <a:lnSpc>
-                <a:spcPct val="100000"/>
-              </a:lnSpc>
-              <a:buFont typeface="Wingdings" charset="2"/>
-              <a:buChar char=""/>
-            </a:pPr>
-            <a:r>
-              <a:rPr lang="en-IE" sz="3200">
-                <a:latin typeface="Arial"/>
-              </a:rPr>
-              <a:t>Apple patents</a:t>
-            </a:r>
-            <a:endParaRPr/>
-          </a:p>
-        </p:txBody>
-      </p:sp>
-      <p:pic>
-        <p:nvPicPr>
-          <p:cNvPr id="126" name="" descr=""/>
-          <p:cNvPicPr/>
-          <p:nvPr/>
-        </p:nvPicPr>
-        <p:blipFill>
-          <a:blip r:embed="rId1"/>
-          <a:stretch>
-            <a:fillRect/>
-          </a:stretch>
-        </p:blipFill>
-        <p:spPr>
-          <a:xfrm>
-            <a:off x="432000" y="4477320"/>
-            <a:ext cx="4836960" cy="2505960"/>
-          </a:xfrm>
-          <a:prstGeom prst="rect">
-            <a:avLst/>
-          </a:prstGeom>
-          <a:ln>
-            <a:noFill/>
-          </a:ln>
-        </p:spPr>
-      </p:pic>
-      <p:pic>
-        <p:nvPicPr>
-          <p:cNvPr id="127" name="" descr=""/>
-          <p:cNvPicPr/>
-          <p:nvPr/>
-        </p:nvPicPr>
-        <p:blipFill>
-          <a:blip r:embed="rId2"/>
-          <a:stretch>
-            <a:fillRect/>
-          </a:stretch>
-        </p:blipFill>
-        <p:spPr>
-          <a:xfrm>
-            <a:off x="5849280" y="4680000"/>
-            <a:ext cx="2286000" cy="2303280"/>
-          </a:xfrm>
-          <a:prstGeom prst="rect">
-            <a:avLst/>
-          </a:prstGeom>
-          <a:ln>
-            <a:noFill/>
-          </a:ln>
-        </p:spPr>
-      </p:pic>
-    </p:spTree>
-  </p:cSld>
-  <p:timing>
-    <p:tnLst>
-      <p:par>
-        <p:cTn id="13" dur="indefinite" restart="never" nodeType="tmRoot">
-          <p:childTnLst>
-            <p:seq>
-              <p:cTn id="14" nodeType="mainSeq"/>
-              <p:prevCondLst>
-                <p:cond delay="0" evt="onPrev">
-                  <p:tgtEl>
-                    <p:sldTgt/>
-                  </p:tgtEl>
-                </p:cond>
-              </p:prevCondLst>
-              <p:nextCondLst>
-                <p:cond delay="0" evt="onNext">
-                  <p:tgtEl>
-                    <p:sldTgt/>
-                  </p:tgtEl>
-                </p:cond>
-              </p:nextCondLst>
-            </p:seq>
-          </p:childTnLst>
-        </p:cTn>
-      </p:par>
-    </p:tnLst>
-  </p:timing>
-</p:sld>
-</file>
-
-<file path=ppt/slides/slide8.xml><?xml version="1.0" encoding="utf-8"?>
-<p:sld xmlns:a="http://schemas.openxmlformats.org/drawingml/2006/main" xmlns:p="http://schemas.openxmlformats.org/presentationml/2006/main" xmlns:r="http://schemas.openxmlformats.org/officeDocument/2006/relationships">
-  <p:cSld>
-    <p:bg>
-      <p:bgPr>
-        <a:solidFill>
-          <a:srgbClr val="ffffff"/>
-        </a:solidFill>
-      </p:bgPr>
-    </p:bg>
-    <p:spTree>
-      <p:nvGrpSpPr>
-        <p:cNvPr id="1" name=""/>
-        <p:cNvGrpSpPr/>
-        <p:nvPr/>
-      </p:nvGrpSpPr>
-      <p:grpSpPr>
-        <a:xfrm>
-          <a:off x="0" y="0"/>
-          <a:ext cx="0" cy="0"/>
-          <a:chOff x="0" y="0"/>
-          <a:chExt cx="0" cy="0"/>
-        </a:xfrm>
-      </p:grpSpPr>
-      <p:sp>
-        <p:nvSpPr>
-          <p:cNvPr id="128" name="CustomShape 1"/>
-          <p:cNvSpPr/>
-          <p:nvPr/>
-        </p:nvSpPr>
-        <p:spPr>
-          <a:xfrm>
-            <a:off x="504360" y="301320"/>
-            <a:ext cx="9071280" cy="1261800"/>
-          </a:xfrm>
-          <a:prstGeom prst="rect">
-            <a:avLst/>
-          </a:prstGeom>
-          <a:noFill/>
-          <a:ln>
-            <a:noFill/>
-          </a:ln>
-        </p:spPr>
-        <p:txBody>
-          <a:bodyPr lIns="0" rIns="0" tIns="0" bIns="0" anchor="ctr"/>
-          <a:p>
-            <a:pPr algn="ctr">
-              <a:lnSpc>
-                <a:spcPct val="100000"/>
-              </a:lnSpc>
-              <a:buSzPct val="45000"/>
-              <a:buFont typeface="StarSymbol"/>
-              <a:buChar char="l"/>
-            </a:pPr>
-            <a:r>
-              <a:rPr lang="en-IE" sz="4400">
-                <a:latin typeface="Arial"/>
-                <a:ea typeface="宋体"/>
-              </a:rPr>
-              <a:t>Copyright</a:t>
-            </a:r>
-            <a:endParaRPr/>
-          </a:p>
-        </p:txBody>
-      </p:sp>
-      <p:sp>
-        <p:nvSpPr>
-          <p:cNvPr id="129" name="CustomShape 2"/>
-          <p:cNvSpPr/>
-          <p:nvPr/>
-        </p:nvSpPr>
-        <p:spPr>
-          <a:xfrm>
-            <a:off x="504720" y="1767960"/>
-            <a:ext cx="9073080" cy="4963680"/>
-          </a:xfrm>
-          <a:prstGeom prst="rect">
-            <a:avLst/>
-          </a:prstGeom>
-          <a:noFill/>
-          <a:ln>
-            <a:noFill/>
-          </a:ln>
-        </p:spPr>
-        <p:txBody>
-          <a:bodyPr lIns="0" rIns="0" tIns="0" bIns="0"/>
-          <a:p>
-            <a:pPr>
-              <a:lnSpc>
-                <a:spcPct val="80000"/>
-              </a:lnSpc>
-            </a:pPr>
-            <a:endParaRPr/>
-          </a:p>
-          <a:p>
-            <a:pPr>
-              <a:lnSpc>
-                <a:spcPct val="80000"/>
-              </a:lnSpc>
-              <a:buSzPct val="25000"/>
-              <a:buFont typeface="Wingdings" charset="2"/>
-              <a:buChar char=""/>
-            </a:pPr>
-            <a:r>
-              <a:rPr lang="en-IE" sz="2800">
-                <a:latin typeface="Arial"/>
-                <a:ea typeface="宋体"/>
-              </a:rPr>
-              <a:t>What is copyright?</a:t>
-            </a:r>
-            <a:endParaRPr/>
-          </a:p>
-          <a:p>
-            <a:pPr>
-              <a:lnSpc>
-                <a:spcPct val="80000"/>
-              </a:lnSpc>
-            </a:pPr>
-            <a:endParaRPr/>
-          </a:p>
-          <a:p>
-            <a:pPr>
-              <a:lnSpc>
-                <a:spcPct val="80000"/>
-              </a:lnSpc>
-            </a:pPr>
-            <a:endParaRPr/>
-          </a:p>
-          <a:p>
-            <a:pPr>
-              <a:lnSpc>
-                <a:spcPct val="80000"/>
-              </a:lnSpc>
-            </a:pPr>
-            <a:endParaRPr/>
-          </a:p>
-          <a:p>
-            <a:pPr>
-              <a:lnSpc>
-                <a:spcPct val="80000"/>
-              </a:lnSpc>
-            </a:pPr>
-            <a:endParaRPr/>
-          </a:p>
-          <a:p>
-            <a:pPr>
-              <a:lnSpc>
-                <a:spcPct val="80000"/>
-              </a:lnSpc>
-              <a:buSzPct val="25000"/>
-              <a:buFont typeface="Wingdings" charset="2"/>
-              <a:buChar char=""/>
-            </a:pPr>
-            <a:r>
-              <a:rPr lang="en-IE" sz="2800">
-                <a:latin typeface="Arial"/>
-                <a:ea typeface="宋体"/>
-              </a:rPr>
-              <a:t>What is software copyright?</a:t>
-            </a:r>
-            <a:endParaRPr/>
-          </a:p>
-          <a:p>
-            <a:pPr>
-              <a:lnSpc>
-                <a:spcPct val="80000"/>
-              </a:lnSpc>
-            </a:pPr>
-            <a:endParaRPr/>
-          </a:p>
-          <a:p>
-            <a:pPr>
-              <a:lnSpc>
-                <a:spcPct val="80000"/>
-              </a:lnSpc>
-            </a:pPr>
-            <a:r>
-              <a:rPr lang="en-IE" sz="2800">
-                <a:latin typeface="Arial"/>
-                <a:ea typeface="宋体"/>
-              </a:rPr>
-              <a:t>    </a:t>
-            </a:r>
-            <a:r>
-              <a:rPr lang="en-IE" sz="2800">
-                <a:latin typeface="Arial"/>
-                <a:ea typeface="宋体"/>
-              </a:rPr>
-              <a:t>1. all the program code itself</a:t>
-            </a:r>
-            <a:endParaRPr/>
-          </a:p>
-          <a:p>
-            <a:pPr>
-              <a:lnSpc>
-                <a:spcPct val="80000"/>
-              </a:lnSpc>
-            </a:pPr>
-            <a:endParaRPr/>
-          </a:p>
-          <a:p>
-            <a:pPr>
-              <a:lnSpc>
-                <a:spcPct val="80000"/>
-              </a:lnSpc>
-            </a:pPr>
-            <a:r>
-              <a:rPr lang="en-IE" sz="2800">
-                <a:latin typeface="Arial"/>
-                <a:ea typeface="宋体"/>
-              </a:rPr>
-              <a:t>    </a:t>
-            </a:r>
-            <a:r>
-              <a:rPr lang="en-IE" sz="2800">
-                <a:latin typeface="Arial"/>
-                <a:ea typeface="宋体"/>
-              </a:rPr>
-              <a:t>2. documents that used to describe the contents, </a:t>
-            </a:r>
-            <a:endParaRPr/>
-          </a:p>
-          <a:p>
-            <a:pPr>
-              <a:lnSpc>
-                <a:spcPct val="80000"/>
-              </a:lnSpc>
-            </a:pPr>
-            <a:r>
-              <a:rPr lang="en-IE" sz="2800">
-                <a:latin typeface="Arial"/>
-                <a:ea typeface="宋体"/>
-              </a:rPr>
-              <a:t>        </a:t>
-            </a:r>
-            <a:r>
-              <a:rPr lang="en-IE" sz="2800">
-                <a:latin typeface="Arial"/>
-                <a:ea typeface="宋体"/>
-              </a:rPr>
-              <a:t>design, testing results, etc. of a program.</a:t>
-            </a:r>
-            <a:endParaRPr/>
-          </a:p>
-          <a:p>
-            <a:pPr>
-              <a:lnSpc>
-                <a:spcPct val="80000"/>
-              </a:lnSpc>
-            </a:pPr>
-            <a:r>
-              <a:rPr lang="en-IE" sz="2800">
-                <a:latin typeface="Arial"/>
-                <a:ea typeface="宋体"/>
-              </a:rPr>
-              <a:t>    </a:t>
-            </a:r>
-            <a:endParaRPr/>
-          </a:p>
-        </p:txBody>
-      </p:sp>
-      <p:pic>
-        <p:nvPicPr>
-          <p:cNvPr id="130" name="" descr=""/>
-          <p:cNvPicPr/>
-          <p:nvPr/>
-        </p:nvPicPr>
-        <p:blipFill>
-          <a:blip r:embed="rId1"/>
-          <a:stretch>
-            <a:fillRect/>
-          </a:stretch>
-        </p:blipFill>
-        <p:spPr>
-          <a:xfrm>
-            <a:off x="5905800" y="2123640"/>
-            <a:ext cx="3245040" cy="2303280"/>
-          </a:xfrm>
-          <a:prstGeom prst="rect">
-            <a:avLst/>
-          </a:prstGeom>
-          <a:ln>
-            <a:noFill/>
-          </a:ln>
-        </p:spPr>
-      </p:pic>
-    </p:spTree>
-  </p:cSld>
-  <p:timing>
-    <p:tnLst>
-      <p:par>
-        <p:cTn id="15" dur="indefinite" restart="never" nodeType="tmRoot">
-          <p:childTnLst>
-            <p:seq>
-              <p:cTn id="16" nodeType="mainSeq"/>
-              <p:prevCondLst>
-                <p:cond delay="0" evt="onPrev">
-                  <p:tgtEl>
-                    <p:sldTgt/>
-                  </p:tgtEl>
-                </p:cond>
-              </p:prevCondLst>
-              <p:nextCondLst>
-                <p:cond delay="0" evt="onNext">
-                  <p:tgtEl>
-                    <p:sldTgt/>
-                  </p:tgtEl>
-                </p:cond>
-              </p:nextCondLst>
-            </p:seq>
-          </p:childTnLst>
-        </p:cTn>
-      </p:par>
-    </p:tnLst>
-  </p:timing>
-</p:sld>
-</file>
-
-<file path=ppt/slides/slide9.xml><?xml version="1.0" encoding="utf-8"?>
-<p:sld xmlns:a="http://schemas.openxmlformats.org/drawingml/2006/main" xmlns:p="http://schemas.openxmlformats.org/presentationml/2006/main" xmlns:r="http://schemas.openxmlformats.org/officeDocument/2006/relationships">
-  <p:cSld>
-    <p:bg>
-      <p:bgPr>
-        <a:solidFill>
-          <a:srgbClr val="ffffff"/>
-        </a:solidFill>
-      </p:bgPr>
-    </p:bg>
-    <p:spTree>
-      <p:nvGrpSpPr>
-        <p:cNvPr id="1" name=""/>
-        <p:cNvGrpSpPr/>
-        <p:nvPr/>
-      </p:nvGrpSpPr>
-      <p:grpSpPr>
-        <a:xfrm>
-          <a:off x="0" y="0"/>
-          <a:ext cx="0" cy="0"/>
-          <a:chOff x="0" y="0"/>
-          <a:chExt cx="0" cy="0"/>
-        </a:xfrm>
-      </p:grpSpPr>
-      <p:sp>
-        <p:nvSpPr>
-          <p:cNvPr id="131" name="CustomShape 1"/>
-          <p:cNvSpPr/>
-          <p:nvPr/>
-        </p:nvSpPr>
-        <p:spPr>
-          <a:xfrm>
-            <a:off x="504360" y="301320"/>
-            <a:ext cx="9071280" cy="1261800"/>
-          </a:xfrm>
-          <a:prstGeom prst="rect">
-            <a:avLst/>
-          </a:prstGeom>
-          <a:noFill/>
-          <a:ln>
-            <a:noFill/>
-          </a:ln>
-        </p:spPr>
-        <p:txBody>
-          <a:bodyPr lIns="0" rIns="0" tIns="0" bIns="0" anchor="ctr"/>
-          <a:p>
-            <a:pPr algn="ctr">
-              <a:lnSpc>
-                <a:spcPct val="100000"/>
-              </a:lnSpc>
-              <a:buSzPct val="45000"/>
-              <a:buFont typeface="StarSymbol"/>
-              <a:buChar char="l"/>
-            </a:pPr>
-            <a:r>
-              <a:rPr lang="en-IE" sz="4400">
-                <a:latin typeface="Arial"/>
-              </a:rPr>
-              <a:t>C</a:t>
-            </a:r>
-            <a:r>
-              <a:rPr lang="en-IE" sz="4400">
-                <a:latin typeface="Arial"/>
-                <a:ea typeface="宋体"/>
-              </a:rPr>
-              <a:t>opyright</a:t>
-            </a:r>
-            <a:endParaRPr/>
-          </a:p>
-        </p:txBody>
-      </p:sp>
-      <p:sp>
-        <p:nvSpPr>
-          <p:cNvPr id="132" name="CustomShape 2"/>
-          <p:cNvSpPr/>
-          <p:nvPr/>
-        </p:nvSpPr>
-        <p:spPr>
-          <a:xfrm>
-            <a:off x="791640" y="1907640"/>
-            <a:ext cx="8496720" cy="3097080"/>
-          </a:xfrm>
-          <a:prstGeom prst="rect">
-            <a:avLst/>
-          </a:prstGeom>
-          <a:noFill/>
-          <a:ln>
-            <a:noFill/>
-          </a:ln>
-        </p:spPr>
-        <p:txBody>
-          <a:bodyPr lIns="0" rIns="0" tIns="0" bIns="0"/>
-          <a:p>
-            <a:pPr>
-              <a:lnSpc>
-                <a:spcPct val="100000"/>
-              </a:lnSpc>
-            </a:pPr>
-            <a:r>
-              <a:rPr lang="en-IE" sz="3200">
-                <a:latin typeface="Arial"/>
-                <a:ea typeface="宋体"/>
-              </a:rPr>
               <a:t>The difference between software copyright and patent:</a:t>
             </a:r>
             <a:endParaRPr/>
@@ -6687,13 +4508,13 @@
       </p:sp>
       <p:graphicFrame>
         <p:nvGraphicFramePr>
-          <p:cNvPr id="133" name="Table 3"/>
+          <p:cNvPr id="137" name="Table 3"/>
           <p:cNvGraphicFramePr/>
           <p:nvPr/>
         </p:nvGraphicFramePr>
         <p:xfrm>
           <a:off x="1316160" y="3419280"/>
-          <a:ext cx="7253280" cy="1512360"/>
+          <a:ext cx="7252920" cy="1512000"/>
         </p:xfrm>
         <a:graphic>
           <a:graphicData uri="http://schemas.openxmlformats.org/drawingml/2006/table">
@@ -6702,7 +4523,7 @@
               <a:tblGrid>
                 <a:gridCol w="2184480"/>
                 <a:gridCol w="2913120"/>
-                <a:gridCol w="2156040"/>
+                <a:gridCol w="2155320"/>
               </a:tblGrid>
               <a:tr h="687240">
                 <a:tc>
@@ -6778,7 +4599,7 @@
                   <a:tcPr/>
                 </a:tc>
               </a:tr>
-              <a:tr h="825480">
+              <a:tr h="824760">
                 <a:tc>
                   <a:txBody>
                     <a:bodyPr/>
@@ -6858,14 +4679,14 @@
       </p:graphicFrame>
       <p:sp>
         <p:nvSpPr>
-          <p:cNvPr id="134" name="CustomShape 4"/>
+          <p:cNvPr id="138" name="CustomShape 4"/>
           <p:cNvSpPr/>
           <p:nvPr/>
         </p:nvSpPr>
         <p:spPr>
           <a:xfrm>
             <a:off x="789120" y="5283000"/>
-            <a:ext cx="8285400" cy="855720"/>
+            <a:ext cx="8285040" cy="855360"/>
           </a:xfrm>
           <a:prstGeom prst="rect">
             <a:avLst/>
@@ -6893,6 +4714,2342 @@
           </a:p>
         </p:txBody>
       </p:sp>
+    </p:spTree>
+  </p:cSld>
+  <p:timing>
+    <p:tnLst>
+      <p:par>
+        <p:cTn id="19" dur="indefinite" restart="never" nodeType="tmRoot">
+          <p:childTnLst>
+            <p:seq>
+              <p:cTn id="20" nodeType="mainSeq"/>
+              <p:prevCondLst>
+                <p:cond delay="0" evt="onPrev">
+                  <p:tgtEl>
+                    <p:sldTgt/>
+                  </p:tgtEl>
+                </p:cond>
+              </p:prevCondLst>
+              <p:nextCondLst>
+                <p:cond delay="0" evt="onNext">
+                  <p:tgtEl>
+                    <p:sldTgt/>
+                  </p:tgtEl>
+                </p:cond>
+              </p:nextCondLst>
+            </p:seq>
+          </p:childTnLst>
+        </p:cTn>
+      </p:par>
+    </p:tnLst>
+  </p:timing>
+</p:sld>
+</file>
+
+<file path=ppt/slides/slide11.xml><?xml version="1.0" encoding="utf-8"?>
+<p:sld xmlns:a="http://schemas.openxmlformats.org/drawingml/2006/main" xmlns:p="http://schemas.openxmlformats.org/presentationml/2006/main" xmlns:r="http://schemas.openxmlformats.org/officeDocument/2006/relationships">
+  <p:cSld>
+    <p:bg>
+      <p:bgPr>
+        <a:solidFill>
+          <a:srgbClr val="ffffff"/>
+        </a:solidFill>
+      </p:bgPr>
+    </p:bg>
+    <p:spTree>
+      <p:nvGrpSpPr>
+        <p:cNvPr id="1" name=""/>
+        <p:cNvGrpSpPr/>
+        <p:nvPr/>
+      </p:nvGrpSpPr>
+      <p:grpSpPr>
+        <a:xfrm>
+          <a:off x="0" y="0"/>
+          <a:ext cx="0" cy="0"/>
+          <a:chOff x="0" y="0"/>
+          <a:chExt cx="0" cy="0"/>
+        </a:xfrm>
+      </p:grpSpPr>
+      <p:sp>
+        <p:nvSpPr>
+          <p:cNvPr id="139" name="CustomShape 1"/>
+          <p:cNvSpPr/>
+          <p:nvPr/>
+        </p:nvSpPr>
+        <p:spPr>
+          <a:xfrm>
+            <a:off x="504360" y="301320"/>
+            <a:ext cx="9070920" cy="1261440"/>
+          </a:xfrm>
+          <a:prstGeom prst="rect">
+            <a:avLst/>
+          </a:prstGeom>
+          <a:noFill/>
+          <a:ln>
+            <a:noFill/>
+          </a:ln>
+        </p:spPr>
+        <p:txBody>
+          <a:bodyPr lIns="0" rIns="0" tIns="0" bIns="0" anchor="ctr"/>
+          <a:p>
+            <a:pPr algn="ctr">
+              <a:lnSpc>
+                <a:spcPct val="100000"/>
+              </a:lnSpc>
+              <a:buSzPct val="45000"/>
+              <a:buFont typeface="StarSymbol"/>
+              <a:buChar char="l"/>
+            </a:pPr>
+            <a:r>
+              <a:rPr lang="en-IE" sz="4400">
+                <a:latin typeface="Arial"/>
+                <a:ea typeface="宋体"/>
+              </a:rPr>
+              <a:t>Copyright</a:t>
+            </a:r>
+            <a:endParaRPr/>
+          </a:p>
+        </p:txBody>
+      </p:sp>
+      <p:sp>
+        <p:nvSpPr>
+          <p:cNvPr id="140" name="CustomShape 2"/>
+          <p:cNvSpPr/>
+          <p:nvPr/>
+        </p:nvSpPr>
+        <p:spPr>
+          <a:xfrm>
+            <a:off x="720360" y="1978920"/>
+            <a:ext cx="8712360" cy="4173840"/>
+          </a:xfrm>
+          <a:prstGeom prst="rect">
+            <a:avLst/>
+          </a:prstGeom>
+          <a:noFill/>
+          <a:ln>
+            <a:noFill/>
+          </a:ln>
+        </p:spPr>
+        <p:txBody>
+          <a:bodyPr lIns="0" rIns="0" tIns="0" bIns="0"/>
+          <a:p>
+            <a:pPr>
+              <a:lnSpc>
+                <a:spcPct val="100000"/>
+              </a:lnSpc>
+            </a:pPr>
+            <a:r>
+              <a:rPr lang="en-IE" sz="3200">
+                <a:latin typeface="Arial"/>
+                <a:ea typeface="宋体"/>
+              </a:rPr>
+              <a:t>Features of copyright :</a:t>
+            </a:r>
+            <a:endParaRPr/>
+          </a:p>
+          <a:p>
+            <a:pPr>
+              <a:lnSpc>
+                <a:spcPct val="100000"/>
+              </a:lnSpc>
+            </a:pPr>
+            <a:endParaRPr/>
+          </a:p>
+          <a:p>
+            <a:pPr>
+              <a:lnSpc>
+                <a:spcPct val="100000"/>
+              </a:lnSpc>
+              <a:buSzPct val="25000"/>
+              <a:buFont typeface="Wingdings" charset="2"/>
+              <a:buChar char=""/>
+            </a:pPr>
+            <a:r>
+              <a:rPr lang="en-IE" sz="3200">
+                <a:latin typeface="Arial"/>
+                <a:ea typeface="宋体"/>
+              </a:rPr>
+              <a:t>Made upon creation</a:t>
+            </a:r>
+            <a:endParaRPr/>
+          </a:p>
+          <a:p>
+            <a:pPr>
+              <a:lnSpc>
+                <a:spcPct val="100000"/>
+              </a:lnSpc>
+            </a:pPr>
+            <a:endParaRPr/>
+          </a:p>
+          <a:p>
+            <a:pPr>
+              <a:lnSpc>
+                <a:spcPct val="100000"/>
+              </a:lnSpc>
+            </a:pPr>
+            <a:r>
+              <a:rPr lang="en-IE" sz="3200">
+                <a:latin typeface="Arial"/>
+                <a:ea typeface="宋体"/>
+              </a:rPr>
+              <a:t>    </a:t>
+            </a:r>
+            <a:r>
+              <a:rPr lang="en-IE" sz="3200">
+                <a:latin typeface="Arial"/>
+                <a:ea typeface="宋体"/>
+              </a:rPr>
+              <a:t>Applying is unnecessary</a:t>
+            </a:r>
+            <a:endParaRPr/>
+          </a:p>
+          <a:p>
+            <a:pPr>
+              <a:lnSpc>
+                <a:spcPct val="100000"/>
+              </a:lnSpc>
+            </a:pPr>
+            <a:endParaRPr/>
+          </a:p>
+          <a:p>
+            <a:pPr>
+              <a:lnSpc>
+                <a:spcPct val="100000"/>
+              </a:lnSpc>
+              <a:buSzPct val="25000"/>
+              <a:buFont typeface="Wingdings" charset="2"/>
+              <a:buChar char=""/>
+            </a:pPr>
+            <a:r>
+              <a:rPr lang="en-IE" sz="3200">
+                <a:latin typeface="Arial"/>
+                <a:ea typeface="宋体"/>
+              </a:rPr>
+              <a:t>Copyright protection is lifelong</a:t>
+            </a:r>
+            <a:endParaRPr/>
+          </a:p>
+        </p:txBody>
+      </p:sp>
+    </p:spTree>
+  </p:cSld>
+  <p:timing>
+    <p:tnLst>
+      <p:par>
+        <p:cTn id="21" dur="indefinite" restart="never" nodeType="tmRoot">
+          <p:childTnLst>
+            <p:seq>
+              <p:cTn id="22" nodeType="mainSeq"/>
+              <p:prevCondLst>
+                <p:cond delay="0" evt="onPrev">
+                  <p:tgtEl>
+                    <p:sldTgt/>
+                  </p:tgtEl>
+                </p:cond>
+              </p:prevCondLst>
+              <p:nextCondLst>
+                <p:cond delay="0" evt="onNext">
+                  <p:tgtEl>
+                    <p:sldTgt/>
+                  </p:tgtEl>
+                </p:cond>
+              </p:nextCondLst>
+            </p:seq>
+          </p:childTnLst>
+        </p:cTn>
+      </p:par>
+    </p:tnLst>
+  </p:timing>
+</p:sld>
+</file>
+
+<file path=ppt/slides/slide12.xml><?xml version="1.0" encoding="utf-8"?>
+<p:sld xmlns:a="http://schemas.openxmlformats.org/drawingml/2006/main" xmlns:p="http://schemas.openxmlformats.org/presentationml/2006/main" xmlns:r="http://schemas.openxmlformats.org/officeDocument/2006/relationships">
+  <p:cSld>
+    <p:spTree>
+      <p:nvGrpSpPr>
+        <p:cNvPr id="1" name=""/>
+        <p:cNvGrpSpPr/>
+        <p:nvPr/>
+      </p:nvGrpSpPr>
+      <p:grpSpPr>
+        <a:xfrm>
+          <a:off x="0" y="0"/>
+          <a:ext cx="0" cy="0"/>
+          <a:chOff x="0" y="0"/>
+          <a:chExt cx="0" cy="0"/>
+        </a:xfrm>
+      </p:grpSpPr>
+      <p:sp>
+        <p:nvSpPr>
+          <p:cNvPr id="141" name="CustomShape 1"/>
+          <p:cNvSpPr/>
+          <p:nvPr/>
+        </p:nvSpPr>
+        <p:spPr>
+          <a:xfrm>
+            <a:off x="504000" y="301320"/>
+            <a:ext cx="9069840" cy="1260000"/>
+          </a:xfrm>
+          <a:prstGeom prst="rect">
+            <a:avLst/>
+          </a:prstGeom>
+          <a:noFill/>
+          <a:ln>
+            <a:noFill/>
+          </a:ln>
+        </p:spPr>
+        <p:txBody>
+          <a:bodyPr lIns="0" rIns="0" tIns="0" bIns="0" anchor="ctr"/>
+          <a:p>
+            <a:pPr algn="ctr">
+              <a:lnSpc>
+                <a:spcPct val="100000"/>
+              </a:lnSpc>
+            </a:pPr>
+            <a:r>
+              <a:rPr lang="en-IE" sz="4400">
+                <a:latin typeface="Arial"/>
+              </a:rPr>
+              <a:t>Trade Secret</a:t>
+            </a:r>
+            <a:endParaRPr/>
+          </a:p>
+        </p:txBody>
+      </p:sp>
+      <p:sp>
+        <p:nvSpPr>
+          <p:cNvPr id="142" name="CustomShape 2"/>
+          <p:cNvSpPr/>
+          <p:nvPr/>
+        </p:nvSpPr>
+        <p:spPr>
+          <a:xfrm>
+            <a:off x="504000" y="1768680"/>
+            <a:ext cx="9069840" cy="4381920"/>
+          </a:xfrm>
+          <a:prstGeom prst="rect">
+            <a:avLst/>
+          </a:prstGeom>
+          <a:noFill/>
+          <a:ln>
+            <a:noFill/>
+          </a:ln>
+        </p:spPr>
+        <p:txBody>
+          <a:bodyPr lIns="0" rIns="0" tIns="0" bIns="0"/>
+          <a:p>
+            <a:pPr>
+              <a:lnSpc>
+                <a:spcPct val="100000"/>
+              </a:lnSpc>
+            </a:pPr>
+            <a:endParaRPr/>
+          </a:p>
+          <a:p>
+            <a:pPr>
+              <a:lnSpc>
+                <a:spcPct val="100000"/>
+              </a:lnSpc>
+              <a:buFont typeface="Wingdings" charset="2"/>
+              <a:buChar char=""/>
+            </a:pPr>
+            <a:r>
+              <a:rPr lang="en-IE" sz="3200">
+                <a:latin typeface="Arial"/>
+              </a:rPr>
+              <a:t>Any formula, pattern, process, tool or mechanism</a:t>
+            </a:r>
+            <a:endParaRPr/>
+          </a:p>
+          <a:p>
+            <a:pPr>
+              <a:lnSpc>
+                <a:spcPct val="100000"/>
+              </a:lnSpc>
+            </a:pPr>
+            <a:endParaRPr/>
+          </a:p>
+          <a:p>
+            <a:pPr>
+              <a:lnSpc>
+                <a:spcPct val="100000"/>
+              </a:lnSpc>
+              <a:buFont typeface="Wingdings" charset="2"/>
+              <a:buChar char=""/>
+            </a:pPr>
+            <a:r>
+              <a:rPr lang="en-IE" sz="3200">
+                <a:latin typeface="Arial"/>
+              </a:rPr>
+              <a:t>Theoretically lasts forever</a:t>
+            </a:r>
+            <a:endParaRPr/>
+          </a:p>
+          <a:p>
+            <a:pPr>
+              <a:lnSpc>
+                <a:spcPct val="100000"/>
+              </a:lnSpc>
+            </a:pPr>
+            <a:endParaRPr/>
+          </a:p>
+          <a:p>
+            <a:pPr>
+              <a:lnSpc>
+                <a:spcPct val="100000"/>
+              </a:lnSpc>
+              <a:buFont typeface="Wingdings" charset="2"/>
+              <a:buChar char=""/>
+            </a:pPr>
+            <a:r>
+              <a:rPr lang="en-IE" sz="3200">
+                <a:latin typeface="Arial"/>
+              </a:rPr>
+              <a:t>Subject to theft and not “infringement”</a:t>
+            </a:r>
+            <a:endParaRPr/>
+          </a:p>
+          <a:p>
+            <a:pPr>
+              <a:lnSpc>
+                <a:spcPct val="100000"/>
+              </a:lnSpc>
+            </a:pPr>
+            <a:endParaRPr/>
+          </a:p>
+        </p:txBody>
+      </p:sp>
+    </p:spTree>
+  </p:cSld>
+  <p:timing>
+    <p:tnLst>
+      <p:par>
+        <p:cTn id="23" dur="indefinite" restart="never" nodeType="tmRoot">
+          <p:childTnLst>
+            <p:seq>
+              <p:cTn id="24" nodeType="mainSeq"/>
+              <p:prevCondLst>
+                <p:cond delay="0" evt="onPrev">
+                  <p:tgtEl>
+                    <p:sldTgt/>
+                  </p:tgtEl>
+                </p:cond>
+              </p:prevCondLst>
+              <p:nextCondLst>
+                <p:cond delay="0" evt="onNext">
+                  <p:tgtEl>
+                    <p:sldTgt/>
+                  </p:tgtEl>
+                </p:cond>
+              </p:nextCondLst>
+            </p:seq>
+          </p:childTnLst>
+        </p:cTn>
+      </p:par>
+    </p:tnLst>
+  </p:timing>
+</p:sld>
+</file>
+
+<file path=ppt/slides/slide13.xml><?xml version="1.0" encoding="utf-8"?>
+<p:sld xmlns:a="http://schemas.openxmlformats.org/drawingml/2006/main" xmlns:p="http://schemas.openxmlformats.org/presentationml/2006/main" xmlns:r="http://schemas.openxmlformats.org/officeDocument/2006/relationships">
+  <p:cSld>
+    <p:spTree>
+      <p:nvGrpSpPr>
+        <p:cNvPr id="1" name=""/>
+        <p:cNvGrpSpPr/>
+        <p:nvPr/>
+      </p:nvGrpSpPr>
+      <p:grpSpPr>
+        <a:xfrm>
+          <a:off x="0" y="0"/>
+          <a:ext cx="0" cy="0"/>
+          <a:chOff x="0" y="0"/>
+          <a:chExt cx="0" cy="0"/>
+        </a:xfrm>
+      </p:grpSpPr>
+      <p:sp>
+        <p:nvSpPr>
+          <p:cNvPr id="143" name="CustomShape 1"/>
+          <p:cNvSpPr/>
+          <p:nvPr/>
+        </p:nvSpPr>
+        <p:spPr>
+          <a:xfrm>
+            <a:off x="504000" y="301320"/>
+            <a:ext cx="9069840" cy="1260000"/>
+          </a:xfrm>
+          <a:prstGeom prst="rect">
+            <a:avLst/>
+          </a:prstGeom>
+          <a:noFill/>
+          <a:ln>
+            <a:noFill/>
+          </a:ln>
+        </p:spPr>
+        <p:txBody>
+          <a:bodyPr lIns="0" rIns="0" tIns="0" bIns="0" anchor="ctr"/>
+          <a:p>
+            <a:pPr algn="ctr">
+              <a:lnSpc>
+                <a:spcPct val="100000"/>
+              </a:lnSpc>
+            </a:pPr>
+            <a:r>
+              <a:rPr lang="en-IE" sz="4400">
+                <a:latin typeface="Arial"/>
+              </a:rPr>
+              <a:t>Conclusion</a:t>
+            </a:r>
+            <a:endParaRPr/>
+          </a:p>
+        </p:txBody>
+      </p:sp>
+      <p:sp>
+        <p:nvSpPr>
+          <p:cNvPr id="144" name="CustomShape 2"/>
+          <p:cNvSpPr/>
+          <p:nvPr/>
+        </p:nvSpPr>
+        <p:spPr>
+          <a:xfrm>
+            <a:off x="504000" y="1768680"/>
+            <a:ext cx="9069840" cy="4381920"/>
+          </a:xfrm>
+          <a:prstGeom prst="rect">
+            <a:avLst/>
+          </a:prstGeom>
+          <a:noFill/>
+          <a:ln>
+            <a:noFill/>
+          </a:ln>
+        </p:spPr>
+        <p:txBody>
+          <a:bodyPr lIns="0" rIns="0" tIns="0" bIns="0"/>
+          <a:p>
+            <a:pPr>
+              <a:lnSpc>
+                <a:spcPct val="100000"/>
+              </a:lnSpc>
+            </a:pPr>
+            <a:endParaRPr/>
+          </a:p>
+          <a:p>
+            <a:pPr>
+              <a:lnSpc>
+                <a:spcPct val="100000"/>
+              </a:lnSpc>
+              <a:buFont typeface="Wingdings" charset="2"/>
+              <a:buChar char=""/>
+            </a:pPr>
+            <a:r>
+              <a:rPr lang="en-IE" sz="3200">
+                <a:latin typeface="Arial"/>
+              </a:rPr>
+              <a:t>Intellectual properties are important!</a:t>
+            </a:r>
+            <a:endParaRPr/>
+          </a:p>
+          <a:p>
+            <a:pPr>
+              <a:lnSpc>
+                <a:spcPct val="100000"/>
+              </a:lnSpc>
+            </a:pPr>
+            <a:endParaRPr/>
+          </a:p>
+          <a:p>
+            <a:pPr>
+              <a:lnSpc>
+                <a:spcPct val="100000"/>
+              </a:lnSpc>
+              <a:buFont typeface="Wingdings" charset="2"/>
+              <a:buChar char=""/>
+            </a:pPr>
+            <a:r>
+              <a:rPr lang="en-IE" sz="3200">
+                <a:latin typeface="Arial"/>
+              </a:rPr>
+              <a:t>Take caution with your projects!</a:t>
+            </a:r>
+            <a:endParaRPr/>
+          </a:p>
+          <a:p>
+            <a:pPr>
+              <a:lnSpc>
+                <a:spcPct val="100000"/>
+              </a:lnSpc>
+            </a:pPr>
+            <a:endParaRPr/>
+          </a:p>
+          <a:p>
+            <a:pPr>
+              <a:lnSpc>
+                <a:spcPct val="100000"/>
+              </a:lnSpc>
+              <a:buFont typeface="Wingdings" charset="2"/>
+              <a:buChar char=""/>
+            </a:pPr>
+            <a:r>
+              <a:rPr lang="en-IE" sz="3200">
+                <a:latin typeface="Arial"/>
+              </a:rPr>
+              <a:t>Protect your hard work!</a:t>
+            </a:r>
+            <a:endParaRPr/>
+          </a:p>
+        </p:txBody>
+      </p:sp>
+    </p:spTree>
+  </p:cSld>
+  <p:timing>
+    <p:tnLst>
+      <p:par>
+        <p:cTn id="25" dur="indefinite" restart="never" nodeType="tmRoot">
+          <p:childTnLst>
+            <p:seq>
+              <p:cTn id="26" nodeType="mainSeq"/>
+              <p:prevCondLst>
+                <p:cond delay="0" evt="onPrev">
+                  <p:tgtEl>
+                    <p:sldTgt/>
+                  </p:tgtEl>
+                </p:cond>
+              </p:prevCondLst>
+              <p:nextCondLst>
+                <p:cond delay="0" evt="onNext">
+                  <p:tgtEl>
+                    <p:sldTgt/>
+                  </p:tgtEl>
+                </p:cond>
+              </p:nextCondLst>
+            </p:seq>
+          </p:childTnLst>
+        </p:cTn>
+      </p:par>
+    </p:tnLst>
+  </p:timing>
+</p:sld>
+</file>
+
+<file path=ppt/slides/slide14.xml><?xml version="1.0" encoding="utf-8"?>
+<p:sld xmlns:a="http://schemas.openxmlformats.org/drawingml/2006/main" xmlns:p="http://schemas.openxmlformats.org/presentationml/2006/main" xmlns:r="http://schemas.openxmlformats.org/officeDocument/2006/relationships">
+  <p:cSld>
+    <p:spTree>
+      <p:nvGrpSpPr>
+        <p:cNvPr id="1" name=""/>
+        <p:cNvGrpSpPr/>
+        <p:nvPr/>
+      </p:nvGrpSpPr>
+      <p:grpSpPr>
+        <a:xfrm>
+          <a:off x="0" y="0"/>
+          <a:ext cx="0" cy="0"/>
+          <a:chOff x="0" y="0"/>
+          <a:chExt cx="0" cy="0"/>
+        </a:xfrm>
+      </p:grpSpPr>
+      <p:sp>
+        <p:nvSpPr>
+          <p:cNvPr id="145" name="CustomShape 1"/>
+          <p:cNvSpPr/>
+          <p:nvPr/>
+        </p:nvSpPr>
+        <p:spPr>
+          <a:xfrm>
+            <a:off x="504000" y="301320"/>
+            <a:ext cx="9069840" cy="1260000"/>
+          </a:xfrm>
+          <a:prstGeom prst="rect">
+            <a:avLst/>
+          </a:prstGeom>
+          <a:noFill/>
+          <a:ln>
+            <a:noFill/>
+          </a:ln>
+        </p:spPr>
+      </p:sp>
+      <p:sp>
+        <p:nvSpPr>
+          <p:cNvPr id="146" name="CustomShape 2"/>
+          <p:cNvSpPr/>
+          <p:nvPr/>
+        </p:nvSpPr>
+        <p:spPr>
+          <a:xfrm>
+            <a:off x="504000" y="1768680"/>
+            <a:ext cx="9069840" cy="4381920"/>
+          </a:xfrm>
+          <a:prstGeom prst="rect">
+            <a:avLst/>
+          </a:prstGeom>
+          <a:noFill/>
+          <a:ln>
+            <a:noFill/>
+          </a:ln>
+        </p:spPr>
+        <p:txBody>
+          <a:bodyPr lIns="0" rIns="0" tIns="0" bIns="0"/>
+          <a:p>
+            <a:pPr algn="ctr">
+              <a:lnSpc>
+                <a:spcPct val="100000"/>
+              </a:lnSpc>
+            </a:pPr>
+            <a:endParaRPr/>
+          </a:p>
+          <a:p>
+            <a:pPr algn="ctr">
+              <a:lnSpc>
+                <a:spcPct val="100000"/>
+              </a:lnSpc>
+            </a:pPr>
+            <a:endParaRPr/>
+          </a:p>
+          <a:p>
+            <a:pPr algn="ctr">
+              <a:lnSpc>
+                <a:spcPct val="100000"/>
+              </a:lnSpc>
+            </a:pPr>
+            <a:endParaRPr/>
+          </a:p>
+          <a:p>
+            <a:pPr algn="ctr">
+              <a:lnSpc>
+                <a:spcPct val="100000"/>
+              </a:lnSpc>
+            </a:pPr>
+            <a:r>
+              <a:rPr lang="en-IE" sz="4400">
+                <a:latin typeface="Arial"/>
+              </a:rPr>
+              <a:t>Questions?</a:t>
+            </a:r>
+            <a:endParaRPr/>
+          </a:p>
+        </p:txBody>
+      </p:sp>
+    </p:spTree>
+  </p:cSld>
+  <p:timing>
+    <p:tnLst>
+      <p:par>
+        <p:cTn id="27" dur="indefinite" restart="never" nodeType="tmRoot">
+          <p:childTnLst>
+            <p:seq>
+              <p:cTn id="28" nodeType="mainSeq"/>
+              <p:prevCondLst>
+                <p:cond delay="0" evt="onPrev">
+                  <p:tgtEl>
+                    <p:sldTgt/>
+                  </p:tgtEl>
+                </p:cond>
+              </p:prevCondLst>
+              <p:nextCondLst>
+                <p:cond delay="0" evt="onNext">
+                  <p:tgtEl>
+                    <p:sldTgt/>
+                  </p:tgtEl>
+                </p:cond>
+              </p:nextCondLst>
+            </p:seq>
+          </p:childTnLst>
+        </p:cTn>
+      </p:par>
+    </p:tnLst>
+  </p:timing>
+</p:sld>
+</file>
+
+<file path=ppt/slides/slide2.xml><?xml version="1.0" encoding="utf-8"?>
+<p:sld xmlns:a="http://schemas.openxmlformats.org/drawingml/2006/main" xmlns:p="http://schemas.openxmlformats.org/presentationml/2006/main" xmlns:r="http://schemas.openxmlformats.org/officeDocument/2006/relationships">
+  <p:cSld>
+    <p:spTree>
+      <p:nvGrpSpPr>
+        <p:cNvPr id="1" name=""/>
+        <p:cNvGrpSpPr/>
+        <p:nvPr/>
+      </p:nvGrpSpPr>
+      <p:grpSpPr>
+        <a:xfrm>
+          <a:off x="0" y="0"/>
+          <a:ext cx="0" cy="0"/>
+          <a:chOff x="0" y="0"/>
+          <a:chExt cx="0" cy="0"/>
+        </a:xfrm>
+      </p:grpSpPr>
+      <p:sp>
+        <p:nvSpPr>
+          <p:cNvPr id="114" name="CustomShape 1"/>
+          <p:cNvSpPr/>
+          <p:nvPr/>
+        </p:nvSpPr>
+        <p:spPr>
+          <a:xfrm>
+            <a:off x="504000" y="301320"/>
+            <a:ext cx="9069840" cy="1259640"/>
+          </a:xfrm>
+          <a:prstGeom prst="rect">
+            <a:avLst/>
+          </a:prstGeom>
+          <a:noFill/>
+          <a:ln>
+            <a:noFill/>
+          </a:ln>
+        </p:spPr>
+        <p:txBody>
+          <a:bodyPr lIns="0" rIns="0" tIns="0" bIns="0" anchor="ctr"/>
+          <a:p>
+            <a:pPr algn="ctr">
+              <a:lnSpc>
+                <a:spcPct val="100000"/>
+              </a:lnSpc>
+            </a:pPr>
+            <a:r>
+              <a:rPr lang="en-IE" sz="4400">
+                <a:solidFill>
+                  <a:srgbClr val="000000"/>
+                </a:solidFill>
+                <a:latin typeface="Arial"/>
+                <a:ea typeface="DejaVu Sans"/>
+              </a:rPr>
+              <a:t> </a:t>
+            </a:r>
+            <a:endParaRPr/>
+          </a:p>
+        </p:txBody>
+      </p:sp>
+      <p:sp>
+        <p:nvSpPr>
+          <p:cNvPr id="115" name="CustomShape 2"/>
+          <p:cNvSpPr/>
+          <p:nvPr/>
+        </p:nvSpPr>
+        <p:spPr>
+          <a:xfrm>
+            <a:off x="504000" y="1768680"/>
+            <a:ext cx="9069840" cy="4381920"/>
+          </a:xfrm>
+          <a:prstGeom prst="rect">
+            <a:avLst/>
+          </a:prstGeom>
+          <a:noFill/>
+          <a:ln>
+            <a:noFill/>
+          </a:ln>
+        </p:spPr>
+        <p:txBody>
+          <a:bodyPr lIns="0" rIns="0" tIns="0" bIns="0"/>
+          <a:p>
+            <a:pPr algn="ctr">
+              <a:lnSpc>
+                <a:spcPct val="100000"/>
+              </a:lnSpc>
+            </a:pPr>
+            <a:r>
+              <a:rPr lang="en-IE" sz="5400">
+                <a:solidFill>
+                  <a:srgbClr val="000000"/>
+                </a:solidFill>
+                <a:latin typeface="Arial"/>
+                <a:ea typeface="DejaVu Sans"/>
+              </a:rPr>
+              <a:t>Intellectual Properties </a:t>
+            </a:r>
+            <a:endParaRPr/>
+          </a:p>
+          <a:p>
+            <a:pPr algn="ctr">
+              <a:lnSpc>
+                <a:spcPct val="100000"/>
+              </a:lnSpc>
+            </a:pPr>
+            <a:r>
+              <a:rPr lang="en-IE" sz="5400">
+                <a:solidFill>
+                  <a:srgbClr val="000000"/>
+                </a:solidFill>
+                <a:latin typeface="Arial"/>
+                <a:ea typeface="DejaVu Sans"/>
+              </a:rPr>
+              <a:t>Found in a Software Application</a:t>
+            </a:r>
+            <a:endParaRPr/>
+          </a:p>
+        </p:txBody>
+      </p:sp>
+    </p:spTree>
+  </p:cSld>
+  <p:timing>
+    <p:tnLst>
+      <p:par>
+        <p:cTn id="3" dur="indefinite" restart="never" nodeType="tmRoot">
+          <p:childTnLst>
+            <p:seq>
+              <p:cTn id="4" nodeType="mainSeq"/>
+              <p:prevCondLst>
+                <p:cond delay="0" evt="onPrev">
+                  <p:tgtEl>
+                    <p:sldTgt/>
+                  </p:tgtEl>
+                </p:cond>
+              </p:prevCondLst>
+              <p:nextCondLst>
+                <p:cond delay="0" evt="onNext">
+                  <p:tgtEl>
+                    <p:sldTgt/>
+                  </p:tgtEl>
+                </p:cond>
+              </p:nextCondLst>
+            </p:seq>
+          </p:childTnLst>
+        </p:cTn>
+      </p:par>
+    </p:tnLst>
+  </p:timing>
+</p:sld>
+</file>
+
+<file path=ppt/slides/slide3.xml><?xml version="1.0" encoding="utf-8"?>
+<p:sld xmlns:a="http://schemas.openxmlformats.org/drawingml/2006/main" xmlns:p="http://schemas.openxmlformats.org/presentationml/2006/main" xmlns:r="http://schemas.openxmlformats.org/officeDocument/2006/relationships">
+  <p:cSld>
+    <p:spTree>
+      <p:nvGrpSpPr>
+        <p:cNvPr id="1" name=""/>
+        <p:cNvGrpSpPr/>
+        <p:nvPr/>
+      </p:nvGrpSpPr>
+      <p:grpSpPr>
+        <a:xfrm>
+          <a:off x="0" y="0"/>
+          <a:ext cx="0" cy="0"/>
+          <a:chOff x="0" y="0"/>
+          <a:chExt cx="0" cy="0"/>
+        </a:xfrm>
+      </p:grpSpPr>
+      <p:sp>
+        <p:nvSpPr>
+          <p:cNvPr id="116" name="CustomShape 1"/>
+          <p:cNvSpPr/>
+          <p:nvPr/>
+        </p:nvSpPr>
+        <p:spPr>
+          <a:xfrm>
+            <a:off x="504000" y="301320"/>
+            <a:ext cx="9069840" cy="1260000"/>
+          </a:xfrm>
+          <a:prstGeom prst="rect">
+            <a:avLst/>
+          </a:prstGeom>
+          <a:noFill/>
+          <a:ln>
+            <a:noFill/>
+          </a:ln>
+        </p:spPr>
+        <p:txBody>
+          <a:bodyPr lIns="0" rIns="0" tIns="0" bIns="0" anchor="ctr"/>
+          <a:p>
+            <a:pPr algn="ctr">
+              <a:lnSpc>
+                <a:spcPct val="100000"/>
+              </a:lnSpc>
+            </a:pPr>
+            <a:r>
+              <a:rPr lang="en-IE" sz="4400">
+                <a:latin typeface="Arial"/>
+              </a:rPr>
+              <a:t>Types</a:t>
+            </a:r>
+            <a:endParaRPr/>
+          </a:p>
+        </p:txBody>
+      </p:sp>
+      <p:sp>
+        <p:nvSpPr>
+          <p:cNvPr id="117" name="CustomShape 2"/>
+          <p:cNvSpPr/>
+          <p:nvPr/>
+        </p:nvSpPr>
+        <p:spPr>
+          <a:xfrm>
+            <a:off x="504000" y="1768680"/>
+            <a:ext cx="9069840" cy="4381920"/>
+          </a:xfrm>
+          <a:prstGeom prst="rect">
+            <a:avLst/>
+          </a:prstGeom>
+          <a:noFill/>
+          <a:ln>
+            <a:noFill/>
+          </a:ln>
+        </p:spPr>
+        <p:txBody>
+          <a:bodyPr lIns="0" rIns="0" tIns="0" bIns="0"/>
+          <a:p>
+            <a:endParaRPr/>
+          </a:p>
+          <a:p>
+            <a:r>
+              <a:rPr lang="en-IE" sz="3200">
+                <a:latin typeface="Arial"/>
+              </a:rPr>
+              <a:t>Foundation of software industry</a:t>
+            </a:r>
+            <a:endParaRPr/>
+          </a:p>
+          <a:p>
+            <a:endParaRPr/>
+          </a:p>
+          <a:p>
+            <a:r>
+              <a:rPr lang="en-IE" sz="3200">
+                <a:latin typeface="Arial"/>
+              </a:rPr>
+              <a:t>Intellectual properties found in software:</a:t>
+            </a:r>
+            <a:endParaRPr/>
+          </a:p>
+          <a:p>
+            <a:pPr>
+              <a:lnSpc>
+                <a:spcPct val="100000"/>
+              </a:lnSpc>
+              <a:buFont typeface="Wingdings" charset="2"/>
+              <a:buChar char=""/>
+            </a:pPr>
+            <a:r>
+              <a:rPr lang="en-IE" sz="3200">
+                <a:latin typeface="Arial"/>
+              </a:rPr>
+              <a:t>Patents</a:t>
+            </a:r>
+            <a:endParaRPr/>
+          </a:p>
+          <a:p>
+            <a:pPr>
+              <a:lnSpc>
+                <a:spcPct val="100000"/>
+              </a:lnSpc>
+              <a:buFont typeface="Wingdings" charset="2"/>
+              <a:buChar char=""/>
+            </a:pPr>
+            <a:r>
+              <a:rPr lang="en-IE" sz="3200">
+                <a:latin typeface="Arial"/>
+              </a:rPr>
+              <a:t>Copyrights</a:t>
+            </a:r>
+            <a:endParaRPr/>
+          </a:p>
+          <a:p>
+            <a:pPr>
+              <a:lnSpc>
+                <a:spcPct val="100000"/>
+              </a:lnSpc>
+              <a:buFont typeface="Wingdings" charset="2"/>
+              <a:buChar char=""/>
+            </a:pPr>
+            <a:r>
+              <a:rPr lang="en-IE" sz="3200">
+                <a:latin typeface="Arial"/>
+              </a:rPr>
+              <a:t>Trade Secrets</a:t>
+            </a:r>
+            <a:endParaRPr/>
+          </a:p>
+          <a:p>
+            <a:pPr>
+              <a:lnSpc>
+                <a:spcPct val="100000"/>
+              </a:lnSpc>
+              <a:buFont typeface="Wingdings" charset="2"/>
+              <a:buChar char=""/>
+            </a:pPr>
+            <a:r>
+              <a:rPr lang="en-IE" sz="3200">
+                <a:latin typeface="Arial"/>
+              </a:rPr>
+              <a:t>Trademark</a:t>
+            </a:r>
+            <a:endParaRPr/>
+          </a:p>
+        </p:txBody>
+      </p:sp>
+    </p:spTree>
+  </p:cSld>
+  <p:timing>
+    <p:tnLst>
+      <p:par>
+        <p:cTn id="5" dur="indefinite" restart="never" nodeType="tmRoot">
+          <p:childTnLst>
+            <p:seq>
+              <p:cTn id="6" nodeType="mainSeq"/>
+              <p:prevCondLst>
+                <p:cond delay="0" evt="onPrev">
+                  <p:tgtEl>
+                    <p:sldTgt/>
+                  </p:tgtEl>
+                </p:cond>
+              </p:prevCondLst>
+              <p:nextCondLst>
+                <p:cond delay="0" evt="onNext">
+                  <p:tgtEl>
+                    <p:sldTgt/>
+                  </p:tgtEl>
+                </p:cond>
+              </p:nextCondLst>
+            </p:seq>
+          </p:childTnLst>
+        </p:cTn>
+      </p:par>
+    </p:tnLst>
+  </p:timing>
+</p:sld>
+</file>
+
+<file path=ppt/slides/slide4.xml><?xml version="1.0" encoding="utf-8"?>
+<p:sld xmlns:a="http://schemas.openxmlformats.org/drawingml/2006/main" xmlns:p="http://schemas.openxmlformats.org/presentationml/2006/main" xmlns:r="http://schemas.openxmlformats.org/officeDocument/2006/relationships">
+  <p:cSld>
+    <p:spTree>
+      <p:nvGrpSpPr>
+        <p:cNvPr id="1" name=""/>
+        <p:cNvGrpSpPr/>
+        <p:nvPr/>
+      </p:nvGrpSpPr>
+      <p:grpSpPr>
+        <a:xfrm>
+          <a:off x="0" y="0"/>
+          <a:ext cx="0" cy="0"/>
+          <a:chOff x="0" y="0"/>
+          <a:chExt cx="0" cy="0"/>
+        </a:xfrm>
+      </p:grpSpPr>
+      <p:sp>
+        <p:nvSpPr>
+          <p:cNvPr id="118" name="CustomShape 1"/>
+          <p:cNvSpPr/>
+          <p:nvPr/>
+        </p:nvSpPr>
+        <p:spPr>
+          <a:xfrm>
+            <a:off x="504000" y="301320"/>
+            <a:ext cx="9069840" cy="1260000"/>
+          </a:xfrm>
+          <a:prstGeom prst="rect">
+            <a:avLst/>
+          </a:prstGeom>
+          <a:noFill/>
+          <a:ln>
+            <a:noFill/>
+          </a:ln>
+        </p:spPr>
+        <p:txBody>
+          <a:bodyPr lIns="0" rIns="0" tIns="0" bIns="0" anchor="ctr"/>
+          <a:p>
+            <a:pPr algn="ctr">
+              <a:lnSpc>
+                <a:spcPct val="100000"/>
+              </a:lnSpc>
+            </a:pPr>
+            <a:r>
+              <a:rPr lang="en-IE" sz="4400">
+                <a:latin typeface="Arial"/>
+              </a:rPr>
+              <a:t>Trademark</a:t>
+            </a:r>
+            <a:endParaRPr/>
+          </a:p>
+        </p:txBody>
+      </p:sp>
+      <p:sp>
+        <p:nvSpPr>
+          <p:cNvPr id="119" name="CustomShape 2"/>
+          <p:cNvSpPr/>
+          <p:nvPr/>
+        </p:nvSpPr>
+        <p:spPr>
+          <a:xfrm>
+            <a:off x="504000" y="1768680"/>
+            <a:ext cx="9069840" cy="4381920"/>
+          </a:xfrm>
+          <a:prstGeom prst="rect">
+            <a:avLst/>
+          </a:prstGeom>
+          <a:noFill/>
+          <a:ln>
+            <a:noFill/>
+          </a:ln>
+        </p:spPr>
+        <p:txBody>
+          <a:bodyPr lIns="0" rIns="0" tIns="0" bIns="0"/>
+          <a:p>
+            <a:pPr>
+              <a:lnSpc>
+                <a:spcPct val="100000"/>
+              </a:lnSpc>
+            </a:pPr>
+            <a:endParaRPr/>
+          </a:p>
+          <a:p>
+            <a:pPr>
+              <a:lnSpc>
+                <a:spcPct val="100000"/>
+              </a:lnSpc>
+              <a:buFont typeface="Wingdings" charset="2"/>
+              <a:buChar char=""/>
+            </a:pPr>
+            <a:r>
+              <a:rPr lang="en-IE" sz="3200">
+                <a:latin typeface="Arial"/>
+              </a:rPr>
+              <a:t>Recognizable sign, design or expression</a:t>
+            </a:r>
+            <a:endParaRPr/>
+          </a:p>
+          <a:p>
+            <a:pPr>
+              <a:lnSpc>
+                <a:spcPct val="100000"/>
+              </a:lnSpc>
+            </a:pPr>
+            <a:endParaRPr/>
+          </a:p>
+          <a:p>
+            <a:pPr>
+              <a:lnSpc>
+                <a:spcPct val="100000"/>
+              </a:lnSpc>
+              <a:buFont typeface="Wingdings" charset="2"/>
+              <a:buChar char=""/>
+            </a:pPr>
+            <a:r>
+              <a:rPr lang="en-IE" sz="3200">
+                <a:latin typeface="Arial"/>
+              </a:rPr>
+              <a:t>Patents, copyrights and trade secrets can be used to protect technology itself</a:t>
+            </a:r>
+            <a:endParaRPr/>
+          </a:p>
+          <a:p>
+            <a:pPr>
+              <a:lnSpc>
+                <a:spcPct val="100000"/>
+              </a:lnSpc>
+            </a:pPr>
+            <a:endParaRPr/>
+          </a:p>
+          <a:p>
+            <a:pPr>
+              <a:lnSpc>
+                <a:spcPct val="100000"/>
+              </a:lnSpc>
+              <a:buFont typeface="Wingdings" charset="2"/>
+              <a:buChar char=""/>
+            </a:pPr>
+            <a:r>
+              <a:rPr lang="en-IE" sz="3200">
+                <a:latin typeface="Arial"/>
+              </a:rPr>
+              <a:t>Trademarks do not protect technology</a:t>
+            </a:r>
+            <a:endParaRPr/>
+          </a:p>
+        </p:txBody>
+      </p:sp>
+    </p:spTree>
+  </p:cSld>
+  <p:timing>
+    <p:tnLst>
+      <p:par>
+        <p:cTn id="7" dur="indefinite" restart="never" nodeType="tmRoot">
+          <p:childTnLst>
+            <p:seq>
+              <p:cTn id="8" nodeType="mainSeq"/>
+              <p:prevCondLst>
+                <p:cond delay="0" evt="onPrev">
+                  <p:tgtEl>
+                    <p:sldTgt/>
+                  </p:tgtEl>
+                </p:cond>
+              </p:prevCondLst>
+              <p:nextCondLst>
+                <p:cond delay="0" evt="onNext">
+                  <p:tgtEl>
+                    <p:sldTgt/>
+                  </p:tgtEl>
+                </p:cond>
+              </p:nextCondLst>
+            </p:seq>
+          </p:childTnLst>
+        </p:cTn>
+      </p:par>
+    </p:tnLst>
+  </p:timing>
+</p:sld>
+</file>
+
+<file path=ppt/slides/slide5.xml><?xml version="1.0" encoding="utf-8"?>
+<p:sld xmlns:a="http://schemas.openxmlformats.org/drawingml/2006/main" xmlns:p="http://schemas.openxmlformats.org/presentationml/2006/main" xmlns:r="http://schemas.openxmlformats.org/officeDocument/2006/relationships">
+  <p:cSld>
+    <p:spTree>
+      <p:nvGrpSpPr>
+        <p:cNvPr id="1" name=""/>
+        <p:cNvGrpSpPr/>
+        <p:nvPr/>
+      </p:nvGrpSpPr>
+      <p:grpSpPr>
+        <a:xfrm>
+          <a:off x="0" y="0"/>
+          <a:ext cx="0" cy="0"/>
+          <a:chOff x="0" y="0"/>
+          <a:chExt cx="0" cy="0"/>
+        </a:xfrm>
+      </p:grpSpPr>
+      <p:sp>
+        <p:nvSpPr>
+          <p:cNvPr id="120" name="CustomShape 1"/>
+          <p:cNvSpPr/>
+          <p:nvPr/>
+        </p:nvSpPr>
+        <p:spPr>
+          <a:xfrm>
+            <a:off x="504000" y="301320"/>
+            <a:ext cx="9069840" cy="1260000"/>
+          </a:xfrm>
+          <a:prstGeom prst="rect">
+            <a:avLst/>
+          </a:prstGeom>
+          <a:noFill/>
+          <a:ln>
+            <a:noFill/>
+          </a:ln>
+        </p:spPr>
+        <p:txBody>
+          <a:bodyPr lIns="0" rIns="0" tIns="0" bIns="0" anchor="ctr"/>
+          <a:p>
+            <a:pPr algn="ctr">
+              <a:lnSpc>
+                <a:spcPct val="100000"/>
+              </a:lnSpc>
+            </a:pPr>
+            <a:r>
+              <a:rPr lang="en-IE" sz="4400">
+                <a:latin typeface="Arial"/>
+              </a:rPr>
+              <a:t>Patents</a:t>
+            </a:r>
+            <a:endParaRPr/>
+          </a:p>
+        </p:txBody>
+      </p:sp>
+      <p:sp>
+        <p:nvSpPr>
+          <p:cNvPr id="121" name="CustomShape 2"/>
+          <p:cNvSpPr/>
+          <p:nvPr/>
+        </p:nvSpPr>
+        <p:spPr>
+          <a:xfrm>
+            <a:off x="504000" y="1768680"/>
+            <a:ext cx="9069840" cy="4381920"/>
+          </a:xfrm>
+          <a:prstGeom prst="rect">
+            <a:avLst/>
+          </a:prstGeom>
+          <a:noFill/>
+          <a:ln>
+            <a:noFill/>
+          </a:ln>
+        </p:spPr>
+        <p:txBody>
+          <a:bodyPr lIns="0" rIns="0" tIns="0" bIns="0"/>
+          <a:p>
+            <a:r>
+              <a:rPr lang="en-IE" sz="3200">
+                <a:latin typeface="Arial"/>
+              </a:rPr>
+              <a:t> </a:t>
+            </a:r>
+            <a:endParaRPr/>
+          </a:p>
+          <a:p>
+            <a:pPr>
+              <a:lnSpc>
+                <a:spcPct val="100000"/>
+              </a:lnSpc>
+              <a:buFont typeface="Wingdings" charset="2"/>
+              <a:buChar char=""/>
+            </a:pPr>
+            <a:r>
+              <a:rPr lang="en-IE" sz="3200">
+                <a:latin typeface="Arial"/>
+              </a:rPr>
+              <a:t>Protection of “ideas”</a:t>
+            </a:r>
+            <a:endParaRPr/>
+          </a:p>
+          <a:p>
+            <a:pPr>
+              <a:lnSpc>
+                <a:spcPct val="100000"/>
+              </a:lnSpc>
+            </a:pPr>
+            <a:endParaRPr/>
+          </a:p>
+          <a:p>
+            <a:pPr>
+              <a:lnSpc>
+                <a:spcPct val="100000"/>
+              </a:lnSpc>
+              <a:buFont typeface="Wingdings" charset="2"/>
+              <a:buChar char=""/>
+            </a:pPr>
+            <a:r>
+              <a:rPr lang="en-IE" sz="3200">
+                <a:latin typeface="Arial"/>
+              </a:rPr>
+              <a:t>20 year exclusive monopoly</a:t>
+            </a:r>
+            <a:endParaRPr/>
+          </a:p>
+          <a:p>
+            <a:pPr>
+              <a:lnSpc>
+                <a:spcPct val="100000"/>
+              </a:lnSpc>
+            </a:pPr>
+            <a:endParaRPr/>
+          </a:p>
+          <a:p>
+            <a:pPr>
+              <a:lnSpc>
+                <a:spcPct val="100000"/>
+              </a:lnSpc>
+              <a:buFont typeface="Wingdings" charset="2"/>
+              <a:buChar char=""/>
+            </a:pPr>
+            <a:r>
+              <a:rPr lang="en-IE" sz="3200">
+                <a:latin typeface="Arial"/>
+              </a:rPr>
+              <a:t>Described in detail</a:t>
+            </a:r>
+            <a:endParaRPr/>
+          </a:p>
+          <a:p>
+            <a:pPr>
+              <a:lnSpc>
+                <a:spcPct val="100000"/>
+              </a:lnSpc>
+            </a:pPr>
+            <a:endParaRPr/>
+          </a:p>
+          <a:p>
+            <a:pPr>
+              <a:lnSpc>
+                <a:spcPct val="100000"/>
+              </a:lnSpc>
+              <a:buFont typeface="Wingdings" charset="2"/>
+              <a:buChar char=""/>
+            </a:pPr>
+            <a:r>
+              <a:rPr lang="en-IE" sz="3200">
+                <a:latin typeface="Arial"/>
+              </a:rPr>
+              <a:t>Available to public</a:t>
+            </a:r>
+            <a:endParaRPr/>
+          </a:p>
+        </p:txBody>
+      </p:sp>
+    </p:spTree>
+  </p:cSld>
+  <p:timing>
+    <p:tnLst>
+      <p:par>
+        <p:cTn id="9" dur="indefinite" restart="never" nodeType="tmRoot">
+          <p:childTnLst>
+            <p:seq>
+              <p:cTn id="10" nodeType="mainSeq"/>
+              <p:prevCondLst>
+                <p:cond delay="0" evt="onPrev">
+                  <p:tgtEl>
+                    <p:sldTgt/>
+                  </p:tgtEl>
+                </p:cond>
+              </p:prevCondLst>
+              <p:nextCondLst>
+                <p:cond delay="0" evt="onNext">
+                  <p:tgtEl>
+                    <p:sldTgt/>
+                  </p:tgtEl>
+                </p:cond>
+              </p:nextCondLst>
+            </p:seq>
+          </p:childTnLst>
+        </p:cTn>
+      </p:par>
+    </p:tnLst>
+  </p:timing>
+</p:sld>
+</file>
+
+<file path=ppt/slides/slide6.xml><?xml version="1.0" encoding="utf-8"?>
+<p:sld xmlns:a="http://schemas.openxmlformats.org/drawingml/2006/main" xmlns:p="http://schemas.openxmlformats.org/presentationml/2006/main" xmlns:r="http://schemas.openxmlformats.org/officeDocument/2006/relationships">
+  <p:cSld>
+    <p:spTree>
+      <p:nvGrpSpPr>
+        <p:cNvPr id="1" name=""/>
+        <p:cNvGrpSpPr/>
+        <p:nvPr/>
+      </p:nvGrpSpPr>
+      <p:grpSpPr>
+        <a:xfrm>
+          <a:off x="0" y="0"/>
+          <a:ext cx="0" cy="0"/>
+          <a:chOff x="0" y="0"/>
+          <a:chExt cx="0" cy="0"/>
+        </a:xfrm>
+      </p:grpSpPr>
+      <p:sp>
+        <p:nvSpPr>
+          <p:cNvPr id="122" name="CustomShape 1"/>
+          <p:cNvSpPr/>
+          <p:nvPr/>
+        </p:nvSpPr>
+        <p:spPr>
+          <a:xfrm>
+            <a:off x="504000" y="301320"/>
+            <a:ext cx="9069840" cy="1260000"/>
+          </a:xfrm>
+          <a:prstGeom prst="rect">
+            <a:avLst/>
+          </a:prstGeom>
+          <a:noFill/>
+          <a:ln>
+            <a:noFill/>
+          </a:ln>
+        </p:spPr>
+        <p:txBody>
+          <a:bodyPr lIns="0" rIns="0" tIns="0" bIns="0" anchor="ctr"/>
+          <a:p>
+            <a:pPr algn="ctr">
+              <a:lnSpc>
+                <a:spcPct val="100000"/>
+              </a:lnSpc>
+            </a:pPr>
+            <a:r>
+              <a:rPr lang="en-IE" sz="4400">
+                <a:latin typeface="Arial"/>
+              </a:rPr>
+              <a:t>Obtaining Patents</a:t>
+            </a:r>
+            <a:endParaRPr/>
+          </a:p>
+        </p:txBody>
+      </p:sp>
+      <p:sp>
+        <p:nvSpPr>
+          <p:cNvPr id="123" name="CustomShape 2"/>
+          <p:cNvSpPr/>
+          <p:nvPr/>
+        </p:nvSpPr>
+        <p:spPr>
+          <a:xfrm>
+            <a:off x="504000" y="1768680"/>
+            <a:ext cx="9069840" cy="4381920"/>
+          </a:xfrm>
+          <a:prstGeom prst="rect">
+            <a:avLst/>
+          </a:prstGeom>
+          <a:noFill/>
+          <a:ln>
+            <a:noFill/>
+          </a:ln>
+        </p:spPr>
+        <p:txBody>
+          <a:bodyPr lIns="0" rIns="0" tIns="0" bIns="0"/>
+          <a:p>
+            <a:pPr>
+              <a:lnSpc>
+                <a:spcPct val="100000"/>
+              </a:lnSpc>
+            </a:pPr>
+            <a:endParaRPr/>
+          </a:p>
+          <a:p>
+            <a:pPr>
+              <a:lnSpc>
+                <a:spcPct val="100000"/>
+              </a:lnSpc>
+              <a:buFont typeface="Wingdings" charset="2"/>
+              <a:buChar char=""/>
+            </a:pPr>
+            <a:r>
+              <a:rPr lang="en-IE" sz="3200">
+                <a:latin typeface="Arial"/>
+              </a:rPr>
+              <a:t>Must apply to patent office</a:t>
+            </a:r>
+            <a:endParaRPr/>
+          </a:p>
+          <a:p>
+            <a:pPr>
+              <a:lnSpc>
+                <a:spcPct val="100000"/>
+              </a:lnSpc>
+            </a:pPr>
+            <a:endParaRPr/>
+          </a:p>
+          <a:p>
+            <a:pPr>
+              <a:lnSpc>
+                <a:spcPct val="100000"/>
+              </a:lnSpc>
+              <a:buFont typeface="Wingdings" charset="2"/>
+              <a:buChar char=""/>
+            </a:pPr>
+            <a:r>
+              <a:rPr lang="en-IE" sz="3200">
+                <a:latin typeface="Arial"/>
+              </a:rPr>
+              <a:t>Must be demonstrated as new, useful and “nonobvious”</a:t>
+            </a:r>
+            <a:endParaRPr/>
+          </a:p>
+          <a:p>
+            <a:pPr>
+              <a:lnSpc>
+                <a:spcPct val="100000"/>
+              </a:lnSpc>
+            </a:pPr>
+            <a:endParaRPr/>
+          </a:p>
+          <a:p>
+            <a:pPr>
+              <a:lnSpc>
+                <a:spcPct val="100000"/>
+              </a:lnSpc>
+              <a:buFont typeface="Wingdings" charset="2"/>
+              <a:buChar char=""/>
+            </a:pPr>
+            <a:r>
+              <a:rPr lang="en-IE" sz="3200">
+                <a:latin typeface="Arial"/>
+              </a:rPr>
+              <a:t>More than trivial, obvious next step in the advance of technology</a:t>
+            </a:r>
+            <a:endParaRPr/>
+          </a:p>
+        </p:txBody>
+      </p:sp>
+    </p:spTree>
+  </p:cSld>
+  <p:timing>
+    <p:tnLst>
+      <p:par>
+        <p:cTn id="11" dur="indefinite" restart="never" nodeType="tmRoot">
+          <p:childTnLst>
+            <p:seq>
+              <p:cTn id="12" nodeType="mainSeq"/>
+              <p:prevCondLst>
+                <p:cond delay="0" evt="onPrev">
+                  <p:tgtEl>
+                    <p:sldTgt/>
+                  </p:tgtEl>
+                </p:cond>
+              </p:prevCondLst>
+              <p:nextCondLst>
+                <p:cond delay="0" evt="onNext">
+                  <p:tgtEl>
+                    <p:sldTgt/>
+                  </p:tgtEl>
+                </p:cond>
+              </p:nextCondLst>
+            </p:seq>
+          </p:childTnLst>
+        </p:cTn>
+      </p:par>
+    </p:tnLst>
+  </p:timing>
+</p:sld>
+</file>
+
+<file path=ppt/slides/slide7.xml><?xml version="1.0" encoding="utf-8"?>
+<p:sld xmlns:a="http://schemas.openxmlformats.org/drawingml/2006/main" xmlns:p="http://schemas.openxmlformats.org/presentationml/2006/main" xmlns:r="http://schemas.openxmlformats.org/officeDocument/2006/relationships">
+  <p:cSld>
+    <p:spTree>
+      <p:nvGrpSpPr>
+        <p:cNvPr id="1" name=""/>
+        <p:cNvGrpSpPr/>
+        <p:nvPr/>
+      </p:nvGrpSpPr>
+      <p:grpSpPr>
+        <a:xfrm>
+          <a:off x="0" y="0"/>
+          <a:ext cx="0" cy="0"/>
+          <a:chOff x="0" y="0"/>
+          <a:chExt cx="0" cy="0"/>
+        </a:xfrm>
+      </p:grpSpPr>
+      <p:sp>
+        <p:nvSpPr>
+          <p:cNvPr id="124" name="CustomShape 1"/>
+          <p:cNvSpPr/>
+          <p:nvPr/>
+        </p:nvSpPr>
+        <p:spPr>
+          <a:xfrm>
+            <a:off x="504000" y="301320"/>
+            <a:ext cx="9069840" cy="1260000"/>
+          </a:xfrm>
+          <a:prstGeom prst="rect">
+            <a:avLst/>
+          </a:prstGeom>
+          <a:noFill/>
+          <a:ln>
+            <a:noFill/>
+          </a:ln>
+        </p:spPr>
+        <p:txBody>
+          <a:bodyPr lIns="0" rIns="0" tIns="0" bIns="0" anchor="ctr"/>
+          <a:p>
+            <a:pPr algn="ctr">
+              <a:lnSpc>
+                <a:spcPct val="100000"/>
+              </a:lnSpc>
+            </a:pPr>
+            <a:r>
+              <a:rPr lang="en-IE" sz="4400">
+                <a:latin typeface="Arial"/>
+              </a:rPr>
+              <a:t>Patent examples</a:t>
+            </a:r>
+            <a:endParaRPr/>
+          </a:p>
+        </p:txBody>
+      </p:sp>
+      <p:sp>
+        <p:nvSpPr>
+          <p:cNvPr id="125" name="CustomShape 2"/>
+          <p:cNvSpPr/>
+          <p:nvPr/>
+        </p:nvSpPr>
+        <p:spPr>
+          <a:xfrm>
+            <a:off x="504000" y="1768680"/>
+            <a:ext cx="9069840" cy="4381920"/>
+          </a:xfrm>
+          <a:prstGeom prst="rect">
+            <a:avLst/>
+          </a:prstGeom>
+          <a:noFill/>
+          <a:ln>
+            <a:noFill/>
+          </a:ln>
+        </p:spPr>
+        <p:txBody>
+          <a:bodyPr lIns="0" rIns="0" tIns="0" bIns="0"/>
+          <a:p>
+            <a:pPr>
+              <a:lnSpc>
+                <a:spcPct val="100000"/>
+              </a:lnSpc>
+            </a:pPr>
+            <a:endParaRPr/>
+          </a:p>
+          <a:p>
+            <a:pPr>
+              <a:lnSpc>
+                <a:spcPct val="100000"/>
+              </a:lnSpc>
+              <a:buFont typeface="Wingdings" charset="2"/>
+              <a:buChar char=""/>
+            </a:pPr>
+            <a:r>
+              <a:rPr lang="en-IE" sz="3200">
+                <a:latin typeface="Arial"/>
+              </a:rPr>
+              <a:t>Algorithms, methods, systems</a:t>
+            </a:r>
+            <a:endParaRPr/>
+          </a:p>
+          <a:p>
+            <a:pPr>
+              <a:lnSpc>
+                <a:spcPct val="100000"/>
+              </a:lnSpc>
+            </a:pPr>
+            <a:endParaRPr/>
+          </a:p>
+          <a:p>
+            <a:pPr>
+              <a:lnSpc>
+                <a:spcPct val="100000"/>
+              </a:lnSpc>
+              <a:buFont typeface="Wingdings" charset="2"/>
+              <a:buChar char=""/>
+            </a:pPr>
+            <a:r>
+              <a:rPr lang="en-IE" sz="3200">
+                <a:latin typeface="Arial"/>
+              </a:rPr>
+              <a:t>User-Interface Feature, Menu features</a:t>
+            </a:r>
+            <a:endParaRPr/>
+          </a:p>
+          <a:p>
+            <a:pPr>
+              <a:lnSpc>
+                <a:spcPct val="100000"/>
+              </a:lnSpc>
+            </a:pPr>
+            <a:endParaRPr/>
+          </a:p>
+          <a:p>
+            <a:pPr>
+              <a:lnSpc>
+                <a:spcPct val="100000"/>
+              </a:lnSpc>
+              <a:buFont typeface="Wingdings" charset="2"/>
+              <a:buChar char=""/>
+            </a:pPr>
+            <a:r>
+              <a:rPr lang="en-IE" sz="3200">
+                <a:latin typeface="Arial"/>
+              </a:rPr>
+              <a:t>Apple patents</a:t>
+            </a:r>
+            <a:endParaRPr/>
+          </a:p>
+        </p:txBody>
+      </p:sp>
+      <p:pic>
+        <p:nvPicPr>
+          <p:cNvPr id="126" name="" descr=""/>
+          <p:cNvPicPr/>
+          <p:nvPr/>
+        </p:nvPicPr>
+        <p:blipFill>
+          <a:blip r:embed="rId1"/>
+          <a:stretch>
+            <a:fillRect/>
+          </a:stretch>
+        </p:blipFill>
+        <p:spPr>
+          <a:xfrm>
+            <a:off x="432000" y="4477320"/>
+            <a:ext cx="4836600" cy="2505600"/>
+          </a:xfrm>
+          <a:prstGeom prst="rect">
+            <a:avLst/>
+          </a:prstGeom>
+          <a:ln>
+            <a:noFill/>
+          </a:ln>
+        </p:spPr>
+      </p:pic>
+      <p:pic>
+        <p:nvPicPr>
+          <p:cNvPr id="127" name="" descr=""/>
+          <p:cNvPicPr/>
+          <p:nvPr/>
+        </p:nvPicPr>
+        <p:blipFill>
+          <a:blip r:embed="rId2"/>
+          <a:stretch>
+            <a:fillRect/>
+          </a:stretch>
+        </p:blipFill>
+        <p:spPr>
+          <a:xfrm>
+            <a:off x="5849280" y="4680000"/>
+            <a:ext cx="2285640" cy="2302920"/>
+          </a:xfrm>
+          <a:prstGeom prst="rect">
+            <a:avLst/>
+          </a:prstGeom>
+          <a:ln>
+            <a:noFill/>
+          </a:ln>
+        </p:spPr>
+      </p:pic>
+    </p:spTree>
+  </p:cSld>
+  <p:timing>
+    <p:tnLst>
+      <p:par>
+        <p:cTn id="13" dur="indefinite" restart="never" nodeType="tmRoot">
+          <p:childTnLst>
+            <p:seq>
+              <p:cTn id="14" nodeType="mainSeq"/>
+              <p:prevCondLst>
+                <p:cond delay="0" evt="onPrev">
+                  <p:tgtEl>
+                    <p:sldTgt/>
+                  </p:tgtEl>
+                </p:cond>
+              </p:prevCondLst>
+              <p:nextCondLst>
+                <p:cond delay="0" evt="onNext">
+                  <p:tgtEl>
+                    <p:sldTgt/>
+                  </p:tgtEl>
+                </p:cond>
+              </p:nextCondLst>
+            </p:seq>
+          </p:childTnLst>
+        </p:cTn>
+      </p:par>
+    </p:tnLst>
+  </p:timing>
+</p:sld>
+</file>
+
+<file path=ppt/slides/slide8.xml><?xml version="1.0" encoding="utf-8"?>
+<p:sld xmlns:a="http://schemas.openxmlformats.org/drawingml/2006/main" xmlns:p="http://schemas.openxmlformats.org/presentationml/2006/main" xmlns:r="http://schemas.openxmlformats.org/officeDocument/2006/relationships">
+  <p:cSld>
+    <p:spTree>
+      <p:nvGrpSpPr>
+        <p:cNvPr id="1" name=""/>
+        <p:cNvGrpSpPr/>
+        <p:nvPr/>
+      </p:nvGrpSpPr>
+      <p:grpSpPr>
+        <a:xfrm>
+          <a:off x="0" y="0"/>
+          <a:ext cx="0" cy="0"/>
+          <a:chOff x="0" y="0"/>
+          <a:chExt cx="0" cy="0"/>
+        </a:xfrm>
+      </p:grpSpPr>
+      <p:sp>
+        <p:nvSpPr>
+          <p:cNvPr id="128" name="CustomShape 1"/>
+          <p:cNvSpPr/>
+          <p:nvPr/>
+        </p:nvSpPr>
+        <p:spPr>
+          <a:xfrm>
+            <a:off x="504000" y="301320"/>
+            <a:ext cx="9069840" cy="1260000"/>
+          </a:xfrm>
+          <a:prstGeom prst="rect">
+            <a:avLst/>
+          </a:prstGeom>
+          <a:noFill/>
+          <a:ln>
+            <a:noFill/>
+          </a:ln>
+        </p:spPr>
+        <p:txBody>
+          <a:bodyPr lIns="0" rIns="0" tIns="0" bIns="0" anchor="ctr"/>
+          <a:p>
+            <a:pPr algn="ctr">
+              <a:lnSpc>
+                <a:spcPct val="100000"/>
+              </a:lnSpc>
+            </a:pPr>
+            <a:r>
+              <a:rPr lang="en-IE" sz="4400">
+                <a:latin typeface="Arial"/>
+              </a:rPr>
+              <a:t>Patent examples</a:t>
+            </a:r>
+            <a:endParaRPr/>
+          </a:p>
+        </p:txBody>
+      </p:sp>
+      <p:sp>
+        <p:nvSpPr>
+          <p:cNvPr id="129" name="CustomShape 2"/>
+          <p:cNvSpPr/>
+          <p:nvPr/>
+        </p:nvSpPr>
+        <p:spPr>
+          <a:xfrm>
+            <a:off x="504000" y="1768680"/>
+            <a:ext cx="9069840" cy="4381920"/>
+          </a:xfrm>
+          <a:prstGeom prst="rect">
+            <a:avLst/>
+          </a:prstGeom>
+          <a:noFill/>
+          <a:ln>
+            <a:noFill/>
+          </a:ln>
+        </p:spPr>
+      </p:sp>
+      <p:pic>
+        <p:nvPicPr>
+          <p:cNvPr id="130" name="" descr=""/>
+          <p:cNvPicPr/>
+          <p:nvPr/>
+        </p:nvPicPr>
+        <p:blipFill>
+          <a:blip r:embed="rId1"/>
+          <a:stretch>
+            <a:fillRect/>
+          </a:stretch>
+        </p:blipFill>
+        <p:spPr>
+          <a:xfrm>
+            <a:off x="550440" y="2758680"/>
+            <a:ext cx="2905560" cy="2857320"/>
+          </a:xfrm>
+          <a:prstGeom prst="rect">
+            <a:avLst/>
+          </a:prstGeom>
+          <a:ln>
+            <a:noFill/>
+          </a:ln>
+        </p:spPr>
+      </p:pic>
+      <p:pic>
+        <p:nvPicPr>
+          <p:cNvPr id="131" name="" descr=""/>
+          <p:cNvPicPr/>
+          <p:nvPr/>
+        </p:nvPicPr>
+        <p:blipFill>
+          <a:blip r:embed="rId2"/>
+          <a:stretch>
+            <a:fillRect/>
+          </a:stretch>
+        </p:blipFill>
+        <p:spPr>
+          <a:xfrm>
+            <a:off x="4176000" y="1944000"/>
+            <a:ext cx="5400000" cy="4896000"/>
+          </a:xfrm>
+          <a:prstGeom prst="rect">
+            <a:avLst/>
+          </a:prstGeom>
+          <a:ln>
+            <a:noFill/>
+          </a:ln>
+        </p:spPr>
+      </p:pic>
+    </p:spTree>
+  </p:cSld>
+  <p:timing>
+    <p:tnLst>
+      <p:par>
+        <p:cTn id="15" dur="indefinite" restart="never" nodeType="tmRoot">
+          <p:childTnLst>
+            <p:seq>
+              <p:cTn id="16" nodeType="mainSeq"/>
+              <p:prevCondLst>
+                <p:cond delay="0" evt="onPrev">
+                  <p:tgtEl>
+                    <p:sldTgt/>
+                  </p:tgtEl>
+                </p:cond>
+              </p:prevCondLst>
+              <p:nextCondLst>
+                <p:cond delay="0" evt="onNext">
+                  <p:tgtEl>
+                    <p:sldTgt/>
+                  </p:tgtEl>
+                </p:cond>
+              </p:nextCondLst>
+            </p:seq>
+          </p:childTnLst>
+        </p:cTn>
+      </p:par>
+    </p:tnLst>
+  </p:timing>
+</p:sld>
+</file>
+
+<file path=ppt/slides/slide9.xml><?xml version="1.0" encoding="utf-8"?>
+<p:sld xmlns:a="http://schemas.openxmlformats.org/drawingml/2006/main" xmlns:p="http://schemas.openxmlformats.org/presentationml/2006/main" xmlns:r="http://schemas.openxmlformats.org/officeDocument/2006/relationships">
+  <p:cSld>
+    <p:bg>
+      <p:bgPr>
+        <a:solidFill>
+          <a:srgbClr val="ffffff"/>
+        </a:solidFill>
+      </p:bgPr>
+    </p:bg>
+    <p:spTree>
+      <p:nvGrpSpPr>
+        <p:cNvPr id="1" name=""/>
+        <p:cNvGrpSpPr/>
+        <p:nvPr/>
+      </p:nvGrpSpPr>
+      <p:grpSpPr>
+        <a:xfrm>
+          <a:off x="0" y="0"/>
+          <a:ext cx="0" cy="0"/>
+          <a:chOff x="0" y="0"/>
+          <a:chExt cx="0" cy="0"/>
+        </a:xfrm>
+      </p:grpSpPr>
+      <p:sp>
+        <p:nvSpPr>
+          <p:cNvPr id="132" name="CustomShape 1"/>
+          <p:cNvSpPr/>
+          <p:nvPr/>
+        </p:nvSpPr>
+        <p:spPr>
+          <a:xfrm>
+            <a:off x="504360" y="301320"/>
+            <a:ext cx="9070920" cy="1261440"/>
+          </a:xfrm>
+          <a:prstGeom prst="rect">
+            <a:avLst/>
+          </a:prstGeom>
+          <a:noFill/>
+          <a:ln>
+            <a:noFill/>
+          </a:ln>
+        </p:spPr>
+        <p:txBody>
+          <a:bodyPr lIns="0" rIns="0" tIns="0" bIns="0" anchor="ctr"/>
+          <a:p>
+            <a:pPr algn="ctr">
+              <a:lnSpc>
+                <a:spcPct val="100000"/>
+              </a:lnSpc>
+              <a:buSzPct val="45000"/>
+              <a:buFont typeface="StarSymbol"/>
+              <a:buChar char="l"/>
+            </a:pPr>
+            <a:r>
+              <a:rPr lang="en-IE" sz="4400">
+                <a:latin typeface="Arial"/>
+                <a:ea typeface="宋体"/>
+              </a:rPr>
+              <a:t>Copyright</a:t>
+            </a:r>
+            <a:endParaRPr/>
+          </a:p>
+        </p:txBody>
+      </p:sp>
+      <p:sp>
+        <p:nvSpPr>
+          <p:cNvPr id="133" name="CustomShape 2"/>
+          <p:cNvSpPr/>
+          <p:nvPr/>
+        </p:nvSpPr>
+        <p:spPr>
+          <a:xfrm>
+            <a:off x="504720" y="1767960"/>
+            <a:ext cx="9072720" cy="4963320"/>
+          </a:xfrm>
+          <a:prstGeom prst="rect">
+            <a:avLst/>
+          </a:prstGeom>
+          <a:noFill/>
+          <a:ln>
+            <a:noFill/>
+          </a:ln>
+        </p:spPr>
+        <p:txBody>
+          <a:bodyPr lIns="0" rIns="0" tIns="0" bIns="0"/>
+          <a:p>
+            <a:pPr>
+              <a:lnSpc>
+                <a:spcPct val="80000"/>
+              </a:lnSpc>
+            </a:pPr>
+            <a:endParaRPr/>
+          </a:p>
+          <a:p>
+            <a:pPr>
+              <a:lnSpc>
+                <a:spcPct val="80000"/>
+              </a:lnSpc>
+              <a:buSzPct val="25000"/>
+              <a:buFont typeface="Wingdings" charset="2"/>
+              <a:buChar char=""/>
+            </a:pPr>
+            <a:r>
+              <a:rPr lang="en-IE" sz="2800">
+                <a:latin typeface="Arial"/>
+                <a:ea typeface="宋体"/>
+              </a:rPr>
+              <a:t>What is copyright?</a:t>
+            </a:r>
+            <a:endParaRPr/>
+          </a:p>
+          <a:p>
+            <a:pPr>
+              <a:lnSpc>
+                <a:spcPct val="80000"/>
+              </a:lnSpc>
+            </a:pPr>
+            <a:endParaRPr/>
+          </a:p>
+          <a:p>
+            <a:pPr>
+              <a:lnSpc>
+                <a:spcPct val="80000"/>
+              </a:lnSpc>
+            </a:pPr>
+            <a:endParaRPr/>
+          </a:p>
+          <a:p>
+            <a:pPr>
+              <a:lnSpc>
+                <a:spcPct val="80000"/>
+              </a:lnSpc>
+            </a:pPr>
+            <a:endParaRPr/>
+          </a:p>
+          <a:p>
+            <a:pPr>
+              <a:lnSpc>
+                <a:spcPct val="80000"/>
+              </a:lnSpc>
+            </a:pPr>
+            <a:endParaRPr/>
+          </a:p>
+          <a:p>
+            <a:pPr>
+              <a:lnSpc>
+                <a:spcPct val="80000"/>
+              </a:lnSpc>
+              <a:buSzPct val="25000"/>
+              <a:buFont typeface="Wingdings" charset="2"/>
+              <a:buChar char=""/>
+            </a:pPr>
+            <a:r>
+              <a:rPr lang="en-IE" sz="2800">
+                <a:latin typeface="Arial"/>
+                <a:ea typeface="宋体"/>
+              </a:rPr>
+              <a:t>What is software copyright?</a:t>
+            </a:r>
+            <a:endParaRPr/>
+          </a:p>
+          <a:p>
+            <a:pPr>
+              <a:lnSpc>
+                <a:spcPct val="80000"/>
+              </a:lnSpc>
+            </a:pPr>
+            <a:endParaRPr/>
+          </a:p>
+          <a:p>
+            <a:pPr>
+              <a:lnSpc>
+                <a:spcPct val="80000"/>
+              </a:lnSpc>
+            </a:pPr>
+            <a:r>
+              <a:rPr lang="en-IE" sz="2800">
+                <a:latin typeface="Arial"/>
+                <a:ea typeface="宋体"/>
+              </a:rPr>
+              <a:t>    </a:t>
+            </a:r>
+            <a:r>
+              <a:rPr lang="en-IE" sz="2800">
+                <a:latin typeface="Arial"/>
+                <a:ea typeface="宋体"/>
+              </a:rPr>
+              <a:t>1. all the program code itself</a:t>
+            </a:r>
+            <a:endParaRPr/>
+          </a:p>
+          <a:p>
+            <a:pPr>
+              <a:lnSpc>
+                <a:spcPct val="80000"/>
+              </a:lnSpc>
+            </a:pPr>
+            <a:endParaRPr/>
+          </a:p>
+          <a:p>
+            <a:pPr>
+              <a:lnSpc>
+                <a:spcPct val="80000"/>
+              </a:lnSpc>
+            </a:pPr>
+            <a:r>
+              <a:rPr lang="en-IE" sz="2800">
+                <a:latin typeface="Arial"/>
+                <a:ea typeface="宋体"/>
+              </a:rPr>
+              <a:t>    </a:t>
+            </a:r>
+            <a:r>
+              <a:rPr lang="en-IE" sz="2800">
+                <a:latin typeface="Arial"/>
+                <a:ea typeface="宋体"/>
+              </a:rPr>
+              <a:t>2. documents that used to describe the contents, </a:t>
+            </a:r>
+            <a:endParaRPr/>
+          </a:p>
+          <a:p>
+            <a:pPr>
+              <a:lnSpc>
+                <a:spcPct val="80000"/>
+              </a:lnSpc>
+            </a:pPr>
+            <a:r>
+              <a:rPr lang="en-IE" sz="2800">
+                <a:latin typeface="Arial"/>
+                <a:ea typeface="宋体"/>
+              </a:rPr>
+              <a:t>        </a:t>
+            </a:r>
+            <a:r>
+              <a:rPr lang="en-IE" sz="2800">
+                <a:latin typeface="Arial"/>
+                <a:ea typeface="宋体"/>
+              </a:rPr>
+              <a:t>design, testing results, etc. of a program.</a:t>
+            </a:r>
+            <a:endParaRPr/>
+          </a:p>
+          <a:p>
+            <a:pPr>
+              <a:lnSpc>
+                <a:spcPct val="80000"/>
+              </a:lnSpc>
+            </a:pPr>
+            <a:r>
+              <a:rPr lang="en-IE" sz="2800">
+                <a:latin typeface="Arial"/>
+                <a:ea typeface="宋体"/>
+              </a:rPr>
+              <a:t>    </a:t>
+            </a:r>
+            <a:endParaRPr/>
+          </a:p>
+        </p:txBody>
+      </p:sp>
+      <p:pic>
+        <p:nvPicPr>
+          <p:cNvPr id="134" name="" descr=""/>
+          <p:cNvPicPr/>
+          <p:nvPr/>
+        </p:nvPicPr>
+        <p:blipFill>
+          <a:blip r:embed="rId1"/>
+          <a:stretch>
+            <a:fillRect/>
+          </a:stretch>
+        </p:blipFill>
+        <p:spPr>
+          <a:xfrm>
+            <a:off x="5905800" y="2123640"/>
+            <a:ext cx="3244680" cy="2302920"/>
+          </a:xfrm>
+          <a:prstGeom prst="rect">
+            <a:avLst/>
+          </a:prstGeom>
+          <a:ln>
+            <a:noFill/>
+          </a:ln>
+        </p:spPr>
+      </p:pic>
     </p:spTree>
   </p:cSld>
   <p:timing>

--- a/Documents/Team G - Intellectual Property in Software.pptx
+++ b/Documents/Team G - Intellectual Property in Software.pptx
@@ -3540,7 +3540,7 @@
         <p:spPr>
           <a:xfrm>
             <a:off x="720" y="720"/>
-            <a:ext cx="10075320" cy="7555320"/>
+            <a:ext cx="10074960" cy="7554960"/>
           </a:xfrm>
           <a:prstGeom prst="rect">
             <a:avLst/>
@@ -3763,7 +3763,7 @@
         <p:spPr>
           <a:xfrm>
             <a:off x="720" y="720"/>
-            <a:ext cx="10075320" cy="7555320"/>
+            <a:ext cx="10074960" cy="7554960"/>
           </a:xfrm>
           <a:prstGeom prst="rect">
             <a:avLst/>
@@ -3986,7 +3986,7 @@
         <p:spPr>
           <a:xfrm>
             <a:off x="720" y="720"/>
-            <a:ext cx="10075320" cy="7555320"/>
+            <a:ext cx="10074960" cy="7554960"/>
           </a:xfrm>
           <a:prstGeom prst="rect">
             <a:avLst/>
@@ -4009,7 +4009,7 @@
         <p:spPr>
           <a:xfrm>
             <a:off x="504000" y="301320"/>
-            <a:ext cx="9071640" cy="1261800"/>
+            <a:ext cx="9072000" cy="1261800"/>
           </a:xfrm>
           <a:prstGeom prst="rect">
             <a:avLst/>
@@ -4018,8 +4018,9 @@
         <p:txBody>
           <a:bodyPr lIns="0" rIns="0" tIns="0" bIns="0" anchor="ctr"/>
           <a:p>
-            <a:r>
-              <a:rPr lang="en-IE">
+            <a:pPr algn="ctr"/>
+            <a:r>
+              <a:rPr lang="en-IE" sz="4400">
                 <a:latin typeface="Arial"/>
               </a:rPr>
               <a:t>Click to edit the title text format</a:t>
@@ -4041,7 +4042,7 @@
         <p:spPr>
           <a:xfrm>
             <a:off x="504000" y="1768680"/>
-            <a:ext cx="9071640" cy="4383720"/>
+            <a:ext cx="9072000" cy="4384080"/>
           </a:xfrm>
           <a:prstGeom prst="rect">
             <a:avLst/>
@@ -4056,7 +4057,7 @@
               <a:buChar char=""/>
             </a:pPr>
             <a:r>
-              <a:rPr lang="en-IE">
+              <a:rPr lang="en-IE" sz="3200">
                 <a:latin typeface="Arial"/>
               </a:rPr>
               <a:t>Click to edit the outline text format</a:t>
@@ -4070,7 +4071,7 @@
               <a:buChar char=""/>
             </a:pPr>
             <a:r>
-              <a:rPr lang="en-IE">
+              <a:rPr lang="en-IE" sz="2800">
                 <a:latin typeface="Arial"/>
               </a:rPr>
               <a:t>Second Outline Level</a:t>
@@ -4084,7 +4085,7 @@
               <a:buChar char=""/>
             </a:pPr>
             <a:r>
-              <a:rPr lang="en-IE">
+              <a:rPr lang="en-IE" sz="2400">
                 <a:latin typeface="Arial"/>
               </a:rPr>
               <a:t>Third Outline Level</a:t>
@@ -4098,7 +4099,7 @@
               <a:buChar char=""/>
             </a:pPr>
             <a:r>
-              <a:rPr lang="en-IE">
+              <a:rPr lang="en-IE" sz="2000">
                 <a:latin typeface="Arial"/>
               </a:rPr>
               <a:t>Fourth Outline Level</a:t>
@@ -4112,7 +4113,7 @@
               <a:buChar char=""/>
             </a:pPr>
             <a:r>
-              <a:rPr lang="en-IE">
+              <a:rPr lang="en-IE" sz="2000">
                 <a:latin typeface="Arial"/>
               </a:rPr>
               <a:t>Fifth Outline Level</a:t>
@@ -4126,7 +4127,7 @@
               <a:buChar char=""/>
             </a:pPr>
             <a:r>
-              <a:rPr lang="en-IE">
+              <a:rPr lang="en-IE" sz="2000">
                 <a:latin typeface="Arial"/>
               </a:rPr>
               <a:t>Sixth Outline Level</a:t>
@@ -4140,7 +4141,7 @@
               <a:buChar char=""/>
             </a:pPr>
             <a:r>
-              <a:rPr lang="en-IE">
+              <a:rPr lang="en-IE" sz="2000">
                 <a:latin typeface="Arial"/>
               </a:rPr>
               <a:t>Seventh Outline Level</a:t>
@@ -4195,7 +4196,7 @@
         <p:spPr>
           <a:xfrm>
             <a:off x="504000" y="301320"/>
-            <a:ext cx="9067320" cy="1257840"/>
+            <a:ext cx="9066960" cy="1257480"/>
           </a:xfrm>
           <a:prstGeom prst="rect">
             <a:avLst/>
@@ -4236,7 +4237,7 @@
         <p:spPr>
           <a:xfrm>
             <a:off x="504000" y="1769040"/>
-            <a:ext cx="9067320" cy="4380120"/>
+            <a:ext cx="9066960" cy="4379760"/>
           </a:xfrm>
           <a:prstGeom prst="rect">
             <a:avLst/>
@@ -4339,7 +4340,7 @@
         <p:spPr>
           <a:xfrm>
             <a:off x="1296000" y="1800000"/>
-            <a:ext cx="7317720" cy="3942000"/>
+            <a:ext cx="7317360" cy="3941640"/>
           </a:xfrm>
           <a:prstGeom prst="rect">
             <a:avLst/>
@@ -4414,7 +4415,7 @@
         <p:spPr>
           <a:xfrm>
             <a:off x="504360" y="301320"/>
-            <a:ext cx="9070920" cy="1261440"/>
+            <a:ext cx="9070560" cy="1261080"/>
           </a:xfrm>
           <a:prstGeom prst="rect">
             <a:avLst/>
@@ -4461,7 +4462,7 @@
         <p:spPr>
           <a:xfrm>
             <a:off x="791640" y="1907640"/>
-            <a:ext cx="8496360" cy="3096720"/>
+            <a:ext cx="8496000" cy="3096360"/>
           </a:xfrm>
           <a:prstGeom prst="rect">
             <a:avLst/>
@@ -4514,7 +4515,7 @@
         </p:nvGraphicFramePr>
         <p:xfrm>
           <a:off x="1316160" y="3419280"/>
-          <a:ext cx="7252920" cy="1512000"/>
+          <a:ext cx="7252560" cy="1511640"/>
         </p:xfrm>
         <a:graphic>
           <a:graphicData uri="http://schemas.openxmlformats.org/drawingml/2006/table">
@@ -4537,9 +4538,6 @@
                       </a:pPr>
                       <a:r>
                         <a:rPr b="1" lang="en-IE" sz="2400">
-                          <a:solidFill>
-                            <a:srgbClr val="ffffff"/>
-                          </a:solidFill>
                           <a:latin typeface="Calibri"/>
                           <a:ea typeface="宋体"/>
                         </a:rPr>
@@ -4561,9 +4559,6 @@
                       </a:pPr>
                       <a:r>
                         <a:rPr b="1" lang="en-IE" sz="2400">
-                          <a:solidFill>
-                            <a:srgbClr val="ffffff"/>
-                          </a:solidFill>
                           <a:latin typeface="Calibri"/>
                           <a:ea typeface="宋体"/>
                         </a:rPr>
@@ -4585,9 +4580,6 @@
                       </a:pPr>
                       <a:r>
                         <a:rPr b="1" lang="en-IE" sz="2400">
-                          <a:solidFill>
-                            <a:srgbClr val="ffffff"/>
-                          </a:solidFill>
                           <a:latin typeface="Calibri"/>
                           <a:ea typeface="宋体"/>
                         </a:rPr>
@@ -4686,7 +4678,7 @@
         <p:spPr>
           <a:xfrm>
             <a:off x="789120" y="5283000"/>
-            <a:ext cx="8285040" cy="855360"/>
+            <a:ext cx="8284680" cy="855000"/>
           </a:xfrm>
           <a:prstGeom prst="rect">
             <a:avLst/>
@@ -4779,7 +4771,7 @@
         <p:spPr>
           <a:xfrm>
             <a:off x="504360" y="301320"/>
-            <a:ext cx="9070920" cy="1261440"/>
+            <a:ext cx="9070560" cy="1261080"/>
           </a:xfrm>
           <a:prstGeom prst="rect">
             <a:avLst/>
@@ -4820,7 +4812,7 @@
         <p:spPr>
           <a:xfrm>
             <a:off x="720360" y="1978920"/>
-            <a:ext cx="8712360" cy="4173840"/>
+            <a:ext cx="8712000" cy="4173480"/>
           </a:xfrm>
           <a:prstGeom prst="rect">
             <a:avLst/>
@@ -4989,7 +4981,7 @@
         <p:spPr>
           <a:xfrm>
             <a:off x="504000" y="301320"/>
-            <a:ext cx="9069840" cy="1260000"/>
+            <a:ext cx="9069480" cy="1259640"/>
           </a:xfrm>
           <a:prstGeom prst="rect">
             <a:avLst/>
@@ -5026,7 +5018,7 @@
         <p:spPr>
           <a:xfrm>
             <a:off x="504000" y="1768680"/>
-            <a:ext cx="9069840" cy="4381920"/>
+            <a:ext cx="9069480" cy="4381560"/>
           </a:xfrm>
           <a:prstGeom prst="rect">
             <a:avLst/>
@@ -5178,7 +5170,7 @@
         <p:spPr>
           <a:xfrm>
             <a:off x="504000" y="301320"/>
-            <a:ext cx="9069840" cy="1260000"/>
+            <a:ext cx="9069480" cy="1259640"/>
           </a:xfrm>
           <a:prstGeom prst="rect">
             <a:avLst/>
@@ -5215,7 +5207,7 @@
         <p:spPr>
           <a:xfrm>
             <a:off x="504000" y="1768680"/>
-            <a:ext cx="9069840" cy="4381920"/>
+            <a:ext cx="9069480" cy="4381560"/>
           </a:xfrm>
           <a:prstGeom prst="rect">
             <a:avLst/>
@@ -5359,7 +5351,7 @@
         <p:spPr>
           <a:xfrm>
             <a:off x="504000" y="301320"/>
-            <a:ext cx="9069840" cy="1260000"/>
+            <a:ext cx="9069480" cy="1259640"/>
           </a:xfrm>
           <a:prstGeom prst="rect">
             <a:avLst/>
@@ -5379,7 +5371,7 @@
         <p:spPr>
           <a:xfrm>
             <a:off x="504000" y="1768680"/>
-            <a:ext cx="9069840" cy="4381920"/>
+            <a:ext cx="9069480" cy="4381560"/>
           </a:xfrm>
           <a:prstGeom prst="rect">
             <a:avLst/>
@@ -5489,7 +5481,7 @@
         <p:spPr>
           <a:xfrm>
             <a:off x="504000" y="301320"/>
-            <a:ext cx="9069840" cy="1259640"/>
+            <a:ext cx="9069480" cy="1259280"/>
           </a:xfrm>
           <a:prstGeom prst="rect">
             <a:avLst/>
@@ -5530,7 +5522,7 @@
         <p:spPr>
           <a:xfrm>
             <a:off x="504000" y="1768680"/>
-            <a:ext cx="9069840" cy="4381920"/>
+            <a:ext cx="9069480" cy="4381560"/>
           </a:xfrm>
           <a:prstGeom prst="rect">
             <a:avLst/>
@@ -5638,7 +5630,7 @@
         <p:spPr>
           <a:xfrm>
             <a:off x="504000" y="301320"/>
-            <a:ext cx="9069840" cy="1260000"/>
+            <a:ext cx="9069480" cy="1259640"/>
           </a:xfrm>
           <a:prstGeom prst="rect">
             <a:avLst/>
@@ -5675,7 +5667,7 @@
         <p:spPr>
           <a:xfrm>
             <a:off x="504000" y="1768680"/>
-            <a:ext cx="9069840" cy="4381920"/>
+            <a:ext cx="9069480" cy="4381560"/>
           </a:xfrm>
           <a:prstGeom prst="rect">
             <a:avLst/>
@@ -5835,7 +5827,7 @@
         <p:spPr>
           <a:xfrm>
             <a:off x="504000" y="301320"/>
-            <a:ext cx="9069840" cy="1260000"/>
+            <a:ext cx="9069480" cy="1259640"/>
           </a:xfrm>
           <a:prstGeom prst="rect">
             <a:avLst/>
@@ -5872,7 +5864,7 @@
         <p:spPr>
           <a:xfrm>
             <a:off x="504000" y="1768680"/>
-            <a:ext cx="9069840" cy="4381920"/>
+            <a:ext cx="9069480" cy="4381560"/>
           </a:xfrm>
           <a:prstGeom prst="rect">
             <a:avLst/>
@@ -6016,7 +6008,7 @@
         <p:spPr>
           <a:xfrm>
             <a:off x="504000" y="301320"/>
-            <a:ext cx="9069840" cy="1260000"/>
+            <a:ext cx="9069480" cy="1259640"/>
           </a:xfrm>
           <a:prstGeom prst="rect">
             <a:avLst/>
@@ -6053,7 +6045,7 @@
         <p:spPr>
           <a:xfrm>
             <a:off x="504000" y="1768680"/>
-            <a:ext cx="9069840" cy="4381920"/>
+            <a:ext cx="9069480" cy="4381560"/>
           </a:xfrm>
           <a:prstGeom prst="rect">
             <a:avLst/>
@@ -6222,7 +6214,7 @@
         <p:spPr>
           <a:xfrm>
             <a:off x="504000" y="301320"/>
-            <a:ext cx="9069840" cy="1260000"/>
+            <a:ext cx="9069480" cy="1259640"/>
           </a:xfrm>
           <a:prstGeom prst="rect">
             <a:avLst/>
@@ -6259,7 +6251,7 @@
         <p:spPr>
           <a:xfrm>
             <a:off x="504000" y="1768680"/>
-            <a:ext cx="9069840" cy="4381920"/>
+            <a:ext cx="9069480" cy="4381560"/>
           </a:xfrm>
           <a:prstGeom prst="rect">
             <a:avLst/>
@@ -6403,7 +6395,7 @@
         <p:spPr>
           <a:xfrm>
             <a:off x="504000" y="301320"/>
-            <a:ext cx="9069840" cy="1260000"/>
+            <a:ext cx="9069480" cy="1259640"/>
           </a:xfrm>
           <a:prstGeom prst="rect">
             <a:avLst/>
@@ -6440,7 +6432,7 @@
         <p:spPr>
           <a:xfrm>
             <a:off x="504000" y="1768680"/>
-            <a:ext cx="9069840" cy="4381920"/>
+            <a:ext cx="9069480" cy="4381560"/>
           </a:xfrm>
           <a:prstGeom prst="rect">
             <a:avLst/>
@@ -6541,7 +6533,7 @@
         <p:spPr>
           <a:xfrm>
             <a:off x="432000" y="4477320"/>
-            <a:ext cx="4836600" cy="2505600"/>
+            <a:ext cx="4836240" cy="2505240"/>
           </a:xfrm>
           <a:prstGeom prst="rect">
             <a:avLst/>
@@ -6566,7 +6558,7 @@
         <p:spPr>
           <a:xfrm>
             <a:off x="5849280" y="4680000"/>
-            <a:ext cx="2285640" cy="2302920"/>
+            <a:ext cx="2285280" cy="2302560"/>
           </a:xfrm>
           <a:prstGeom prst="rect">
             <a:avLst/>
@@ -6634,7 +6626,7 @@
         <p:spPr>
           <a:xfrm>
             <a:off x="504000" y="301320"/>
-            <a:ext cx="9069840" cy="1260000"/>
+            <a:ext cx="9069480" cy="1259640"/>
           </a:xfrm>
           <a:prstGeom prst="rect">
             <a:avLst/>
@@ -6671,7 +6663,7 @@
         <p:spPr>
           <a:xfrm>
             <a:off x="504000" y="1768680"/>
-            <a:ext cx="9069840" cy="4381920"/>
+            <a:ext cx="9069480" cy="4381560"/>
           </a:xfrm>
           <a:prstGeom prst="rect">
             <a:avLst/>
@@ -6697,7 +6689,7 @@
         <p:spPr>
           <a:xfrm>
             <a:off x="550440" y="2758680"/>
-            <a:ext cx="2905560" cy="2857320"/>
+            <a:ext cx="2905200" cy="2856960"/>
           </a:xfrm>
           <a:prstGeom prst="rect">
             <a:avLst/>
@@ -6722,7 +6714,7 @@
         <p:spPr>
           <a:xfrm>
             <a:off x="4176000" y="1944000"/>
-            <a:ext cx="5400000" cy="4896000"/>
+            <a:ext cx="5399640" cy="4895640"/>
           </a:xfrm>
           <a:prstGeom prst="rect">
             <a:avLst/>
@@ -6797,7 +6789,7 @@
         <p:spPr>
           <a:xfrm>
             <a:off x="504360" y="301320"/>
-            <a:ext cx="9070920" cy="1261440"/>
+            <a:ext cx="9070560" cy="1261080"/>
           </a:xfrm>
           <a:prstGeom prst="rect">
             <a:avLst/>
@@ -6838,7 +6830,7 @@
         <p:spPr>
           <a:xfrm>
             <a:off x="504720" y="1767960"/>
-            <a:ext cx="9072720" cy="4963320"/>
+            <a:ext cx="9072360" cy="4962960"/>
           </a:xfrm>
           <a:prstGeom prst="rect">
             <a:avLst/>
@@ -7040,7 +7032,7 @@
         <p:spPr>
           <a:xfrm>
             <a:off x="5905800" y="2123640"/>
-            <a:ext cx="3244680" cy="2302920"/>
+            <a:ext cx="3244320" cy="2302560"/>
           </a:xfrm>
           <a:prstGeom prst="rect">
             <a:avLst/>
